--- a/Documentation/Presentation-HTMClassifier Serialization.pptx
+++ b/Documentation/Presentation-HTMClassifier Serialization.pptx
@@ -5,7 +5,7 @@
     <p:sldMasterId id="2147483842" r:id="rId1"/>
   </p:sldMasterIdLst>
   <p:notesMasterIdLst>
-    <p:notesMasterId r:id="rId19"/>
+    <p:notesMasterId r:id="rId21"/>
   </p:notesMasterIdLst>
   <p:sldIdLst>
     <p:sldId id="256" r:id="rId2"/>
@@ -14,17 +14,19 @@
     <p:sldId id="259" r:id="rId5"/>
     <p:sldId id="261" r:id="rId6"/>
     <p:sldId id="263" r:id="rId7"/>
-    <p:sldId id="270" r:id="rId8"/>
-    <p:sldId id="271" r:id="rId9"/>
-    <p:sldId id="269" r:id="rId10"/>
+    <p:sldId id="269" r:id="rId8"/>
+    <p:sldId id="274" r:id="rId9"/>
+    <p:sldId id="270" r:id="rId10"/>
     <p:sldId id="273" r:id="rId11"/>
-    <p:sldId id="274" r:id="rId12"/>
-    <p:sldId id="276" r:id="rId13"/>
-    <p:sldId id="275" r:id="rId14"/>
-    <p:sldId id="267" r:id="rId15"/>
-    <p:sldId id="266" r:id="rId16"/>
-    <p:sldId id="272" r:id="rId17"/>
-    <p:sldId id="268" r:id="rId18"/>
+    <p:sldId id="275" r:id="rId12"/>
+    <p:sldId id="278" r:id="rId13"/>
+    <p:sldId id="276" r:id="rId14"/>
+    <p:sldId id="271" r:id="rId15"/>
+    <p:sldId id="267" r:id="rId16"/>
+    <p:sldId id="266" r:id="rId17"/>
+    <p:sldId id="272" r:id="rId18"/>
+    <p:sldId id="268" r:id="rId19"/>
+    <p:sldId id="277" r:id="rId20"/>
   </p:sldIdLst>
   <p:sldSz cx="9144000" cy="5143500" type="screen16x9"/>
   <p:notesSz cx="6858000" cy="9144000"/>
@@ -145,7 +147,7 @@
 <file path=ppt/revisionInfo.xml><?xml version="1.0" encoding="utf-8"?>
 <p1510:revInfo xmlns:a="http://schemas.openxmlformats.org/drawingml/2006/main" xmlns:r="http://schemas.openxmlformats.org/officeDocument/2006/relationships" xmlns:p1510="http://schemas.microsoft.com/office/powerpoint/2015/10/main">
   <p1510:revLst>
-    <p1510:client id="{270D949D-54CF-4A0A-B865-0717EA08389D}" v="1784" dt="2023-03-28T13:39:47.512"/>
+    <p1510:client id="{270D949D-54CF-4A0A-B865-0717EA08389D}" v="2074" dt="2023-03-29T13:14:34.621"/>
     <p1510:client id="{F5CA1B4E-56D1-FB4A-4450-D281C11AB59E}" v="176" dt="2023-03-28T20:20:55.857"/>
   </p1510:revLst>
 </p1510:revInfo>
@@ -154,55 +156,216 @@
 <file path=ppt/changesInfos/changesInfo1.xml><?xml version="1.0" encoding="utf-8"?>
 <pc:chgInfo xmlns:a="http://schemas.openxmlformats.org/drawingml/2006/main" xmlns:r="http://schemas.openxmlformats.org/officeDocument/2006/relationships" xmlns:ac="http://schemas.microsoft.com/office/drawing/2013/main/command" xmlns:pc="http://schemas.microsoft.com/office/powerpoint/2013/main/command">
   <pc:docChgLst>
-    <pc:chgData name="Aneeta Antony" userId="S::aneeta.antony@stud.fra-uas.de::acab6e3f-b893-4f32-b13c-4a02e1113944" providerId="AD" clId="Web-{98EE2D34-70EB-2D8C-39CD-898893C0E5C9}"/>
-    <pc:docChg chg="delSld modSld">
-      <pc:chgData name="Aneeta Antony" userId="S::aneeta.antony@stud.fra-uas.de::acab6e3f-b893-4f32-b13c-4a02e1113944" providerId="AD" clId="Web-{98EE2D34-70EB-2D8C-39CD-898893C0E5C9}" dt="2023-03-22T16:23:05.159" v="122" actId="20577"/>
+    <pc:chgData name="Rohit Suresh" userId="S::rohit.suresh@stud.fra-uas.de::36199f66-74b1-452b-a60e-7d97ea0bc7b5" providerId="AD" clId="Web-{F5CA1B4E-56D1-FB4A-4450-D281C11AB59E}"/>
+    <pc:docChg chg="modSld">
+      <pc:chgData name="Rohit Suresh" userId="S::rohit.suresh@stud.fra-uas.de::36199f66-74b1-452b-a60e-7d97ea0bc7b5" providerId="AD" clId="Web-{F5CA1B4E-56D1-FB4A-4450-D281C11AB59E}" dt="2023-03-28T20:20:55.857" v="164" actId="20577"/>
       <pc:docMkLst>
         <pc:docMk/>
       </pc:docMkLst>
-      <pc:sldChg chg="del">
-        <pc:chgData name="Aneeta Antony" userId="S::aneeta.antony@stud.fra-uas.de::acab6e3f-b893-4f32-b13c-4a02e1113944" providerId="AD" clId="Web-{98EE2D34-70EB-2D8C-39CD-898893C0E5C9}" dt="2023-03-22T16:16:22.972" v="0"/>
+      <pc:sldChg chg="modSp">
+        <pc:chgData name="Rohit Suresh" userId="S::rohit.suresh@stud.fra-uas.de::36199f66-74b1-452b-a60e-7d97ea0bc7b5" providerId="AD" clId="Web-{F5CA1B4E-56D1-FB4A-4450-D281C11AB59E}" dt="2023-03-28T14:41:14.030" v="1" actId="20577"/>
         <pc:sldMkLst>
           <pc:docMk/>
-          <pc:sldMk cId="0" sldId="260"/>
+          <pc:sldMk cId="0" sldId="256"/>
         </pc:sldMkLst>
+        <pc:spChg chg="mod">
+          <ac:chgData name="Rohit Suresh" userId="S::rohit.suresh@stud.fra-uas.de::36199f66-74b1-452b-a60e-7d97ea0bc7b5" providerId="AD" clId="Web-{F5CA1B4E-56D1-FB4A-4450-D281C11AB59E}" dt="2023-03-28T14:41:14.030" v="1" actId="20577"/>
+          <ac:spMkLst>
+            <pc:docMk/>
+            <pc:sldMk cId="0" sldId="256"/>
+            <ac:spMk id="54" creationId="{00000000-0000-0000-0000-000000000000}"/>
+          </ac:spMkLst>
+        </pc:spChg>
       </pc:sldChg>
       <pc:sldChg chg="modSp">
-        <pc:chgData name="Aneeta Antony" userId="S::aneeta.antony@stud.fra-uas.de::acab6e3f-b893-4f32-b13c-4a02e1113944" providerId="AD" clId="Web-{98EE2D34-70EB-2D8C-39CD-898893C0E5C9}" dt="2023-03-22T16:23:05.159" v="122" actId="20577"/>
+        <pc:chgData name="Rohit Suresh" userId="S::rohit.suresh@stud.fra-uas.de::36199f66-74b1-452b-a60e-7d97ea0bc7b5" providerId="AD" clId="Web-{F5CA1B4E-56D1-FB4A-4450-D281C11AB59E}" dt="2023-03-28T15:02:45.032" v="140" actId="14100"/>
         <pc:sldMkLst>
           <pc:docMk/>
-          <pc:sldMk cId="0" sldId="261"/>
+          <pc:sldMk cId="0" sldId="258"/>
         </pc:sldMkLst>
         <pc:spChg chg="mod">
-          <ac:chgData name="Aneeta Antony" userId="S::aneeta.antony@stud.fra-uas.de::acab6e3f-b893-4f32-b13c-4a02e1113944" providerId="AD" clId="Web-{98EE2D34-70EB-2D8C-39CD-898893C0E5C9}" dt="2023-03-22T16:23:05.159" v="122" actId="20577"/>
+          <ac:chgData name="Rohit Suresh" userId="S::rohit.suresh@stud.fra-uas.de::36199f66-74b1-452b-a60e-7d97ea0bc7b5" providerId="AD" clId="Web-{F5CA1B4E-56D1-FB4A-4450-D281C11AB59E}" dt="2023-03-28T14:45:35.865" v="5" actId="1076"/>
           <ac:spMkLst>
             <pc:docMk/>
-            <pc:sldMk cId="0" sldId="261"/>
-            <ac:spMk id="86" creationId="{00000000-0000-0000-0000-000000000000}"/>
+            <pc:sldMk cId="0" sldId="258"/>
+            <ac:spMk id="67" creationId="{00000000-0000-0000-0000-000000000000}"/>
           </ac:spMkLst>
         </pc:spChg>
+        <pc:graphicFrameChg chg="mod">
+          <ac:chgData name="Rohit Suresh" userId="S::rohit.suresh@stud.fra-uas.de::36199f66-74b1-452b-a60e-7d97ea0bc7b5" providerId="AD" clId="Web-{F5CA1B4E-56D1-FB4A-4450-D281C11AB59E}" dt="2023-03-28T15:02:45.032" v="140" actId="14100"/>
+          <ac:graphicFrameMkLst>
+            <pc:docMk/>
+            <pc:sldMk cId="0" sldId="258"/>
+            <ac:graphicFrameMk id="96" creationId="{BADC7FD1-1CED-950E-4570-06FB7E3AC135}"/>
+          </ac:graphicFrameMkLst>
+        </pc:graphicFrameChg>
+      </pc:sldChg>
+      <pc:sldChg chg="modSp">
+        <pc:chgData name="Rohit Suresh" userId="S::rohit.suresh@stud.fra-uas.de::36199f66-74b1-452b-a60e-7d97ea0bc7b5" providerId="AD" clId="Web-{F5CA1B4E-56D1-FB4A-4450-D281C11AB59E}" dt="2023-03-28T15:02:33.875" v="139" actId="1076"/>
+        <pc:sldMkLst>
+          <pc:docMk/>
+          <pc:sldMk cId="0" sldId="259"/>
+        </pc:sldMkLst>
+        <pc:graphicFrameChg chg="mod">
+          <ac:chgData name="Rohit Suresh" userId="S::rohit.suresh@stud.fra-uas.de::36199f66-74b1-452b-a60e-7d97ea0bc7b5" providerId="AD" clId="Web-{F5CA1B4E-56D1-FB4A-4450-D281C11AB59E}" dt="2023-03-28T15:02:33.875" v="139" actId="1076"/>
+          <ac:graphicFrameMkLst>
+            <pc:docMk/>
+            <pc:sldMk cId="0" sldId="259"/>
+            <ac:graphicFrameMk id="93" creationId="{7FC3E4C5-D4CF-70D5-761C-655F055FFA75}"/>
+          </ac:graphicFrameMkLst>
+        </pc:graphicFrameChg>
+      </pc:sldChg>
+      <pc:sldChg chg="modSp">
+        <pc:chgData name="Rohit Suresh" userId="S::rohit.suresh@stud.fra-uas.de::36199f66-74b1-452b-a60e-7d97ea0bc7b5" providerId="AD" clId="Web-{F5CA1B4E-56D1-FB4A-4450-D281C11AB59E}" dt="2023-03-28T14:50:57.545" v="29" actId="20577"/>
+        <pc:sldMkLst>
+          <pc:docMk/>
+          <pc:sldMk cId="0" sldId="263"/>
+        </pc:sldMkLst>
+        <pc:graphicFrameChg chg="modGraphic">
+          <ac:chgData name="Rohit Suresh" userId="S::rohit.suresh@stud.fra-uas.de::36199f66-74b1-452b-a60e-7d97ea0bc7b5" providerId="AD" clId="Web-{F5CA1B4E-56D1-FB4A-4450-D281C11AB59E}" dt="2023-03-28T14:50:57.545" v="29" actId="20577"/>
+          <ac:graphicFrameMkLst>
+            <pc:docMk/>
+            <pc:sldMk cId="0" sldId="263"/>
+            <ac:graphicFrameMk id="101" creationId="{2FB155F6-3D78-4AE2-3FFA-8B5A9A385C1C}"/>
+          </ac:graphicFrameMkLst>
+        </pc:graphicFrameChg>
+      </pc:sldChg>
+      <pc:sldChg chg="modSp">
+        <pc:chgData name="Rohit Suresh" userId="S::rohit.suresh@stud.fra-uas.de::36199f66-74b1-452b-a60e-7d97ea0bc7b5" providerId="AD" clId="Web-{F5CA1B4E-56D1-FB4A-4450-D281C11AB59E}" dt="2023-03-28T15:00:27.653" v="138" actId="20577"/>
+        <pc:sldMkLst>
+          <pc:docMk/>
+          <pc:sldMk cId="0" sldId="266"/>
+        </pc:sldMkLst>
+        <pc:spChg chg="mod">
+          <ac:chgData name="Rohit Suresh" userId="S::rohit.suresh@stud.fra-uas.de::36199f66-74b1-452b-a60e-7d97ea0bc7b5" providerId="AD" clId="Web-{F5CA1B4E-56D1-FB4A-4450-D281C11AB59E}" dt="2023-03-28T15:00:27.653" v="138" actId="20577"/>
+          <ac:spMkLst>
+            <pc:docMk/>
+            <pc:sldMk cId="0" sldId="266"/>
+            <ac:spMk id="118" creationId="{00000000-0000-0000-0000-000000000000}"/>
+          </ac:spMkLst>
+        </pc:spChg>
+      </pc:sldChg>
+      <pc:sldChg chg="modSp">
+        <pc:chgData name="Rohit Suresh" userId="S::rohit.suresh@stud.fra-uas.de::36199f66-74b1-452b-a60e-7d97ea0bc7b5" providerId="AD" clId="Web-{F5CA1B4E-56D1-FB4A-4450-D281C11AB59E}" dt="2023-03-28T20:18:02.774" v="142" actId="1076"/>
+        <pc:sldMkLst>
+          <pc:docMk/>
+          <pc:sldMk cId="0" sldId="267"/>
+        </pc:sldMkLst>
+        <pc:picChg chg="mod">
+          <ac:chgData name="Rohit Suresh" userId="S::rohit.suresh@stud.fra-uas.de::36199f66-74b1-452b-a60e-7d97ea0bc7b5" providerId="AD" clId="Web-{F5CA1B4E-56D1-FB4A-4450-D281C11AB59E}" dt="2023-03-28T20:18:02.774" v="142" actId="1076"/>
+          <ac:picMkLst>
+            <pc:docMk/>
+            <pc:sldMk cId="0" sldId="267"/>
+            <ac:picMk id="3" creationId="{3B3C4656-B589-A586-173F-EBA65DD9F868}"/>
+          </ac:picMkLst>
+        </pc:picChg>
+      </pc:sldChg>
+      <pc:sldChg chg="addSp delSp modSp">
+        <pc:chgData name="Rohit Suresh" userId="S::rohit.suresh@stud.fra-uas.de::36199f66-74b1-452b-a60e-7d97ea0bc7b5" providerId="AD" clId="Web-{F5CA1B4E-56D1-FB4A-4450-D281C11AB59E}" dt="2023-03-28T20:20:55.857" v="164" actId="20577"/>
+        <pc:sldMkLst>
+          <pc:docMk/>
+          <pc:sldMk cId="0" sldId="268"/>
+        </pc:sldMkLst>
+        <pc:spChg chg="add del mod">
+          <ac:chgData name="Rohit Suresh" userId="S::rohit.suresh@stud.fra-uas.de::36199f66-74b1-452b-a60e-7d97ea0bc7b5" providerId="AD" clId="Web-{F5CA1B4E-56D1-FB4A-4450-D281C11AB59E}" dt="2023-03-28T14:52:31.938" v="39"/>
+          <ac:spMkLst>
+            <pc:docMk/>
+            <pc:sldMk cId="0" sldId="268"/>
+            <ac:spMk id="4" creationId="{DEE7DAA5-7DBF-B5D1-1280-F8E0144FD31C}"/>
+          </ac:spMkLst>
+        </pc:spChg>
+        <pc:spChg chg="add del mod">
+          <ac:chgData name="Rohit Suresh" userId="S::rohit.suresh@stud.fra-uas.de::36199f66-74b1-452b-a60e-7d97ea0bc7b5" providerId="AD" clId="Web-{F5CA1B4E-56D1-FB4A-4450-D281C11AB59E}" dt="2023-03-28T14:53:11.689" v="54"/>
+          <ac:spMkLst>
+            <pc:docMk/>
+            <pc:sldMk cId="0" sldId="268"/>
+            <ac:spMk id="7" creationId="{254201E2-250B-B0D0-86A7-7E10E8435762}"/>
+          </ac:spMkLst>
+        </pc:spChg>
+        <pc:spChg chg="mod">
+          <ac:chgData name="Rohit Suresh" userId="S::rohit.suresh@stud.fra-uas.de::36199f66-74b1-452b-a60e-7d97ea0bc7b5" providerId="AD" clId="Web-{F5CA1B4E-56D1-FB4A-4450-D281C11AB59E}" dt="2023-03-28T20:20:55.857" v="164" actId="20577"/>
+          <ac:spMkLst>
+            <pc:docMk/>
+            <pc:sldMk cId="0" sldId="268"/>
+            <ac:spMk id="131" creationId="{00000000-0000-0000-0000-000000000000}"/>
+          </ac:spMkLst>
+        </pc:spChg>
+        <pc:graphicFrameChg chg="add del mod">
+          <ac:chgData name="Rohit Suresh" userId="S::rohit.suresh@stud.fra-uas.de::36199f66-74b1-452b-a60e-7d97ea0bc7b5" providerId="AD" clId="Web-{F5CA1B4E-56D1-FB4A-4450-D281C11AB59E}" dt="2023-03-28T14:52:31.938" v="40"/>
+          <ac:graphicFrameMkLst>
+            <pc:docMk/>
+            <pc:sldMk cId="0" sldId="268"/>
+            <ac:graphicFrameMk id="3" creationId="{DD6573A4-57CA-77F1-2C0E-A41C53F42ACF}"/>
+          </ac:graphicFrameMkLst>
+        </pc:graphicFrameChg>
+        <pc:graphicFrameChg chg="add del mod modGraphic">
+          <ac:chgData name="Rohit Suresh" userId="S::rohit.suresh@stud.fra-uas.de::36199f66-74b1-452b-a60e-7d97ea0bc7b5" providerId="AD" clId="Web-{F5CA1B4E-56D1-FB4A-4450-D281C11AB59E}" dt="2023-03-28T14:55:46.099" v="76"/>
+          <ac:graphicFrameMkLst>
+            <pc:docMk/>
+            <pc:sldMk cId="0" sldId="268"/>
+            <ac:graphicFrameMk id="6" creationId="{6BFCF33E-5F25-2824-D49A-AD247991BB88}"/>
+          </ac:graphicFrameMkLst>
+        </pc:graphicFrameChg>
+        <pc:graphicFrameChg chg="add del mod">
+          <ac:chgData name="Rohit Suresh" userId="S::rohit.suresh@stud.fra-uas.de::36199f66-74b1-452b-a60e-7d97ea0bc7b5" providerId="AD" clId="Web-{F5CA1B4E-56D1-FB4A-4450-D281C11AB59E}" dt="2023-03-28T14:54:42.801" v="68"/>
+          <ac:graphicFrameMkLst>
+            <pc:docMk/>
+            <pc:sldMk cId="0" sldId="268"/>
+            <ac:graphicFrameMk id="9" creationId="{A6FED3CE-12AB-600E-3A9B-B958C8AB56CE}"/>
+          </ac:graphicFrameMkLst>
+        </pc:graphicFrameChg>
       </pc:sldChg>
     </pc:docChg>
   </pc:docChgLst>
   <pc:docChgLst>
-    <pc:chgData name="Aneeta Antony" userId="S::aneeta.antony@stud.fra-uas.de::acab6e3f-b893-4f32-b13c-4a02e1113944" providerId="AD" clId="Web-{4105A9AB-A60E-04FD-AAA4-8BF9EBF06554}"/>
+    <pc:chgData name="Rohit Suresh" userId="S::rohit.suresh@stud.fra-uas.de::36199f66-74b1-452b-a60e-7d97ea0bc7b5" providerId="AD" clId="Web-{7B525185-F96D-9729-FF26-50B5ECAE0989}"/>
     <pc:docChg chg="modSld">
-      <pc:chgData name="Aneeta Antony" userId="S::aneeta.antony@stud.fra-uas.de::acab6e3f-b893-4f32-b13c-4a02e1113944" providerId="AD" clId="Web-{4105A9AB-A60E-04FD-AAA4-8BF9EBF06554}" dt="2023-03-22T16:15:34.995" v="246" actId="20577"/>
+      <pc:chgData name="Rohit Suresh" userId="S::rohit.suresh@stud.fra-uas.de::36199f66-74b1-452b-a60e-7d97ea0bc7b5" providerId="AD" clId="Web-{7B525185-F96D-9729-FF26-50B5ECAE0989}" dt="2023-03-22T12:43:32.444" v="190" actId="20577"/>
       <pc:docMkLst>
         <pc:docMk/>
       </pc:docMkLst>
       <pc:sldChg chg="modSp">
-        <pc:chgData name="Aneeta Antony" userId="S::aneeta.antony@stud.fra-uas.de::acab6e3f-b893-4f32-b13c-4a02e1113944" providerId="AD" clId="Web-{4105A9AB-A60E-04FD-AAA4-8BF9EBF06554}" dt="2023-03-22T16:15:34.995" v="246" actId="20577"/>
+        <pc:chgData name="Rohit Suresh" userId="S::rohit.suresh@stud.fra-uas.de::36199f66-74b1-452b-a60e-7d97ea0bc7b5" providerId="AD" clId="Web-{7B525185-F96D-9729-FF26-50B5ECAE0989}" dt="2023-03-22T10:11:13.962" v="3" actId="20577"/>
         <pc:sldMkLst>
           <pc:docMk/>
-          <pc:sldMk cId="0" sldId="261"/>
+          <pc:sldMk cId="0" sldId="256"/>
         </pc:sldMkLst>
         <pc:spChg chg="mod">
-          <ac:chgData name="Aneeta Antony" userId="S::aneeta.antony@stud.fra-uas.de::acab6e3f-b893-4f32-b13c-4a02e1113944" providerId="AD" clId="Web-{4105A9AB-A60E-04FD-AAA4-8BF9EBF06554}" dt="2023-03-22T16:15:34.995" v="246" actId="20577"/>
+          <ac:chgData name="Rohit Suresh" userId="S::rohit.suresh@stud.fra-uas.de::36199f66-74b1-452b-a60e-7d97ea0bc7b5" providerId="AD" clId="Web-{7B525185-F96D-9729-FF26-50B5ECAE0989}" dt="2023-03-22T10:11:13.962" v="3" actId="20577"/>
           <ac:spMkLst>
             <pc:docMk/>
-            <pc:sldMk cId="0" sldId="261"/>
-            <ac:spMk id="86" creationId="{00000000-0000-0000-0000-000000000000}"/>
+            <pc:sldMk cId="0" sldId="256"/>
+            <ac:spMk id="55" creationId="{00000000-0000-0000-0000-000000000000}"/>
+          </ac:spMkLst>
+        </pc:spChg>
+      </pc:sldChg>
+      <pc:sldChg chg="modSp">
+        <pc:chgData name="Rohit Suresh" userId="S::rohit.suresh@stud.fra-uas.de::36199f66-74b1-452b-a60e-7d97ea0bc7b5" providerId="AD" clId="Web-{7B525185-F96D-9729-FF26-50B5ECAE0989}" dt="2023-03-22T12:43:32.444" v="190" actId="20577"/>
+        <pc:sldMkLst>
+          <pc:docMk/>
+          <pc:sldMk cId="0" sldId="258"/>
+        </pc:sldMkLst>
+        <pc:graphicFrameChg chg="modGraphic">
+          <ac:chgData name="Rohit Suresh" userId="S::rohit.suresh@stud.fra-uas.de::36199f66-74b1-452b-a60e-7d97ea0bc7b5" providerId="AD" clId="Web-{7B525185-F96D-9729-FF26-50B5ECAE0989}" dt="2023-03-22T12:43:32.444" v="190" actId="20577"/>
+          <ac:graphicFrameMkLst>
+            <pc:docMk/>
+            <pc:sldMk cId="0" sldId="258"/>
+            <ac:graphicFrameMk id="96" creationId="{BADC7FD1-1CED-950E-4570-06FB7E3AC135}"/>
+          </ac:graphicFrameMkLst>
+        </pc:graphicFrameChg>
+      </pc:sldChg>
+      <pc:sldChg chg="modSp">
+        <pc:chgData name="Rohit Suresh" userId="S::rohit.suresh@stud.fra-uas.de::36199f66-74b1-452b-a60e-7d97ea0bc7b5" providerId="AD" clId="Web-{7B525185-F96D-9729-FF26-50B5ECAE0989}" dt="2023-03-22T11:06:48.860" v="112" actId="20577"/>
+        <pc:sldMkLst>
+          <pc:docMk/>
+          <pc:sldMk cId="0" sldId="268"/>
+        </pc:sldMkLst>
+        <pc:spChg chg="mod">
+          <ac:chgData name="Rohit Suresh" userId="S::rohit.suresh@stud.fra-uas.de::36199f66-74b1-452b-a60e-7d97ea0bc7b5" providerId="AD" clId="Web-{7B525185-F96D-9729-FF26-50B5ECAE0989}" dt="2023-03-22T11:06:48.860" v="112" actId="20577"/>
+          <ac:spMkLst>
+            <pc:docMk/>
+            <pc:sldMk cId="0" sldId="268"/>
+            <ac:spMk id="131" creationId="{00000000-0000-0000-0000-000000000000}"/>
           </ac:spMkLst>
         </pc:spChg>
       </pc:sldChg>
@@ -641,9 +804,64 @@
     </pc:docChg>
   </pc:docChgLst>
   <pc:docChgLst>
+    <pc:chgData name="Aneeta Antony" userId="S::aneeta.antony@stud.fra-uas.de::acab6e3f-b893-4f32-b13c-4a02e1113944" providerId="AD" clId="Web-{4105A9AB-A60E-04FD-AAA4-8BF9EBF06554}"/>
+    <pc:docChg chg="modSld">
+      <pc:chgData name="Aneeta Antony" userId="S::aneeta.antony@stud.fra-uas.de::acab6e3f-b893-4f32-b13c-4a02e1113944" providerId="AD" clId="Web-{4105A9AB-A60E-04FD-AAA4-8BF9EBF06554}" dt="2023-03-22T16:15:34.995" v="246" actId="20577"/>
+      <pc:docMkLst>
+        <pc:docMk/>
+      </pc:docMkLst>
+      <pc:sldChg chg="modSp">
+        <pc:chgData name="Aneeta Antony" userId="S::aneeta.antony@stud.fra-uas.de::acab6e3f-b893-4f32-b13c-4a02e1113944" providerId="AD" clId="Web-{4105A9AB-A60E-04FD-AAA4-8BF9EBF06554}" dt="2023-03-22T16:15:34.995" v="246" actId="20577"/>
+        <pc:sldMkLst>
+          <pc:docMk/>
+          <pc:sldMk cId="0" sldId="261"/>
+        </pc:sldMkLst>
+        <pc:spChg chg="mod">
+          <ac:chgData name="Aneeta Antony" userId="S::aneeta.antony@stud.fra-uas.de::acab6e3f-b893-4f32-b13c-4a02e1113944" providerId="AD" clId="Web-{4105A9AB-A60E-04FD-AAA4-8BF9EBF06554}" dt="2023-03-22T16:15:34.995" v="246" actId="20577"/>
+          <ac:spMkLst>
+            <pc:docMk/>
+            <pc:sldMk cId="0" sldId="261"/>
+            <ac:spMk id="86" creationId="{00000000-0000-0000-0000-000000000000}"/>
+          </ac:spMkLst>
+        </pc:spChg>
+      </pc:sldChg>
+    </pc:docChg>
+  </pc:docChgLst>
+  <pc:docChgLst>
+    <pc:chgData name="Aneeta Antony" userId="S::aneeta.antony@stud.fra-uas.de::acab6e3f-b893-4f32-b13c-4a02e1113944" providerId="AD" clId="Web-{98EE2D34-70EB-2D8C-39CD-898893C0E5C9}"/>
+    <pc:docChg chg="delSld modSld">
+      <pc:chgData name="Aneeta Antony" userId="S::aneeta.antony@stud.fra-uas.de::acab6e3f-b893-4f32-b13c-4a02e1113944" providerId="AD" clId="Web-{98EE2D34-70EB-2D8C-39CD-898893C0E5C9}" dt="2023-03-22T16:23:05.159" v="122" actId="20577"/>
+      <pc:docMkLst>
+        <pc:docMk/>
+      </pc:docMkLst>
+      <pc:sldChg chg="del">
+        <pc:chgData name="Aneeta Antony" userId="S::aneeta.antony@stud.fra-uas.de::acab6e3f-b893-4f32-b13c-4a02e1113944" providerId="AD" clId="Web-{98EE2D34-70EB-2D8C-39CD-898893C0E5C9}" dt="2023-03-22T16:16:22.972" v="0"/>
+        <pc:sldMkLst>
+          <pc:docMk/>
+          <pc:sldMk cId="0" sldId="260"/>
+        </pc:sldMkLst>
+      </pc:sldChg>
+      <pc:sldChg chg="modSp">
+        <pc:chgData name="Aneeta Antony" userId="S::aneeta.antony@stud.fra-uas.de::acab6e3f-b893-4f32-b13c-4a02e1113944" providerId="AD" clId="Web-{98EE2D34-70EB-2D8C-39CD-898893C0E5C9}" dt="2023-03-22T16:23:05.159" v="122" actId="20577"/>
+        <pc:sldMkLst>
+          <pc:docMk/>
+          <pc:sldMk cId="0" sldId="261"/>
+        </pc:sldMkLst>
+        <pc:spChg chg="mod">
+          <ac:chgData name="Aneeta Antony" userId="S::aneeta.antony@stud.fra-uas.de::acab6e3f-b893-4f32-b13c-4a02e1113944" providerId="AD" clId="Web-{98EE2D34-70EB-2D8C-39CD-898893C0E5C9}" dt="2023-03-22T16:23:05.159" v="122" actId="20577"/>
+          <ac:spMkLst>
+            <pc:docMk/>
+            <pc:sldMk cId="0" sldId="261"/>
+            <ac:spMk id="86" creationId="{00000000-0000-0000-0000-000000000000}"/>
+          </ac:spMkLst>
+        </pc:spChg>
+      </pc:sldChg>
+    </pc:docChg>
+  </pc:docChgLst>
+  <pc:docChgLst>
     <pc:chgData name="Aneeta Antony" userId="acab6e3f-b893-4f32-b13c-4a02e1113944" providerId="ADAL" clId="{270D949D-54CF-4A0A-B865-0717EA08389D}"/>
-    <pc:docChg chg="undo custSel addSld delSld modSld">
-      <pc:chgData name="Aneeta Antony" userId="acab6e3f-b893-4f32-b13c-4a02e1113944" providerId="ADAL" clId="{270D949D-54CF-4A0A-B865-0717EA08389D}" dt="2023-03-28T13:39:47.512" v="2965" actId="20577"/>
+    <pc:docChg chg="undo custSel addSld delSld modSld sldOrd">
+      <pc:chgData name="Aneeta Antony" userId="acab6e3f-b893-4f32-b13c-4a02e1113944" providerId="ADAL" clId="{270D949D-54CF-4A0A-B865-0717EA08389D}" dt="2023-03-29T13:16:28.078" v="3326" actId="1076"/>
       <pc:docMkLst>
         <pc:docMk/>
       </pc:docMkLst>
@@ -814,7 +1032,7 @@
         </pc:cxnChg>
       </pc:sldChg>
       <pc:sldChg chg="modSp mod">
-        <pc:chgData name="Aneeta Antony" userId="acab6e3f-b893-4f32-b13c-4a02e1113944" providerId="ADAL" clId="{270D949D-54CF-4A0A-B865-0717EA08389D}" dt="2023-03-27T10:19:42.801" v="2937" actId="20577"/>
+        <pc:chgData name="Aneeta Antony" userId="acab6e3f-b893-4f32-b13c-4a02e1113944" providerId="ADAL" clId="{270D949D-54CF-4A0A-B865-0717EA08389D}" dt="2023-03-29T13:14:48.398" v="3318" actId="14100"/>
         <pc:sldMkLst>
           <pc:docMk/>
           <pc:sldMk cId="0" sldId="258"/>
@@ -828,7 +1046,7 @@
           </ac:spMkLst>
         </pc:spChg>
         <pc:graphicFrameChg chg="mod">
-          <ac:chgData name="Aneeta Antony" userId="acab6e3f-b893-4f32-b13c-4a02e1113944" providerId="ADAL" clId="{270D949D-54CF-4A0A-B865-0717EA08389D}" dt="2023-03-27T10:19:42.801" v="2937" actId="20577"/>
+          <ac:chgData name="Aneeta Antony" userId="acab6e3f-b893-4f32-b13c-4a02e1113944" providerId="ADAL" clId="{270D949D-54CF-4A0A-B865-0717EA08389D}" dt="2023-03-29T13:14:48.398" v="3318" actId="14100"/>
           <ac:graphicFrameMkLst>
             <pc:docMk/>
             <pc:sldMk cId="0" sldId="258"/>
@@ -1027,7 +1245,7 @@
         </pc:cxnChg>
       </pc:sldChg>
       <pc:sldChg chg="addSp delSp modSp mod delDesignElem">
-        <pc:chgData name="Aneeta Antony" userId="acab6e3f-b893-4f32-b13c-4a02e1113944" providerId="ADAL" clId="{270D949D-54CF-4A0A-B865-0717EA08389D}" dt="2023-03-23T14:09:00.469" v="2607"/>
+        <pc:chgData name="Aneeta Antony" userId="acab6e3f-b893-4f32-b13c-4a02e1113944" providerId="ADAL" clId="{270D949D-54CF-4A0A-B865-0717EA08389D}" dt="2023-03-29T13:15:28.743" v="3319" actId="1076"/>
         <pc:sldMkLst>
           <pc:docMk/>
           <pc:sldMk cId="0" sldId="261"/>
@@ -1041,7 +1259,7 @@
           </ac:spMkLst>
         </pc:spChg>
         <pc:spChg chg="mod">
-          <ac:chgData name="Aneeta Antony" userId="acab6e3f-b893-4f32-b13c-4a02e1113944" providerId="ADAL" clId="{270D949D-54CF-4A0A-B865-0717EA08389D}" dt="2023-03-23T14:02:23.640" v="2195" actId="20577"/>
+          <ac:chgData name="Aneeta Antony" userId="acab6e3f-b893-4f32-b13c-4a02e1113944" providerId="ADAL" clId="{270D949D-54CF-4A0A-B865-0717EA08389D}" dt="2023-03-29T13:15:28.743" v="3319" actId="1076"/>
           <ac:spMkLst>
             <pc:docMk/>
             <pc:sldMk cId="0" sldId="261"/>
@@ -1249,7 +1467,7 @@
         </pc:cxnChg>
       </pc:sldChg>
       <pc:sldChg chg="delSp modSp delDesignElem">
-        <pc:chgData name="Aneeta Antony" userId="acab6e3f-b893-4f32-b13c-4a02e1113944" providerId="ADAL" clId="{270D949D-54CF-4A0A-B865-0717EA08389D}" dt="2023-03-23T14:03:10.025" v="2219" actId="20577"/>
+        <pc:chgData name="Aneeta Antony" userId="acab6e3f-b893-4f32-b13c-4a02e1113944" providerId="ADAL" clId="{270D949D-54CF-4A0A-B865-0717EA08389D}" dt="2023-03-29T05:36:05.382" v="3153" actId="20577"/>
         <pc:sldMkLst>
           <pc:docMk/>
           <pc:sldMk cId="0" sldId="263"/>
@@ -1271,7 +1489,7 @@
           </ac:spMkLst>
         </pc:spChg>
         <pc:graphicFrameChg chg="mod">
-          <ac:chgData name="Aneeta Antony" userId="acab6e3f-b893-4f32-b13c-4a02e1113944" providerId="ADAL" clId="{270D949D-54CF-4A0A-B865-0717EA08389D}" dt="2023-03-23T14:03:10.025" v="2219" actId="20577"/>
+          <ac:chgData name="Aneeta Antony" userId="acab6e3f-b893-4f32-b13c-4a02e1113944" providerId="ADAL" clId="{270D949D-54CF-4A0A-B865-0717EA08389D}" dt="2023-03-29T05:36:05.382" v="3153" actId="20577"/>
           <ac:graphicFrameMkLst>
             <pc:docMk/>
             <pc:sldMk cId="0" sldId="263"/>
@@ -1366,13 +1584,13 @@
         </pc:spChg>
       </pc:sldChg>
       <pc:sldChg chg="delSp modSp mod delDesignElem">
-        <pc:chgData name="Aneeta Antony" userId="acab6e3f-b893-4f32-b13c-4a02e1113944" providerId="ADAL" clId="{270D949D-54CF-4A0A-B865-0717EA08389D}" dt="2023-03-23T15:29:02.894" v="2721" actId="108"/>
+        <pc:chgData name="Aneeta Antony" userId="acab6e3f-b893-4f32-b13c-4a02e1113944" providerId="ADAL" clId="{270D949D-54CF-4A0A-B865-0717EA08389D}" dt="2023-03-29T13:13:56.422" v="3315" actId="20577"/>
         <pc:sldMkLst>
           <pc:docMk/>
           <pc:sldMk cId="0" sldId="266"/>
         </pc:sldMkLst>
         <pc:spChg chg="mod">
-          <ac:chgData name="Aneeta Antony" userId="acab6e3f-b893-4f32-b13c-4a02e1113944" providerId="ADAL" clId="{270D949D-54CF-4A0A-B865-0717EA08389D}" dt="2023-03-23T15:29:02.894" v="2721" actId="108"/>
+          <ac:chgData name="Aneeta Antony" userId="acab6e3f-b893-4f32-b13c-4a02e1113944" providerId="ADAL" clId="{270D949D-54CF-4A0A-B865-0717EA08389D}" dt="2023-03-29T13:13:56.422" v="3315" actId="20577"/>
           <ac:spMkLst>
             <pc:docMk/>
             <pc:sldMk cId="0" sldId="266"/>
@@ -1404,14 +1622,30 @@
           </ac:cxnSpMkLst>
         </pc:cxnChg>
       </pc:sldChg>
-      <pc:sldChg chg="addSp delSp modSp mod delDesignElem">
-        <pc:chgData name="Aneeta Antony" userId="acab6e3f-b893-4f32-b13c-4a02e1113944" providerId="ADAL" clId="{270D949D-54CF-4A0A-B865-0717EA08389D}" dt="2023-03-28T13:33:50.861" v="2948" actId="1076"/>
+      <pc:sldChg chg="addSp delSp modSp mod ord delDesignElem">
+        <pc:chgData name="Aneeta Antony" userId="acab6e3f-b893-4f32-b13c-4a02e1113944" providerId="ADAL" clId="{270D949D-54CF-4A0A-B865-0717EA08389D}" dt="2023-03-29T13:16:28.078" v="3326" actId="1076"/>
         <pc:sldMkLst>
           <pc:docMk/>
           <pc:sldMk cId="0" sldId="267"/>
         </pc:sldMkLst>
-        <pc:spChg chg="mod">
-          <ac:chgData name="Aneeta Antony" userId="acab6e3f-b893-4f32-b13c-4a02e1113944" providerId="ADAL" clId="{270D949D-54CF-4A0A-B865-0717EA08389D}" dt="2023-03-23T14:34:51.278" v="2711" actId="1076"/>
+        <pc:spChg chg="add mod">
+          <ac:chgData name="Aneeta Antony" userId="acab6e3f-b893-4f32-b13c-4a02e1113944" providerId="ADAL" clId="{270D949D-54CF-4A0A-B865-0717EA08389D}" dt="2023-03-29T13:16:21.531" v="3323" actId="1076"/>
+          <ac:spMkLst>
+            <pc:docMk/>
+            <pc:sldMk cId="0" sldId="267"/>
+            <ac:spMk id="2" creationId="{CF764AD6-CFAF-5673-2127-E1DE37F3EF92}"/>
+          </ac:spMkLst>
+        </pc:spChg>
+        <pc:spChg chg="add del mod">
+          <ac:chgData name="Aneeta Antony" userId="acab6e3f-b893-4f32-b13c-4a02e1113944" providerId="ADAL" clId="{270D949D-54CF-4A0A-B865-0717EA08389D}" dt="2023-03-29T13:10:37.962" v="3306" actId="478"/>
+          <ac:spMkLst>
+            <pc:docMk/>
+            <pc:sldMk cId="0" sldId="267"/>
+            <ac:spMk id="5" creationId="{E3D63304-1C10-7A52-B2D9-A7BCE226F813}"/>
+          </ac:spMkLst>
+        </pc:spChg>
+        <pc:spChg chg="del mod">
+          <ac:chgData name="Aneeta Antony" userId="acab6e3f-b893-4f32-b13c-4a02e1113944" providerId="ADAL" clId="{270D949D-54CF-4A0A-B865-0717EA08389D}" dt="2023-03-29T13:10:34.856" v="3304" actId="21"/>
           <ac:spMkLst>
             <pc:docMk/>
             <pc:sldMk cId="0" sldId="267"/>
@@ -1459,7 +1693,7 @@
           </ac:spMkLst>
         </pc:spChg>
         <pc:picChg chg="add mod">
-          <ac:chgData name="Aneeta Antony" userId="acab6e3f-b893-4f32-b13c-4a02e1113944" providerId="ADAL" clId="{270D949D-54CF-4A0A-B865-0717EA08389D}" dt="2023-03-28T13:33:50.861" v="2948" actId="1076"/>
+          <ac:chgData name="Aneeta Antony" userId="acab6e3f-b893-4f32-b13c-4a02e1113944" providerId="ADAL" clId="{270D949D-54CF-4A0A-B865-0717EA08389D}" dt="2023-03-29T13:16:28.078" v="3326" actId="1076"/>
           <ac:picMkLst>
             <pc:docMk/>
             <pc:sldMk cId="0" sldId="267"/>
@@ -1514,14 +1748,22 @@
           </ac:spMkLst>
         </pc:spChg>
       </pc:sldChg>
-      <pc:sldChg chg="addSp delSp modSp mod delDesignElem">
-        <pc:chgData name="Aneeta Antony" userId="acab6e3f-b893-4f32-b13c-4a02e1113944" providerId="ADAL" clId="{270D949D-54CF-4A0A-B865-0717EA08389D}" dt="2023-03-23T14:12:00.478" v="2638" actId="26606"/>
+      <pc:sldChg chg="addSp delSp modSp mod ord delDesignElem">
+        <pc:chgData name="Aneeta Antony" userId="acab6e3f-b893-4f32-b13c-4a02e1113944" providerId="ADAL" clId="{270D949D-54CF-4A0A-B865-0717EA08389D}" dt="2023-03-29T13:06:20.708" v="3282" actId="27636"/>
         <pc:sldMkLst>
           <pc:docMk/>
           <pc:sldMk cId="2652613490" sldId="269"/>
         </pc:sldMkLst>
-        <pc:spChg chg="mod ord">
-          <ac:chgData name="Aneeta Antony" userId="acab6e3f-b893-4f32-b13c-4a02e1113944" providerId="ADAL" clId="{270D949D-54CF-4A0A-B865-0717EA08389D}" dt="2023-03-23T14:12:00.478" v="2638" actId="26606"/>
+        <pc:spChg chg="add mod">
+          <ac:chgData name="Aneeta Antony" userId="acab6e3f-b893-4f32-b13c-4a02e1113944" providerId="ADAL" clId="{270D949D-54CF-4A0A-B865-0717EA08389D}" dt="2023-03-29T13:06:20.708" v="3282" actId="27636"/>
+          <ac:spMkLst>
+            <pc:docMk/>
+            <pc:sldMk cId="2652613490" sldId="269"/>
+            <ac:spMk id="3" creationId="{94ED2850-2238-57C4-3BDA-E2F45F2A3D74}"/>
+          </ac:spMkLst>
+        </pc:spChg>
+        <pc:spChg chg="del mod ord">
+          <ac:chgData name="Aneeta Antony" userId="acab6e3f-b893-4f32-b13c-4a02e1113944" providerId="ADAL" clId="{270D949D-54CF-4A0A-B865-0717EA08389D}" dt="2023-03-29T13:06:20.686" v="3281" actId="21"/>
           <ac:spMkLst>
             <pc:docMk/>
             <pc:sldMk cId="2652613490" sldId="269"/>
@@ -1778,13 +2020,13 @@
         </pc:cxnChg>
       </pc:sldChg>
       <pc:sldChg chg="modSp add mod">
-        <pc:chgData name="Aneeta Antony" userId="acab6e3f-b893-4f32-b13c-4a02e1113944" providerId="ADAL" clId="{270D949D-54CF-4A0A-B865-0717EA08389D}" dt="2023-03-23T14:06:29.145" v="2579" actId="20577"/>
+        <pc:chgData name="Aneeta Antony" userId="acab6e3f-b893-4f32-b13c-4a02e1113944" providerId="ADAL" clId="{270D949D-54CF-4A0A-B865-0717EA08389D}" dt="2023-03-29T12:53:43.834" v="3229" actId="20577"/>
         <pc:sldMkLst>
           <pc:docMk/>
           <pc:sldMk cId="3436301625" sldId="270"/>
         </pc:sldMkLst>
         <pc:graphicFrameChg chg="mod">
-          <ac:chgData name="Aneeta Antony" userId="acab6e3f-b893-4f32-b13c-4a02e1113944" providerId="ADAL" clId="{270D949D-54CF-4A0A-B865-0717EA08389D}" dt="2023-03-23T14:06:29.145" v="2579" actId="20577"/>
+          <ac:chgData name="Aneeta Antony" userId="acab6e3f-b893-4f32-b13c-4a02e1113944" providerId="ADAL" clId="{270D949D-54CF-4A0A-B865-0717EA08389D}" dt="2023-03-29T12:53:43.834" v="3229" actId="20577"/>
           <ac:graphicFrameMkLst>
             <pc:docMk/>
             <pc:sldMk cId="3436301625" sldId="270"/>
@@ -1793,13 +2035,13 @@
         </pc:graphicFrameChg>
       </pc:sldChg>
       <pc:sldChg chg="modSp add setBg">
-        <pc:chgData name="Aneeta Antony" userId="acab6e3f-b893-4f32-b13c-4a02e1113944" providerId="ADAL" clId="{270D949D-54CF-4A0A-B865-0717EA08389D}" dt="2023-03-23T14:06:41.838" v="2583" actId="20577"/>
+        <pc:chgData name="Aneeta Antony" userId="acab6e3f-b893-4f32-b13c-4a02e1113944" providerId="ADAL" clId="{270D949D-54CF-4A0A-B865-0717EA08389D}" dt="2023-03-29T12:56:40.961" v="3275" actId="20577"/>
         <pc:sldMkLst>
           <pc:docMk/>
           <pc:sldMk cId="283785427" sldId="271"/>
         </pc:sldMkLst>
         <pc:graphicFrameChg chg="mod">
-          <ac:chgData name="Aneeta Antony" userId="acab6e3f-b893-4f32-b13c-4a02e1113944" providerId="ADAL" clId="{270D949D-54CF-4A0A-B865-0717EA08389D}" dt="2023-03-23T14:06:41.838" v="2583" actId="20577"/>
+          <ac:chgData name="Aneeta Antony" userId="acab6e3f-b893-4f32-b13c-4a02e1113944" providerId="ADAL" clId="{270D949D-54CF-4A0A-B865-0717EA08389D}" dt="2023-03-29T12:56:40.961" v="3275" actId="20577"/>
           <ac:graphicFrameMkLst>
             <pc:docMk/>
             <pc:sldMk cId="283785427" sldId="271"/>
@@ -1838,8 +2080,8 @@
           </ac:picMkLst>
         </pc:picChg>
       </pc:sldChg>
-      <pc:sldChg chg="addSp delSp modSp add mod">
-        <pc:chgData name="Aneeta Antony" userId="acab6e3f-b893-4f32-b13c-4a02e1113944" providerId="ADAL" clId="{270D949D-54CF-4A0A-B865-0717EA08389D}" dt="2023-03-23T14:12:33.734" v="2641" actId="1076"/>
+      <pc:sldChg chg="addSp delSp modSp add mod ord">
+        <pc:chgData name="Aneeta Antony" userId="acab6e3f-b893-4f32-b13c-4a02e1113944" providerId="ADAL" clId="{270D949D-54CF-4A0A-B865-0717EA08389D}" dt="2023-03-29T12:48:30.323" v="3185"/>
         <pc:sldMkLst>
           <pc:docMk/>
           <pc:sldMk cId="201755994" sldId="273"/>
@@ -2021,8 +2263,8 @@
           </ac:cxnSpMkLst>
         </pc:cxnChg>
       </pc:sldChg>
-      <pc:sldChg chg="addSp delSp modSp new mod setBg">
-        <pc:chgData name="Aneeta Antony" userId="acab6e3f-b893-4f32-b13c-4a02e1113944" providerId="ADAL" clId="{270D949D-54CF-4A0A-B865-0717EA08389D}" dt="2023-03-23T14:14:15.393" v="2663" actId="1076"/>
+      <pc:sldChg chg="addSp delSp modSp new mod ord setBg">
+        <pc:chgData name="Aneeta Antony" userId="acab6e3f-b893-4f32-b13c-4a02e1113944" providerId="ADAL" clId="{270D949D-54CF-4A0A-B865-0717EA08389D}" dt="2023-03-29T13:13:44.353" v="3314"/>
         <pc:sldMkLst>
           <pc:docMk/>
           <pc:sldMk cId="973852197" sldId="274"/>
@@ -2035,12 +2277,36 @@
             <ac:spMk id="2" creationId="{8E749516-8A87-97E0-087A-76105F1D583A}"/>
           </ac:spMkLst>
         </pc:spChg>
+        <pc:spChg chg="add del mod">
+          <ac:chgData name="Aneeta Antony" userId="acab6e3f-b893-4f32-b13c-4a02e1113944" providerId="ADAL" clId="{270D949D-54CF-4A0A-B865-0717EA08389D}" dt="2023-03-29T13:07:51.935" v="3294" actId="21"/>
+          <ac:spMkLst>
+            <pc:docMk/>
+            <pc:sldMk cId="973852197" sldId="274"/>
+            <ac:spMk id="2" creationId="{B81AB8C7-E887-8CBC-4F94-F8721E753884}"/>
+          </ac:spMkLst>
+        </pc:spChg>
         <pc:spChg chg="mod ord">
           <ac:chgData name="Aneeta Antony" userId="acab6e3f-b893-4f32-b13c-4a02e1113944" providerId="ADAL" clId="{270D949D-54CF-4A0A-B865-0717EA08389D}" dt="2023-03-23T14:13:59.024" v="2654" actId="26606"/>
           <ac:spMkLst>
             <pc:docMk/>
             <pc:sldMk cId="973852197" sldId="274"/>
             <ac:spMk id="3" creationId="{0C5DBA8D-FC29-178B-E7A5-6EBB3E3A2C8C}"/>
+          </ac:spMkLst>
+        </pc:spChg>
+        <pc:spChg chg="add del mod">
+          <ac:chgData name="Aneeta Antony" userId="acab6e3f-b893-4f32-b13c-4a02e1113944" providerId="ADAL" clId="{270D949D-54CF-4A0A-B865-0717EA08389D}" dt="2023-03-29T13:08:16.972" v="3301" actId="478"/>
+          <ac:spMkLst>
+            <pc:docMk/>
+            <pc:sldMk cId="973852197" sldId="274"/>
+            <ac:spMk id="4" creationId="{DC45F5DC-D17C-463F-DF81-D18D819A2B1C}"/>
+          </ac:spMkLst>
+        </pc:spChg>
+        <pc:spChg chg="add del mod">
+          <ac:chgData name="Aneeta Antony" userId="acab6e3f-b893-4f32-b13c-4a02e1113944" providerId="ADAL" clId="{270D949D-54CF-4A0A-B865-0717EA08389D}" dt="2023-03-29T13:10:23.523" v="3302" actId="21"/>
+          <ac:spMkLst>
+            <pc:docMk/>
+            <pc:sldMk cId="973852197" sldId="274"/>
+            <ac:spMk id="5" creationId="{6E40FF3C-7367-0F9A-0D9C-2FBEB4640CBC}"/>
           </ac:spMkLst>
         </pc:spChg>
         <pc:spChg chg="add del">
@@ -2188,8 +2454,8 @@
           </ac:cxnSpMkLst>
         </pc:cxnChg>
       </pc:sldChg>
-      <pc:sldChg chg="addSp modSp new mod">
-        <pc:chgData name="Aneeta Antony" userId="acab6e3f-b893-4f32-b13c-4a02e1113944" providerId="ADAL" clId="{270D949D-54CF-4A0A-B865-0717EA08389D}" dt="2023-03-23T14:14:43.120" v="2670" actId="1076"/>
+      <pc:sldChg chg="addSp modSp new mod ord">
+        <pc:chgData name="Aneeta Antony" userId="acab6e3f-b893-4f32-b13c-4a02e1113944" providerId="ADAL" clId="{270D949D-54CF-4A0A-B865-0717EA08389D}" dt="2023-03-29T12:49:07.204" v="3189"/>
         <pc:sldMkLst>
           <pc:docMk/>
           <pc:sldMk cId="2142222247" sldId="275"/>
@@ -2211,8 +2477,8 @@
           </ac:picMkLst>
         </pc:picChg>
       </pc:sldChg>
-      <pc:sldChg chg="addSp modSp new mod">
-        <pc:chgData name="Aneeta Antony" userId="acab6e3f-b893-4f32-b13c-4a02e1113944" providerId="ADAL" clId="{270D949D-54CF-4A0A-B865-0717EA08389D}" dt="2023-03-23T14:34:09.606" v="2682" actId="1076"/>
+      <pc:sldChg chg="addSp modSp new mod ord">
+        <pc:chgData name="Aneeta Antony" userId="acab6e3f-b893-4f32-b13c-4a02e1113944" providerId="ADAL" clId="{270D949D-54CF-4A0A-B865-0717EA08389D}" dt="2023-03-29T12:56:29.493" v="3271"/>
         <pc:sldMkLst>
           <pc:docMk/>
           <pc:sldMk cId="1706446056" sldId="276"/>
@@ -2226,7 +2492,7 @@
           </ac:spMkLst>
         </pc:spChg>
         <pc:picChg chg="add mod">
-          <ac:chgData name="Aneeta Antony" userId="acab6e3f-b893-4f32-b13c-4a02e1113944" providerId="ADAL" clId="{270D949D-54CF-4A0A-B865-0717EA08389D}" dt="2023-03-23T14:34:09.606" v="2682" actId="1076"/>
+          <ac:chgData name="Aneeta Antony" userId="acab6e3f-b893-4f32-b13c-4a02e1113944" providerId="ADAL" clId="{270D949D-54CF-4A0A-B865-0717EA08389D}" dt="2023-03-29T12:54:22.371" v="3230" actId="14100"/>
           <ac:picMkLst>
             <pc:docMk/>
             <pc:sldMk cId="1706446056" sldId="276"/>
@@ -2234,219 +2500,49 @@
           </ac:picMkLst>
         </pc:picChg>
       </pc:sldChg>
-    </pc:docChg>
-  </pc:docChgLst>
-  <pc:docChgLst>
-    <pc:chgData name="Rohit Suresh" userId="S::rohit.suresh@stud.fra-uas.de::36199f66-74b1-452b-a60e-7d97ea0bc7b5" providerId="AD" clId="Web-{7B525185-F96D-9729-FF26-50B5ECAE0989}"/>
-    <pc:docChg chg="modSld">
-      <pc:chgData name="Rohit Suresh" userId="S::rohit.suresh@stud.fra-uas.de::36199f66-74b1-452b-a60e-7d97ea0bc7b5" providerId="AD" clId="Web-{7B525185-F96D-9729-FF26-50B5ECAE0989}" dt="2023-03-22T12:43:32.444" v="190" actId="20577"/>
-      <pc:docMkLst>
-        <pc:docMk/>
-      </pc:docMkLst>
-      <pc:sldChg chg="modSp">
-        <pc:chgData name="Rohit Suresh" userId="S::rohit.suresh@stud.fra-uas.de::36199f66-74b1-452b-a60e-7d97ea0bc7b5" providerId="AD" clId="Web-{7B525185-F96D-9729-FF26-50B5ECAE0989}" dt="2023-03-22T10:11:13.962" v="3" actId="20577"/>
+      <pc:sldChg chg="addSp delSp modSp new mod">
+        <pc:chgData name="Aneeta Antony" userId="acab6e3f-b893-4f32-b13c-4a02e1113944" providerId="ADAL" clId="{270D949D-54CF-4A0A-B865-0717EA08389D}" dt="2023-03-29T05:37:54.722" v="3183" actId="1076"/>
         <pc:sldMkLst>
           <pc:docMk/>
-          <pc:sldMk cId="0" sldId="256"/>
+          <pc:sldMk cId="3177368635" sldId="277"/>
         </pc:sldMkLst>
         <pc:spChg chg="mod">
-          <ac:chgData name="Rohit Suresh" userId="S::rohit.suresh@stud.fra-uas.de::36199f66-74b1-452b-a60e-7d97ea0bc7b5" providerId="AD" clId="Web-{7B525185-F96D-9729-FF26-50B5ECAE0989}" dt="2023-03-22T10:11:13.962" v="3" actId="20577"/>
+          <ac:chgData name="Aneeta Antony" userId="acab6e3f-b893-4f32-b13c-4a02e1113944" providerId="ADAL" clId="{270D949D-54CF-4A0A-B865-0717EA08389D}" dt="2023-03-29T05:37:49.570" v="3182" actId="6549"/>
           <ac:spMkLst>
             <pc:docMk/>
-            <pc:sldMk cId="0" sldId="256"/>
-            <ac:spMk id="55" creationId="{00000000-0000-0000-0000-000000000000}"/>
+            <pc:sldMk cId="3177368635" sldId="277"/>
+            <ac:spMk id="2" creationId="{314CE82C-93C5-17C6-59D5-F48F501736A8}"/>
+          </ac:spMkLst>
+        </pc:spChg>
+        <pc:spChg chg="del">
+          <ac:chgData name="Aneeta Antony" userId="acab6e3f-b893-4f32-b13c-4a02e1113944" providerId="ADAL" clId="{270D949D-54CF-4A0A-B865-0717EA08389D}" dt="2023-03-29T05:37:12.707" v="3158" actId="478"/>
+          <ac:spMkLst>
+            <pc:docMk/>
+            <pc:sldMk cId="3177368635" sldId="277"/>
+            <ac:spMk id="3" creationId="{1A5CCB65-3524-E932-3B8F-8CCAFD8E57F7}"/>
+          </ac:spMkLst>
+        </pc:spChg>
+        <pc:spChg chg="add mod">
+          <ac:chgData name="Aneeta Antony" userId="acab6e3f-b893-4f32-b13c-4a02e1113944" providerId="ADAL" clId="{270D949D-54CF-4A0A-B865-0717EA08389D}" dt="2023-03-29T05:37:54.722" v="3183" actId="1076"/>
+          <ac:spMkLst>
+            <pc:docMk/>
+            <pc:sldMk cId="3177368635" sldId="277"/>
+            <ac:spMk id="4" creationId="{2272054C-031A-EAA0-94A2-20BC57C0A151}"/>
           </ac:spMkLst>
         </pc:spChg>
       </pc:sldChg>
-      <pc:sldChg chg="modSp">
-        <pc:chgData name="Rohit Suresh" userId="S::rohit.suresh@stud.fra-uas.de::36199f66-74b1-452b-a60e-7d97ea0bc7b5" providerId="AD" clId="Web-{7B525185-F96D-9729-FF26-50B5ECAE0989}" dt="2023-03-22T12:43:32.444" v="190" actId="20577"/>
+      <pc:sldChg chg="modSp add ord setBg">
+        <pc:chgData name="Aneeta Antony" userId="acab6e3f-b893-4f32-b13c-4a02e1113944" providerId="ADAL" clId="{270D949D-54CF-4A0A-B865-0717EA08389D}" dt="2023-03-29T13:07:04.341" v="3291" actId="20577"/>
         <pc:sldMkLst>
           <pc:docMk/>
-          <pc:sldMk cId="0" sldId="258"/>
+          <pc:sldMk cId="771859852" sldId="278"/>
         </pc:sldMkLst>
-        <pc:graphicFrameChg chg="modGraphic">
-          <ac:chgData name="Rohit Suresh" userId="S::rohit.suresh@stud.fra-uas.de::36199f66-74b1-452b-a60e-7d97ea0bc7b5" providerId="AD" clId="Web-{7B525185-F96D-9729-FF26-50B5ECAE0989}" dt="2023-03-22T12:43:32.444" v="190" actId="20577"/>
+        <pc:graphicFrameChg chg="mod">
+          <ac:chgData name="Aneeta Antony" userId="acab6e3f-b893-4f32-b13c-4a02e1113944" providerId="ADAL" clId="{270D949D-54CF-4A0A-B865-0717EA08389D}" dt="2023-03-29T13:07:04.341" v="3291" actId="20577"/>
           <ac:graphicFrameMkLst>
             <pc:docMk/>
-            <pc:sldMk cId="0" sldId="258"/>
-            <ac:graphicFrameMk id="96" creationId="{BADC7FD1-1CED-950E-4570-06FB7E3AC135}"/>
-          </ac:graphicFrameMkLst>
-        </pc:graphicFrameChg>
-      </pc:sldChg>
-      <pc:sldChg chg="modSp">
-        <pc:chgData name="Rohit Suresh" userId="S::rohit.suresh@stud.fra-uas.de::36199f66-74b1-452b-a60e-7d97ea0bc7b5" providerId="AD" clId="Web-{7B525185-F96D-9729-FF26-50B5ECAE0989}" dt="2023-03-22T11:06:48.860" v="112" actId="20577"/>
-        <pc:sldMkLst>
-          <pc:docMk/>
-          <pc:sldMk cId="0" sldId="268"/>
-        </pc:sldMkLst>
-        <pc:spChg chg="mod">
-          <ac:chgData name="Rohit Suresh" userId="S::rohit.suresh@stud.fra-uas.de::36199f66-74b1-452b-a60e-7d97ea0bc7b5" providerId="AD" clId="Web-{7B525185-F96D-9729-FF26-50B5ECAE0989}" dt="2023-03-22T11:06:48.860" v="112" actId="20577"/>
-          <ac:spMkLst>
-            <pc:docMk/>
-            <pc:sldMk cId="0" sldId="268"/>
-            <ac:spMk id="131" creationId="{00000000-0000-0000-0000-000000000000}"/>
-          </ac:spMkLst>
-        </pc:spChg>
-      </pc:sldChg>
-    </pc:docChg>
-  </pc:docChgLst>
-  <pc:docChgLst>
-    <pc:chgData name="Rohit Suresh" userId="S::rohit.suresh@stud.fra-uas.de::36199f66-74b1-452b-a60e-7d97ea0bc7b5" providerId="AD" clId="Web-{F5CA1B4E-56D1-FB4A-4450-D281C11AB59E}"/>
-    <pc:docChg chg="modSld">
-      <pc:chgData name="Rohit Suresh" userId="S::rohit.suresh@stud.fra-uas.de::36199f66-74b1-452b-a60e-7d97ea0bc7b5" providerId="AD" clId="Web-{F5CA1B4E-56D1-FB4A-4450-D281C11AB59E}" dt="2023-03-28T20:20:55.857" v="164" actId="20577"/>
-      <pc:docMkLst>
-        <pc:docMk/>
-      </pc:docMkLst>
-      <pc:sldChg chg="modSp">
-        <pc:chgData name="Rohit Suresh" userId="S::rohit.suresh@stud.fra-uas.de::36199f66-74b1-452b-a60e-7d97ea0bc7b5" providerId="AD" clId="Web-{F5CA1B4E-56D1-FB4A-4450-D281C11AB59E}" dt="2023-03-28T14:41:14.030" v="1" actId="20577"/>
-        <pc:sldMkLst>
-          <pc:docMk/>
-          <pc:sldMk cId="0" sldId="256"/>
-        </pc:sldMkLst>
-        <pc:spChg chg="mod">
-          <ac:chgData name="Rohit Suresh" userId="S::rohit.suresh@stud.fra-uas.de::36199f66-74b1-452b-a60e-7d97ea0bc7b5" providerId="AD" clId="Web-{F5CA1B4E-56D1-FB4A-4450-D281C11AB59E}" dt="2023-03-28T14:41:14.030" v="1" actId="20577"/>
-          <ac:spMkLst>
-            <pc:docMk/>
-            <pc:sldMk cId="0" sldId="256"/>
-            <ac:spMk id="54" creationId="{00000000-0000-0000-0000-000000000000}"/>
-          </ac:spMkLst>
-        </pc:spChg>
-      </pc:sldChg>
-      <pc:sldChg chg="modSp">
-        <pc:chgData name="Rohit Suresh" userId="S::rohit.suresh@stud.fra-uas.de::36199f66-74b1-452b-a60e-7d97ea0bc7b5" providerId="AD" clId="Web-{F5CA1B4E-56D1-FB4A-4450-D281C11AB59E}" dt="2023-03-28T15:02:45.032" v="140" actId="14100"/>
-        <pc:sldMkLst>
-          <pc:docMk/>
-          <pc:sldMk cId="0" sldId="258"/>
-        </pc:sldMkLst>
-        <pc:spChg chg="mod">
-          <ac:chgData name="Rohit Suresh" userId="S::rohit.suresh@stud.fra-uas.de::36199f66-74b1-452b-a60e-7d97ea0bc7b5" providerId="AD" clId="Web-{F5CA1B4E-56D1-FB4A-4450-D281C11AB59E}" dt="2023-03-28T14:45:35.865" v="5" actId="1076"/>
-          <ac:spMkLst>
-            <pc:docMk/>
-            <pc:sldMk cId="0" sldId="258"/>
-            <ac:spMk id="67" creationId="{00000000-0000-0000-0000-000000000000}"/>
-          </ac:spMkLst>
-        </pc:spChg>
-        <pc:graphicFrameChg chg="mod">
-          <ac:chgData name="Rohit Suresh" userId="S::rohit.suresh@stud.fra-uas.de::36199f66-74b1-452b-a60e-7d97ea0bc7b5" providerId="AD" clId="Web-{F5CA1B4E-56D1-FB4A-4450-D281C11AB59E}" dt="2023-03-28T15:02:45.032" v="140" actId="14100"/>
-          <ac:graphicFrameMkLst>
-            <pc:docMk/>
-            <pc:sldMk cId="0" sldId="258"/>
-            <ac:graphicFrameMk id="96" creationId="{BADC7FD1-1CED-950E-4570-06FB7E3AC135}"/>
-          </ac:graphicFrameMkLst>
-        </pc:graphicFrameChg>
-      </pc:sldChg>
-      <pc:sldChg chg="modSp">
-        <pc:chgData name="Rohit Suresh" userId="S::rohit.suresh@stud.fra-uas.de::36199f66-74b1-452b-a60e-7d97ea0bc7b5" providerId="AD" clId="Web-{F5CA1B4E-56D1-FB4A-4450-D281C11AB59E}" dt="2023-03-28T15:02:33.875" v="139" actId="1076"/>
-        <pc:sldMkLst>
-          <pc:docMk/>
-          <pc:sldMk cId="0" sldId="259"/>
-        </pc:sldMkLst>
-        <pc:graphicFrameChg chg="mod">
-          <ac:chgData name="Rohit Suresh" userId="S::rohit.suresh@stud.fra-uas.de::36199f66-74b1-452b-a60e-7d97ea0bc7b5" providerId="AD" clId="Web-{F5CA1B4E-56D1-FB4A-4450-D281C11AB59E}" dt="2023-03-28T15:02:33.875" v="139" actId="1076"/>
-          <ac:graphicFrameMkLst>
-            <pc:docMk/>
-            <pc:sldMk cId="0" sldId="259"/>
-            <ac:graphicFrameMk id="93" creationId="{7FC3E4C5-D4CF-70D5-761C-655F055FFA75}"/>
-          </ac:graphicFrameMkLst>
-        </pc:graphicFrameChg>
-      </pc:sldChg>
-      <pc:sldChg chg="modSp">
-        <pc:chgData name="Rohit Suresh" userId="S::rohit.suresh@stud.fra-uas.de::36199f66-74b1-452b-a60e-7d97ea0bc7b5" providerId="AD" clId="Web-{F5CA1B4E-56D1-FB4A-4450-D281C11AB59E}" dt="2023-03-28T14:50:57.545" v="29" actId="20577"/>
-        <pc:sldMkLst>
-          <pc:docMk/>
-          <pc:sldMk cId="0" sldId="263"/>
-        </pc:sldMkLst>
-        <pc:graphicFrameChg chg="modGraphic">
-          <ac:chgData name="Rohit Suresh" userId="S::rohit.suresh@stud.fra-uas.de::36199f66-74b1-452b-a60e-7d97ea0bc7b5" providerId="AD" clId="Web-{F5CA1B4E-56D1-FB4A-4450-D281C11AB59E}" dt="2023-03-28T14:50:57.545" v="29" actId="20577"/>
-          <ac:graphicFrameMkLst>
-            <pc:docMk/>
-            <pc:sldMk cId="0" sldId="263"/>
+            <pc:sldMk cId="771859852" sldId="278"/>
             <ac:graphicFrameMk id="101" creationId="{2FB155F6-3D78-4AE2-3FFA-8B5A9A385C1C}"/>
-          </ac:graphicFrameMkLst>
-        </pc:graphicFrameChg>
-      </pc:sldChg>
-      <pc:sldChg chg="modSp">
-        <pc:chgData name="Rohit Suresh" userId="S::rohit.suresh@stud.fra-uas.de::36199f66-74b1-452b-a60e-7d97ea0bc7b5" providerId="AD" clId="Web-{F5CA1B4E-56D1-FB4A-4450-D281C11AB59E}" dt="2023-03-28T15:00:27.653" v="138" actId="20577"/>
-        <pc:sldMkLst>
-          <pc:docMk/>
-          <pc:sldMk cId="0" sldId="266"/>
-        </pc:sldMkLst>
-        <pc:spChg chg="mod">
-          <ac:chgData name="Rohit Suresh" userId="S::rohit.suresh@stud.fra-uas.de::36199f66-74b1-452b-a60e-7d97ea0bc7b5" providerId="AD" clId="Web-{F5CA1B4E-56D1-FB4A-4450-D281C11AB59E}" dt="2023-03-28T15:00:27.653" v="138" actId="20577"/>
-          <ac:spMkLst>
-            <pc:docMk/>
-            <pc:sldMk cId="0" sldId="266"/>
-            <ac:spMk id="118" creationId="{00000000-0000-0000-0000-000000000000}"/>
-          </ac:spMkLst>
-        </pc:spChg>
-      </pc:sldChg>
-      <pc:sldChg chg="modSp">
-        <pc:chgData name="Rohit Suresh" userId="S::rohit.suresh@stud.fra-uas.de::36199f66-74b1-452b-a60e-7d97ea0bc7b5" providerId="AD" clId="Web-{F5CA1B4E-56D1-FB4A-4450-D281C11AB59E}" dt="2023-03-28T20:18:02.774" v="142" actId="1076"/>
-        <pc:sldMkLst>
-          <pc:docMk/>
-          <pc:sldMk cId="0" sldId="267"/>
-        </pc:sldMkLst>
-        <pc:picChg chg="mod">
-          <ac:chgData name="Rohit Suresh" userId="S::rohit.suresh@stud.fra-uas.de::36199f66-74b1-452b-a60e-7d97ea0bc7b5" providerId="AD" clId="Web-{F5CA1B4E-56D1-FB4A-4450-D281C11AB59E}" dt="2023-03-28T20:18:02.774" v="142" actId="1076"/>
-          <ac:picMkLst>
-            <pc:docMk/>
-            <pc:sldMk cId="0" sldId="267"/>
-            <ac:picMk id="3" creationId="{3B3C4656-B589-A586-173F-EBA65DD9F868}"/>
-          </ac:picMkLst>
-        </pc:picChg>
-      </pc:sldChg>
-      <pc:sldChg chg="addSp delSp modSp">
-        <pc:chgData name="Rohit Suresh" userId="S::rohit.suresh@stud.fra-uas.de::36199f66-74b1-452b-a60e-7d97ea0bc7b5" providerId="AD" clId="Web-{F5CA1B4E-56D1-FB4A-4450-D281C11AB59E}" dt="2023-03-28T20:20:55.857" v="164" actId="20577"/>
-        <pc:sldMkLst>
-          <pc:docMk/>
-          <pc:sldMk cId="0" sldId="268"/>
-        </pc:sldMkLst>
-        <pc:spChg chg="add del mod">
-          <ac:chgData name="Rohit Suresh" userId="S::rohit.suresh@stud.fra-uas.de::36199f66-74b1-452b-a60e-7d97ea0bc7b5" providerId="AD" clId="Web-{F5CA1B4E-56D1-FB4A-4450-D281C11AB59E}" dt="2023-03-28T14:52:31.938" v="39"/>
-          <ac:spMkLst>
-            <pc:docMk/>
-            <pc:sldMk cId="0" sldId="268"/>
-            <ac:spMk id="4" creationId="{DEE7DAA5-7DBF-B5D1-1280-F8E0144FD31C}"/>
-          </ac:spMkLst>
-        </pc:spChg>
-        <pc:spChg chg="add del mod">
-          <ac:chgData name="Rohit Suresh" userId="S::rohit.suresh@stud.fra-uas.de::36199f66-74b1-452b-a60e-7d97ea0bc7b5" providerId="AD" clId="Web-{F5CA1B4E-56D1-FB4A-4450-D281C11AB59E}" dt="2023-03-28T14:53:11.689" v="54"/>
-          <ac:spMkLst>
-            <pc:docMk/>
-            <pc:sldMk cId="0" sldId="268"/>
-            <ac:spMk id="7" creationId="{254201E2-250B-B0D0-86A7-7E10E8435762}"/>
-          </ac:spMkLst>
-        </pc:spChg>
-        <pc:spChg chg="mod">
-          <ac:chgData name="Rohit Suresh" userId="S::rohit.suresh@stud.fra-uas.de::36199f66-74b1-452b-a60e-7d97ea0bc7b5" providerId="AD" clId="Web-{F5CA1B4E-56D1-FB4A-4450-D281C11AB59E}" dt="2023-03-28T20:20:55.857" v="164" actId="20577"/>
-          <ac:spMkLst>
-            <pc:docMk/>
-            <pc:sldMk cId="0" sldId="268"/>
-            <ac:spMk id="131" creationId="{00000000-0000-0000-0000-000000000000}"/>
-          </ac:spMkLst>
-        </pc:spChg>
-        <pc:graphicFrameChg chg="add del mod">
-          <ac:chgData name="Rohit Suresh" userId="S::rohit.suresh@stud.fra-uas.de::36199f66-74b1-452b-a60e-7d97ea0bc7b5" providerId="AD" clId="Web-{F5CA1B4E-56D1-FB4A-4450-D281C11AB59E}" dt="2023-03-28T14:52:31.938" v="40"/>
-          <ac:graphicFrameMkLst>
-            <pc:docMk/>
-            <pc:sldMk cId="0" sldId="268"/>
-            <ac:graphicFrameMk id="3" creationId="{DD6573A4-57CA-77F1-2C0E-A41C53F42ACF}"/>
-          </ac:graphicFrameMkLst>
-        </pc:graphicFrameChg>
-        <pc:graphicFrameChg chg="add del mod modGraphic">
-          <ac:chgData name="Rohit Suresh" userId="S::rohit.suresh@stud.fra-uas.de::36199f66-74b1-452b-a60e-7d97ea0bc7b5" providerId="AD" clId="Web-{F5CA1B4E-56D1-FB4A-4450-D281C11AB59E}" dt="2023-03-28T14:55:46.099" v="76"/>
-          <ac:graphicFrameMkLst>
-            <pc:docMk/>
-            <pc:sldMk cId="0" sldId="268"/>
-            <ac:graphicFrameMk id="6" creationId="{6BFCF33E-5F25-2824-D49A-AD247991BB88}"/>
-          </ac:graphicFrameMkLst>
-        </pc:graphicFrameChg>
-        <pc:graphicFrameChg chg="add del mod">
-          <ac:chgData name="Rohit Suresh" userId="S::rohit.suresh@stud.fra-uas.de::36199f66-74b1-452b-a60e-7d97ea0bc7b5" providerId="AD" clId="Web-{F5CA1B4E-56D1-FB4A-4450-D281C11AB59E}" dt="2023-03-28T14:54:42.801" v="68"/>
-          <ac:graphicFrameMkLst>
-            <pc:docMk/>
-            <pc:sldMk cId="0" sldId="268"/>
-            <ac:graphicFrameMk id="9" creationId="{A6FED3CE-12AB-600E-3A9B-B958C8AB56CE}"/>
           </ac:graphicFrameMkLst>
         </pc:graphicFrameChg>
       </pc:sldChg>
@@ -6709,6 +6805,925 @@
 </file>
 
 <file path=ppt/diagrams/colors6.xml><?xml version="1.0" encoding="utf-8"?>
+<dgm:colorsDef xmlns:dgm="http://schemas.openxmlformats.org/drawingml/2006/diagram" xmlns:a="http://schemas.openxmlformats.org/drawingml/2006/main" uniqueId="urn:microsoft.com/office/officeart/2005/8/colors/colorful1">
+  <dgm:title val=""/>
+  <dgm:desc val=""/>
+  <dgm:catLst>
+    <dgm:cat type="colorful" pri="10100"/>
+  </dgm:catLst>
+  <dgm:styleLbl name="node0">
+    <dgm:fillClrLst meth="repeat">
+      <a:schemeClr val="accent1"/>
+    </dgm:fillClrLst>
+    <dgm:linClrLst meth="repeat">
+      <a:schemeClr val="lt1"/>
+    </dgm:linClrLst>
+    <dgm:effectClrLst/>
+    <dgm:txLinClrLst/>
+    <dgm:txFillClrLst/>
+    <dgm:txEffectClrLst/>
+  </dgm:styleLbl>
+  <dgm:styleLbl name="node1">
+    <dgm:fillClrLst meth="repeat">
+      <a:schemeClr val="accent2"/>
+      <a:schemeClr val="accent3"/>
+      <a:schemeClr val="accent4"/>
+      <a:schemeClr val="accent5"/>
+      <a:schemeClr val="accent6"/>
+    </dgm:fillClrLst>
+    <dgm:linClrLst meth="repeat">
+      <a:schemeClr val="lt1"/>
+    </dgm:linClrLst>
+    <dgm:effectClrLst/>
+    <dgm:txLinClrLst/>
+    <dgm:txFillClrLst/>
+    <dgm:txEffectClrLst/>
+  </dgm:styleLbl>
+  <dgm:styleLbl name="alignNode1">
+    <dgm:fillClrLst meth="repeat">
+      <a:schemeClr val="accent2"/>
+      <a:schemeClr val="accent3"/>
+      <a:schemeClr val="accent4"/>
+      <a:schemeClr val="accent5"/>
+      <a:schemeClr val="accent6"/>
+    </dgm:fillClrLst>
+    <dgm:linClrLst meth="repeat">
+      <a:schemeClr val="accent2"/>
+      <a:schemeClr val="accent3"/>
+      <a:schemeClr val="accent4"/>
+      <a:schemeClr val="accent5"/>
+      <a:schemeClr val="accent6"/>
+    </dgm:linClrLst>
+    <dgm:effectClrLst/>
+    <dgm:txLinClrLst/>
+    <dgm:txFillClrLst/>
+    <dgm:txEffectClrLst/>
+  </dgm:styleLbl>
+  <dgm:styleLbl name="lnNode1">
+    <dgm:fillClrLst meth="repeat">
+      <a:schemeClr val="accent2"/>
+      <a:schemeClr val="accent3"/>
+      <a:schemeClr val="accent4"/>
+      <a:schemeClr val="accent5"/>
+      <a:schemeClr val="accent6"/>
+    </dgm:fillClrLst>
+    <dgm:linClrLst meth="repeat">
+      <a:schemeClr val="lt1"/>
+    </dgm:linClrLst>
+    <dgm:effectClrLst/>
+    <dgm:txLinClrLst/>
+    <dgm:txFillClrLst/>
+    <dgm:txEffectClrLst/>
+  </dgm:styleLbl>
+  <dgm:styleLbl name="vennNode1">
+    <dgm:fillClrLst meth="repeat">
+      <a:schemeClr val="accent2">
+        <a:alpha val="50000"/>
+      </a:schemeClr>
+      <a:schemeClr val="accent3">
+        <a:alpha val="50000"/>
+      </a:schemeClr>
+      <a:schemeClr val="accent4">
+        <a:alpha val="50000"/>
+      </a:schemeClr>
+      <a:schemeClr val="accent5">
+        <a:alpha val="50000"/>
+      </a:schemeClr>
+      <a:schemeClr val="accent6">
+        <a:alpha val="50000"/>
+      </a:schemeClr>
+    </dgm:fillClrLst>
+    <dgm:linClrLst meth="repeat">
+      <a:schemeClr val="lt1"/>
+    </dgm:linClrLst>
+    <dgm:effectClrLst/>
+    <dgm:txLinClrLst/>
+    <dgm:txFillClrLst/>
+    <dgm:txEffectClrLst/>
+  </dgm:styleLbl>
+  <dgm:styleLbl name="node2">
+    <dgm:fillClrLst>
+      <a:schemeClr val="accent2"/>
+    </dgm:fillClrLst>
+    <dgm:linClrLst meth="repeat">
+      <a:schemeClr val="lt1"/>
+    </dgm:linClrLst>
+    <dgm:effectClrLst/>
+    <dgm:txLinClrLst/>
+    <dgm:txFillClrLst/>
+    <dgm:txEffectClrLst/>
+  </dgm:styleLbl>
+  <dgm:styleLbl name="node3">
+    <dgm:fillClrLst>
+      <a:schemeClr val="accent3"/>
+    </dgm:fillClrLst>
+    <dgm:linClrLst meth="repeat">
+      <a:schemeClr val="lt1"/>
+    </dgm:linClrLst>
+    <dgm:effectClrLst/>
+    <dgm:txLinClrLst/>
+    <dgm:txFillClrLst/>
+    <dgm:txEffectClrLst/>
+  </dgm:styleLbl>
+  <dgm:styleLbl name="node4">
+    <dgm:fillClrLst>
+      <a:schemeClr val="accent4"/>
+    </dgm:fillClrLst>
+    <dgm:linClrLst meth="repeat">
+      <a:schemeClr val="lt1"/>
+    </dgm:linClrLst>
+    <dgm:effectClrLst/>
+    <dgm:txLinClrLst/>
+    <dgm:txFillClrLst/>
+    <dgm:txEffectClrLst/>
+  </dgm:styleLbl>
+  <dgm:styleLbl name="fgImgPlace1">
+    <dgm:fillClrLst meth="repeat">
+      <a:schemeClr val="accent2">
+        <a:tint val="50000"/>
+      </a:schemeClr>
+      <a:schemeClr val="accent3">
+        <a:tint val="50000"/>
+      </a:schemeClr>
+      <a:schemeClr val="accent4">
+        <a:tint val="50000"/>
+      </a:schemeClr>
+      <a:schemeClr val="accent5">
+        <a:tint val="50000"/>
+      </a:schemeClr>
+      <a:schemeClr val="accent6">
+        <a:tint val="50000"/>
+      </a:schemeClr>
+    </dgm:fillClrLst>
+    <dgm:linClrLst meth="repeat">
+      <a:schemeClr val="lt1"/>
+    </dgm:linClrLst>
+    <dgm:effectClrLst/>
+    <dgm:txLinClrLst/>
+    <dgm:txFillClrLst meth="repeat">
+      <a:schemeClr val="lt1"/>
+    </dgm:txFillClrLst>
+    <dgm:txEffectClrLst/>
+  </dgm:styleLbl>
+  <dgm:styleLbl name="alignImgPlace1">
+    <dgm:fillClrLst>
+      <a:schemeClr val="accent1">
+        <a:tint val="50000"/>
+      </a:schemeClr>
+      <a:schemeClr val="accent2">
+        <a:tint val="20000"/>
+      </a:schemeClr>
+    </dgm:fillClrLst>
+    <dgm:linClrLst meth="repeat">
+      <a:schemeClr val="lt1"/>
+    </dgm:linClrLst>
+    <dgm:effectClrLst/>
+    <dgm:txLinClrLst/>
+    <dgm:txFillClrLst meth="repeat">
+      <a:schemeClr val="lt1"/>
+    </dgm:txFillClrLst>
+    <dgm:txEffectClrLst/>
+  </dgm:styleLbl>
+  <dgm:styleLbl name="bgImgPlace1">
+    <dgm:fillClrLst>
+      <a:schemeClr val="accent1">
+        <a:tint val="50000"/>
+      </a:schemeClr>
+      <a:schemeClr val="accent2">
+        <a:tint val="20000"/>
+      </a:schemeClr>
+    </dgm:fillClrLst>
+    <dgm:linClrLst meth="repeat">
+      <a:schemeClr val="lt1"/>
+    </dgm:linClrLst>
+    <dgm:effectClrLst/>
+    <dgm:txLinClrLst/>
+    <dgm:txFillClrLst meth="repeat">
+      <a:schemeClr val="lt1"/>
+    </dgm:txFillClrLst>
+    <dgm:txEffectClrLst/>
+  </dgm:styleLbl>
+  <dgm:styleLbl name="sibTrans2D1">
+    <dgm:fillClrLst meth="repeat">
+      <a:schemeClr val="accent2"/>
+      <a:schemeClr val="accent3"/>
+      <a:schemeClr val="accent4"/>
+      <a:schemeClr val="accent5"/>
+      <a:schemeClr val="accent6"/>
+    </dgm:fillClrLst>
+    <dgm:linClrLst meth="cycle">
+      <a:schemeClr val="lt1"/>
+    </dgm:linClrLst>
+    <dgm:effectClrLst/>
+    <dgm:txLinClrLst/>
+    <dgm:txFillClrLst/>
+    <dgm:txEffectClrLst/>
+  </dgm:styleLbl>
+  <dgm:styleLbl name="fgSibTrans2D1">
+    <dgm:fillClrLst meth="repeat">
+      <a:schemeClr val="accent2"/>
+      <a:schemeClr val="accent3"/>
+      <a:schemeClr val="accent4"/>
+      <a:schemeClr val="accent5"/>
+      <a:schemeClr val="accent6"/>
+    </dgm:fillClrLst>
+    <dgm:linClrLst meth="cycle">
+      <a:schemeClr val="lt1"/>
+    </dgm:linClrLst>
+    <dgm:effectClrLst/>
+    <dgm:txLinClrLst/>
+    <dgm:txFillClrLst meth="repeat">
+      <a:schemeClr val="lt1"/>
+    </dgm:txFillClrLst>
+    <dgm:txEffectClrLst/>
+  </dgm:styleLbl>
+  <dgm:styleLbl name="bgSibTrans2D1">
+    <dgm:fillClrLst meth="repeat">
+      <a:schemeClr val="accent2"/>
+      <a:schemeClr val="accent3"/>
+      <a:schemeClr val="accent4"/>
+      <a:schemeClr val="accent5"/>
+      <a:schemeClr val="accent6"/>
+    </dgm:fillClrLst>
+    <dgm:linClrLst meth="cycle">
+      <a:schemeClr val="lt1"/>
+    </dgm:linClrLst>
+    <dgm:effectClrLst/>
+    <dgm:txLinClrLst/>
+    <dgm:txFillClrLst meth="repeat">
+      <a:schemeClr val="lt1"/>
+    </dgm:txFillClrLst>
+    <dgm:txEffectClrLst/>
+  </dgm:styleLbl>
+  <dgm:styleLbl name="sibTrans1D1">
+    <dgm:fillClrLst meth="repeat">
+      <a:schemeClr val="accent2"/>
+      <a:schemeClr val="accent3"/>
+      <a:schemeClr val="accent4"/>
+      <a:schemeClr val="accent5"/>
+      <a:schemeClr val="accent6"/>
+    </dgm:fillClrLst>
+    <dgm:linClrLst meth="repeat">
+      <a:schemeClr val="accent2"/>
+      <a:schemeClr val="accent3"/>
+      <a:schemeClr val="accent4"/>
+      <a:schemeClr val="accent5"/>
+      <a:schemeClr val="accent6"/>
+    </dgm:linClrLst>
+    <dgm:effectClrLst/>
+    <dgm:txLinClrLst/>
+    <dgm:txFillClrLst meth="repeat">
+      <a:schemeClr val="tx1"/>
+    </dgm:txFillClrLst>
+    <dgm:txEffectClrLst/>
+  </dgm:styleLbl>
+  <dgm:styleLbl name="callout">
+    <dgm:fillClrLst meth="repeat">
+      <a:schemeClr val="accent2"/>
+    </dgm:fillClrLst>
+    <dgm:linClrLst meth="repeat">
+      <a:schemeClr val="accent2">
+        <a:tint val="50000"/>
+      </a:schemeClr>
+    </dgm:linClrLst>
+    <dgm:effectClrLst/>
+    <dgm:txLinClrLst/>
+    <dgm:txFillClrLst meth="repeat">
+      <a:schemeClr val="tx1"/>
+    </dgm:txFillClrLst>
+    <dgm:txEffectClrLst/>
+  </dgm:styleLbl>
+  <dgm:styleLbl name="asst0">
+    <dgm:fillClrLst meth="repeat">
+      <a:schemeClr val="accent1"/>
+    </dgm:fillClrLst>
+    <dgm:linClrLst meth="repeat">
+      <a:schemeClr val="lt1"/>
+    </dgm:linClrLst>
+    <dgm:effectClrLst/>
+    <dgm:txLinClrLst/>
+    <dgm:txFillClrLst/>
+    <dgm:txEffectClrLst/>
+  </dgm:styleLbl>
+  <dgm:styleLbl name="asst1">
+    <dgm:fillClrLst meth="repeat">
+      <a:schemeClr val="accent2"/>
+    </dgm:fillClrLst>
+    <dgm:linClrLst meth="repeat">
+      <a:schemeClr val="lt1"/>
+    </dgm:linClrLst>
+    <dgm:effectClrLst/>
+    <dgm:txLinClrLst/>
+    <dgm:txFillClrLst/>
+    <dgm:txEffectClrLst/>
+  </dgm:styleLbl>
+  <dgm:styleLbl name="asst2">
+    <dgm:fillClrLst>
+      <a:schemeClr val="accent3"/>
+    </dgm:fillClrLst>
+    <dgm:linClrLst meth="repeat">
+      <a:schemeClr val="lt1"/>
+    </dgm:linClrLst>
+    <dgm:effectClrLst/>
+    <dgm:txLinClrLst/>
+    <dgm:txFillClrLst/>
+    <dgm:txEffectClrLst/>
+  </dgm:styleLbl>
+  <dgm:styleLbl name="asst3">
+    <dgm:fillClrLst>
+      <a:schemeClr val="accent4"/>
+    </dgm:fillClrLst>
+    <dgm:linClrLst meth="repeat">
+      <a:schemeClr val="lt1"/>
+    </dgm:linClrLst>
+    <dgm:effectClrLst/>
+    <dgm:txLinClrLst/>
+    <dgm:txFillClrLst/>
+    <dgm:txEffectClrLst/>
+  </dgm:styleLbl>
+  <dgm:styleLbl name="asst4">
+    <dgm:fillClrLst>
+      <a:schemeClr val="accent5"/>
+    </dgm:fillClrLst>
+    <dgm:linClrLst meth="repeat">
+      <a:schemeClr val="lt1"/>
+    </dgm:linClrLst>
+    <dgm:effectClrLst/>
+    <dgm:txLinClrLst/>
+    <dgm:txFillClrLst/>
+    <dgm:txEffectClrLst/>
+  </dgm:styleLbl>
+  <dgm:styleLbl name="parChTrans2D1">
+    <dgm:fillClrLst meth="repeat">
+      <a:schemeClr val="accent2"/>
+    </dgm:fillClrLst>
+    <dgm:linClrLst meth="repeat">
+      <a:schemeClr val="lt1"/>
+    </dgm:linClrLst>
+    <dgm:effectClrLst/>
+    <dgm:txLinClrLst/>
+    <dgm:txFillClrLst meth="repeat">
+      <a:schemeClr val="lt1"/>
+    </dgm:txFillClrLst>
+    <dgm:txEffectClrLst/>
+  </dgm:styleLbl>
+  <dgm:styleLbl name="parChTrans2D2">
+    <dgm:fillClrLst meth="repeat">
+      <a:schemeClr val="accent3"/>
+    </dgm:fillClrLst>
+    <dgm:linClrLst meth="repeat">
+      <a:schemeClr val="lt1"/>
+    </dgm:linClrLst>
+    <dgm:effectClrLst/>
+    <dgm:txLinClrLst/>
+    <dgm:txFillClrLst/>
+    <dgm:txEffectClrLst/>
+  </dgm:styleLbl>
+  <dgm:styleLbl name="parChTrans2D3">
+    <dgm:fillClrLst meth="repeat">
+      <a:schemeClr val="accent4"/>
+    </dgm:fillClrLst>
+    <dgm:linClrLst meth="repeat">
+      <a:schemeClr val="lt1"/>
+    </dgm:linClrLst>
+    <dgm:effectClrLst/>
+    <dgm:txLinClrLst/>
+    <dgm:txFillClrLst/>
+    <dgm:txEffectClrLst/>
+  </dgm:styleLbl>
+  <dgm:styleLbl name="parChTrans2D4">
+    <dgm:fillClrLst meth="repeat">
+      <a:schemeClr val="accent5"/>
+    </dgm:fillClrLst>
+    <dgm:linClrLst meth="repeat">
+      <a:schemeClr val="lt1"/>
+    </dgm:linClrLst>
+    <dgm:effectClrLst/>
+    <dgm:txLinClrLst/>
+    <dgm:txFillClrLst meth="repeat">
+      <a:schemeClr val="lt1"/>
+    </dgm:txFillClrLst>
+    <dgm:txEffectClrLst/>
+  </dgm:styleLbl>
+  <dgm:styleLbl name="parChTrans1D1">
+    <dgm:fillClrLst meth="repeat">
+      <a:schemeClr val="accent2"/>
+    </dgm:fillClrLst>
+    <dgm:linClrLst meth="repeat">
+      <a:schemeClr val="accent1"/>
+    </dgm:linClrLst>
+    <dgm:effectClrLst/>
+    <dgm:txLinClrLst/>
+    <dgm:txFillClrLst meth="repeat">
+      <a:schemeClr val="tx1"/>
+    </dgm:txFillClrLst>
+    <dgm:txEffectClrLst/>
+  </dgm:styleLbl>
+  <dgm:styleLbl name="parChTrans1D2">
+    <dgm:fillClrLst meth="repeat">
+      <a:schemeClr val="accent3">
+        <a:tint val="90000"/>
+      </a:schemeClr>
+    </dgm:fillClrLst>
+    <dgm:linClrLst meth="repeat">
+      <a:schemeClr val="accent2"/>
+    </dgm:linClrLst>
+    <dgm:effectClrLst/>
+    <dgm:txLinClrLst/>
+    <dgm:txFillClrLst meth="repeat">
+      <a:schemeClr val="tx1"/>
+    </dgm:txFillClrLst>
+    <dgm:txEffectClrLst/>
+  </dgm:styleLbl>
+  <dgm:styleLbl name="parChTrans1D3">
+    <dgm:fillClrLst meth="repeat">
+      <a:schemeClr val="accent4">
+        <a:tint val="70000"/>
+      </a:schemeClr>
+    </dgm:fillClrLst>
+    <dgm:linClrLst meth="repeat">
+      <a:schemeClr val="accent3"/>
+    </dgm:linClrLst>
+    <dgm:effectClrLst/>
+    <dgm:txLinClrLst/>
+    <dgm:txFillClrLst meth="repeat">
+      <a:schemeClr val="tx1"/>
+    </dgm:txFillClrLst>
+    <dgm:txEffectClrLst/>
+  </dgm:styleLbl>
+  <dgm:styleLbl name="parChTrans1D4">
+    <dgm:fillClrLst meth="repeat">
+      <a:schemeClr val="accent5">
+        <a:tint val="50000"/>
+      </a:schemeClr>
+    </dgm:fillClrLst>
+    <dgm:linClrLst meth="repeat">
+      <a:schemeClr val="accent4"/>
+    </dgm:linClrLst>
+    <dgm:effectClrLst/>
+    <dgm:txLinClrLst/>
+    <dgm:txFillClrLst meth="repeat">
+      <a:schemeClr val="tx1"/>
+    </dgm:txFillClrLst>
+    <dgm:txEffectClrLst/>
+  </dgm:styleLbl>
+  <dgm:styleLbl name="fgAcc1">
+    <dgm:fillClrLst meth="repeat">
+      <a:schemeClr val="lt1">
+        <a:alpha val="90000"/>
+      </a:schemeClr>
+    </dgm:fillClrLst>
+    <dgm:linClrLst meth="repeat">
+      <a:schemeClr val="accent2"/>
+      <a:schemeClr val="accent3"/>
+      <a:schemeClr val="accent4"/>
+      <a:schemeClr val="accent5"/>
+      <a:schemeClr val="accent6"/>
+    </dgm:linClrLst>
+    <dgm:effectClrLst/>
+    <dgm:txLinClrLst/>
+    <dgm:txFillClrLst meth="repeat">
+      <a:schemeClr val="dk1"/>
+    </dgm:txFillClrLst>
+    <dgm:txEffectClrLst/>
+  </dgm:styleLbl>
+  <dgm:styleLbl name="conFgAcc1">
+    <dgm:fillClrLst meth="repeat">
+      <a:schemeClr val="lt1">
+        <a:alpha val="90000"/>
+      </a:schemeClr>
+    </dgm:fillClrLst>
+    <dgm:linClrLst meth="repeat">
+      <a:schemeClr val="accent2"/>
+      <a:schemeClr val="accent3"/>
+      <a:schemeClr val="accent4"/>
+      <a:schemeClr val="accent5"/>
+      <a:schemeClr val="accent6"/>
+    </dgm:linClrLst>
+    <dgm:effectClrLst/>
+    <dgm:txLinClrLst/>
+    <dgm:txFillClrLst meth="repeat">
+      <a:schemeClr val="dk1"/>
+    </dgm:txFillClrLst>
+    <dgm:txEffectClrLst/>
+  </dgm:styleLbl>
+  <dgm:styleLbl name="alignAcc1">
+    <dgm:fillClrLst meth="repeat">
+      <a:schemeClr val="lt1">
+        <a:alpha val="90000"/>
+      </a:schemeClr>
+    </dgm:fillClrLst>
+    <dgm:linClrLst meth="repeat">
+      <a:schemeClr val="accent2"/>
+      <a:schemeClr val="accent3"/>
+      <a:schemeClr val="accent4"/>
+      <a:schemeClr val="accent5"/>
+      <a:schemeClr val="accent6"/>
+    </dgm:linClrLst>
+    <dgm:effectClrLst/>
+    <dgm:txLinClrLst/>
+    <dgm:txFillClrLst meth="repeat">
+      <a:schemeClr val="dk1"/>
+    </dgm:txFillClrLst>
+    <dgm:txEffectClrLst/>
+  </dgm:styleLbl>
+  <dgm:styleLbl name="trAlignAcc1">
+    <dgm:fillClrLst meth="repeat">
+      <a:schemeClr val="lt1">
+        <a:alpha val="40000"/>
+      </a:schemeClr>
+    </dgm:fillClrLst>
+    <dgm:linClrLst meth="repeat">
+      <a:schemeClr val="accent1"/>
+    </dgm:linClrLst>
+    <dgm:effectClrLst/>
+    <dgm:txLinClrLst/>
+    <dgm:txFillClrLst meth="repeat">
+      <a:schemeClr val="dk1"/>
+    </dgm:txFillClrLst>
+    <dgm:txEffectClrLst/>
+  </dgm:styleLbl>
+  <dgm:styleLbl name="bgAcc1">
+    <dgm:fillClrLst meth="repeat">
+      <a:schemeClr val="lt1">
+        <a:alpha val="90000"/>
+      </a:schemeClr>
+    </dgm:fillClrLst>
+    <dgm:linClrLst meth="repeat">
+      <a:schemeClr val="accent2"/>
+      <a:schemeClr val="accent3"/>
+      <a:schemeClr val="accent4"/>
+      <a:schemeClr val="accent5"/>
+      <a:schemeClr val="accent6"/>
+    </dgm:linClrLst>
+    <dgm:effectClrLst/>
+    <dgm:txLinClrLst/>
+    <dgm:txFillClrLst meth="repeat">
+      <a:schemeClr val="dk1"/>
+    </dgm:txFillClrLst>
+    <dgm:txEffectClrLst/>
+  </dgm:styleLbl>
+  <dgm:styleLbl name="solidFgAcc1">
+    <dgm:fillClrLst meth="repeat">
+      <a:schemeClr val="lt1"/>
+    </dgm:fillClrLst>
+    <dgm:linClrLst meth="repeat">
+      <a:schemeClr val="accent2"/>
+      <a:schemeClr val="accent3"/>
+      <a:schemeClr val="accent4"/>
+      <a:schemeClr val="accent5"/>
+      <a:schemeClr val="accent6"/>
+    </dgm:linClrLst>
+    <dgm:effectClrLst/>
+    <dgm:txLinClrLst/>
+    <dgm:txFillClrLst meth="repeat">
+      <a:schemeClr val="dk1"/>
+    </dgm:txFillClrLst>
+    <dgm:txEffectClrLst/>
+  </dgm:styleLbl>
+  <dgm:styleLbl name="solidAlignAcc1">
+    <dgm:fillClrLst meth="repeat">
+      <a:schemeClr val="lt1"/>
+    </dgm:fillClrLst>
+    <dgm:linClrLst meth="repeat">
+      <a:schemeClr val="accent2"/>
+      <a:schemeClr val="accent3"/>
+      <a:schemeClr val="accent4"/>
+      <a:schemeClr val="accent5"/>
+      <a:schemeClr val="accent6"/>
+    </dgm:linClrLst>
+    <dgm:effectClrLst/>
+    <dgm:txLinClrLst/>
+    <dgm:txFillClrLst meth="repeat">
+      <a:schemeClr val="dk1"/>
+    </dgm:txFillClrLst>
+    <dgm:txEffectClrLst/>
+  </dgm:styleLbl>
+  <dgm:styleLbl name="solidBgAcc1">
+    <dgm:fillClrLst meth="repeat">
+      <a:schemeClr val="lt1"/>
+    </dgm:fillClrLst>
+    <dgm:linClrLst meth="repeat">
+      <a:schemeClr val="accent2"/>
+      <a:schemeClr val="accent3"/>
+      <a:schemeClr val="accent4"/>
+      <a:schemeClr val="accent5"/>
+      <a:schemeClr val="accent6"/>
+    </dgm:linClrLst>
+    <dgm:effectClrLst/>
+    <dgm:txLinClrLst/>
+    <dgm:txFillClrLst meth="repeat">
+      <a:schemeClr val="dk1"/>
+    </dgm:txFillClrLst>
+    <dgm:txEffectClrLst/>
+  </dgm:styleLbl>
+  <dgm:styleLbl name="fgAccFollowNode1">
+    <dgm:fillClrLst meth="repeat">
+      <a:schemeClr val="accent2">
+        <a:tint val="40000"/>
+        <a:alpha val="90000"/>
+      </a:schemeClr>
+      <a:schemeClr val="accent3">
+        <a:tint val="40000"/>
+        <a:alpha val="90000"/>
+      </a:schemeClr>
+      <a:schemeClr val="accent4">
+        <a:tint val="40000"/>
+        <a:alpha val="90000"/>
+      </a:schemeClr>
+      <a:schemeClr val="accent5">
+        <a:tint val="40000"/>
+        <a:alpha val="90000"/>
+      </a:schemeClr>
+      <a:schemeClr val="accent6">
+        <a:tint val="40000"/>
+        <a:alpha val="90000"/>
+      </a:schemeClr>
+    </dgm:fillClrLst>
+    <dgm:linClrLst meth="repeat">
+      <a:schemeClr val="accent2">
+        <a:tint val="40000"/>
+        <a:alpha val="90000"/>
+      </a:schemeClr>
+      <a:schemeClr val="accent3">
+        <a:tint val="40000"/>
+        <a:alpha val="90000"/>
+      </a:schemeClr>
+      <a:schemeClr val="accent4">
+        <a:tint val="40000"/>
+        <a:alpha val="90000"/>
+      </a:schemeClr>
+      <a:schemeClr val="accent5">
+        <a:tint val="40000"/>
+        <a:alpha val="90000"/>
+      </a:schemeClr>
+      <a:schemeClr val="accent6">
+        <a:tint val="40000"/>
+        <a:alpha val="90000"/>
+      </a:schemeClr>
+    </dgm:linClrLst>
+    <dgm:effectClrLst/>
+    <dgm:txLinClrLst/>
+    <dgm:txFillClrLst meth="repeat">
+      <a:schemeClr val="dk1"/>
+    </dgm:txFillClrLst>
+    <dgm:txEffectClrLst/>
+  </dgm:styleLbl>
+  <dgm:styleLbl name="alignAccFollowNode1">
+    <dgm:fillClrLst meth="repeat">
+      <a:schemeClr val="accent2">
+        <a:tint val="40000"/>
+        <a:alpha val="90000"/>
+      </a:schemeClr>
+      <a:schemeClr val="accent3">
+        <a:tint val="40000"/>
+        <a:alpha val="90000"/>
+      </a:schemeClr>
+      <a:schemeClr val="accent4">
+        <a:tint val="40000"/>
+        <a:alpha val="90000"/>
+      </a:schemeClr>
+      <a:schemeClr val="accent5">
+        <a:tint val="40000"/>
+        <a:alpha val="90000"/>
+      </a:schemeClr>
+      <a:schemeClr val="accent6">
+        <a:tint val="40000"/>
+        <a:alpha val="90000"/>
+      </a:schemeClr>
+    </dgm:fillClrLst>
+    <dgm:linClrLst meth="repeat">
+      <a:schemeClr val="accent2">
+        <a:tint val="40000"/>
+        <a:alpha val="90000"/>
+      </a:schemeClr>
+      <a:schemeClr val="accent3">
+        <a:tint val="40000"/>
+        <a:alpha val="90000"/>
+      </a:schemeClr>
+      <a:schemeClr val="accent4">
+        <a:tint val="40000"/>
+        <a:alpha val="90000"/>
+      </a:schemeClr>
+      <a:schemeClr val="accent5">
+        <a:tint val="40000"/>
+        <a:alpha val="90000"/>
+      </a:schemeClr>
+      <a:schemeClr val="accent6">
+        <a:tint val="40000"/>
+        <a:alpha val="90000"/>
+      </a:schemeClr>
+    </dgm:linClrLst>
+    <dgm:effectClrLst/>
+    <dgm:txLinClrLst/>
+    <dgm:txFillClrLst meth="repeat">
+      <a:schemeClr val="dk1"/>
+    </dgm:txFillClrLst>
+    <dgm:txEffectClrLst/>
+  </dgm:styleLbl>
+  <dgm:styleLbl name="bgAccFollowNode1">
+    <dgm:fillClrLst meth="repeat">
+      <a:schemeClr val="accent2">
+        <a:tint val="40000"/>
+        <a:alpha val="90000"/>
+      </a:schemeClr>
+      <a:schemeClr val="accent3">
+        <a:tint val="40000"/>
+        <a:alpha val="90000"/>
+      </a:schemeClr>
+      <a:schemeClr val="accent4">
+        <a:tint val="40000"/>
+        <a:alpha val="90000"/>
+      </a:schemeClr>
+      <a:schemeClr val="accent5">
+        <a:tint val="40000"/>
+        <a:alpha val="90000"/>
+      </a:schemeClr>
+      <a:schemeClr val="accent6">
+        <a:tint val="40000"/>
+        <a:alpha val="90000"/>
+      </a:schemeClr>
+    </dgm:fillClrLst>
+    <dgm:linClrLst meth="repeat">
+      <a:schemeClr val="accent2">
+        <a:tint val="40000"/>
+        <a:alpha val="90000"/>
+      </a:schemeClr>
+      <a:schemeClr val="accent3">
+        <a:tint val="40000"/>
+        <a:alpha val="90000"/>
+      </a:schemeClr>
+      <a:schemeClr val="accent4">
+        <a:tint val="40000"/>
+        <a:alpha val="90000"/>
+      </a:schemeClr>
+      <a:schemeClr val="accent5">
+        <a:tint val="40000"/>
+        <a:alpha val="90000"/>
+      </a:schemeClr>
+      <a:schemeClr val="accent6">
+        <a:tint val="40000"/>
+        <a:alpha val="90000"/>
+      </a:schemeClr>
+    </dgm:linClrLst>
+    <dgm:effectClrLst/>
+    <dgm:txLinClrLst/>
+    <dgm:txFillClrLst meth="repeat">
+      <a:schemeClr val="dk1"/>
+    </dgm:txFillClrLst>
+    <dgm:txEffectClrLst/>
+  </dgm:styleLbl>
+  <dgm:styleLbl name="fgAcc0">
+    <dgm:fillClrLst meth="repeat">
+      <a:schemeClr val="lt1">
+        <a:alpha val="90000"/>
+      </a:schemeClr>
+    </dgm:fillClrLst>
+    <dgm:linClrLst>
+      <a:schemeClr val="accent1"/>
+    </dgm:linClrLst>
+    <dgm:effectClrLst/>
+    <dgm:txLinClrLst/>
+    <dgm:txFillClrLst meth="repeat">
+      <a:schemeClr val="dk1"/>
+    </dgm:txFillClrLst>
+    <dgm:txEffectClrLst/>
+  </dgm:styleLbl>
+  <dgm:styleLbl name="fgAcc2">
+    <dgm:fillClrLst meth="repeat">
+      <a:schemeClr val="lt1">
+        <a:alpha val="90000"/>
+      </a:schemeClr>
+    </dgm:fillClrLst>
+    <dgm:linClrLst>
+      <a:schemeClr val="accent2"/>
+    </dgm:linClrLst>
+    <dgm:effectClrLst/>
+    <dgm:txLinClrLst/>
+    <dgm:txFillClrLst meth="repeat">
+      <a:schemeClr val="dk1"/>
+    </dgm:txFillClrLst>
+    <dgm:txEffectClrLst/>
+  </dgm:styleLbl>
+  <dgm:styleLbl name="fgAcc3">
+    <dgm:fillClrLst meth="repeat">
+      <a:schemeClr val="lt1">
+        <a:alpha val="90000"/>
+      </a:schemeClr>
+    </dgm:fillClrLst>
+    <dgm:linClrLst>
+      <a:schemeClr val="accent3"/>
+    </dgm:linClrLst>
+    <dgm:effectClrLst/>
+    <dgm:txLinClrLst/>
+    <dgm:txFillClrLst meth="repeat">
+      <a:schemeClr val="dk1"/>
+    </dgm:txFillClrLst>
+    <dgm:txEffectClrLst/>
+  </dgm:styleLbl>
+  <dgm:styleLbl name="fgAcc4">
+    <dgm:fillClrLst meth="repeat">
+      <a:schemeClr val="lt1">
+        <a:alpha val="90000"/>
+      </a:schemeClr>
+    </dgm:fillClrLst>
+    <dgm:linClrLst>
+      <a:schemeClr val="accent4"/>
+    </dgm:linClrLst>
+    <dgm:effectClrLst/>
+    <dgm:txLinClrLst/>
+    <dgm:txFillClrLst meth="repeat">
+      <a:schemeClr val="dk1"/>
+    </dgm:txFillClrLst>
+    <dgm:txEffectClrLst/>
+  </dgm:styleLbl>
+  <dgm:styleLbl name="bgShp">
+    <dgm:fillClrLst meth="repeat">
+      <a:schemeClr val="accent2">
+        <a:tint val="40000"/>
+      </a:schemeClr>
+    </dgm:fillClrLst>
+    <dgm:linClrLst meth="repeat">
+      <a:schemeClr val="dk1"/>
+    </dgm:linClrLst>
+    <dgm:effectClrLst/>
+    <dgm:txLinClrLst/>
+    <dgm:txFillClrLst meth="repeat">
+      <a:schemeClr val="dk1"/>
+    </dgm:txFillClrLst>
+    <dgm:txEffectClrLst/>
+  </dgm:styleLbl>
+  <dgm:styleLbl name="dkBgShp">
+    <dgm:fillClrLst meth="repeat">
+      <a:schemeClr val="accent2">
+        <a:shade val="90000"/>
+      </a:schemeClr>
+    </dgm:fillClrLst>
+    <dgm:linClrLst meth="repeat">
+      <a:schemeClr val="dk1"/>
+    </dgm:linClrLst>
+    <dgm:effectClrLst/>
+    <dgm:txLinClrLst/>
+    <dgm:txFillClrLst meth="repeat">
+      <a:schemeClr val="lt1"/>
+    </dgm:txFillClrLst>
+    <dgm:txEffectClrLst/>
+  </dgm:styleLbl>
+  <dgm:styleLbl name="trBgShp">
+    <dgm:fillClrLst meth="repeat">
+      <a:schemeClr val="accent1">
+        <a:tint val="50000"/>
+        <a:alpha val="40000"/>
+      </a:schemeClr>
+    </dgm:fillClrLst>
+    <dgm:linClrLst meth="repeat">
+      <a:schemeClr val="accent2"/>
+    </dgm:linClrLst>
+    <dgm:effectClrLst/>
+    <dgm:txLinClrLst/>
+    <dgm:txFillClrLst meth="repeat">
+      <a:schemeClr val="lt1"/>
+    </dgm:txFillClrLst>
+    <dgm:txEffectClrLst/>
+  </dgm:styleLbl>
+  <dgm:styleLbl name="fgShp">
+    <dgm:fillClrLst meth="repeat">
+      <a:schemeClr val="accent2">
+        <a:tint val="40000"/>
+      </a:schemeClr>
+    </dgm:fillClrLst>
+    <dgm:linClrLst meth="repeat">
+      <a:schemeClr val="lt1"/>
+    </dgm:linClrLst>
+    <dgm:effectClrLst/>
+    <dgm:txLinClrLst/>
+    <dgm:txFillClrLst meth="repeat">
+      <a:schemeClr val="dk1"/>
+    </dgm:txFillClrLst>
+    <dgm:txEffectClrLst/>
+  </dgm:styleLbl>
+  <dgm:styleLbl name="revTx">
+    <dgm:fillClrLst meth="repeat">
+      <a:schemeClr val="lt1">
+        <a:alpha val="0"/>
+      </a:schemeClr>
+    </dgm:fillClrLst>
+    <dgm:linClrLst meth="repeat">
+      <a:schemeClr val="dk1">
+        <a:alpha val="0"/>
+      </a:schemeClr>
+    </dgm:linClrLst>
+    <dgm:effectClrLst/>
+    <dgm:txLinClrLst/>
+    <dgm:txFillClrLst meth="repeat">
+      <a:schemeClr val="tx1"/>
+    </dgm:txFillClrLst>
+    <dgm:txEffectClrLst/>
+  </dgm:styleLbl>
+</dgm:colorsDef>
+</file>
+
+<file path=ppt/diagrams/colors7.xml><?xml version="1.0" encoding="utf-8"?>
 <dgm:colorsDef xmlns:dgm="http://schemas.openxmlformats.org/drawingml/2006/diagram" xmlns:a="http://schemas.openxmlformats.org/drawingml/2006/main" uniqueId="urn:microsoft.com/office/officeart/2005/8/colors/colorful1">
   <dgm:title val=""/>
   <dgm:desc val=""/>
@@ -8311,12 +9326,12 @@
             </a:lnSpc>
           </a:pPr>
           <a:r>
-            <a:rPr lang="en-US">
+            <a:rPr lang="en-US" dirty="0">
               <a:latin typeface="Calibri Light" panose="020F0302020204030204"/>
             </a:rPr>
             <a:t>Our task is to implement serialization of HTM classifier.</a:t>
           </a:r>
-          <a:endParaRPr lang="en-US"/>
+          <a:endParaRPr lang="en-US" dirty="0"/>
         </a:p>
       </dgm:t>
     </dgm:pt>
@@ -8454,7 +9469,7 @@
       <dgm:spPr/>
     </dgm:pt>
     <dgm:pt modelId="{47A20824-3ACE-40BA-8FE0-163C36DFA4C7}" type="pres">
-      <dgm:prSet presAssocID="{35CEE28C-0670-49A4-8468-668376B3A53F}" presName="bgRect" presStyleLbl="bgShp" presStyleIdx="1" presStyleCnt="3"/>
+      <dgm:prSet presAssocID="{35CEE28C-0670-49A4-8468-668376B3A53F}" presName="bgRect" presStyleLbl="bgShp" presStyleIdx="1" presStyleCnt="3" custScaleY="101577"/>
       <dgm:spPr>
         <a:solidFill>
           <a:schemeClr val="bg1"/>
@@ -8610,17 +9625,17 @@
         <a:lstStyle/>
         <a:p>
           <a:r>
-            <a:rPr lang="en-US"/>
+            <a:rPr lang="en-US" dirty="0"/>
             <a:t>Identify the parameters to be serialized in </a:t>
           </a:r>
           <a:r>
-            <a:rPr lang="en-US" err="1">
+            <a:rPr lang="en-US" dirty="0">
               <a:latin typeface="Calibri Light" panose="020F0302020204030204"/>
             </a:rPr>
             <a:t>HtmClassifier</a:t>
           </a:r>
           <a:r>
-            <a:rPr lang="en-US"/>
+            <a:rPr lang="en-US" dirty="0"/>
             <a:t> class.</a:t>
           </a:r>
         </a:p>
@@ -8737,17 +9752,17 @@
         <a:lstStyle/>
         <a:p>
           <a:r>
-            <a:rPr lang="en-US"/>
+            <a:rPr lang="en-US" dirty="0"/>
             <a:t>Override Equals method in </a:t>
           </a:r>
           <a:r>
-            <a:rPr lang="en-US" err="1">
+            <a:rPr lang="en-US" dirty="0">
               <a:latin typeface="Calibri Light" panose="020F0302020204030204"/>
             </a:rPr>
             <a:t>HtmClassifier</a:t>
           </a:r>
           <a:r>
-            <a:rPr lang="en-US"/>
+            <a:rPr lang="en-US" dirty="0"/>
             <a:t> class for Equality checks.</a:t>
           </a:r>
         </a:p>
@@ -8784,17 +9799,17 @@
         <a:p>
           <a:pPr rtl="0"/>
           <a:r>
-            <a:rPr lang="en-US"/>
+            <a:rPr lang="en-US" dirty="0"/>
             <a:t>Deserialize and verify results of 2 instances of </a:t>
           </a:r>
           <a:r>
-            <a:rPr lang="en-US">
+            <a:rPr lang="en-US" dirty="0">
               <a:latin typeface="Calibri Light" panose="020F0302020204030204"/>
             </a:rPr>
             <a:t>HtmClassifier</a:t>
           </a:r>
           <a:r>
-            <a:rPr lang="en-US"/>
+            <a:rPr lang="en-US" dirty="0"/>
             <a:t> class.</a:t>
           </a:r>
         </a:p>
@@ -9068,16 +10083,16 @@
         <a:p>
           <a:pPr rtl="0"/>
           <a:r>
-            <a:rPr lang="en-US"/>
+            <a:rPr lang="en-US" dirty="0"/>
             <a:t>The serialization of the object supplied as an input parameter and writing of the serialized data to a stream are the two functions of the Serialize method</a:t>
           </a:r>
           <a:r>
-            <a:rPr lang="en-US">
+            <a:rPr lang="en-US" dirty="0">
               <a:latin typeface="Calibri Light" panose="020F0302020204030204"/>
             </a:rPr>
             <a:t>.</a:t>
           </a:r>
-          <a:endParaRPr lang="en-US"/>
+          <a:endParaRPr lang="en-US" dirty="0"/>
         </a:p>
       </dgm:t>
     </dgm:pt>
@@ -9112,56 +10127,44 @@
         <a:p>
           <a:pPr rtl="0"/>
           <a:r>
-            <a:rPr lang="en-US" b="1">
+            <a:rPr lang="en-US" b="1" dirty="0">
               <a:latin typeface="Calibri Light" panose="020F0302020204030204"/>
             </a:rPr>
             <a:t>Step 2</a:t>
           </a:r>
           <a:r>
-            <a:rPr lang="en-US" b="1"/>
+            <a:rPr lang="en-US" b="1" dirty="0"/>
             <a:t> </a:t>
           </a:r>
           <a:r>
-            <a:rPr lang="en-US" b="1">
+            <a:rPr lang="en-US" b="1" dirty="0">
               <a:latin typeface="Calibri Light" panose="020F0302020204030204"/>
             </a:rPr>
-            <a:t>: </a:t>
+            <a:t>: HtmClassifier </a:t>
           </a:r>
           <a:r>
-            <a:rPr lang="en-US" b="1" err="1">
-              <a:latin typeface="Calibri Light" panose="020F0302020204030204"/>
-            </a:rPr>
-            <a:t>HtmClassifier</a:t>
-          </a:r>
-          <a:r>
-            <a:rPr lang="en-US" b="1">
-              <a:latin typeface="Calibri Light" panose="020F0302020204030204"/>
-            </a:rPr>
-            <a:t> </a:t>
-          </a:r>
-          <a:r>
-            <a:rPr lang="en-US" b="0">
+            <a:rPr lang="en-US" b="0" dirty="0">
               <a:latin typeface="Calibri Light" panose="020F0302020204030204"/>
             </a:rPr>
             <a:t>parameters</a:t>
           </a:r>
           <a:r>
-            <a:rPr lang="en-US" b="1">
+            <a:rPr lang="en-US" b="1" dirty="0">
               <a:latin typeface="Calibri Light" panose="020F0302020204030204"/>
             </a:rPr>
             <a:t> Serialized and</a:t>
           </a:r>
           <a:r>
-            <a:rPr lang="en-US" b="1"/>
+            <a:rPr lang="en-US" b="1" dirty="0"/>
             <a:t> </a:t>
           </a:r>
           <a:r>
-            <a:rPr lang="en-US" b="1">
+            <a:rPr lang="en-US" b="1" dirty="0">
               <a:latin typeface="Calibri Light" panose="020F0302020204030204"/>
             </a:rPr>
             <a:t>verified</a:t>
           </a:r>
-          <a:endParaRPr lang="en-US"/>
+          <a:endParaRPr lang="en-US" dirty="0"/>
         </a:p>
       </dgm:t>
     </dgm:pt>
@@ -9188,7 +10191,7 @@
       </dgm:t>
     </dgm:pt>
     <dgm:pt modelId="{9A9C424D-8A51-425E-8EDA-050057EDE3F4}">
-      <dgm:prSet phldr="0"/>
+      <dgm:prSet phldr="0" custT="1"/>
       <dgm:spPr/>
       <dgm:t>
         <a:bodyPr/>
@@ -9196,12 +10199,21 @@
         <a:p>
           <a:pPr rtl="0"/>
           <a:r>
-            <a:rPr lang="en-US"/>
-            <a:t>The original object is recreated from the serialized data via the deserialization procedure.</a:t>
+            <a:rPr lang="en-US" sz="1300" kern="1200" dirty="0">
+              <a:solidFill>
+                <a:prstClr val="black">
+                  <a:hueOff val="0"/>
+                  <a:satOff val="0"/>
+                  <a:lumOff val="0"/>
+                  <a:alphaOff val="0"/>
+                </a:prstClr>
+              </a:solidFill>
+              <a:latin typeface="Calibri" panose="020F0502020204030204"/>
+              <a:ea typeface="+mn-ea"/>
+              <a:cs typeface="+mn-cs"/>
+            </a:rPr>
+            <a:t>The HtmClassifier parameters need to be serialized and the saved stream of date should be same as the current state of the object. </a:t>
           </a:r>
-          <a:endParaRPr lang="en-US">
-            <a:latin typeface="Calibri Light" panose="020F0302020204030204"/>
-          </a:endParaRPr>
         </a:p>
       </dgm:t>
     </dgm:pt>
@@ -9226,49 +10238,6 @@
           <a:endParaRPr lang="en-US"/>
         </a:p>
       </dgm:t>
-    </dgm:pt>
-    <dgm:pt modelId="{13FD60EF-BA5B-4860-862A-3BC2905E0943}">
-      <dgm:prSet phldr="0"/>
-      <dgm:spPr/>
-      <dgm:t>
-        <a:bodyPr/>
-        <a:lstStyle/>
-        <a:p>
-          <a:r>
-            <a:rPr lang="en-US">
-              <a:latin typeface="Calibri Light" panose="020F0302020204030204"/>
-            </a:rPr>
-            <a:t> </a:t>
-          </a:r>
-          <a:r>
-            <a:rPr lang="en-US"/>
-            <a:t>The </a:t>
-          </a:r>
-          <a:r>
-            <a:rPr lang="en-US" err="1"/>
-            <a:t>HTMClassifier</a:t>
-          </a:r>
-          <a:r>
-            <a:rPr lang="en-US"/>
-            <a:t> object is being rebuilt in this code</a:t>
-          </a:r>
-          <a:r>
-            <a:rPr lang="en-US">
-              <a:latin typeface="Calibri Light" panose="020F0302020204030204"/>
-            </a:rPr>
-            <a:t>.</a:t>
-          </a:r>
-          <a:endParaRPr lang="en-US"/>
-        </a:p>
-      </dgm:t>
-    </dgm:pt>
-    <dgm:pt modelId="{22793B92-4AE8-4A75-9445-FE2F9255190A}" type="parTrans" cxnId="{8AA7220D-9B41-4BF3-8FA9-C596E7B7FEEE}">
-      <dgm:prSet/>
-      <dgm:spPr/>
-    </dgm:pt>
-    <dgm:pt modelId="{C9D60D2C-EFE0-48A8-ADAA-859C057209E7}" type="sibTrans" cxnId="{8AA7220D-9B41-4BF3-8FA9-C596E7B7FEEE}">
-      <dgm:prSet/>
-      <dgm:spPr/>
     </dgm:pt>
     <dgm:pt modelId="{D8B3515C-2695-4226-81C4-C6350A38672C}" type="pres">
       <dgm:prSet presAssocID="{AF3157D7-1347-40E7-9869-EDB633108D22}" presName="Name0" presStyleCnt="0">
@@ -9329,7 +10298,6 @@
   </dgm:ptLst>
   <dgm:cxnLst>
     <dgm:cxn modelId="{D30CA209-E5D2-4826-9F9F-0EA06872EE95}" srcId="{AF3157D7-1347-40E7-9869-EDB633108D22}" destId="{CF36ED1D-403D-498B-9106-D2820A3CEF48}" srcOrd="1" destOrd="0" parTransId="{3A2A1835-FF5F-4152-8596-E9B0B6EE99DA}" sibTransId="{39870896-CCE7-4075-BFE0-2D7B8516F477}"/>
-    <dgm:cxn modelId="{8AA7220D-9B41-4BF3-8FA9-C596E7B7FEEE}" srcId="{CF36ED1D-403D-498B-9106-D2820A3CEF48}" destId="{13FD60EF-BA5B-4860-862A-3BC2905E0943}" srcOrd="1" destOrd="0" parTransId="{22793B92-4AE8-4A75-9445-FE2F9255190A}" sibTransId="{C9D60D2C-EFE0-48A8-ADAA-859C057209E7}"/>
     <dgm:cxn modelId="{94E83D11-CDF6-4755-8596-37B3791EB7BF}" type="presOf" srcId="{91A7E948-50E6-487E-BC39-F6C99B2A0050}" destId="{D50DC233-72E0-481C-B2D4-B8D0E2EB3F20}" srcOrd="0" destOrd="0" presId="urn:microsoft.com/office/officeart/2005/8/layout/vList5"/>
     <dgm:cxn modelId="{1FE51238-A40D-4782-B2F9-453090CF0C52}" type="presOf" srcId="{AF3157D7-1347-40E7-9869-EDB633108D22}" destId="{D8B3515C-2695-4226-81C4-C6350A38672C}" srcOrd="0" destOrd="0" presId="urn:microsoft.com/office/officeart/2005/8/layout/vList5"/>
     <dgm:cxn modelId="{ADA8BB3C-8D5B-4DFD-BD54-A4B8C61D187F}" srcId="{CF36ED1D-403D-498B-9106-D2820A3CEF48}" destId="{9A9C424D-8A51-425E-8EDA-050057EDE3F4}" srcOrd="0" destOrd="0" parTransId="{8545C452-3811-430E-BD74-9E91F3A36E1B}" sibTransId="{E27FF960-5B8A-49C6-B6A6-8846EDA0011C}"/>
@@ -9340,7 +10308,6 @@
     <dgm:cxn modelId="{D424F8BA-E709-4A34-9AF7-1C57AABD0247}" srcId="{388627EC-06CC-42B4-B347-31D7BA8BE852}" destId="{91A7E948-50E6-487E-BC39-F6C99B2A0050}" srcOrd="0" destOrd="0" parTransId="{5AAE578A-8F75-4276-BF71-68818E3C9EC5}" sibTransId="{BFA4576D-3193-4D1A-A71E-14583FACB740}"/>
     <dgm:cxn modelId="{228F34E0-E0BC-4B5F-A6CA-47597AA4909F}" type="presOf" srcId="{388627EC-06CC-42B4-B347-31D7BA8BE852}" destId="{E8248C16-2D2F-41B1-84DC-6DB87C0469A6}" srcOrd="0" destOrd="0" presId="urn:microsoft.com/office/officeart/2005/8/layout/vList5"/>
     <dgm:cxn modelId="{4E2EC2F3-DF65-4215-B6DB-CD17A9A0ED76}" srcId="{388627EC-06CC-42B4-B347-31D7BA8BE852}" destId="{5FEA442F-D449-441A-B29C-56E530FCCB9C}" srcOrd="1" destOrd="0" parTransId="{5F4FF1DC-FC8C-4922-80F5-5F4C9E1879B8}" sibTransId="{74AFE689-FB16-4363-8C6B-4CCAB888B15F}"/>
-    <dgm:cxn modelId="{81CA92FE-DFB4-43EB-B5D2-7909733059BE}" type="presOf" srcId="{13FD60EF-BA5B-4860-862A-3BC2905E0943}" destId="{5BC7BFD9-0190-4706-A242-201703B55BE4}" srcOrd="0" destOrd="1" presId="urn:microsoft.com/office/officeart/2005/8/layout/vList5"/>
     <dgm:cxn modelId="{2F4E9097-7AFD-4580-8372-2202EADAF62D}" type="presParOf" srcId="{D8B3515C-2695-4226-81C4-C6350A38672C}" destId="{5DA9CD23-A527-418A-804A-92BBB9FB0348}" srcOrd="0" destOrd="0" presId="urn:microsoft.com/office/officeart/2005/8/layout/vList5"/>
     <dgm:cxn modelId="{E7176906-A033-444F-82BE-30965AFA6475}" type="presParOf" srcId="{5DA9CD23-A527-418A-804A-92BBB9FB0348}" destId="{E8248C16-2D2F-41B1-84DC-6DB87C0469A6}" srcOrd="0" destOrd="0" presId="urn:microsoft.com/office/officeart/2005/8/layout/vList5"/>
     <dgm:cxn modelId="{A491EBF7-1CD0-45C3-8A6B-EDCD7E34EA7D}" type="presParOf" srcId="{5DA9CD23-A527-418A-804A-92BBB9FB0348}" destId="{D50DC233-72E0-481C-B2D4-B8D0E2EB3F20}" srcOrd="1" destOrd="0" presId="urn:microsoft.com/office/officeart/2005/8/layout/vList5"/>
@@ -9419,38 +10386,28 @@
         <a:p>
           <a:pPr rtl="0"/>
           <a:r>
-            <a:rPr lang="en-US"/>
-            <a:t>Deserialization method carefully reads the values form a stream writer</a:t>
+            <a:rPr lang="en-US" dirty="0"/>
+            <a:t>Deserialization method carefully reads the values from a file and allocate it to the </a:t>
           </a:r>
           <a:r>
-            <a:rPr lang="en-US">
-              <a:latin typeface="Calibri Light" panose="020F0302020204030204"/>
-            </a:rPr>
-            <a:t> </a:t>
-          </a:r>
-          <a:r>
-            <a:rPr lang="en-US"/>
-            <a:t>allocate it to the </a:t>
-          </a:r>
-          <a:r>
-            <a:rPr lang="en-US">
+            <a:rPr lang="en-US" dirty="0">
               <a:latin typeface="Calibri Light" panose="020F0302020204030204"/>
             </a:rPr>
             <a:t>HtmClassifier</a:t>
           </a:r>
           <a:r>
-            <a:rPr lang="en-US"/>
+            <a:rPr lang="en-US" dirty="0"/>
             <a:t> instance </a:t>
           </a:r>
           <a:r>
-            <a:rPr lang="en-US">
+            <a:rPr lang="en-US" dirty="0">
               <a:latin typeface="Calibri Light" panose="020F0302020204030204"/>
             </a:rPr>
             <a:t>parameters</a:t>
           </a:r>
           <a:r>
-            <a:rPr lang="en-US"/>
-            <a:t> in order.</a:t>
+            <a:rPr lang="en-US" dirty="0"/>
+            <a:t> in proper order.</a:t>
           </a:r>
         </a:p>
       </dgm:t>
@@ -9522,17 +10479,17 @@
         <a:lstStyle/>
         <a:p>
           <a:r>
-            <a:rPr lang="en-US"/>
-            <a:t>Use the saved Serialize txt file to create back the </a:t>
+            <a:rPr lang="en-US" dirty="0"/>
+            <a:t>Use the saved Serialize .txt file to create back the </a:t>
           </a:r>
           <a:r>
-            <a:rPr lang="en-US">
+            <a:rPr lang="en-US" dirty="0">
               <a:latin typeface="Calibri Light" panose="020F0302020204030204"/>
             </a:rPr>
             <a:t>HtmClassifier</a:t>
           </a:r>
           <a:r>
-            <a:rPr lang="en-US"/>
+            <a:rPr lang="en-US" dirty="0"/>
             <a:t> instance.</a:t>
           </a:r>
         </a:p>
@@ -9614,16 +10571,16 @@
         <a:lstStyle/>
         <a:p>
           <a:r>
-            <a:rPr lang="en-US"/>
+            <a:rPr lang="en-US" dirty="0"/>
             <a:t>The Dictionary </a:t>
           </a:r>
           <a:r>
-            <a:rPr lang="en-US" err="1"/>
-            <a:t>keyvaluePair</a:t>
+            <a:rPr lang="en-US" dirty="0" err="1"/>
+            <a:t>keyValuePair</a:t>
           </a:r>
           <a:r>
-            <a:rPr lang="en-US"/>
-            <a:t> had value in form of List&lt;int[]&gt; .The value from the data stream is iterated and properly added. </a:t>
+            <a:rPr lang="en-US" dirty="0"/>
+            <a:t> had value in form of List&lt;int[]&gt; .The value from the data stream is iterated and properly obtained. </a:t>
           </a:r>
         </a:p>
       </dgm:t>
@@ -9761,18 +10718,157 @@
         <a:lstStyle/>
         <a:p>
           <a:r>
-            <a:rPr lang="en-US" b="1"/>
-            <a:t>Step 5: </a:t>
+            <a:rPr lang="en-US" b="1" dirty="0"/>
+            <a:t>Step 5: Equals() method</a:t>
+          </a:r>
+          <a:endParaRPr lang="en-US" dirty="0"/>
+        </a:p>
+      </dgm:t>
+    </dgm:pt>
+    <dgm:pt modelId="{3044D841-C6E8-47B1-B68B-90EB4BE4DC1B}" type="parTrans" cxnId="{86A35AB3-57E6-4567-B1D9-A94079859DA9}">
+      <dgm:prSet/>
+      <dgm:spPr/>
+      <dgm:t>
+        <a:bodyPr/>
+        <a:lstStyle/>
+        <a:p>
+          <a:endParaRPr lang="en-US"/>
+        </a:p>
+      </dgm:t>
+    </dgm:pt>
+    <dgm:pt modelId="{A7AFC6B8-3E13-451B-B7CC-26D7F6F57740}" type="sibTrans" cxnId="{86A35AB3-57E6-4567-B1D9-A94079859DA9}">
+      <dgm:prSet/>
+      <dgm:spPr/>
+      <dgm:t>
+        <a:bodyPr/>
+        <a:lstStyle/>
+        <a:p>
+          <a:endParaRPr lang="en-US"/>
+        </a:p>
+      </dgm:t>
+    </dgm:pt>
+    <dgm:pt modelId="{91A7E948-50E6-487E-BC39-F6C99B2A0050}">
+      <dgm:prSet/>
+      <dgm:spPr/>
+      <dgm:t>
+        <a:bodyPr/>
+        <a:lstStyle/>
+        <a:p>
+          <a:r>
+            <a:rPr lang="en-US" dirty="0"/>
+            <a:t>In order to check the equality of two instances of the Classifier we need to override the object Equals() method.</a:t>
+          </a:r>
+        </a:p>
+      </dgm:t>
+    </dgm:pt>
+    <dgm:pt modelId="{5AAE578A-8F75-4276-BF71-68818E3C9EC5}" type="parTrans" cxnId="{D424F8BA-E709-4A34-9AF7-1C57AABD0247}">
+      <dgm:prSet/>
+      <dgm:spPr/>
+      <dgm:t>
+        <a:bodyPr/>
+        <a:lstStyle/>
+        <a:p>
+          <a:endParaRPr lang="en-US"/>
+        </a:p>
+      </dgm:t>
+    </dgm:pt>
+    <dgm:pt modelId="{BFA4576D-3193-4D1A-A71E-14583FACB740}" type="sibTrans" cxnId="{D424F8BA-E709-4A34-9AF7-1C57AABD0247}">
+      <dgm:prSet/>
+      <dgm:spPr/>
+      <dgm:t>
+        <a:bodyPr/>
+        <a:lstStyle/>
+        <a:p>
+          <a:endParaRPr lang="en-US"/>
+        </a:p>
+      </dgm:t>
+    </dgm:pt>
+    <dgm:pt modelId="{D8B3515C-2695-4226-81C4-C6350A38672C}" type="pres">
+      <dgm:prSet presAssocID="{AF3157D7-1347-40E7-9869-EDB633108D22}" presName="Name0" presStyleCnt="0">
+        <dgm:presLayoutVars>
+          <dgm:dir/>
+          <dgm:animLvl val="lvl"/>
+          <dgm:resizeHandles val="exact"/>
+        </dgm:presLayoutVars>
+      </dgm:prSet>
+      <dgm:spPr/>
+    </dgm:pt>
+    <dgm:pt modelId="{5DA9CD23-A527-418A-804A-92BBB9FB0348}" type="pres">
+      <dgm:prSet presAssocID="{388627EC-06CC-42B4-B347-31D7BA8BE852}" presName="linNode" presStyleCnt="0"/>
+      <dgm:spPr/>
+    </dgm:pt>
+    <dgm:pt modelId="{E8248C16-2D2F-41B1-84DC-6DB87C0469A6}" type="pres">
+      <dgm:prSet presAssocID="{388627EC-06CC-42B4-B347-31D7BA8BE852}" presName="parentText" presStyleLbl="node1" presStyleIdx="0" presStyleCnt="1" custScaleX="92721" custScaleY="38680" custLinFactNeighborX="294">
+        <dgm:presLayoutVars>
+          <dgm:chMax val="1"/>
+          <dgm:bulletEnabled val="1"/>
+        </dgm:presLayoutVars>
+      </dgm:prSet>
+      <dgm:spPr/>
+    </dgm:pt>
+    <dgm:pt modelId="{D50DC233-72E0-481C-B2D4-B8D0E2EB3F20}" type="pres">
+      <dgm:prSet presAssocID="{388627EC-06CC-42B4-B347-31D7BA8BE852}" presName="descendantText" presStyleLbl="alignAccFollowNode1" presStyleIdx="0" presStyleCnt="1" custScaleX="88627" custScaleY="53717">
+        <dgm:presLayoutVars>
+          <dgm:bulletEnabled val="1"/>
+        </dgm:presLayoutVars>
+      </dgm:prSet>
+      <dgm:spPr/>
+    </dgm:pt>
+  </dgm:ptLst>
+  <dgm:cxnLst>
+    <dgm:cxn modelId="{9AAFA32D-F0CA-4560-BBA2-9216583F6F2C}" type="presOf" srcId="{91A7E948-50E6-487E-BC39-F6C99B2A0050}" destId="{D50DC233-72E0-481C-B2D4-B8D0E2EB3F20}" srcOrd="0" destOrd="0" presId="urn:microsoft.com/office/officeart/2005/8/layout/vList5"/>
+    <dgm:cxn modelId="{1FE51238-A40D-4782-B2F9-453090CF0C52}" type="presOf" srcId="{AF3157D7-1347-40E7-9869-EDB633108D22}" destId="{D8B3515C-2695-4226-81C4-C6350A38672C}" srcOrd="0" destOrd="0" presId="urn:microsoft.com/office/officeart/2005/8/layout/vList5"/>
+    <dgm:cxn modelId="{6A38346D-A80E-453D-ADB0-BC08FD474CF0}" type="presOf" srcId="{388627EC-06CC-42B4-B347-31D7BA8BE852}" destId="{E8248C16-2D2F-41B1-84DC-6DB87C0469A6}" srcOrd="0" destOrd="0" presId="urn:microsoft.com/office/officeart/2005/8/layout/vList5"/>
+    <dgm:cxn modelId="{86A35AB3-57E6-4567-B1D9-A94079859DA9}" srcId="{AF3157D7-1347-40E7-9869-EDB633108D22}" destId="{388627EC-06CC-42B4-B347-31D7BA8BE852}" srcOrd="0" destOrd="0" parTransId="{3044D841-C6E8-47B1-B68B-90EB4BE4DC1B}" sibTransId="{A7AFC6B8-3E13-451B-B7CC-26D7F6F57740}"/>
+    <dgm:cxn modelId="{D424F8BA-E709-4A34-9AF7-1C57AABD0247}" srcId="{388627EC-06CC-42B4-B347-31D7BA8BE852}" destId="{91A7E948-50E6-487E-BC39-F6C99B2A0050}" srcOrd="0" destOrd="0" parTransId="{5AAE578A-8F75-4276-BF71-68818E3C9EC5}" sibTransId="{BFA4576D-3193-4D1A-A71E-14583FACB740}"/>
+    <dgm:cxn modelId="{B726DCAC-699A-4E8E-B2F9-5CD9A4CFEBAE}" type="presParOf" srcId="{D8B3515C-2695-4226-81C4-C6350A38672C}" destId="{5DA9CD23-A527-418A-804A-92BBB9FB0348}" srcOrd="0" destOrd="0" presId="urn:microsoft.com/office/officeart/2005/8/layout/vList5"/>
+    <dgm:cxn modelId="{551C1527-2219-43A5-9B26-89962A557ED5}" type="presParOf" srcId="{5DA9CD23-A527-418A-804A-92BBB9FB0348}" destId="{E8248C16-2D2F-41B1-84DC-6DB87C0469A6}" srcOrd="0" destOrd="0" presId="urn:microsoft.com/office/officeart/2005/8/layout/vList5"/>
+    <dgm:cxn modelId="{4F552966-6EEB-425B-84C8-C926D9A94AF3}" type="presParOf" srcId="{5DA9CD23-A527-418A-804A-92BBB9FB0348}" destId="{D50DC233-72E0-481C-B2D4-B8D0E2EB3F20}" srcOrd="1" destOrd="0" presId="urn:microsoft.com/office/officeart/2005/8/layout/vList5"/>
+  </dgm:cxnLst>
+  <dgm:bg/>
+  <dgm:whole/>
+  <dgm:extLst>
+    <a:ext uri="http://schemas.microsoft.com/office/drawing/2008/diagram">
+      <dsp:dataModelExt xmlns:dsp="http://schemas.microsoft.com/office/drawing/2008/diagram" relId="rId7" minVer="http://schemas.openxmlformats.org/drawingml/2006/diagram"/>
+    </a:ext>
+  </dgm:extLst>
+</dgm:dataModel>
+</file>
+
+<file path=ppt/diagrams/data7.xml><?xml version="1.0" encoding="utf-8"?>
+<dgm:dataModel xmlns:dgm="http://schemas.openxmlformats.org/drawingml/2006/diagram" xmlns:a="http://schemas.openxmlformats.org/drawingml/2006/main">
+  <dgm:ptLst>
+    <dgm:pt modelId="{AF3157D7-1347-40E7-9869-EDB633108D22}" type="doc">
+      <dgm:prSet loTypeId="urn:microsoft.com/office/officeart/2005/8/layout/vList5" loCatId="list" qsTypeId="urn:microsoft.com/office/officeart/2005/8/quickstyle/simple1" qsCatId="simple" csTypeId="urn:microsoft.com/office/officeart/2005/8/colors/colorful1" csCatId="colorful" phldr="1"/>
+      <dgm:spPr/>
+      <dgm:t>
+        <a:bodyPr/>
+        <a:lstStyle/>
+        <a:p>
+          <a:endParaRPr lang="en-US"/>
+        </a:p>
+      </dgm:t>
+    </dgm:pt>
+    <dgm:pt modelId="{388627EC-06CC-42B4-B347-31D7BA8BE852}">
+      <dgm:prSet/>
+      <dgm:spPr/>
+      <dgm:t>
+        <a:bodyPr/>
+        <a:lstStyle/>
+        <a:p>
+          <a:r>
+            <a:rPr lang="en-US" b="1" dirty="0"/>
+            <a:t>Step 6: </a:t>
           </a:r>
           <a:r>
-            <a:rPr lang="en-US" b="1" err="1"/>
+            <a:rPr lang="en-US" b="1" dirty="0" err="1"/>
             <a:t>UnitTest</a:t>
           </a:r>
           <a:r>
-            <a:rPr lang="en-US" b="1"/>
+            <a:rPr lang="en-US" b="1" dirty="0"/>
             <a:t> for Verification</a:t>
           </a:r>
-          <a:endParaRPr lang="en-US"/>
+          <a:endParaRPr lang="en-US" dirty="0"/>
         </a:p>
       </dgm:t>
     </dgm:pt>
@@ -9894,10 +10990,10 @@
         <a:lstStyle/>
         <a:p>
           <a:r>
-            <a:rPr lang="en-US" b="1"/>
-            <a:t>Step  6 : Added Possible UT Coverage</a:t>
+            <a:rPr lang="en-US" b="1" dirty="0"/>
+            <a:t>Step  7 : Added Possible UT Coverage</a:t>
           </a:r>
-          <a:endParaRPr lang="en-US"/>
+          <a:endParaRPr lang="en-US" dirty="0"/>
         </a:p>
       </dgm:t>
     </dgm:pt>
@@ -10738,8 +11834,8 @@
       </dsp:nvSpPr>
       <dsp:spPr>
         <a:xfrm>
-          <a:off x="0" y="3273"/>
-          <a:ext cx="8520600" cy="970825"/>
+          <a:off x="0" y="3314"/>
+          <a:ext cx="8520600" cy="954513"/>
         </a:xfrm>
         <a:prstGeom prst="roundRect">
           <a:avLst>
@@ -10774,8 +11870,8 @@
       </dsp:nvSpPr>
       <dsp:spPr>
         <a:xfrm>
-          <a:off x="293674" y="221709"/>
-          <a:ext cx="534475" cy="533953"/>
+          <a:off x="293007" y="214200"/>
+          <a:ext cx="533261" cy="532740"/>
         </a:xfrm>
         <a:prstGeom prst="rect">
           <a:avLst/>
@@ -10830,8 +11926,8 @@
       </dsp:nvSpPr>
       <dsp:spPr>
         <a:xfrm>
-          <a:off x="1121825" y="3273"/>
-          <a:ext cx="7309558" cy="971774"/>
+          <a:off x="1119275" y="3314"/>
+          <a:ext cx="7310895" cy="969565"/>
         </a:xfrm>
         <a:prstGeom prst="rect">
           <a:avLst/>
@@ -10855,7 +11951,7 @@
         <a:fontRef idx="minor"/>
       </dsp:style>
       <dsp:txBody>
-        <a:bodyPr spcFirstLastPara="0" vert="horz" wrap="square" lIns="102846" tIns="102846" rIns="102846" bIns="102846" numCol="1" spcCol="1270" anchor="ctr" anchorCtr="0">
+        <a:bodyPr spcFirstLastPara="0" vert="horz" wrap="square" lIns="102612" tIns="102612" rIns="102612" bIns="102612" numCol="1" spcCol="1270" anchor="ctr" anchorCtr="0">
           <a:noAutofit/>
         </a:bodyPr>
         <a:lstStyle/>
@@ -10881,8 +11977,8 @@
         </a:p>
       </dsp:txBody>
       <dsp:txXfrm>
-        <a:off x="1121825" y="3273"/>
-        <a:ext cx="7309558" cy="971774"/>
+        <a:off x="1119275" y="3314"/>
+        <a:ext cx="7310895" cy="969565"/>
       </dsp:txXfrm>
     </dsp:sp>
     <dsp:sp modelId="{47A20824-3ACE-40BA-8FE0-163C36DFA4C7}">
@@ -10892,8 +11988,8 @@
       </dsp:nvSpPr>
       <dsp:spPr>
         <a:xfrm>
-          <a:off x="0" y="1190997"/>
-          <a:ext cx="8520600" cy="970825"/>
+          <a:off x="0" y="1188338"/>
+          <a:ext cx="8520600" cy="969565"/>
         </a:xfrm>
         <a:prstGeom prst="roundRect">
           <a:avLst>
@@ -10928,8 +12024,8 @@
       </dsp:nvSpPr>
       <dsp:spPr>
         <a:xfrm>
-          <a:off x="293674" y="1409433"/>
-          <a:ext cx="534475" cy="533953"/>
+          <a:off x="293007" y="1406751"/>
+          <a:ext cx="533261" cy="532740"/>
         </a:xfrm>
         <a:prstGeom prst="rect">
           <a:avLst/>
@@ -10984,8 +12080,8 @@
       </dsp:nvSpPr>
       <dsp:spPr>
         <a:xfrm>
-          <a:off x="1121825" y="1190997"/>
-          <a:ext cx="7309558" cy="971774"/>
+          <a:off x="1119275" y="1195865"/>
+          <a:ext cx="7310895" cy="969565"/>
         </a:xfrm>
         <a:prstGeom prst="rect">
           <a:avLst/>
@@ -11009,7 +12105,7 @@
         <a:fontRef idx="minor"/>
       </dsp:style>
       <dsp:txBody>
-        <a:bodyPr spcFirstLastPara="0" vert="horz" wrap="square" lIns="102846" tIns="102846" rIns="102846" bIns="102846" numCol="1" spcCol="1270" anchor="ctr" anchorCtr="0">
+        <a:bodyPr spcFirstLastPara="0" vert="horz" wrap="square" lIns="102612" tIns="102612" rIns="102612" bIns="102612" numCol="1" spcCol="1270" anchor="ctr" anchorCtr="0">
           <a:noAutofit/>
         </a:bodyPr>
         <a:lstStyle/>
@@ -11027,17 +12123,17 @@
             <a:buNone/>
           </a:pPr>
           <a:r>
-            <a:rPr lang="en-US" sz="1400" kern="1200">
+            <a:rPr lang="en-US" sz="1400" kern="1200" dirty="0">
               <a:latin typeface="Calibri Light" panose="020F0302020204030204"/>
             </a:rPr>
             <a:t>Our task is to implement serialization of HTM classifier.</a:t>
           </a:r>
-          <a:endParaRPr lang="en-US" sz="1400" kern="1200"/>
+          <a:endParaRPr lang="en-US" sz="1400" kern="1200" dirty="0"/>
         </a:p>
       </dsp:txBody>
       <dsp:txXfrm>
-        <a:off x="1121825" y="1190997"/>
-        <a:ext cx="7309558" cy="971774"/>
+        <a:off x="1119275" y="1195865"/>
+        <a:ext cx="7310895" cy="969565"/>
       </dsp:txXfrm>
     </dsp:sp>
     <dsp:sp modelId="{6F1D1B23-0AD8-47CD-A680-7AE922C745E1}">
@@ -11047,8 +12143,8 @@
       </dsp:nvSpPr>
       <dsp:spPr>
         <a:xfrm>
-          <a:off x="0" y="2378722"/>
-          <a:ext cx="8520600" cy="970825"/>
+          <a:off x="0" y="2380890"/>
+          <a:ext cx="8520600" cy="954513"/>
         </a:xfrm>
         <a:prstGeom prst="roundRect">
           <a:avLst>
@@ -11081,8 +12177,8 @@
       </dsp:nvSpPr>
       <dsp:spPr>
         <a:xfrm>
-          <a:off x="293674" y="2597157"/>
-          <a:ext cx="534475" cy="533953"/>
+          <a:off x="293007" y="2591776"/>
+          <a:ext cx="533261" cy="532740"/>
         </a:xfrm>
         <a:prstGeom prst="rect">
           <a:avLst/>
@@ -11137,8 +12233,8 @@
       </dsp:nvSpPr>
       <dsp:spPr>
         <a:xfrm>
-          <a:off x="1121825" y="2378722"/>
-          <a:ext cx="7309558" cy="971774"/>
+          <a:off x="1119275" y="2380890"/>
+          <a:ext cx="7310895" cy="969565"/>
         </a:xfrm>
         <a:prstGeom prst="rect">
           <a:avLst/>
@@ -11162,7 +12258,7 @@
         <a:fontRef idx="minor"/>
       </dsp:style>
       <dsp:txBody>
-        <a:bodyPr spcFirstLastPara="0" vert="horz" wrap="square" lIns="102846" tIns="102846" rIns="102846" bIns="102846" numCol="1" spcCol="1270" anchor="ctr" anchorCtr="0">
+        <a:bodyPr spcFirstLastPara="0" vert="horz" wrap="square" lIns="102612" tIns="102612" rIns="102612" bIns="102612" numCol="1" spcCol="1270" anchor="ctr" anchorCtr="0">
           <a:noAutofit/>
         </a:bodyPr>
         <a:lstStyle/>
@@ -11189,8 +12285,8 @@
         </a:p>
       </dsp:txBody>
       <dsp:txXfrm>
-        <a:off x="1121825" y="2378722"/>
-        <a:ext cx="7309558" cy="971774"/>
+        <a:off x="1119275" y="2380890"/>
+        <a:ext cx="7310895" cy="969565"/>
       </dsp:txXfrm>
     </dsp:sp>
   </dsp:spTree>
@@ -11274,17 +12370,17 @@
             <a:buNone/>
           </a:pPr>
           <a:r>
-            <a:rPr lang="en-US" sz="1300" kern="1200"/>
+            <a:rPr lang="en-US" sz="1300" kern="1200" dirty="0"/>
             <a:t>Identify the parameters to be serialized in </a:t>
           </a:r>
           <a:r>
-            <a:rPr lang="en-US" sz="1300" kern="1200" err="1">
+            <a:rPr lang="en-US" sz="1300" kern="1200" dirty="0">
               <a:latin typeface="Calibri Light" panose="020F0302020204030204"/>
             </a:rPr>
             <a:t>HtmClassifier</a:t>
           </a:r>
           <a:r>
-            <a:rPr lang="en-US" sz="1300" kern="1200"/>
+            <a:rPr lang="en-US" sz="1300" kern="1200" dirty="0"/>
             <a:t> class.</a:t>
           </a:r>
         </a:p>
@@ -11737,17 +12833,17 @@
             <a:buNone/>
           </a:pPr>
           <a:r>
-            <a:rPr lang="en-US" sz="1300" kern="1200"/>
+            <a:rPr lang="en-US" sz="1300" kern="1200" dirty="0"/>
             <a:t>Override Equals method in </a:t>
           </a:r>
           <a:r>
-            <a:rPr lang="en-US" sz="1300" kern="1200" err="1">
+            <a:rPr lang="en-US" sz="1300" kern="1200" dirty="0">
               <a:latin typeface="Calibri Light" panose="020F0302020204030204"/>
             </a:rPr>
             <a:t>HtmClassifier</a:t>
           </a:r>
           <a:r>
-            <a:rPr lang="en-US" sz="1300" kern="1200"/>
+            <a:rPr lang="en-US" sz="1300" kern="1200" dirty="0"/>
             <a:t> class for Equality checks.</a:t>
           </a:r>
         </a:p>
@@ -11895,17 +12991,17 @@
             <a:buNone/>
           </a:pPr>
           <a:r>
-            <a:rPr lang="en-US" sz="1300" kern="1200"/>
+            <a:rPr lang="en-US" sz="1300" kern="1200" dirty="0"/>
             <a:t>Deserialize and verify results of 2 instances of </a:t>
           </a:r>
           <a:r>
-            <a:rPr lang="en-US" sz="1300" kern="1200">
+            <a:rPr lang="en-US" sz="1300" kern="1200" dirty="0">
               <a:latin typeface="Calibri Light" panose="020F0302020204030204"/>
             </a:rPr>
             <a:t>HtmClassifier</a:t>
           </a:r>
           <a:r>
-            <a:rPr lang="en-US" sz="1300" kern="1200"/>
+            <a:rPr lang="en-US" sz="1300" kern="1200" dirty="0"/>
             <a:t> class.</a:t>
           </a:r>
         </a:p>
@@ -12014,16 +13110,16 @@
             <a:buChar char="•"/>
           </a:pPr>
           <a:r>
-            <a:rPr lang="en-US" sz="1300" kern="1200"/>
+            <a:rPr lang="en-US" sz="1300" kern="1200" dirty="0"/>
             <a:t>The serialization of the object supplied as an input parameter and writing of the serialized data to a stream are the two functions of the Serialize method</a:t>
           </a:r>
           <a:r>
-            <a:rPr lang="en-US" sz="1300" kern="1200">
+            <a:rPr lang="en-US" sz="1300" kern="1200" dirty="0">
               <a:latin typeface="Calibri Light" panose="020F0302020204030204"/>
             </a:rPr>
             <a:t>.</a:t>
           </a:r>
-          <a:endParaRPr lang="en-US" sz="1300" kern="1200"/>
+          <a:endParaRPr lang="en-US" sz="1300" kern="1200" dirty="0"/>
         </a:p>
       </dsp:txBody>
       <dsp:txXfrm rot="-5400000">
@@ -12200,51 +13296,21 @@
             <a:buChar char="•"/>
           </a:pPr>
           <a:r>
-            <a:rPr lang="en-US" sz="1300" kern="1200"/>
-            <a:t>The original object is recreated from the serialized data via the deserialization procedure.</a:t>
+            <a:rPr lang="en-US" sz="1300" kern="1200" dirty="0">
+              <a:solidFill>
+                <a:prstClr val="black">
+                  <a:hueOff val="0"/>
+                  <a:satOff val="0"/>
+                  <a:lumOff val="0"/>
+                  <a:alphaOff val="0"/>
+                </a:prstClr>
+              </a:solidFill>
+              <a:latin typeface="Calibri" panose="020F0502020204030204"/>
+              <a:ea typeface="+mn-ea"/>
+              <a:cs typeface="+mn-cs"/>
+            </a:rPr>
+            <a:t>The HtmClassifier parameters need to be serialized and the saved stream of date should be same as the current state of the object. </a:t>
           </a:r>
-          <a:endParaRPr lang="en-US" sz="1300" kern="1200">
-            <a:latin typeface="Calibri Light" panose="020F0302020204030204"/>
-          </a:endParaRPr>
-        </a:p>
-        <a:p>
-          <a:pPr marL="114300" lvl="1" indent="-114300" algn="l" defTabSz="577850">
-            <a:lnSpc>
-              <a:spcPct val="90000"/>
-            </a:lnSpc>
-            <a:spcBef>
-              <a:spcPct val="0"/>
-            </a:spcBef>
-            <a:spcAft>
-              <a:spcPct val="15000"/>
-            </a:spcAft>
-            <a:buChar char="•"/>
-          </a:pPr>
-          <a:r>
-            <a:rPr lang="en-US" sz="1300" kern="1200">
-              <a:latin typeface="Calibri Light" panose="020F0302020204030204"/>
-            </a:rPr>
-            <a:t> </a:t>
-          </a:r>
-          <a:r>
-            <a:rPr lang="en-US" sz="1300" kern="1200"/>
-            <a:t>The </a:t>
-          </a:r>
-          <a:r>
-            <a:rPr lang="en-US" sz="1300" kern="1200" err="1"/>
-            <a:t>HTMClassifier</a:t>
-          </a:r>
-          <a:r>
-            <a:rPr lang="en-US" sz="1300" kern="1200"/>
-            <a:t> object is being rebuilt in this code</a:t>
-          </a:r>
-          <a:r>
-            <a:rPr lang="en-US" sz="1300" kern="1200">
-              <a:latin typeface="Calibri Light" panose="020F0302020204030204"/>
-            </a:rPr>
-            <a:t>.</a:t>
-          </a:r>
-          <a:endParaRPr lang="en-US" sz="1300" kern="1200"/>
         </a:p>
       </dsp:txBody>
       <dsp:txXfrm rot="-5400000">
@@ -12319,56 +13385,44 @@
             <a:buNone/>
           </a:pPr>
           <a:r>
-            <a:rPr lang="en-US" sz="2100" b="1" kern="1200">
+            <a:rPr lang="en-US" sz="2100" b="1" kern="1200" dirty="0">
               <a:latin typeface="Calibri Light" panose="020F0302020204030204"/>
             </a:rPr>
             <a:t>Step 2</a:t>
           </a:r>
           <a:r>
-            <a:rPr lang="en-US" sz="2100" b="1" kern="1200"/>
+            <a:rPr lang="en-US" sz="2100" b="1" kern="1200" dirty="0"/>
             <a:t> </a:t>
           </a:r>
           <a:r>
-            <a:rPr lang="en-US" sz="2100" b="1" kern="1200">
+            <a:rPr lang="en-US" sz="2100" b="1" kern="1200" dirty="0">
               <a:latin typeface="Calibri Light" panose="020F0302020204030204"/>
             </a:rPr>
-            <a:t>: </a:t>
+            <a:t>: HtmClassifier </a:t>
           </a:r>
           <a:r>
-            <a:rPr lang="en-US" sz="2100" b="1" kern="1200" err="1">
-              <a:latin typeface="Calibri Light" panose="020F0302020204030204"/>
-            </a:rPr>
-            <a:t>HtmClassifier</a:t>
-          </a:r>
-          <a:r>
-            <a:rPr lang="en-US" sz="2100" b="1" kern="1200">
-              <a:latin typeface="Calibri Light" panose="020F0302020204030204"/>
-            </a:rPr>
-            <a:t> </a:t>
-          </a:r>
-          <a:r>
-            <a:rPr lang="en-US" sz="2100" b="0" kern="1200">
+            <a:rPr lang="en-US" sz="2100" b="0" kern="1200" dirty="0">
               <a:latin typeface="Calibri Light" panose="020F0302020204030204"/>
             </a:rPr>
             <a:t>parameters</a:t>
           </a:r>
           <a:r>
-            <a:rPr lang="en-US" sz="2100" b="1" kern="1200">
+            <a:rPr lang="en-US" sz="2100" b="1" kern="1200" dirty="0">
               <a:latin typeface="Calibri Light" panose="020F0302020204030204"/>
             </a:rPr>
             <a:t> Serialized and</a:t>
           </a:r>
           <a:r>
-            <a:rPr lang="en-US" sz="2100" b="1" kern="1200"/>
+            <a:rPr lang="en-US" sz="2100" b="1" kern="1200" dirty="0"/>
             <a:t> </a:t>
           </a:r>
           <a:r>
-            <a:rPr lang="en-US" sz="2100" b="1" kern="1200">
+            <a:rPr lang="en-US" sz="2100" b="1" kern="1200" dirty="0">
               <a:latin typeface="Calibri Light" panose="020F0302020204030204"/>
             </a:rPr>
             <a:t>verified</a:t>
           </a:r>
-          <a:endParaRPr lang="en-US" sz="2100" kern="1200"/>
+          <a:endParaRPr lang="en-US" sz="2100" kern="1200" dirty="0"/>
         </a:p>
       </dsp:txBody>
       <dsp:txXfrm>
@@ -12439,12 +13493,12 @@
         <a:fontRef idx="minor"/>
       </dsp:style>
       <dsp:txBody>
-        <a:bodyPr spcFirstLastPara="0" vert="horz" wrap="square" lIns="53340" tIns="26670" rIns="53340" bIns="26670" numCol="1" spcCol="1270" anchor="ctr" anchorCtr="0">
+        <a:bodyPr spcFirstLastPara="0" vert="horz" wrap="square" lIns="49530" tIns="24765" rIns="49530" bIns="24765" numCol="1" spcCol="1270" anchor="ctr" anchorCtr="0">
           <a:noAutofit/>
         </a:bodyPr>
         <a:lstStyle/>
         <a:p>
-          <a:pPr marL="114300" lvl="1" indent="-114300" algn="l" defTabSz="622300" rtl="0">
+          <a:pPr marL="114300" lvl="1" indent="-114300" algn="l" defTabSz="577850" rtl="0">
             <a:lnSpc>
               <a:spcPct val="90000"/>
             </a:lnSpc>
@@ -12457,42 +13511,32 @@
             <a:buChar char="•"/>
           </a:pPr>
           <a:r>
-            <a:rPr lang="en-US" sz="1400" kern="1200"/>
-            <a:t>Deserialization method carefully reads the values form a stream writer</a:t>
+            <a:rPr lang="en-US" sz="1300" kern="1200" dirty="0"/>
+            <a:t>Deserialization method carefully reads the values from a file and allocate it to the </a:t>
           </a:r>
           <a:r>
-            <a:rPr lang="en-US" sz="1400" kern="1200">
-              <a:latin typeface="Calibri Light" panose="020F0302020204030204"/>
-            </a:rPr>
-            <a:t> </a:t>
-          </a:r>
-          <a:r>
-            <a:rPr lang="en-US" sz="1400" kern="1200"/>
-            <a:t>allocate it to the </a:t>
-          </a:r>
-          <a:r>
-            <a:rPr lang="en-US" sz="1400" kern="1200">
+            <a:rPr lang="en-US" sz="1300" kern="1200" dirty="0">
               <a:latin typeface="Calibri Light" panose="020F0302020204030204"/>
             </a:rPr>
             <a:t>HtmClassifier</a:t>
           </a:r>
           <a:r>
-            <a:rPr lang="en-US" sz="1400" kern="1200"/>
+            <a:rPr lang="en-US" sz="1300" kern="1200" dirty="0"/>
             <a:t> instance </a:t>
           </a:r>
           <a:r>
-            <a:rPr lang="en-US" sz="1400" kern="1200">
+            <a:rPr lang="en-US" sz="1300" kern="1200" dirty="0">
               <a:latin typeface="Calibri Light" panose="020F0302020204030204"/>
             </a:rPr>
             <a:t>parameters</a:t>
           </a:r>
           <a:r>
-            <a:rPr lang="en-US" sz="1400" kern="1200"/>
-            <a:t> in order.</a:t>
+            <a:rPr lang="en-US" sz="1300" kern="1200" dirty="0"/>
+            <a:t> in proper order.</a:t>
           </a:r>
         </a:p>
         <a:p>
-          <a:pPr marL="114300" lvl="1" indent="-114300" algn="l" defTabSz="622300">
+          <a:pPr marL="114300" lvl="1" indent="-114300" algn="l" defTabSz="577850">
             <a:lnSpc>
               <a:spcPct val="90000"/>
             </a:lnSpc>
@@ -12505,16 +13549,16 @@
             <a:buChar char="•"/>
           </a:pPr>
           <a:r>
-            <a:rPr lang="en-US" sz="1400" kern="1200"/>
+            <a:rPr lang="en-US" sz="1300" kern="1200" dirty="0"/>
             <a:t>The Dictionary </a:t>
           </a:r>
           <a:r>
-            <a:rPr lang="en-US" sz="1400" kern="1200" err="1"/>
-            <a:t>keyvaluePair</a:t>
+            <a:rPr lang="en-US" sz="1300" kern="1200" dirty="0" err="1"/>
+            <a:t>keyValuePair</a:t>
           </a:r>
           <a:r>
-            <a:rPr lang="en-US" sz="1400" kern="1200"/>
-            <a:t> had value in form of List&lt;int[]&gt; .The value from the data stream is iterated and properly added. </a:t>
+            <a:rPr lang="en-US" sz="1300" kern="1200" dirty="0"/>
+            <a:t> had value in form of List&lt;int[]&gt; .The value from the data stream is iterated and properly obtained. </a:t>
           </a:r>
         </a:p>
       </dsp:txBody>
@@ -12652,12 +13696,12 @@
         <a:fontRef idx="minor"/>
       </dsp:style>
       <dsp:txBody>
-        <a:bodyPr spcFirstLastPara="0" vert="horz" wrap="square" lIns="53340" tIns="26670" rIns="53340" bIns="26670" numCol="1" spcCol="1270" anchor="ctr" anchorCtr="0">
+        <a:bodyPr spcFirstLastPara="0" vert="horz" wrap="square" lIns="49530" tIns="24765" rIns="49530" bIns="24765" numCol="1" spcCol="1270" anchor="ctr" anchorCtr="0">
           <a:noAutofit/>
         </a:bodyPr>
         <a:lstStyle/>
         <a:p>
-          <a:pPr marL="114300" lvl="1" indent="-114300" algn="l" defTabSz="622300">
+          <a:pPr marL="114300" lvl="1" indent="-114300" algn="l" defTabSz="577850">
             <a:lnSpc>
               <a:spcPct val="90000"/>
             </a:lnSpc>
@@ -12670,22 +13714,22 @@
             <a:buChar char="•"/>
           </a:pPr>
           <a:r>
-            <a:rPr lang="en-US" sz="1400" kern="1200"/>
-            <a:t>Use the saved Serialize txt file to create back the </a:t>
+            <a:rPr lang="en-US" sz="1300" kern="1200" dirty="0"/>
+            <a:t>Use the saved Serialize .txt file to create back the </a:t>
           </a:r>
           <a:r>
-            <a:rPr lang="en-US" sz="1400" kern="1200">
+            <a:rPr lang="en-US" sz="1300" kern="1200" dirty="0">
               <a:latin typeface="Calibri Light" panose="020F0302020204030204"/>
             </a:rPr>
             <a:t>HtmClassifier</a:t>
           </a:r>
           <a:r>
-            <a:rPr lang="en-US" sz="1400" kern="1200"/>
+            <a:rPr lang="en-US" sz="1300" kern="1200" dirty="0"/>
             <a:t> instance.</a:t>
           </a:r>
         </a:p>
         <a:p>
-          <a:pPr marL="114300" lvl="1" indent="-114300" algn="l" defTabSz="622300">
+          <a:pPr marL="114300" lvl="1" indent="-114300" algn="l" defTabSz="577850">
             <a:lnSpc>
               <a:spcPct val="90000"/>
             </a:lnSpc>
@@ -12698,17 +13742,17 @@
             <a:buChar char="•"/>
           </a:pPr>
           <a:r>
-            <a:rPr lang="en-US" sz="1400" kern="1200"/>
+            <a:rPr lang="en-US" sz="1300" kern="1200"/>
             <a:t>Verify if the </a:t>
           </a:r>
           <a:r>
-            <a:rPr lang="en-US" sz="1400" kern="1200">
+            <a:rPr lang="en-US" sz="1300" kern="1200">
               <a:latin typeface="Calibri Light" panose="020F0302020204030204"/>
             </a:rPr>
             <a:t>values</a:t>
           </a:r>
           <a:r>
-            <a:rPr lang="en-US" sz="1400" kern="1200"/>
+            <a:rPr lang="en-US" sz="1300" kern="1200"/>
             <a:t> are populated in proper order as expected.</a:t>
           </a:r>
         </a:p>
@@ -12801,6 +13845,175 @@
 </file>
 
 <file path=ppt/diagrams/drawing6.xml><?xml version="1.0" encoding="utf-8"?>
+<dsp:drawing xmlns:dgm="http://schemas.openxmlformats.org/drawingml/2006/diagram" xmlns:dsp="http://schemas.microsoft.com/office/drawing/2008/diagram" xmlns:a="http://schemas.openxmlformats.org/drawingml/2006/main">
+  <dsp:spTree>
+    <dsp:nvGrpSpPr>
+      <dsp:cNvPr id="0" name=""/>
+      <dsp:cNvGrpSpPr/>
+    </dsp:nvGrpSpPr>
+    <dsp:grpSpPr/>
+    <dsp:sp modelId="{D50DC233-72E0-481C-B2D4-B8D0E2EB3F20}">
+      <dsp:nvSpPr>
+        <dsp:cNvPr id="0" name=""/>
+        <dsp:cNvSpPr/>
+      </dsp:nvSpPr>
+      <dsp:spPr>
+        <a:xfrm rot="5400000">
+          <a:off x="4676547" y="-828443"/>
+          <a:ext cx="1220261" cy="4496447"/>
+        </a:xfrm>
+        <a:prstGeom prst="round2SameRect">
+          <a:avLst/>
+        </a:prstGeom>
+        <a:solidFill>
+          <a:schemeClr val="accent2">
+            <a:tint val="40000"/>
+            <a:alpha val="90000"/>
+            <a:hueOff val="0"/>
+            <a:satOff val="0"/>
+            <a:lumOff val="0"/>
+            <a:alphaOff val="0"/>
+          </a:schemeClr>
+        </a:solidFill>
+        <a:ln w="15875" cap="flat" cmpd="sng" algn="ctr">
+          <a:solidFill>
+            <a:schemeClr val="accent2">
+              <a:tint val="40000"/>
+              <a:alpha val="90000"/>
+              <a:hueOff val="0"/>
+              <a:satOff val="0"/>
+              <a:lumOff val="0"/>
+              <a:alphaOff val="0"/>
+            </a:schemeClr>
+          </a:solidFill>
+          <a:prstDash val="solid"/>
+        </a:ln>
+        <a:effectLst/>
+      </dsp:spPr>
+      <dsp:style>
+        <a:lnRef idx="2">
+          <a:scrgbClr r="0" g="0" b="0"/>
+        </a:lnRef>
+        <a:fillRef idx="1">
+          <a:scrgbClr r="0" g="0" b="0"/>
+        </a:fillRef>
+        <a:effectRef idx="0">
+          <a:scrgbClr r="0" g="0" b="0"/>
+        </a:effectRef>
+        <a:fontRef idx="minor"/>
+      </dsp:style>
+      <dsp:txBody>
+        <a:bodyPr spcFirstLastPara="0" vert="horz" wrap="square" lIns="80010" tIns="40005" rIns="80010" bIns="40005" numCol="1" spcCol="1270" anchor="ctr" anchorCtr="0">
+          <a:noAutofit/>
+        </a:bodyPr>
+        <a:lstStyle/>
+        <a:p>
+          <a:pPr marL="228600" lvl="1" indent="-228600" algn="l" defTabSz="933450">
+            <a:lnSpc>
+              <a:spcPct val="90000"/>
+            </a:lnSpc>
+            <a:spcBef>
+              <a:spcPct val="0"/>
+            </a:spcBef>
+            <a:spcAft>
+              <a:spcPct val="15000"/>
+            </a:spcAft>
+            <a:buChar char="•"/>
+          </a:pPr>
+          <a:r>
+            <a:rPr lang="en-US" sz="2100" kern="1200" dirty="0"/>
+            <a:t>In order to check the equality of two instances of the Classifier we need to override the object Equals() method.</a:t>
+          </a:r>
+        </a:p>
+      </dsp:txBody>
+      <dsp:txXfrm rot="-5400000">
+        <a:off x="3038454" y="869218"/>
+        <a:ext cx="4436879" cy="1101125"/>
+      </dsp:txXfrm>
+    </dsp:sp>
+    <dsp:sp modelId="{E8248C16-2D2F-41B1-84DC-6DB87C0469A6}">
+      <dsp:nvSpPr>
+        <dsp:cNvPr id="0" name=""/>
+        <dsp:cNvSpPr/>
+      </dsp:nvSpPr>
+      <dsp:spPr>
+        <a:xfrm>
+          <a:off x="407282" y="870609"/>
+          <a:ext cx="2646087" cy="1098341"/>
+        </a:xfrm>
+        <a:prstGeom prst="roundRect">
+          <a:avLst/>
+        </a:prstGeom>
+        <a:solidFill>
+          <a:schemeClr val="accent2">
+            <a:hueOff val="0"/>
+            <a:satOff val="0"/>
+            <a:lumOff val="0"/>
+            <a:alphaOff val="0"/>
+          </a:schemeClr>
+        </a:solidFill>
+        <a:ln w="15875" cap="flat" cmpd="sng" algn="ctr">
+          <a:solidFill>
+            <a:schemeClr val="lt1">
+              <a:hueOff val="0"/>
+              <a:satOff val="0"/>
+              <a:lumOff val="0"/>
+              <a:alphaOff val="0"/>
+            </a:schemeClr>
+          </a:solidFill>
+          <a:prstDash val="solid"/>
+        </a:ln>
+        <a:effectLst/>
+      </dsp:spPr>
+      <dsp:style>
+        <a:lnRef idx="2">
+          <a:scrgbClr r="0" g="0" b="0"/>
+        </a:lnRef>
+        <a:fillRef idx="1">
+          <a:scrgbClr r="0" g="0" b="0"/>
+        </a:fillRef>
+        <a:effectRef idx="0">
+          <a:scrgbClr r="0" g="0" b="0"/>
+        </a:effectRef>
+        <a:fontRef idx="minor">
+          <a:schemeClr val="lt1"/>
+        </a:fontRef>
+      </dsp:style>
+      <dsp:txBody>
+        <a:bodyPr spcFirstLastPara="0" vert="horz" wrap="square" lIns="106680" tIns="53340" rIns="106680" bIns="53340" numCol="1" spcCol="1270" anchor="ctr" anchorCtr="0">
+          <a:noAutofit/>
+        </a:bodyPr>
+        <a:lstStyle/>
+        <a:p>
+          <a:pPr marL="0" lvl="0" indent="0" algn="ctr" defTabSz="1244600">
+            <a:lnSpc>
+              <a:spcPct val="90000"/>
+            </a:lnSpc>
+            <a:spcBef>
+              <a:spcPct val="0"/>
+            </a:spcBef>
+            <a:spcAft>
+              <a:spcPct val="35000"/>
+            </a:spcAft>
+            <a:buNone/>
+          </a:pPr>
+          <a:r>
+            <a:rPr lang="en-US" sz="2800" b="1" kern="1200" dirty="0"/>
+            <a:t>Step 5: Equals() method</a:t>
+          </a:r>
+          <a:endParaRPr lang="en-US" sz="2800" kern="1200" dirty="0"/>
+        </a:p>
+      </dsp:txBody>
+      <dsp:txXfrm>
+        <a:off x="460899" y="924226"/>
+        <a:ext cx="2538853" cy="991107"/>
+      </dsp:txXfrm>
+    </dsp:sp>
+  </dsp:spTree>
+</dsp:drawing>
+</file>
+
+<file path=ppt/diagrams/drawing7.xml><?xml version="1.0" encoding="utf-8"?>
 <dsp:drawing xmlns:dgm="http://schemas.openxmlformats.org/drawingml/2006/diagram" xmlns:dsp="http://schemas.microsoft.com/office/drawing/2008/diagram" xmlns:a="http://schemas.openxmlformats.org/drawingml/2006/main">
   <dsp:spTree>
     <dsp:nvGrpSpPr>
@@ -12987,18 +14200,18 @@
             <a:buNone/>
           </a:pPr>
           <a:r>
-            <a:rPr lang="en-US" sz="2700" b="1" kern="1200"/>
-            <a:t>Step 5: </a:t>
+            <a:rPr lang="en-US" sz="2700" b="1" kern="1200" dirty="0"/>
+            <a:t>Step 6: </a:t>
           </a:r>
           <a:r>
-            <a:rPr lang="en-US" sz="2700" b="1" kern="1200" err="1"/>
+            <a:rPr lang="en-US" sz="2700" b="1" kern="1200" dirty="0" err="1"/>
             <a:t>UnitTest</a:t>
           </a:r>
           <a:r>
-            <a:rPr lang="en-US" sz="2700" b="1" kern="1200"/>
+            <a:rPr lang="en-US" sz="2700" b="1" kern="1200" dirty="0"/>
             <a:t> for Verification</a:t>
           </a:r>
-          <a:endParaRPr lang="en-US" sz="2700" kern="1200"/>
+          <a:endParaRPr lang="en-US" sz="2700" kern="1200" dirty="0"/>
         </a:p>
       </dsp:txBody>
       <dsp:txXfrm>
@@ -13162,10 +14375,10 @@
             <a:buNone/>
           </a:pPr>
           <a:r>
-            <a:rPr lang="en-US" sz="2700" b="1" kern="1200"/>
-            <a:t>Step  6 : Added Possible UT Coverage</a:t>
+            <a:rPr lang="en-US" sz="2700" b="1" kern="1200" dirty="0"/>
+            <a:t>Step  7 : Added Possible UT Coverage</a:t>
           </a:r>
-          <a:endParaRPr lang="en-US" sz="2700" kern="1200"/>
+          <a:endParaRPr lang="en-US" sz="2700" kern="1200" dirty="0"/>
         </a:p>
       </dsp:txBody>
       <dsp:txXfrm>
@@ -14531,6 +15744,239 @@
 </dgm:layoutDef>
 </file>
 
+<file path=ppt/diagrams/layout7.xml><?xml version="1.0" encoding="utf-8"?>
+<dgm:layoutDef xmlns:dgm="http://schemas.openxmlformats.org/drawingml/2006/diagram" xmlns:a="http://schemas.openxmlformats.org/drawingml/2006/main" uniqueId="urn:microsoft.com/office/officeart/2005/8/layout/vList5">
+  <dgm:title val=""/>
+  <dgm:desc val=""/>
+  <dgm:catLst>
+    <dgm:cat type="list" pri="15000"/>
+    <dgm:cat type="convert" pri="2000"/>
+  </dgm:catLst>
+  <dgm:sampData>
+    <dgm:dataModel>
+      <dgm:ptLst>
+        <dgm:pt modelId="0" type="doc"/>
+        <dgm:pt modelId="1">
+          <dgm:prSet phldr="1"/>
+        </dgm:pt>
+        <dgm:pt modelId="11">
+          <dgm:prSet phldr="1"/>
+        </dgm:pt>
+        <dgm:pt modelId="12">
+          <dgm:prSet phldr="1"/>
+        </dgm:pt>
+        <dgm:pt modelId="2">
+          <dgm:prSet phldr="1"/>
+        </dgm:pt>
+        <dgm:pt modelId="21">
+          <dgm:prSet phldr="1"/>
+        </dgm:pt>
+        <dgm:pt modelId="22">
+          <dgm:prSet phldr="1"/>
+        </dgm:pt>
+        <dgm:pt modelId="3">
+          <dgm:prSet phldr="1"/>
+        </dgm:pt>
+        <dgm:pt modelId="31">
+          <dgm:prSet phldr="1"/>
+        </dgm:pt>
+        <dgm:pt modelId="32">
+          <dgm:prSet phldr="1"/>
+        </dgm:pt>
+      </dgm:ptLst>
+      <dgm:cxnLst>
+        <dgm:cxn modelId="4" srcId="0" destId="1" srcOrd="0" destOrd="0"/>
+        <dgm:cxn modelId="5" srcId="0" destId="2" srcOrd="1" destOrd="0"/>
+        <dgm:cxn modelId="6" srcId="0" destId="3" srcOrd="2" destOrd="0"/>
+        <dgm:cxn modelId="13" srcId="1" destId="11" srcOrd="0" destOrd="0"/>
+        <dgm:cxn modelId="14" srcId="1" destId="12" srcOrd="1" destOrd="0"/>
+        <dgm:cxn modelId="23" srcId="2" destId="21" srcOrd="0" destOrd="0"/>
+        <dgm:cxn modelId="24" srcId="2" destId="22" srcOrd="1" destOrd="0"/>
+        <dgm:cxn modelId="33" srcId="3" destId="31" srcOrd="0" destOrd="0"/>
+        <dgm:cxn modelId="34" srcId="3" destId="32" srcOrd="1" destOrd="0"/>
+      </dgm:cxnLst>
+      <dgm:bg/>
+      <dgm:whole/>
+    </dgm:dataModel>
+  </dgm:sampData>
+  <dgm:styleData>
+    <dgm:dataModel>
+      <dgm:ptLst>
+        <dgm:pt modelId="0" type="doc"/>
+        <dgm:pt modelId="1"/>
+        <dgm:pt modelId="11"/>
+        <dgm:pt modelId="2"/>
+        <dgm:pt modelId="21"/>
+      </dgm:ptLst>
+      <dgm:cxnLst>
+        <dgm:cxn modelId="4" srcId="0" destId="1" srcOrd="0" destOrd="0"/>
+        <dgm:cxn modelId="5" srcId="0" destId="2" srcOrd="1" destOrd="0"/>
+        <dgm:cxn modelId="13" srcId="1" destId="11" srcOrd="0" destOrd="0"/>
+        <dgm:cxn modelId="23" srcId="2" destId="21" srcOrd="0" destOrd="0"/>
+      </dgm:cxnLst>
+      <dgm:bg/>
+      <dgm:whole/>
+    </dgm:dataModel>
+  </dgm:styleData>
+  <dgm:clrData>
+    <dgm:dataModel>
+      <dgm:ptLst>
+        <dgm:pt modelId="0" type="doc"/>
+        <dgm:pt modelId="1"/>
+        <dgm:pt modelId="11"/>
+        <dgm:pt modelId="2"/>
+        <dgm:pt modelId="21"/>
+        <dgm:pt modelId="3"/>
+        <dgm:pt modelId="31"/>
+        <dgm:pt modelId="4"/>
+        <dgm:pt modelId="41"/>
+      </dgm:ptLst>
+      <dgm:cxnLst>
+        <dgm:cxn modelId="5" srcId="0" destId="1" srcOrd="0" destOrd="0"/>
+        <dgm:cxn modelId="6" srcId="0" destId="2" srcOrd="1" destOrd="0"/>
+        <dgm:cxn modelId="7" srcId="0" destId="3" srcOrd="2" destOrd="0"/>
+        <dgm:cxn modelId="8" srcId="0" destId="4" srcOrd="3" destOrd="0"/>
+        <dgm:cxn modelId="13" srcId="1" destId="11" srcOrd="0" destOrd="0"/>
+        <dgm:cxn modelId="23" srcId="2" destId="21" srcOrd="0" destOrd="0"/>
+        <dgm:cxn modelId="33" srcId="3" destId="31" srcOrd="0" destOrd="0"/>
+        <dgm:cxn modelId="43" srcId="4" destId="41" srcOrd="0" destOrd="0"/>
+      </dgm:cxnLst>
+      <dgm:bg/>
+      <dgm:whole/>
+    </dgm:dataModel>
+  </dgm:clrData>
+  <dgm:layoutNode name="Name0">
+    <dgm:varLst>
+      <dgm:dir/>
+      <dgm:animLvl val="lvl"/>
+      <dgm:resizeHandles val="exact"/>
+    </dgm:varLst>
+    <dgm:choose name="Name1">
+      <dgm:if name="Name2" func="var" arg="dir" op="equ" val="norm">
+        <dgm:alg type="lin">
+          <dgm:param type="linDir" val="fromT"/>
+          <dgm:param type="nodeHorzAlign" val="l"/>
+        </dgm:alg>
+      </dgm:if>
+      <dgm:else name="Name3">
+        <dgm:alg type="lin">
+          <dgm:param type="linDir" val="fromT"/>
+          <dgm:param type="nodeHorzAlign" val="r"/>
+        </dgm:alg>
+      </dgm:else>
+    </dgm:choose>
+    <dgm:shape xmlns:r="http://schemas.openxmlformats.org/officeDocument/2006/relationships" r:blip="">
+      <dgm:adjLst/>
+    </dgm:shape>
+    <dgm:presOf/>
+    <dgm:constrLst>
+      <dgm:constr type="h" for="ch" forName="linNode" refType="h"/>
+      <dgm:constr type="w" for="ch" forName="linNode" refType="w"/>
+      <dgm:constr type="h" for="ch" forName="sp" refType="h" fact="0.05"/>
+      <dgm:constr type="primFontSz" for="des" forName="parentText" op="equ" val="65"/>
+      <dgm:constr type="secFontSz" for="des" forName="descendantText" op="equ"/>
+    </dgm:constrLst>
+    <dgm:ruleLst/>
+    <dgm:forEach name="Name4" axis="ch" ptType="node">
+      <dgm:layoutNode name="linNode">
+        <dgm:choose name="Name5">
+          <dgm:if name="Name6" func="var" arg="dir" op="equ" val="norm">
+            <dgm:alg type="lin">
+              <dgm:param type="linDir" val="fromL"/>
+            </dgm:alg>
+          </dgm:if>
+          <dgm:else name="Name7">
+            <dgm:alg type="lin">
+              <dgm:param type="linDir" val="fromR"/>
+            </dgm:alg>
+          </dgm:else>
+        </dgm:choose>
+        <dgm:shape xmlns:r="http://schemas.openxmlformats.org/officeDocument/2006/relationships" r:blip="">
+          <dgm:adjLst/>
+        </dgm:shape>
+        <dgm:presOf/>
+        <dgm:constrLst>
+          <dgm:constr type="w" for="ch" forName="parentText" refType="w" fact="0.36"/>
+          <dgm:constr type="w" for="ch" forName="descendantText" refType="w" fact="0.64"/>
+          <dgm:constr type="h" for="ch" forName="parentText" refType="h"/>
+          <dgm:constr type="h" for="ch" forName="descendantText" refType="h" refFor="ch" refForName="parentText" fact="0.8"/>
+        </dgm:constrLst>
+        <dgm:ruleLst/>
+        <dgm:layoutNode name="parentText">
+          <dgm:varLst>
+            <dgm:chMax val="1"/>
+            <dgm:bulletEnabled val="1"/>
+          </dgm:varLst>
+          <dgm:alg type="tx"/>
+          <dgm:shape xmlns:r="http://schemas.openxmlformats.org/officeDocument/2006/relationships" type="roundRect" r:blip="" zOrderOff="3">
+            <dgm:adjLst/>
+          </dgm:shape>
+          <dgm:presOf axis="self" ptType="node"/>
+          <dgm:constrLst>
+            <dgm:constr type="tMarg" refType="primFontSz" fact="0.15"/>
+            <dgm:constr type="bMarg" refType="primFontSz" fact="0.15"/>
+            <dgm:constr type="lMarg" refType="primFontSz" fact="0.3"/>
+            <dgm:constr type="rMarg" refType="primFontSz" fact="0.3"/>
+          </dgm:constrLst>
+          <dgm:ruleLst>
+            <dgm:rule type="primFontSz" val="5" fact="NaN" max="NaN"/>
+          </dgm:ruleLst>
+        </dgm:layoutNode>
+        <dgm:choose name="Name8">
+          <dgm:if name="Name9" axis="ch" ptType="node" func="cnt" op="gte" val="1">
+            <dgm:layoutNode name="descendantText" styleLbl="alignAccFollowNode1">
+              <dgm:varLst>
+                <dgm:bulletEnabled val="1"/>
+              </dgm:varLst>
+              <dgm:alg type="tx">
+                <dgm:param type="stBulletLvl" val="1"/>
+                <dgm:param type="txAnchorVertCh" val="mid"/>
+              </dgm:alg>
+              <dgm:choose name="Name10">
+                <dgm:if name="Name11" func="var" arg="dir" op="equ" val="norm">
+                  <dgm:shape xmlns:r="http://schemas.openxmlformats.org/officeDocument/2006/relationships" rot="90" type="round2SameRect" r:blip="">
+                    <dgm:adjLst/>
+                  </dgm:shape>
+                </dgm:if>
+                <dgm:else name="Name12">
+                  <dgm:shape xmlns:r="http://schemas.openxmlformats.org/officeDocument/2006/relationships" rot="-90" type="round2SameRect" r:blip="">
+                    <dgm:adjLst/>
+                  </dgm:shape>
+                </dgm:else>
+              </dgm:choose>
+              <dgm:presOf axis="des" ptType="node"/>
+              <dgm:constrLst>
+                <dgm:constr type="secFontSz" val="65"/>
+                <dgm:constr type="primFontSz" refType="secFontSz"/>
+                <dgm:constr type="lMarg" refType="secFontSz" fact="0.3"/>
+                <dgm:constr type="rMarg" refType="secFontSz" fact="0.3"/>
+                <dgm:constr type="tMarg" refType="secFontSz" fact="0.15"/>
+                <dgm:constr type="bMarg" refType="secFontSz" fact="0.15"/>
+              </dgm:constrLst>
+              <dgm:ruleLst>
+                <dgm:rule type="secFontSz" val="5" fact="NaN" max="NaN"/>
+              </dgm:ruleLst>
+            </dgm:layoutNode>
+          </dgm:if>
+          <dgm:else name="Name13"/>
+        </dgm:choose>
+      </dgm:layoutNode>
+      <dgm:forEach name="Name14" axis="followSib" ptType="sibTrans" cnt="1">
+        <dgm:layoutNode name="sp">
+          <dgm:alg type="sp"/>
+          <dgm:shape xmlns:r="http://schemas.openxmlformats.org/officeDocument/2006/relationships" r:blip="">
+            <dgm:adjLst/>
+          </dgm:shape>
+          <dgm:presOf/>
+          <dgm:constrLst/>
+          <dgm:ruleLst/>
+        </dgm:layoutNode>
+      </dgm:forEach>
+    </dgm:forEach>
+  </dgm:layoutNode>
+</dgm:layoutDef>
+</file>
+
 <file path=ppt/diagrams/quickStyle1.xml><?xml version="1.0" encoding="utf-8"?>
 <dgm:styleDef xmlns:dgm="http://schemas.openxmlformats.org/drawingml/2006/diagram" xmlns:a="http://schemas.openxmlformats.org/drawingml/2006/main" uniqueId="urn:microsoft.com/office/officeart/2005/8/quickstyle/simple1">
   <dgm:title val=""/>
@@ -19702,6 +21148,1040 @@
 </file>
 
 <file path=ppt/diagrams/quickStyle6.xml><?xml version="1.0" encoding="utf-8"?>
+<dgm:styleDef xmlns:dgm="http://schemas.openxmlformats.org/drawingml/2006/diagram" xmlns:a="http://schemas.openxmlformats.org/drawingml/2006/main" uniqueId="urn:microsoft.com/office/officeart/2005/8/quickstyle/simple1">
+  <dgm:title val=""/>
+  <dgm:desc val=""/>
+  <dgm:catLst>
+    <dgm:cat type="simple" pri="10100"/>
+  </dgm:catLst>
+  <dgm:scene3d>
+    <a:camera prst="orthographicFront"/>
+    <a:lightRig rig="threePt" dir="t"/>
+  </dgm:scene3d>
+  <dgm:styleLbl name="node0">
+    <dgm:scene3d>
+      <a:camera prst="orthographicFront"/>
+      <a:lightRig rig="threePt" dir="t"/>
+    </dgm:scene3d>
+    <dgm:sp3d/>
+    <dgm:txPr/>
+    <dgm:style>
+      <a:lnRef idx="2">
+        <a:scrgbClr r="0" g="0" b="0"/>
+      </a:lnRef>
+      <a:fillRef idx="1">
+        <a:scrgbClr r="0" g="0" b="0"/>
+      </a:fillRef>
+      <a:effectRef idx="0">
+        <a:scrgbClr r="0" g="0" b="0"/>
+      </a:effectRef>
+      <a:fontRef idx="minor">
+        <a:schemeClr val="lt1"/>
+      </a:fontRef>
+    </dgm:style>
+  </dgm:styleLbl>
+  <dgm:styleLbl name="lnNode1">
+    <dgm:scene3d>
+      <a:camera prst="orthographicFront"/>
+      <a:lightRig rig="threePt" dir="t"/>
+    </dgm:scene3d>
+    <dgm:sp3d/>
+    <dgm:txPr/>
+    <dgm:style>
+      <a:lnRef idx="2">
+        <a:scrgbClr r="0" g="0" b="0"/>
+      </a:lnRef>
+      <a:fillRef idx="1">
+        <a:scrgbClr r="0" g="0" b="0"/>
+      </a:fillRef>
+      <a:effectRef idx="0">
+        <a:scrgbClr r="0" g="0" b="0"/>
+      </a:effectRef>
+      <a:fontRef idx="minor">
+        <a:schemeClr val="lt1"/>
+      </a:fontRef>
+    </dgm:style>
+  </dgm:styleLbl>
+  <dgm:styleLbl name="vennNode1">
+    <dgm:scene3d>
+      <a:camera prst="orthographicFront"/>
+      <a:lightRig rig="threePt" dir="t"/>
+    </dgm:scene3d>
+    <dgm:sp3d/>
+    <dgm:txPr/>
+    <dgm:style>
+      <a:lnRef idx="2">
+        <a:scrgbClr r="0" g="0" b="0"/>
+      </a:lnRef>
+      <a:fillRef idx="1">
+        <a:scrgbClr r="0" g="0" b="0"/>
+      </a:fillRef>
+      <a:effectRef idx="0">
+        <a:scrgbClr r="0" g="0" b="0"/>
+      </a:effectRef>
+      <a:fontRef idx="minor">
+        <a:schemeClr val="tx1"/>
+      </a:fontRef>
+    </dgm:style>
+  </dgm:styleLbl>
+  <dgm:styleLbl name="alignNode1">
+    <dgm:scene3d>
+      <a:camera prst="orthographicFront"/>
+      <a:lightRig rig="threePt" dir="t"/>
+    </dgm:scene3d>
+    <dgm:sp3d/>
+    <dgm:txPr/>
+    <dgm:style>
+      <a:lnRef idx="2">
+        <a:scrgbClr r="0" g="0" b="0"/>
+      </a:lnRef>
+      <a:fillRef idx="1">
+        <a:scrgbClr r="0" g="0" b="0"/>
+      </a:fillRef>
+      <a:effectRef idx="0">
+        <a:scrgbClr r="0" g="0" b="0"/>
+      </a:effectRef>
+      <a:fontRef idx="minor">
+        <a:schemeClr val="lt1"/>
+      </a:fontRef>
+    </dgm:style>
+  </dgm:styleLbl>
+  <dgm:styleLbl name="node1">
+    <dgm:scene3d>
+      <a:camera prst="orthographicFront"/>
+      <a:lightRig rig="threePt" dir="t"/>
+    </dgm:scene3d>
+    <dgm:sp3d/>
+    <dgm:txPr/>
+    <dgm:style>
+      <a:lnRef idx="2">
+        <a:scrgbClr r="0" g="0" b="0"/>
+      </a:lnRef>
+      <a:fillRef idx="1">
+        <a:scrgbClr r="0" g="0" b="0"/>
+      </a:fillRef>
+      <a:effectRef idx="0">
+        <a:scrgbClr r="0" g="0" b="0"/>
+      </a:effectRef>
+      <a:fontRef idx="minor">
+        <a:schemeClr val="lt1"/>
+      </a:fontRef>
+    </dgm:style>
+  </dgm:styleLbl>
+  <dgm:styleLbl name="node2">
+    <dgm:scene3d>
+      <a:camera prst="orthographicFront"/>
+      <a:lightRig rig="threePt" dir="t"/>
+    </dgm:scene3d>
+    <dgm:sp3d/>
+    <dgm:txPr/>
+    <dgm:style>
+      <a:lnRef idx="2">
+        <a:scrgbClr r="0" g="0" b="0"/>
+      </a:lnRef>
+      <a:fillRef idx="1">
+        <a:scrgbClr r="0" g="0" b="0"/>
+      </a:fillRef>
+      <a:effectRef idx="0">
+        <a:scrgbClr r="0" g="0" b="0"/>
+      </a:effectRef>
+      <a:fontRef idx="minor">
+        <a:schemeClr val="lt1"/>
+      </a:fontRef>
+    </dgm:style>
+  </dgm:styleLbl>
+  <dgm:styleLbl name="node3">
+    <dgm:scene3d>
+      <a:camera prst="orthographicFront"/>
+      <a:lightRig rig="threePt" dir="t"/>
+    </dgm:scene3d>
+    <dgm:sp3d/>
+    <dgm:txPr/>
+    <dgm:style>
+      <a:lnRef idx="2">
+        <a:scrgbClr r="0" g="0" b="0"/>
+      </a:lnRef>
+      <a:fillRef idx="1">
+        <a:scrgbClr r="0" g="0" b="0"/>
+      </a:fillRef>
+      <a:effectRef idx="0">
+        <a:scrgbClr r="0" g="0" b="0"/>
+      </a:effectRef>
+      <a:fontRef idx="minor">
+        <a:schemeClr val="lt1"/>
+      </a:fontRef>
+    </dgm:style>
+  </dgm:styleLbl>
+  <dgm:styleLbl name="node4">
+    <dgm:scene3d>
+      <a:camera prst="orthographicFront"/>
+      <a:lightRig rig="threePt" dir="t"/>
+    </dgm:scene3d>
+    <dgm:sp3d/>
+    <dgm:txPr/>
+    <dgm:style>
+      <a:lnRef idx="2">
+        <a:scrgbClr r="0" g="0" b="0"/>
+      </a:lnRef>
+      <a:fillRef idx="1">
+        <a:scrgbClr r="0" g="0" b="0"/>
+      </a:fillRef>
+      <a:effectRef idx="0">
+        <a:scrgbClr r="0" g="0" b="0"/>
+      </a:effectRef>
+      <a:fontRef idx="minor">
+        <a:schemeClr val="lt1"/>
+      </a:fontRef>
+    </dgm:style>
+  </dgm:styleLbl>
+  <dgm:styleLbl name="fgImgPlace1">
+    <dgm:scene3d>
+      <a:camera prst="orthographicFront"/>
+      <a:lightRig rig="threePt" dir="t"/>
+    </dgm:scene3d>
+    <dgm:sp3d/>
+    <dgm:txPr/>
+    <dgm:style>
+      <a:lnRef idx="2">
+        <a:scrgbClr r="0" g="0" b="0"/>
+      </a:lnRef>
+      <a:fillRef idx="1">
+        <a:scrgbClr r="0" g="0" b="0"/>
+      </a:fillRef>
+      <a:effectRef idx="0">
+        <a:scrgbClr r="0" g="0" b="0"/>
+      </a:effectRef>
+      <a:fontRef idx="minor"/>
+    </dgm:style>
+  </dgm:styleLbl>
+  <dgm:styleLbl name="alignImgPlace1">
+    <dgm:scene3d>
+      <a:camera prst="orthographicFront"/>
+      <a:lightRig rig="threePt" dir="t"/>
+    </dgm:scene3d>
+    <dgm:sp3d/>
+    <dgm:txPr/>
+    <dgm:style>
+      <a:lnRef idx="2">
+        <a:scrgbClr r="0" g="0" b="0"/>
+      </a:lnRef>
+      <a:fillRef idx="1">
+        <a:scrgbClr r="0" g="0" b="0"/>
+      </a:fillRef>
+      <a:effectRef idx="0">
+        <a:scrgbClr r="0" g="0" b="0"/>
+      </a:effectRef>
+      <a:fontRef idx="minor"/>
+    </dgm:style>
+  </dgm:styleLbl>
+  <dgm:styleLbl name="bgImgPlace1">
+    <dgm:scene3d>
+      <a:camera prst="orthographicFront"/>
+      <a:lightRig rig="threePt" dir="t"/>
+    </dgm:scene3d>
+    <dgm:sp3d/>
+    <dgm:txPr/>
+    <dgm:style>
+      <a:lnRef idx="2">
+        <a:scrgbClr r="0" g="0" b="0"/>
+      </a:lnRef>
+      <a:fillRef idx="1">
+        <a:scrgbClr r="0" g="0" b="0"/>
+      </a:fillRef>
+      <a:effectRef idx="0">
+        <a:scrgbClr r="0" g="0" b="0"/>
+      </a:effectRef>
+      <a:fontRef idx="minor"/>
+    </dgm:style>
+  </dgm:styleLbl>
+  <dgm:styleLbl name="sibTrans2D1">
+    <dgm:scene3d>
+      <a:camera prst="orthographicFront"/>
+      <a:lightRig rig="threePt" dir="t"/>
+    </dgm:scene3d>
+    <dgm:sp3d/>
+    <dgm:txPr/>
+    <dgm:style>
+      <a:lnRef idx="0">
+        <a:scrgbClr r="0" g="0" b="0"/>
+      </a:lnRef>
+      <a:fillRef idx="1">
+        <a:scrgbClr r="0" g="0" b="0"/>
+      </a:fillRef>
+      <a:effectRef idx="0">
+        <a:scrgbClr r="0" g="0" b="0"/>
+      </a:effectRef>
+      <a:fontRef idx="minor">
+        <a:schemeClr val="lt1"/>
+      </a:fontRef>
+    </dgm:style>
+  </dgm:styleLbl>
+  <dgm:styleLbl name="fgSibTrans2D1">
+    <dgm:scene3d>
+      <a:camera prst="orthographicFront"/>
+      <a:lightRig rig="threePt" dir="t"/>
+    </dgm:scene3d>
+    <dgm:sp3d/>
+    <dgm:txPr/>
+    <dgm:style>
+      <a:lnRef idx="0">
+        <a:scrgbClr r="0" g="0" b="0"/>
+      </a:lnRef>
+      <a:fillRef idx="1">
+        <a:scrgbClr r="0" g="0" b="0"/>
+      </a:fillRef>
+      <a:effectRef idx="0">
+        <a:scrgbClr r="0" g="0" b="0"/>
+      </a:effectRef>
+      <a:fontRef idx="minor">
+        <a:schemeClr val="lt1"/>
+      </a:fontRef>
+    </dgm:style>
+  </dgm:styleLbl>
+  <dgm:styleLbl name="bgSibTrans2D1">
+    <dgm:scene3d>
+      <a:camera prst="orthographicFront"/>
+      <a:lightRig rig="threePt" dir="t"/>
+    </dgm:scene3d>
+    <dgm:sp3d/>
+    <dgm:txPr/>
+    <dgm:style>
+      <a:lnRef idx="0">
+        <a:scrgbClr r="0" g="0" b="0"/>
+      </a:lnRef>
+      <a:fillRef idx="1">
+        <a:scrgbClr r="0" g="0" b="0"/>
+      </a:fillRef>
+      <a:effectRef idx="0">
+        <a:scrgbClr r="0" g="0" b="0"/>
+      </a:effectRef>
+      <a:fontRef idx="minor">
+        <a:schemeClr val="lt1"/>
+      </a:fontRef>
+    </dgm:style>
+  </dgm:styleLbl>
+  <dgm:styleLbl name="sibTrans1D1">
+    <dgm:scene3d>
+      <a:camera prst="orthographicFront"/>
+      <a:lightRig rig="threePt" dir="t"/>
+    </dgm:scene3d>
+    <dgm:sp3d/>
+    <dgm:txPr/>
+    <dgm:style>
+      <a:lnRef idx="1">
+        <a:scrgbClr r="0" g="0" b="0"/>
+      </a:lnRef>
+      <a:fillRef idx="0">
+        <a:scrgbClr r="0" g="0" b="0"/>
+      </a:fillRef>
+      <a:effectRef idx="0">
+        <a:scrgbClr r="0" g="0" b="0"/>
+      </a:effectRef>
+      <a:fontRef idx="minor"/>
+    </dgm:style>
+  </dgm:styleLbl>
+  <dgm:styleLbl name="callout">
+    <dgm:scene3d>
+      <a:camera prst="orthographicFront"/>
+      <a:lightRig rig="threePt" dir="t"/>
+    </dgm:scene3d>
+    <dgm:sp3d/>
+    <dgm:txPr/>
+    <dgm:style>
+      <a:lnRef idx="2">
+        <a:scrgbClr r="0" g="0" b="0"/>
+      </a:lnRef>
+      <a:fillRef idx="1">
+        <a:scrgbClr r="0" g="0" b="0"/>
+      </a:fillRef>
+      <a:effectRef idx="0">
+        <a:scrgbClr r="0" g="0" b="0"/>
+      </a:effectRef>
+      <a:fontRef idx="minor"/>
+    </dgm:style>
+  </dgm:styleLbl>
+  <dgm:styleLbl name="asst0">
+    <dgm:scene3d>
+      <a:camera prst="orthographicFront"/>
+      <a:lightRig rig="threePt" dir="t"/>
+    </dgm:scene3d>
+    <dgm:sp3d/>
+    <dgm:txPr/>
+    <dgm:style>
+      <a:lnRef idx="2">
+        <a:scrgbClr r="0" g="0" b="0"/>
+      </a:lnRef>
+      <a:fillRef idx="1">
+        <a:scrgbClr r="0" g="0" b="0"/>
+      </a:fillRef>
+      <a:effectRef idx="0">
+        <a:scrgbClr r="0" g="0" b="0"/>
+      </a:effectRef>
+      <a:fontRef idx="minor">
+        <a:schemeClr val="lt1"/>
+      </a:fontRef>
+    </dgm:style>
+  </dgm:styleLbl>
+  <dgm:styleLbl name="asst1">
+    <dgm:scene3d>
+      <a:camera prst="orthographicFront"/>
+      <a:lightRig rig="threePt" dir="t"/>
+    </dgm:scene3d>
+    <dgm:sp3d/>
+    <dgm:txPr/>
+    <dgm:style>
+      <a:lnRef idx="2">
+        <a:scrgbClr r="0" g="0" b="0"/>
+      </a:lnRef>
+      <a:fillRef idx="1">
+        <a:scrgbClr r="0" g="0" b="0"/>
+      </a:fillRef>
+      <a:effectRef idx="0">
+        <a:scrgbClr r="0" g="0" b="0"/>
+      </a:effectRef>
+      <a:fontRef idx="minor">
+        <a:schemeClr val="lt1"/>
+      </a:fontRef>
+    </dgm:style>
+  </dgm:styleLbl>
+  <dgm:styleLbl name="asst2">
+    <dgm:scene3d>
+      <a:camera prst="orthographicFront"/>
+      <a:lightRig rig="threePt" dir="t"/>
+    </dgm:scene3d>
+    <dgm:sp3d/>
+    <dgm:txPr/>
+    <dgm:style>
+      <a:lnRef idx="2">
+        <a:scrgbClr r="0" g="0" b="0"/>
+      </a:lnRef>
+      <a:fillRef idx="1">
+        <a:scrgbClr r="0" g="0" b="0"/>
+      </a:fillRef>
+      <a:effectRef idx="0">
+        <a:scrgbClr r="0" g="0" b="0"/>
+      </a:effectRef>
+      <a:fontRef idx="minor">
+        <a:schemeClr val="lt1"/>
+      </a:fontRef>
+    </dgm:style>
+  </dgm:styleLbl>
+  <dgm:styleLbl name="asst3">
+    <dgm:scene3d>
+      <a:camera prst="orthographicFront"/>
+      <a:lightRig rig="threePt" dir="t"/>
+    </dgm:scene3d>
+    <dgm:sp3d/>
+    <dgm:txPr/>
+    <dgm:style>
+      <a:lnRef idx="2">
+        <a:scrgbClr r="0" g="0" b="0"/>
+      </a:lnRef>
+      <a:fillRef idx="1">
+        <a:scrgbClr r="0" g="0" b="0"/>
+      </a:fillRef>
+      <a:effectRef idx="0">
+        <a:scrgbClr r="0" g="0" b="0"/>
+      </a:effectRef>
+      <a:fontRef idx="minor">
+        <a:schemeClr val="lt1"/>
+      </a:fontRef>
+    </dgm:style>
+  </dgm:styleLbl>
+  <dgm:styleLbl name="asst4">
+    <dgm:scene3d>
+      <a:camera prst="orthographicFront"/>
+      <a:lightRig rig="threePt" dir="t"/>
+    </dgm:scene3d>
+    <dgm:sp3d/>
+    <dgm:txPr/>
+    <dgm:style>
+      <a:lnRef idx="2">
+        <a:scrgbClr r="0" g="0" b="0"/>
+      </a:lnRef>
+      <a:fillRef idx="1">
+        <a:scrgbClr r="0" g="0" b="0"/>
+      </a:fillRef>
+      <a:effectRef idx="0">
+        <a:scrgbClr r="0" g="0" b="0"/>
+      </a:effectRef>
+      <a:fontRef idx="minor">
+        <a:schemeClr val="lt1"/>
+      </a:fontRef>
+    </dgm:style>
+  </dgm:styleLbl>
+  <dgm:styleLbl name="parChTrans2D1">
+    <dgm:scene3d>
+      <a:camera prst="orthographicFront"/>
+      <a:lightRig rig="threePt" dir="t"/>
+    </dgm:scene3d>
+    <dgm:sp3d/>
+    <dgm:txPr/>
+    <dgm:style>
+      <a:lnRef idx="2">
+        <a:scrgbClr r="0" g="0" b="0"/>
+      </a:lnRef>
+      <a:fillRef idx="1">
+        <a:scrgbClr r="0" g="0" b="0"/>
+      </a:fillRef>
+      <a:effectRef idx="0">
+        <a:scrgbClr r="0" g="0" b="0"/>
+      </a:effectRef>
+      <a:fontRef idx="minor">
+        <a:schemeClr val="lt1"/>
+      </a:fontRef>
+    </dgm:style>
+  </dgm:styleLbl>
+  <dgm:styleLbl name="parChTrans2D2">
+    <dgm:scene3d>
+      <a:camera prst="orthographicFront"/>
+      <a:lightRig rig="threePt" dir="t"/>
+    </dgm:scene3d>
+    <dgm:sp3d/>
+    <dgm:txPr/>
+    <dgm:style>
+      <a:lnRef idx="2">
+        <a:scrgbClr r="0" g="0" b="0"/>
+      </a:lnRef>
+      <a:fillRef idx="1">
+        <a:scrgbClr r="0" g="0" b="0"/>
+      </a:fillRef>
+      <a:effectRef idx="0">
+        <a:scrgbClr r="0" g="0" b="0"/>
+      </a:effectRef>
+      <a:fontRef idx="minor">
+        <a:schemeClr val="lt1"/>
+      </a:fontRef>
+    </dgm:style>
+  </dgm:styleLbl>
+  <dgm:styleLbl name="parChTrans2D3">
+    <dgm:scene3d>
+      <a:camera prst="orthographicFront"/>
+      <a:lightRig rig="threePt" dir="t"/>
+    </dgm:scene3d>
+    <dgm:sp3d/>
+    <dgm:txPr/>
+    <dgm:style>
+      <a:lnRef idx="2">
+        <a:scrgbClr r="0" g="0" b="0"/>
+      </a:lnRef>
+      <a:fillRef idx="1">
+        <a:scrgbClr r="0" g="0" b="0"/>
+      </a:fillRef>
+      <a:effectRef idx="0">
+        <a:scrgbClr r="0" g="0" b="0"/>
+      </a:effectRef>
+      <a:fontRef idx="minor">
+        <a:schemeClr val="lt1"/>
+      </a:fontRef>
+    </dgm:style>
+  </dgm:styleLbl>
+  <dgm:styleLbl name="parChTrans2D4">
+    <dgm:scene3d>
+      <a:camera prst="orthographicFront"/>
+      <a:lightRig rig="threePt" dir="t"/>
+    </dgm:scene3d>
+    <dgm:sp3d/>
+    <dgm:txPr/>
+    <dgm:style>
+      <a:lnRef idx="2">
+        <a:scrgbClr r="0" g="0" b="0"/>
+      </a:lnRef>
+      <a:fillRef idx="1">
+        <a:scrgbClr r="0" g="0" b="0"/>
+      </a:fillRef>
+      <a:effectRef idx="0">
+        <a:scrgbClr r="0" g="0" b="0"/>
+      </a:effectRef>
+      <a:fontRef idx="minor">
+        <a:schemeClr val="lt1"/>
+      </a:fontRef>
+    </dgm:style>
+  </dgm:styleLbl>
+  <dgm:styleLbl name="parChTrans1D1">
+    <dgm:scene3d>
+      <a:camera prst="orthographicFront"/>
+      <a:lightRig rig="threePt" dir="t"/>
+    </dgm:scene3d>
+    <dgm:sp3d/>
+    <dgm:txPr/>
+    <dgm:style>
+      <a:lnRef idx="2">
+        <a:scrgbClr r="0" g="0" b="0"/>
+      </a:lnRef>
+      <a:fillRef idx="0">
+        <a:scrgbClr r="0" g="0" b="0"/>
+      </a:fillRef>
+      <a:effectRef idx="0">
+        <a:scrgbClr r="0" g="0" b="0"/>
+      </a:effectRef>
+      <a:fontRef idx="minor"/>
+    </dgm:style>
+  </dgm:styleLbl>
+  <dgm:styleLbl name="parChTrans1D2">
+    <dgm:scene3d>
+      <a:camera prst="orthographicFront"/>
+      <a:lightRig rig="threePt" dir="t"/>
+    </dgm:scene3d>
+    <dgm:sp3d/>
+    <dgm:txPr/>
+    <dgm:style>
+      <a:lnRef idx="2">
+        <a:scrgbClr r="0" g="0" b="0"/>
+      </a:lnRef>
+      <a:fillRef idx="0">
+        <a:scrgbClr r="0" g="0" b="0"/>
+      </a:fillRef>
+      <a:effectRef idx="0">
+        <a:scrgbClr r="0" g="0" b="0"/>
+      </a:effectRef>
+      <a:fontRef idx="minor"/>
+    </dgm:style>
+  </dgm:styleLbl>
+  <dgm:styleLbl name="parChTrans1D3">
+    <dgm:scene3d>
+      <a:camera prst="orthographicFront"/>
+      <a:lightRig rig="threePt" dir="t"/>
+    </dgm:scene3d>
+    <dgm:sp3d/>
+    <dgm:txPr/>
+    <dgm:style>
+      <a:lnRef idx="2">
+        <a:scrgbClr r="0" g="0" b="0"/>
+      </a:lnRef>
+      <a:fillRef idx="0">
+        <a:scrgbClr r="0" g="0" b="0"/>
+      </a:fillRef>
+      <a:effectRef idx="0">
+        <a:scrgbClr r="0" g="0" b="0"/>
+      </a:effectRef>
+      <a:fontRef idx="minor"/>
+    </dgm:style>
+  </dgm:styleLbl>
+  <dgm:styleLbl name="parChTrans1D4">
+    <dgm:scene3d>
+      <a:camera prst="orthographicFront"/>
+      <a:lightRig rig="threePt" dir="t"/>
+    </dgm:scene3d>
+    <dgm:sp3d/>
+    <dgm:txPr/>
+    <dgm:style>
+      <a:lnRef idx="2">
+        <a:scrgbClr r="0" g="0" b="0"/>
+      </a:lnRef>
+      <a:fillRef idx="0">
+        <a:scrgbClr r="0" g="0" b="0"/>
+      </a:fillRef>
+      <a:effectRef idx="0">
+        <a:scrgbClr r="0" g="0" b="0"/>
+      </a:effectRef>
+      <a:fontRef idx="minor"/>
+    </dgm:style>
+  </dgm:styleLbl>
+  <dgm:styleLbl name="fgAcc1">
+    <dgm:scene3d>
+      <a:camera prst="orthographicFront"/>
+      <a:lightRig rig="threePt" dir="t"/>
+    </dgm:scene3d>
+    <dgm:sp3d/>
+    <dgm:txPr/>
+    <dgm:style>
+      <a:lnRef idx="2">
+        <a:scrgbClr r="0" g="0" b="0"/>
+      </a:lnRef>
+      <a:fillRef idx="1">
+        <a:scrgbClr r="0" g="0" b="0"/>
+      </a:fillRef>
+      <a:effectRef idx="0">
+        <a:scrgbClr r="0" g="0" b="0"/>
+      </a:effectRef>
+      <a:fontRef idx="minor"/>
+    </dgm:style>
+  </dgm:styleLbl>
+  <dgm:styleLbl name="conFgAcc1">
+    <dgm:scene3d>
+      <a:camera prst="orthographicFront"/>
+      <a:lightRig rig="threePt" dir="t"/>
+    </dgm:scene3d>
+    <dgm:sp3d/>
+    <dgm:txPr/>
+    <dgm:style>
+      <a:lnRef idx="2">
+        <a:scrgbClr r="0" g="0" b="0"/>
+      </a:lnRef>
+      <a:fillRef idx="1">
+        <a:scrgbClr r="0" g="0" b="0"/>
+      </a:fillRef>
+      <a:effectRef idx="0">
+        <a:scrgbClr r="0" g="0" b="0"/>
+      </a:effectRef>
+      <a:fontRef idx="minor"/>
+    </dgm:style>
+  </dgm:styleLbl>
+  <dgm:styleLbl name="alignAcc1">
+    <dgm:scene3d>
+      <a:camera prst="orthographicFront"/>
+      <a:lightRig rig="threePt" dir="t"/>
+    </dgm:scene3d>
+    <dgm:sp3d/>
+    <dgm:txPr/>
+    <dgm:style>
+      <a:lnRef idx="2">
+        <a:scrgbClr r="0" g="0" b="0"/>
+      </a:lnRef>
+      <a:fillRef idx="1">
+        <a:scrgbClr r="0" g="0" b="0"/>
+      </a:fillRef>
+      <a:effectRef idx="0">
+        <a:scrgbClr r="0" g="0" b="0"/>
+      </a:effectRef>
+      <a:fontRef idx="minor"/>
+    </dgm:style>
+  </dgm:styleLbl>
+  <dgm:styleLbl name="trAlignAcc1">
+    <dgm:scene3d>
+      <a:camera prst="orthographicFront"/>
+      <a:lightRig rig="threePt" dir="t"/>
+    </dgm:scene3d>
+    <dgm:sp3d/>
+    <dgm:txPr/>
+    <dgm:style>
+      <a:lnRef idx="1">
+        <a:scrgbClr r="0" g="0" b="0"/>
+      </a:lnRef>
+      <a:fillRef idx="1">
+        <a:scrgbClr r="0" g="0" b="0"/>
+      </a:fillRef>
+      <a:effectRef idx="0">
+        <a:scrgbClr r="0" g="0" b="0"/>
+      </a:effectRef>
+      <a:fontRef idx="minor"/>
+    </dgm:style>
+  </dgm:styleLbl>
+  <dgm:styleLbl name="bgAcc1">
+    <dgm:scene3d>
+      <a:camera prst="orthographicFront"/>
+      <a:lightRig rig="threePt" dir="t"/>
+    </dgm:scene3d>
+    <dgm:sp3d/>
+    <dgm:txPr/>
+    <dgm:style>
+      <a:lnRef idx="2">
+        <a:scrgbClr r="0" g="0" b="0"/>
+      </a:lnRef>
+      <a:fillRef idx="1">
+        <a:scrgbClr r="0" g="0" b="0"/>
+      </a:fillRef>
+      <a:effectRef idx="0">
+        <a:scrgbClr r="0" g="0" b="0"/>
+      </a:effectRef>
+      <a:fontRef idx="minor"/>
+    </dgm:style>
+  </dgm:styleLbl>
+  <dgm:styleLbl name="solidFgAcc1">
+    <dgm:scene3d>
+      <a:camera prst="orthographicFront"/>
+      <a:lightRig rig="threePt" dir="t"/>
+    </dgm:scene3d>
+    <dgm:sp3d/>
+    <dgm:txPr/>
+    <dgm:style>
+      <a:lnRef idx="2">
+        <a:scrgbClr r="0" g="0" b="0"/>
+      </a:lnRef>
+      <a:fillRef idx="1">
+        <a:scrgbClr r="0" g="0" b="0"/>
+      </a:fillRef>
+      <a:effectRef idx="0">
+        <a:scrgbClr r="0" g="0" b="0"/>
+      </a:effectRef>
+      <a:fontRef idx="minor"/>
+    </dgm:style>
+  </dgm:styleLbl>
+  <dgm:styleLbl name="solidAlignAcc1">
+    <dgm:scene3d>
+      <a:camera prst="orthographicFront"/>
+      <a:lightRig rig="threePt" dir="t"/>
+    </dgm:scene3d>
+    <dgm:sp3d/>
+    <dgm:txPr/>
+    <dgm:style>
+      <a:lnRef idx="2">
+        <a:scrgbClr r="0" g="0" b="0"/>
+      </a:lnRef>
+      <a:fillRef idx="1">
+        <a:scrgbClr r="0" g="0" b="0"/>
+      </a:fillRef>
+      <a:effectRef idx="0">
+        <a:scrgbClr r="0" g="0" b="0"/>
+      </a:effectRef>
+      <a:fontRef idx="minor"/>
+    </dgm:style>
+  </dgm:styleLbl>
+  <dgm:styleLbl name="solidBgAcc1">
+    <dgm:scene3d>
+      <a:camera prst="orthographicFront"/>
+      <a:lightRig rig="threePt" dir="t"/>
+    </dgm:scene3d>
+    <dgm:sp3d/>
+    <dgm:txPr/>
+    <dgm:style>
+      <a:lnRef idx="2">
+        <a:scrgbClr r="0" g="0" b="0"/>
+      </a:lnRef>
+      <a:fillRef idx="1">
+        <a:scrgbClr r="0" g="0" b="0"/>
+      </a:fillRef>
+      <a:effectRef idx="0">
+        <a:scrgbClr r="0" g="0" b="0"/>
+      </a:effectRef>
+      <a:fontRef idx="minor"/>
+    </dgm:style>
+  </dgm:styleLbl>
+  <dgm:styleLbl name="fgAccFollowNode1">
+    <dgm:scene3d>
+      <a:camera prst="orthographicFront"/>
+      <a:lightRig rig="threePt" dir="t"/>
+    </dgm:scene3d>
+    <dgm:sp3d/>
+    <dgm:txPr/>
+    <dgm:style>
+      <a:lnRef idx="2">
+        <a:scrgbClr r="0" g="0" b="0"/>
+      </a:lnRef>
+      <a:fillRef idx="1">
+        <a:scrgbClr r="0" g="0" b="0"/>
+      </a:fillRef>
+      <a:effectRef idx="0">
+        <a:scrgbClr r="0" g="0" b="0"/>
+      </a:effectRef>
+      <a:fontRef idx="minor"/>
+    </dgm:style>
+  </dgm:styleLbl>
+  <dgm:styleLbl name="alignAccFollowNode1">
+    <dgm:scene3d>
+      <a:camera prst="orthographicFront"/>
+      <a:lightRig rig="threePt" dir="t"/>
+    </dgm:scene3d>
+    <dgm:sp3d/>
+    <dgm:txPr/>
+    <dgm:style>
+      <a:lnRef idx="2">
+        <a:scrgbClr r="0" g="0" b="0"/>
+      </a:lnRef>
+      <a:fillRef idx="1">
+        <a:scrgbClr r="0" g="0" b="0"/>
+      </a:fillRef>
+      <a:effectRef idx="0">
+        <a:scrgbClr r="0" g="0" b="0"/>
+      </a:effectRef>
+      <a:fontRef idx="minor"/>
+    </dgm:style>
+  </dgm:styleLbl>
+  <dgm:styleLbl name="bgAccFollowNode1">
+    <dgm:scene3d>
+      <a:camera prst="orthographicFront"/>
+      <a:lightRig rig="threePt" dir="t"/>
+    </dgm:scene3d>
+    <dgm:sp3d/>
+    <dgm:txPr/>
+    <dgm:style>
+      <a:lnRef idx="2">
+        <a:scrgbClr r="0" g="0" b="0"/>
+      </a:lnRef>
+      <a:fillRef idx="1">
+        <a:scrgbClr r="0" g="0" b="0"/>
+      </a:fillRef>
+      <a:effectRef idx="0">
+        <a:scrgbClr r="0" g="0" b="0"/>
+      </a:effectRef>
+      <a:fontRef idx="minor"/>
+    </dgm:style>
+  </dgm:styleLbl>
+  <dgm:styleLbl name="fgAcc0">
+    <dgm:scene3d>
+      <a:camera prst="orthographicFront"/>
+      <a:lightRig rig="threePt" dir="t"/>
+    </dgm:scene3d>
+    <dgm:sp3d/>
+    <dgm:txPr/>
+    <dgm:style>
+      <a:lnRef idx="2">
+        <a:scrgbClr r="0" g="0" b="0"/>
+      </a:lnRef>
+      <a:fillRef idx="1">
+        <a:scrgbClr r="0" g="0" b="0"/>
+      </a:fillRef>
+      <a:effectRef idx="0">
+        <a:scrgbClr r="0" g="0" b="0"/>
+      </a:effectRef>
+      <a:fontRef idx="minor"/>
+    </dgm:style>
+  </dgm:styleLbl>
+  <dgm:styleLbl name="fgAcc2">
+    <dgm:scene3d>
+      <a:camera prst="orthographicFront"/>
+      <a:lightRig rig="threePt" dir="t"/>
+    </dgm:scene3d>
+    <dgm:sp3d/>
+    <dgm:txPr/>
+    <dgm:style>
+      <a:lnRef idx="2">
+        <a:scrgbClr r="0" g="0" b="0"/>
+      </a:lnRef>
+      <a:fillRef idx="1">
+        <a:scrgbClr r="0" g="0" b="0"/>
+      </a:fillRef>
+      <a:effectRef idx="0">
+        <a:scrgbClr r="0" g="0" b="0"/>
+      </a:effectRef>
+      <a:fontRef idx="minor"/>
+    </dgm:style>
+  </dgm:styleLbl>
+  <dgm:styleLbl name="fgAcc3">
+    <dgm:scene3d>
+      <a:camera prst="orthographicFront"/>
+      <a:lightRig rig="threePt" dir="t"/>
+    </dgm:scene3d>
+    <dgm:sp3d/>
+    <dgm:txPr/>
+    <dgm:style>
+      <a:lnRef idx="2">
+        <a:scrgbClr r="0" g="0" b="0"/>
+      </a:lnRef>
+      <a:fillRef idx="1">
+        <a:scrgbClr r="0" g="0" b="0"/>
+      </a:fillRef>
+      <a:effectRef idx="0">
+        <a:scrgbClr r="0" g="0" b="0"/>
+      </a:effectRef>
+      <a:fontRef idx="minor"/>
+    </dgm:style>
+  </dgm:styleLbl>
+  <dgm:styleLbl name="fgAcc4">
+    <dgm:scene3d>
+      <a:camera prst="orthographicFront"/>
+      <a:lightRig rig="threePt" dir="t"/>
+    </dgm:scene3d>
+    <dgm:sp3d/>
+    <dgm:txPr/>
+    <dgm:style>
+      <a:lnRef idx="2">
+        <a:scrgbClr r="0" g="0" b="0"/>
+      </a:lnRef>
+      <a:fillRef idx="1">
+        <a:scrgbClr r="0" g="0" b="0"/>
+      </a:fillRef>
+      <a:effectRef idx="0">
+        <a:scrgbClr r="0" g="0" b="0"/>
+      </a:effectRef>
+      <a:fontRef idx="minor"/>
+    </dgm:style>
+  </dgm:styleLbl>
+  <dgm:styleLbl name="bgShp">
+    <dgm:scene3d>
+      <a:camera prst="orthographicFront"/>
+      <a:lightRig rig="threePt" dir="t"/>
+    </dgm:scene3d>
+    <dgm:sp3d/>
+    <dgm:txPr/>
+    <dgm:style>
+      <a:lnRef idx="0">
+        <a:scrgbClr r="0" g="0" b="0"/>
+      </a:lnRef>
+      <a:fillRef idx="1">
+        <a:scrgbClr r="0" g="0" b="0"/>
+      </a:fillRef>
+      <a:effectRef idx="0">
+        <a:scrgbClr r="0" g="0" b="0"/>
+      </a:effectRef>
+      <a:fontRef idx="minor"/>
+    </dgm:style>
+  </dgm:styleLbl>
+  <dgm:styleLbl name="dkBgShp">
+    <dgm:scene3d>
+      <a:camera prst="orthographicFront"/>
+      <a:lightRig rig="threePt" dir="t"/>
+    </dgm:scene3d>
+    <dgm:sp3d/>
+    <dgm:txPr/>
+    <dgm:style>
+      <a:lnRef idx="0">
+        <a:scrgbClr r="0" g="0" b="0"/>
+      </a:lnRef>
+      <a:fillRef idx="1">
+        <a:scrgbClr r="0" g="0" b="0"/>
+      </a:fillRef>
+      <a:effectRef idx="0">
+        <a:scrgbClr r="0" g="0" b="0"/>
+      </a:effectRef>
+      <a:fontRef idx="minor"/>
+    </dgm:style>
+  </dgm:styleLbl>
+  <dgm:styleLbl name="trBgShp">
+    <dgm:scene3d>
+      <a:camera prst="orthographicFront"/>
+      <a:lightRig rig="threePt" dir="t"/>
+    </dgm:scene3d>
+    <dgm:sp3d/>
+    <dgm:txPr/>
+    <dgm:style>
+      <a:lnRef idx="0">
+        <a:scrgbClr r="0" g="0" b="0"/>
+      </a:lnRef>
+      <a:fillRef idx="1">
+        <a:scrgbClr r="0" g="0" b="0"/>
+      </a:fillRef>
+      <a:effectRef idx="0">
+        <a:scrgbClr r="0" g="0" b="0"/>
+      </a:effectRef>
+      <a:fontRef idx="minor"/>
+    </dgm:style>
+  </dgm:styleLbl>
+  <dgm:styleLbl name="fgShp">
+    <dgm:scene3d>
+      <a:camera prst="orthographicFront"/>
+      <a:lightRig rig="threePt" dir="t"/>
+    </dgm:scene3d>
+    <dgm:sp3d/>
+    <dgm:txPr/>
+    <dgm:style>
+      <a:lnRef idx="2">
+        <a:scrgbClr r="0" g="0" b="0"/>
+      </a:lnRef>
+      <a:fillRef idx="1">
+        <a:scrgbClr r="0" g="0" b="0"/>
+      </a:fillRef>
+      <a:effectRef idx="0">
+        <a:scrgbClr r="0" g="0" b="0"/>
+      </a:effectRef>
+      <a:fontRef idx="minor"/>
+    </dgm:style>
+  </dgm:styleLbl>
+  <dgm:styleLbl name="revTx">
+    <dgm:scene3d>
+      <a:camera prst="orthographicFront"/>
+      <a:lightRig rig="threePt" dir="t"/>
+    </dgm:scene3d>
+    <dgm:sp3d/>
+    <dgm:txPr/>
+    <dgm:style>
+      <a:lnRef idx="0">
+        <a:scrgbClr r="0" g="0" b="0"/>
+      </a:lnRef>
+      <a:fillRef idx="0">
+        <a:scrgbClr r="0" g="0" b="0"/>
+      </a:fillRef>
+      <a:effectRef idx="0">
+        <a:scrgbClr r="0" g="0" b="0"/>
+      </a:effectRef>
+      <a:fontRef idx="minor"/>
+    </dgm:style>
+  </dgm:styleLbl>
+</dgm:styleDef>
+</file>
+
+<file path=ppt/diagrams/quickStyle7.xml><?xml version="1.0" encoding="utf-8"?>
 <dgm:styleDef xmlns:dgm="http://schemas.openxmlformats.org/drawingml/2006/diagram" xmlns:a="http://schemas.openxmlformats.org/drawingml/2006/main" uniqueId="urn:microsoft.com/office/officeart/2005/8/quickstyle/simple1">
   <dgm:title val=""/>
   <dgm:desc val=""/>
@@ -21285,7 +23765,7 @@
   <p:cSld>
     <p:spTree>
       <p:nvGrpSpPr>
-        <p:cNvPr id="1" name="Shape 100"/>
+        <p:cNvPr id="1" name="Shape 94"/>
         <p:cNvGrpSpPr/>
         <p:nvPr/>
       </p:nvGrpSpPr>
@@ -21299,7 +23779,7 @@
       </p:grpSpPr>
       <p:sp>
         <p:nvSpPr>
-          <p:cNvPr id="101" name="Google Shape;101;g11f54b59297_0_26:notes"/>
+          <p:cNvPr id="95" name="Google Shape;95;g11f54b59297_0_20:notes"/>
           <p:cNvSpPr>
             <a:spLocks noGrp="1" noRot="1" noChangeAspect="1"/>
           </p:cNvSpPr>
@@ -21340,7 +23820,7 @@
       </p:sp>
       <p:sp>
         <p:nvSpPr>
-          <p:cNvPr id="102" name="Google Shape;102;g11f54b59297_0_26:notes"/>
+          <p:cNvPr id="96" name="Google Shape;96;g11f54b59297_0_20:notes"/>
           <p:cNvSpPr txBox="1">
             <a:spLocks noGrp="1"/>
           </p:cNvSpPr>
@@ -21379,7 +23859,7 @@
     </p:spTree>
     <p:extLst>
       <p:ext uri="{BB962C8B-B14F-4D97-AF65-F5344CB8AC3E}">
-        <p14:creationId xmlns:p14="http://schemas.microsoft.com/office/powerpoint/2010/main" val="1118722539"/>
+        <p14:creationId xmlns:p14="http://schemas.microsoft.com/office/powerpoint/2010/main" val="1063485600"/>
       </p:ext>
     </p:extLst>
   </p:cSld>
@@ -21390,6 +23870,115 @@
 </file>
 
 <file path=ppt/notesSlides/notesSlide11.xml><?xml version="1.0" encoding="utf-8"?>
+<p:notes xmlns:a="http://schemas.openxmlformats.org/drawingml/2006/main" xmlns:r="http://schemas.openxmlformats.org/officeDocument/2006/relationships" xmlns:p="http://schemas.openxmlformats.org/presentationml/2006/main" showMasterSp="0" showMasterPhAnim="0">
+  <p:cSld>
+    <p:spTree>
+      <p:nvGrpSpPr>
+        <p:cNvPr id="1" name="Shape 94"/>
+        <p:cNvGrpSpPr/>
+        <p:nvPr/>
+      </p:nvGrpSpPr>
+      <p:grpSpPr>
+        <a:xfrm>
+          <a:off x="0" y="0"/>
+          <a:ext cx="0" cy="0"/>
+          <a:chOff x="0" y="0"/>
+          <a:chExt cx="0" cy="0"/>
+        </a:xfrm>
+      </p:grpSpPr>
+      <p:sp>
+        <p:nvSpPr>
+          <p:cNvPr id="95" name="Google Shape;95;g11f54b59297_0_20:notes"/>
+          <p:cNvSpPr>
+            <a:spLocks noGrp="1" noRot="1" noChangeAspect="1"/>
+          </p:cNvSpPr>
+          <p:nvPr>
+            <p:ph type="sldImg" idx="2"/>
+          </p:nvPr>
+        </p:nvSpPr>
+        <p:spPr>
+          <a:xfrm>
+            <a:off x="381000" y="685800"/>
+            <a:ext cx="6096000" cy="3429000"/>
+          </a:xfrm>
+          <a:custGeom>
+            <a:avLst/>
+            <a:gdLst/>
+            <a:ahLst/>
+            <a:cxnLst/>
+            <a:rect l="l" t="t" r="r" b="b"/>
+            <a:pathLst>
+              <a:path w="120000" h="120000" extrusionOk="0">
+                <a:moveTo>
+                  <a:pt x="0" y="0"/>
+                </a:moveTo>
+                <a:lnTo>
+                  <a:pt x="120000" y="0"/>
+                </a:lnTo>
+                <a:lnTo>
+                  <a:pt x="120000" y="120000"/>
+                </a:lnTo>
+                <a:lnTo>
+                  <a:pt x="0" y="120000"/>
+                </a:lnTo>
+                <a:close/>
+              </a:path>
+            </a:pathLst>
+          </a:custGeom>
+        </p:spPr>
+      </p:sp>
+      <p:sp>
+        <p:nvSpPr>
+          <p:cNvPr id="96" name="Google Shape;96;g11f54b59297_0_20:notes"/>
+          <p:cNvSpPr txBox="1">
+            <a:spLocks noGrp="1"/>
+          </p:cNvSpPr>
+          <p:nvPr>
+            <p:ph type="body" idx="1"/>
+          </p:nvPr>
+        </p:nvSpPr>
+        <p:spPr>
+          <a:xfrm>
+            <a:off x="685800" y="4343400"/>
+            <a:ext cx="5486400" cy="4114800"/>
+          </a:xfrm>
+          <a:prstGeom prst="rect">
+            <a:avLst/>
+          </a:prstGeom>
+        </p:spPr>
+        <p:txBody>
+          <a:bodyPr spcFirstLastPara="1" wrap="square" lIns="91425" tIns="91425" rIns="91425" bIns="91425" anchor="t" anchorCtr="0">
+            <a:noAutofit/>
+          </a:bodyPr>
+          <a:lstStyle/>
+          <a:p>
+            <a:pPr marL="0" lvl="0" indent="0" algn="l" rtl="0">
+              <a:spcBef>
+                <a:spcPts val="0"/>
+              </a:spcBef>
+              <a:spcAft>
+                <a:spcPts val="0"/>
+              </a:spcAft>
+              <a:buNone/>
+            </a:pPr>
+            <a:endParaRPr/>
+          </a:p>
+        </p:txBody>
+      </p:sp>
+    </p:spTree>
+    <p:extLst>
+      <p:ext uri="{BB962C8B-B14F-4D97-AF65-F5344CB8AC3E}">
+        <p14:creationId xmlns:p14="http://schemas.microsoft.com/office/powerpoint/2010/main" val="1164381608"/>
+      </p:ext>
+    </p:extLst>
+  </p:cSld>
+  <p:clrMapOvr>
+    <a:masterClrMapping/>
+  </p:clrMapOvr>
+</p:notes>
+</file>
+
+<file path=ppt/notesSlides/notesSlide12.xml><?xml version="1.0" encoding="utf-8"?>
 <p:notes xmlns:a="http://schemas.openxmlformats.org/drawingml/2006/main" xmlns:r="http://schemas.openxmlformats.org/officeDocument/2006/relationships" xmlns:p="http://schemas.openxmlformats.org/presentationml/2006/main" showMasterSp="0" showMasterPhAnim="0">
   <p:cSld>
     <p:spTree>
@@ -21450,110 +24039,6 @@
       <p:sp>
         <p:nvSpPr>
           <p:cNvPr id="121" name="Google Shape;121;g11f54b59297_0_31:notes"/>
-          <p:cNvSpPr txBox="1">
-            <a:spLocks noGrp="1"/>
-          </p:cNvSpPr>
-          <p:nvPr>
-            <p:ph type="body" idx="1"/>
-          </p:nvPr>
-        </p:nvSpPr>
-        <p:spPr>
-          <a:xfrm>
-            <a:off x="685800" y="4343400"/>
-            <a:ext cx="5486400" cy="4114800"/>
-          </a:xfrm>
-          <a:prstGeom prst="rect">
-            <a:avLst/>
-          </a:prstGeom>
-        </p:spPr>
-        <p:txBody>
-          <a:bodyPr spcFirstLastPara="1" wrap="square" lIns="91425" tIns="91425" rIns="91425" bIns="91425" anchor="t" anchorCtr="0">
-            <a:noAutofit/>
-          </a:bodyPr>
-          <a:lstStyle/>
-          <a:p>
-            <a:pPr marL="0" lvl="0" indent="0" algn="l" rtl="0">
-              <a:spcBef>
-                <a:spcPts val="0"/>
-              </a:spcBef>
-              <a:spcAft>
-                <a:spcPts val="0"/>
-              </a:spcAft>
-              <a:buNone/>
-            </a:pPr>
-            <a:endParaRPr/>
-          </a:p>
-        </p:txBody>
-      </p:sp>
-    </p:spTree>
-  </p:cSld>
-  <p:clrMapOvr>
-    <a:masterClrMapping/>
-  </p:clrMapOvr>
-</p:notes>
-</file>
-
-<file path=ppt/notesSlides/notesSlide12.xml><?xml version="1.0" encoding="utf-8"?>
-<p:notes xmlns:a="http://schemas.openxmlformats.org/drawingml/2006/main" xmlns:r="http://schemas.openxmlformats.org/officeDocument/2006/relationships" xmlns:p="http://schemas.openxmlformats.org/presentationml/2006/main" showMasterSp="0" showMasterPhAnim="0">
-  <p:cSld>
-    <p:spTree>
-      <p:nvGrpSpPr>
-        <p:cNvPr id="1" name="Shape 113"/>
-        <p:cNvGrpSpPr/>
-        <p:nvPr/>
-      </p:nvGrpSpPr>
-      <p:grpSpPr>
-        <a:xfrm>
-          <a:off x="0" y="0"/>
-          <a:ext cx="0" cy="0"/>
-          <a:chOff x="0" y="0"/>
-          <a:chExt cx="0" cy="0"/>
-        </a:xfrm>
-      </p:grpSpPr>
-      <p:sp>
-        <p:nvSpPr>
-          <p:cNvPr id="114" name="Google Shape;114;g11f54b59297_0_5:notes"/>
-          <p:cNvSpPr>
-            <a:spLocks noGrp="1" noRot="1" noChangeAspect="1"/>
-          </p:cNvSpPr>
-          <p:nvPr>
-            <p:ph type="sldImg" idx="2"/>
-          </p:nvPr>
-        </p:nvSpPr>
-        <p:spPr>
-          <a:xfrm>
-            <a:off x="381000" y="685800"/>
-            <a:ext cx="6096000" cy="3429000"/>
-          </a:xfrm>
-          <a:custGeom>
-            <a:avLst/>
-            <a:gdLst/>
-            <a:ahLst/>
-            <a:cxnLst/>
-            <a:rect l="l" t="t" r="r" b="b"/>
-            <a:pathLst>
-              <a:path w="120000" h="120000" extrusionOk="0">
-                <a:moveTo>
-                  <a:pt x="0" y="0"/>
-                </a:moveTo>
-                <a:lnTo>
-                  <a:pt x="120000" y="0"/>
-                </a:lnTo>
-                <a:lnTo>
-                  <a:pt x="120000" y="120000"/>
-                </a:lnTo>
-                <a:lnTo>
-                  <a:pt x="0" y="120000"/>
-                </a:lnTo>
-                <a:close/>
-              </a:path>
-            </a:pathLst>
-          </a:custGeom>
-        </p:spPr>
-      </p:sp>
-      <p:sp>
-        <p:nvSpPr>
-          <p:cNvPr id="115" name="Google Shape;115;g11f54b59297_0_5:notes"/>
           <p:cNvSpPr txBox="1">
             <a:spLocks noGrp="1"/>
           </p:cNvSpPr>
@@ -21694,6 +24179,110 @@
         </p:txBody>
       </p:sp>
     </p:spTree>
+  </p:cSld>
+  <p:clrMapOvr>
+    <a:masterClrMapping/>
+  </p:clrMapOvr>
+</p:notes>
+</file>
+
+<file path=ppt/notesSlides/notesSlide14.xml><?xml version="1.0" encoding="utf-8"?>
+<p:notes xmlns:a="http://schemas.openxmlformats.org/drawingml/2006/main" xmlns:r="http://schemas.openxmlformats.org/officeDocument/2006/relationships" xmlns:p="http://schemas.openxmlformats.org/presentationml/2006/main" showMasterSp="0" showMasterPhAnim="0">
+  <p:cSld>
+    <p:spTree>
+      <p:nvGrpSpPr>
+        <p:cNvPr id="1" name="Shape 113"/>
+        <p:cNvGrpSpPr/>
+        <p:nvPr/>
+      </p:nvGrpSpPr>
+      <p:grpSpPr>
+        <a:xfrm>
+          <a:off x="0" y="0"/>
+          <a:ext cx="0" cy="0"/>
+          <a:chOff x="0" y="0"/>
+          <a:chExt cx="0" cy="0"/>
+        </a:xfrm>
+      </p:grpSpPr>
+      <p:sp>
+        <p:nvSpPr>
+          <p:cNvPr id="114" name="Google Shape;114;g11f54b59297_0_5:notes"/>
+          <p:cNvSpPr>
+            <a:spLocks noGrp="1" noRot="1" noChangeAspect="1"/>
+          </p:cNvSpPr>
+          <p:nvPr>
+            <p:ph type="sldImg" idx="2"/>
+          </p:nvPr>
+        </p:nvSpPr>
+        <p:spPr>
+          <a:xfrm>
+            <a:off x="381000" y="685800"/>
+            <a:ext cx="6096000" cy="3429000"/>
+          </a:xfrm>
+          <a:custGeom>
+            <a:avLst/>
+            <a:gdLst/>
+            <a:ahLst/>
+            <a:cxnLst/>
+            <a:rect l="l" t="t" r="r" b="b"/>
+            <a:pathLst>
+              <a:path w="120000" h="120000" extrusionOk="0">
+                <a:moveTo>
+                  <a:pt x="0" y="0"/>
+                </a:moveTo>
+                <a:lnTo>
+                  <a:pt x="120000" y="0"/>
+                </a:lnTo>
+                <a:lnTo>
+                  <a:pt x="120000" y="120000"/>
+                </a:lnTo>
+                <a:lnTo>
+                  <a:pt x="0" y="120000"/>
+                </a:lnTo>
+                <a:close/>
+              </a:path>
+            </a:pathLst>
+          </a:custGeom>
+        </p:spPr>
+      </p:sp>
+      <p:sp>
+        <p:nvSpPr>
+          <p:cNvPr id="115" name="Google Shape;115;g11f54b59297_0_5:notes"/>
+          <p:cNvSpPr txBox="1">
+            <a:spLocks noGrp="1"/>
+          </p:cNvSpPr>
+          <p:nvPr>
+            <p:ph type="body" idx="1"/>
+          </p:nvPr>
+        </p:nvSpPr>
+        <p:spPr>
+          <a:xfrm>
+            <a:off x="685800" y="4343400"/>
+            <a:ext cx="5486400" cy="4114800"/>
+          </a:xfrm>
+          <a:prstGeom prst="rect">
+            <a:avLst/>
+          </a:prstGeom>
+        </p:spPr>
+        <p:txBody>
+          <a:bodyPr spcFirstLastPara="1" wrap="square" lIns="91425" tIns="91425" rIns="91425" bIns="91425" anchor="t" anchorCtr="0">
+            <a:noAutofit/>
+          </a:bodyPr>
+          <a:lstStyle/>
+          <a:p>
+            <a:pPr marL="0" lvl="0" indent="0" algn="l" rtl="0">
+              <a:spcBef>
+                <a:spcPts val="0"/>
+              </a:spcBef>
+              <a:spcAft>
+                <a:spcPts val="0"/>
+              </a:spcAft>
+              <a:buNone/>
+            </a:pPr>
+            <a:endParaRPr/>
+          </a:p>
+        </p:txBody>
+      </p:sp>
+    </p:spTree>
     <p:extLst>
       <p:ext uri="{BB962C8B-B14F-4D97-AF65-F5344CB8AC3E}">
         <p14:creationId xmlns:p14="http://schemas.microsoft.com/office/powerpoint/2010/main" val="2167119280"/>
@@ -21706,7 +24295,7 @@
 </p:notes>
 </file>
 
-<file path=ppt/notesSlides/notesSlide14.xml><?xml version="1.0" encoding="utf-8"?>
+<file path=ppt/notesSlides/notesSlide15.xml><?xml version="1.0" encoding="utf-8"?>
 <p:notes xmlns:a="http://schemas.openxmlformats.org/drawingml/2006/main" xmlns:r="http://schemas.openxmlformats.org/officeDocument/2006/relationships" xmlns:p="http://schemas.openxmlformats.org/presentationml/2006/main" showMasterSp="0" showMasterPhAnim="0">
   <p:cSld>
     <p:spTree>
@@ -22335,7 +24924,7 @@
   <p:cSld>
     <p:spTree>
       <p:nvGrpSpPr>
-        <p:cNvPr id="1" name="Shape 94"/>
+        <p:cNvPr id="1" name="Shape 100"/>
         <p:cNvGrpSpPr/>
         <p:nvPr/>
       </p:nvGrpSpPr>
@@ -22349,7 +24938,7 @@
       </p:grpSpPr>
       <p:sp>
         <p:nvSpPr>
-          <p:cNvPr id="95" name="Google Shape;95;g11f54b59297_0_20:notes"/>
+          <p:cNvPr id="101" name="Google Shape;101;g11f54b59297_0_26:notes"/>
           <p:cNvSpPr>
             <a:spLocks noGrp="1" noRot="1" noChangeAspect="1"/>
           </p:cNvSpPr>
@@ -22390,7 +24979,7 @@
       </p:sp>
       <p:sp>
         <p:nvSpPr>
-          <p:cNvPr id="96" name="Google Shape;96;g11f54b59297_0_20:notes"/>
+          <p:cNvPr id="102" name="Google Shape;102;g11f54b59297_0_26:notes"/>
           <p:cNvSpPr txBox="1">
             <a:spLocks noGrp="1"/>
           </p:cNvSpPr>
@@ -22429,7 +25018,7 @@
     </p:spTree>
     <p:extLst>
       <p:ext uri="{BB962C8B-B14F-4D97-AF65-F5344CB8AC3E}">
-        <p14:creationId xmlns:p14="http://schemas.microsoft.com/office/powerpoint/2010/main" val="523712601"/>
+        <p14:creationId xmlns:p14="http://schemas.microsoft.com/office/powerpoint/2010/main" val="2491284902"/>
       </p:ext>
     </p:extLst>
   </p:cSld>
@@ -22538,7 +25127,7 @@
     </p:spTree>
     <p:extLst>
       <p:ext uri="{BB962C8B-B14F-4D97-AF65-F5344CB8AC3E}">
-        <p14:creationId xmlns:p14="http://schemas.microsoft.com/office/powerpoint/2010/main" val="1164381608"/>
+        <p14:creationId xmlns:p14="http://schemas.microsoft.com/office/powerpoint/2010/main" val="523712601"/>
       </p:ext>
     </p:extLst>
   </p:cSld>
@@ -22647,7 +25236,7 @@
     </p:spTree>
     <p:extLst>
       <p:ext uri="{BB962C8B-B14F-4D97-AF65-F5344CB8AC3E}">
-        <p14:creationId xmlns:p14="http://schemas.microsoft.com/office/powerpoint/2010/main" val="2491284902"/>
+        <p14:creationId xmlns:p14="http://schemas.microsoft.com/office/powerpoint/2010/main" val="1118722539"/>
       </p:ext>
     </p:extLst>
   </p:cSld>
@@ -22883,7 +25472,7 @@
           <a:p>
             <a:fld id="{3C24CCB8-F618-4C43-864E-1072FFC2D939}" type="datetimeFigureOut">
               <a:rPr lang="en-IN" smtClean="0"/>
-              <a:t>28-03-2023</a:t>
+              <a:t>29-03-2023</a:t>
             </a:fld>
             <a:endParaRPr lang="en-IN"/>
           </a:p>
@@ -23101,7 +25690,7 @@
           <a:p>
             <a:fld id="{3C24CCB8-F618-4C43-864E-1072FFC2D939}" type="datetimeFigureOut">
               <a:rPr lang="en-IN" smtClean="0"/>
-              <a:t>28-03-2023</a:t>
+              <a:t>29-03-2023</a:t>
             </a:fld>
             <a:endParaRPr lang="en-IN"/>
           </a:p>
@@ -23367,7 +25956,7 @@
           <a:p>
             <a:fld id="{3C24CCB8-F618-4C43-864E-1072FFC2D939}" type="datetimeFigureOut">
               <a:rPr lang="en-IN" smtClean="0"/>
-              <a:t>28-03-2023</a:t>
+              <a:t>29-03-2023</a:t>
             </a:fld>
             <a:endParaRPr lang="en-IN"/>
           </a:p>
@@ -23914,7 +26503,7 @@
           <a:p>
             <a:fld id="{3C24CCB8-F618-4C43-864E-1072FFC2D939}" type="datetimeFigureOut">
               <a:rPr lang="en-IN" smtClean="0"/>
-              <a:t>28-03-2023</a:t>
+              <a:t>29-03-2023</a:t>
             </a:fld>
             <a:endParaRPr lang="en-IN"/>
           </a:p>
@@ -24267,7 +26856,7 @@
           <a:p>
             <a:fld id="{3C24CCB8-F618-4C43-864E-1072FFC2D939}" type="datetimeFigureOut">
               <a:rPr lang="en-IN" smtClean="0"/>
-              <a:t>28-03-2023</a:t>
+              <a:t>29-03-2023</a:t>
             </a:fld>
             <a:endParaRPr lang="en-IN"/>
           </a:p>
@@ -24552,7 +27141,7 @@
           <a:p>
             <a:fld id="{3C24CCB8-F618-4C43-864E-1072FFC2D939}" type="datetimeFigureOut">
               <a:rPr lang="en-IN" smtClean="0"/>
-              <a:t>28-03-2023</a:t>
+              <a:t>29-03-2023</a:t>
             </a:fld>
             <a:endParaRPr lang="en-IN"/>
           </a:p>
@@ -24941,7 +27530,7 @@
           <a:p>
             <a:fld id="{3C24CCB8-F618-4C43-864E-1072FFC2D939}" type="datetimeFigureOut">
               <a:rPr lang="en-IN" smtClean="0"/>
-              <a:t>28-03-2023</a:t>
+              <a:t>29-03-2023</a:t>
             </a:fld>
             <a:endParaRPr lang="en-IN"/>
           </a:p>
@@ -25069,7 +27658,7 @@
           <a:p>
             <a:fld id="{3C24CCB8-F618-4C43-864E-1072FFC2D939}" type="datetimeFigureOut">
               <a:rPr lang="en-IN" smtClean="0"/>
-              <a:t>28-03-2023</a:t>
+              <a:t>29-03-2023</a:t>
             </a:fld>
             <a:endParaRPr lang="en-IN"/>
           </a:p>
@@ -25250,7 +27839,7 @@
           <a:p>
             <a:fld id="{3C24CCB8-F618-4C43-864E-1072FFC2D939}" type="datetimeFigureOut">
               <a:rPr lang="en-IN" smtClean="0"/>
-              <a:t>28-03-2023</a:t>
+              <a:t>29-03-2023</a:t>
             </a:fld>
             <a:endParaRPr lang="en-IN"/>
           </a:p>
@@ -25613,7 +28202,7 @@
           <a:p>
             <a:fld id="{3C24CCB8-F618-4C43-864E-1072FFC2D939}" type="datetimeFigureOut">
               <a:rPr lang="en-IN" smtClean="0"/>
-              <a:t>28-03-2023</a:t>
+              <a:t>29-03-2023</a:t>
             </a:fld>
             <a:endParaRPr lang="en-IN"/>
           </a:p>
@@ -26000,7 +28589,7 @@
           <a:p>
             <a:fld id="{3C24CCB8-F618-4C43-864E-1072FFC2D939}" type="datetimeFigureOut">
               <a:rPr lang="en-IN" smtClean="0"/>
-              <a:t>28-03-2023</a:t>
+              <a:t>29-03-2023</a:t>
             </a:fld>
             <a:endParaRPr lang="en-IN"/>
           </a:p>
@@ -26297,7 +28886,7 @@
           <a:p>
             <a:fld id="{3C24CCB8-F618-4C43-864E-1072FFC2D939}" type="datetimeFigureOut">
               <a:rPr lang="en-IN" smtClean="0"/>
-              <a:t>28-03-2023</a:t>
+              <a:t>29-03-2023</a:t>
             </a:fld>
             <a:endParaRPr lang="en-IN"/>
           </a:p>
@@ -26874,7 +29463,7 @@
               <a:buFont typeface="Arial"/>
               <a:buNone/>
             </a:pPr>
-            <a:endParaRPr lang="en-US" sz="1000" b="1">
+            <a:endParaRPr lang="en-US" sz="1000" b="1" dirty="0">
               <a:solidFill>
                 <a:srgbClr val="222222"/>
               </a:solidFill>
@@ -26897,7 +29486,7 @@
               </a:spcAft>
               <a:buNone/>
             </a:pPr>
-            <a:endParaRPr lang="en-US" sz="3300" b="1">
+            <a:endParaRPr lang="en-US" sz="3300" b="1" dirty="0">
               <a:solidFill>
                 <a:srgbClr val="222222"/>
               </a:solidFill>
@@ -26920,7 +29509,7 @@
               </a:spcAft>
               <a:buNone/>
             </a:pPr>
-            <a:endParaRPr lang="en-US" sz="3300" b="1">
+            <a:endParaRPr lang="en-US" sz="3300" b="1" dirty="0">
               <a:solidFill>
                 <a:srgbClr val="222222"/>
               </a:solidFill>
@@ -26943,7 +29532,7 @@
               </a:spcAft>
               <a:buNone/>
             </a:pPr>
-            <a:endParaRPr lang="en-US" sz="3300" b="1">
+            <a:endParaRPr lang="en-US" sz="3300" b="1" dirty="0">
               <a:solidFill>
                 <a:schemeClr val="tx1"/>
               </a:solidFill>
@@ -26965,7 +29554,7 @@
               </a:spcAft>
               <a:buNone/>
             </a:pPr>
-            <a:endParaRPr lang="en-US" sz="3300" b="1">
+            <a:endParaRPr lang="en-US" sz="3300" b="1" dirty="0">
               <a:solidFill>
                 <a:schemeClr val="tx1"/>
               </a:solidFill>
@@ -26984,7 +29573,7 @@
               </a:spcBef>
             </a:pPr>
             <a:r>
-              <a:rPr lang="en-US" sz="3300" b="1">
+              <a:rPr lang="en-US" sz="3300" b="1" dirty="0">
                 <a:solidFill>
                   <a:schemeClr val="tx1"/>
                 </a:solidFill>
@@ -26993,21 +29582,9 @@
                 <a:cs typeface="Times New Roman"/>
                 <a:sym typeface="Times New Roman"/>
               </a:rPr>
-              <a:t>Implement Serialization in </a:t>
+              <a:t>Implement Serialization in HtmClassifier</a:t>
             </a:r>
-            <a:r>
-              <a:rPr lang="en-US" sz="3300" b="1" err="1">
-                <a:solidFill>
-                  <a:schemeClr val="tx1"/>
-                </a:solidFill>
-                <a:latin typeface="Times New Roman"/>
-                <a:ea typeface="Georgia"/>
-                <a:cs typeface="Times New Roman"/>
-                <a:sym typeface="Times New Roman"/>
-              </a:rPr>
-              <a:t>HtmClassifier</a:t>
-            </a:r>
-            <a:endParaRPr lang="en-US" sz="4044">
+            <a:endParaRPr lang="en-US" sz="4044" dirty="0">
               <a:solidFill>
                 <a:schemeClr val="tx1"/>
               </a:solidFill>
@@ -27028,7 +29605,7 @@
               <a:buNone/>
             </a:pPr>
             <a:r>
-              <a:rPr lang="en-US" sz="1650">
+              <a:rPr lang="en-US" sz="1650" dirty="0">
                 <a:solidFill>
                   <a:srgbClr val="3D85C6"/>
                 </a:solidFill>
@@ -27050,7 +29627,7 @@
               </a:spcAft>
               <a:buNone/>
             </a:pPr>
-            <a:endParaRPr lang="en-US" sz="1650">
+            <a:endParaRPr lang="en-US" sz="1650" dirty="0">
               <a:latin typeface="Georgia"/>
               <a:ea typeface="Georgia"/>
               <a:cs typeface="Georgia"/>
@@ -27394,126 +29971,6 @@
       </p:grpSpPr>
       <p:pic>
         <p:nvPicPr>
-          <p:cNvPr id="9" name="Picture 8" descr="Text, application&#10;&#10;Description automatically generated">
-            <a:extLst>
-              <a:ext uri="{FF2B5EF4-FFF2-40B4-BE49-F238E27FC236}">
-                <a16:creationId xmlns:a16="http://schemas.microsoft.com/office/drawing/2014/main" id="{EF44F405-15F8-0FA0-F1FB-61C13F32355A}"/>
-              </a:ext>
-            </a:extLst>
-          </p:cNvPr>
-          <p:cNvPicPr>
-            <a:picLocks noChangeAspect="1"/>
-          </p:cNvPicPr>
-          <p:nvPr/>
-        </p:nvPicPr>
-        <p:blipFill>
-          <a:blip r:embed="rId2"/>
-          <a:stretch>
-            <a:fillRect/>
-          </a:stretch>
-        </p:blipFill>
-        <p:spPr>
-          <a:xfrm>
-            <a:off x="826449" y="854374"/>
-            <a:ext cx="7562270" cy="3471977"/>
-          </a:xfrm>
-          <a:prstGeom prst="rect">
-            <a:avLst/>
-          </a:prstGeom>
-        </p:spPr>
-      </p:pic>
-    </p:spTree>
-    <p:extLst>
-      <p:ext uri="{BB962C8B-B14F-4D97-AF65-F5344CB8AC3E}">
-        <p14:creationId xmlns:p14="http://schemas.microsoft.com/office/powerpoint/2010/main" val="973852197"/>
-      </p:ext>
-    </p:extLst>
-  </p:cSld>
-  <p:clrMapOvr>
-    <a:masterClrMapping/>
-  </p:clrMapOvr>
-</p:sld>
-</file>
-
-<file path=ppt/slides/slide12.xml><?xml version="1.0" encoding="utf-8"?>
-<p:sld xmlns:a="http://schemas.openxmlformats.org/drawingml/2006/main" xmlns:r="http://schemas.openxmlformats.org/officeDocument/2006/relationships" xmlns:p="http://schemas.openxmlformats.org/presentationml/2006/main">
-  <p:cSld>
-    <p:spTree>
-      <p:nvGrpSpPr>
-        <p:cNvPr id="1" name=""/>
-        <p:cNvGrpSpPr/>
-        <p:nvPr/>
-      </p:nvGrpSpPr>
-      <p:grpSpPr>
-        <a:xfrm>
-          <a:off x="0" y="0"/>
-          <a:ext cx="0" cy="0"/>
-          <a:chOff x="0" y="0"/>
-          <a:chExt cx="0" cy="0"/>
-        </a:xfrm>
-      </p:grpSpPr>
-      <p:pic>
-        <p:nvPicPr>
-          <p:cNvPr id="5" name="Picture 4" descr="Text&#10;&#10;Description automatically generated">
-            <a:extLst>
-              <a:ext uri="{FF2B5EF4-FFF2-40B4-BE49-F238E27FC236}">
-                <a16:creationId xmlns:a16="http://schemas.microsoft.com/office/drawing/2014/main" id="{06F7C2FC-62C1-F745-76B9-02AFB595933B}"/>
-              </a:ext>
-            </a:extLst>
-          </p:cNvPr>
-          <p:cNvPicPr>
-            <a:picLocks noChangeAspect="1"/>
-          </p:cNvPicPr>
-          <p:nvPr/>
-        </p:nvPicPr>
-        <p:blipFill>
-          <a:blip r:embed="rId2"/>
-          <a:stretch>
-            <a:fillRect/>
-          </a:stretch>
-        </p:blipFill>
-        <p:spPr>
-          <a:xfrm>
-            <a:off x="733460" y="211891"/>
-            <a:ext cx="7679893" cy="4720394"/>
-          </a:xfrm>
-          <a:prstGeom prst="rect">
-            <a:avLst/>
-          </a:prstGeom>
-        </p:spPr>
-      </p:pic>
-    </p:spTree>
-    <p:extLst>
-      <p:ext uri="{BB962C8B-B14F-4D97-AF65-F5344CB8AC3E}">
-        <p14:creationId xmlns:p14="http://schemas.microsoft.com/office/powerpoint/2010/main" val="1706446056"/>
-      </p:ext>
-    </p:extLst>
-  </p:cSld>
-  <p:clrMapOvr>
-    <a:masterClrMapping/>
-  </p:clrMapOvr>
-</p:sld>
-</file>
-
-<file path=ppt/slides/slide13.xml><?xml version="1.0" encoding="utf-8"?>
-<p:sld xmlns:a="http://schemas.openxmlformats.org/drawingml/2006/main" xmlns:r="http://schemas.openxmlformats.org/officeDocument/2006/relationships" xmlns:p="http://schemas.openxmlformats.org/presentationml/2006/main">
-  <p:cSld>
-    <p:spTree>
-      <p:nvGrpSpPr>
-        <p:cNvPr id="1" name=""/>
-        <p:cNvGrpSpPr/>
-        <p:nvPr/>
-      </p:nvGrpSpPr>
-      <p:grpSpPr>
-        <a:xfrm>
-          <a:off x="0" y="0"/>
-          <a:ext cx="0" cy="0"/>
-          <a:chOff x="0" y="0"/>
-          <a:chExt cx="0" cy="0"/>
-        </a:xfrm>
-      </p:grpSpPr>
-      <p:pic>
-        <p:nvPicPr>
           <p:cNvPr id="5" name="Picture 4" descr="Text&#10;&#10;Description automatically generated">
             <a:extLst>
               <a:ext uri="{FF2B5EF4-FFF2-40B4-BE49-F238E27FC236}">
@@ -27555,7 +30012,279 @@
 </p:sld>
 </file>
 
+<file path=ppt/slides/slide12.xml><?xml version="1.0" encoding="utf-8"?>
+<p:sld xmlns:a="http://schemas.openxmlformats.org/drawingml/2006/main" xmlns:r="http://schemas.openxmlformats.org/officeDocument/2006/relationships" xmlns:p="http://schemas.openxmlformats.org/presentationml/2006/main">
+  <p:cSld>
+    <p:spTree>
+      <p:nvGrpSpPr>
+        <p:cNvPr id="1" name="Shape 97"/>
+        <p:cNvGrpSpPr/>
+        <p:nvPr/>
+      </p:nvGrpSpPr>
+      <p:grpSpPr>
+        <a:xfrm>
+          <a:off x="0" y="0"/>
+          <a:ext cx="0" cy="0"/>
+          <a:chOff x="0" y="0"/>
+          <a:chExt cx="0" cy="0"/>
+        </a:xfrm>
+      </p:grpSpPr>
+      <p:sp>
+        <p:nvSpPr>
+          <p:cNvPr id="98" name="Google Shape;98;p20"/>
+          <p:cNvSpPr txBox="1">
+            <a:spLocks noGrp="1"/>
+          </p:cNvSpPr>
+          <p:nvPr>
+            <p:ph type="title"/>
+          </p:nvPr>
+        </p:nvSpPr>
+        <p:spPr>
+          <a:xfrm>
+            <a:off x="3132446" y="293239"/>
+            <a:ext cx="2870028" cy="837549"/>
+          </a:xfrm>
+          <a:prstGeom prst="rect">
+            <a:avLst/>
+          </a:prstGeom>
+        </p:spPr>
+        <p:txBody>
+          <a:bodyPr spcFirstLastPara="1" vert="horz" lIns="91440" tIns="45720" rIns="91440" bIns="45720" rtlCol="0" anchor="b" anchorCtr="0">
+            <a:normAutofit/>
+          </a:bodyPr>
+          <a:lstStyle/>
+          <a:p>
+            <a:pPr lvl="0" indent="0" defTabSz="914400">
+              <a:spcBef>
+                <a:spcPct val="0"/>
+              </a:spcBef>
+              <a:spcAft>
+                <a:spcPts val="0"/>
+              </a:spcAft>
+              <a:buSzPts val="990"/>
+            </a:pPr>
+            <a:r>
+              <a:rPr lang="en-US" sz="4800" spc="-50">
+                <a:solidFill>
+                  <a:schemeClr val="tx1"/>
+                </a:solidFill>
+              </a:rPr>
+              <a:t>APPROACH</a:t>
+            </a:r>
+            <a:endParaRPr lang="en-US" sz="4800" spc="-50">
+              <a:solidFill>
+                <a:schemeClr val="tx1"/>
+              </a:solidFill>
+              <a:cs typeface="Calibri Light"/>
+            </a:endParaRPr>
+          </a:p>
+        </p:txBody>
+      </p:sp>
+      <p:graphicFrame>
+        <p:nvGraphicFramePr>
+          <p:cNvPr id="101" name="Google Shape;99;p20">
+            <a:extLst>
+              <a:ext uri="{FF2B5EF4-FFF2-40B4-BE49-F238E27FC236}">
+                <a16:creationId xmlns:a16="http://schemas.microsoft.com/office/drawing/2014/main" id="{2FB155F6-3D78-4AE2-3FFA-8B5A9A385C1C}"/>
+              </a:ext>
+            </a:extLst>
+          </p:cNvPr>
+          <p:cNvGraphicFramePr/>
+          <p:nvPr>
+            <p:extLst>
+              <p:ext uri="{D42A27DB-BD31-4B8C-83A1-F6EECF244321}">
+                <p14:modId xmlns:p14="http://schemas.microsoft.com/office/powerpoint/2010/main" val="2856911945"/>
+              </p:ext>
+            </p:extLst>
+          </p:nvPr>
+        </p:nvGraphicFramePr>
+        <p:xfrm>
+          <a:off x="822722" y="1573886"/>
+          <a:ext cx="7927268" cy="2839560"/>
+        </p:xfrm>
+        <a:graphic>
+          <a:graphicData uri="http://schemas.openxmlformats.org/drawingml/2006/diagram">
+            <dgm:relIds xmlns:dgm="http://schemas.openxmlformats.org/drawingml/2006/diagram" xmlns:r="http://schemas.openxmlformats.org/officeDocument/2006/relationships" r:dm="rId3" r:lo="rId4" r:qs="rId5" r:cs="rId6"/>
+          </a:graphicData>
+        </a:graphic>
+      </p:graphicFrame>
+    </p:spTree>
+    <p:extLst>
+      <p:ext uri="{BB962C8B-B14F-4D97-AF65-F5344CB8AC3E}">
+        <p14:creationId xmlns:p14="http://schemas.microsoft.com/office/powerpoint/2010/main" val="771859852"/>
+      </p:ext>
+    </p:extLst>
+  </p:cSld>
+  <p:clrMapOvr>
+    <a:masterClrMapping/>
+  </p:clrMapOvr>
+</p:sld>
+</file>
+
+<file path=ppt/slides/slide13.xml><?xml version="1.0" encoding="utf-8"?>
+<p:sld xmlns:a="http://schemas.openxmlformats.org/drawingml/2006/main" xmlns:r="http://schemas.openxmlformats.org/officeDocument/2006/relationships" xmlns:p="http://schemas.openxmlformats.org/presentationml/2006/main">
+  <p:cSld>
+    <p:spTree>
+      <p:nvGrpSpPr>
+        <p:cNvPr id="1" name=""/>
+        <p:cNvGrpSpPr/>
+        <p:nvPr/>
+      </p:nvGrpSpPr>
+      <p:grpSpPr>
+        <a:xfrm>
+          <a:off x="0" y="0"/>
+          <a:ext cx="0" cy="0"/>
+          <a:chOff x="0" y="0"/>
+          <a:chExt cx="0" cy="0"/>
+        </a:xfrm>
+      </p:grpSpPr>
+      <p:pic>
+        <p:nvPicPr>
+          <p:cNvPr id="5" name="Picture 4" descr="Text&#10;&#10;Description automatically generated">
+            <a:extLst>
+              <a:ext uri="{FF2B5EF4-FFF2-40B4-BE49-F238E27FC236}">
+                <a16:creationId xmlns:a16="http://schemas.microsoft.com/office/drawing/2014/main" id="{06F7C2FC-62C1-F745-76B9-02AFB595933B}"/>
+              </a:ext>
+            </a:extLst>
+          </p:cNvPr>
+          <p:cNvPicPr>
+            <a:picLocks noChangeAspect="1"/>
+          </p:cNvPicPr>
+          <p:nvPr/>
+        </p:nvPicPr>
+        <p:blipFill>
+          <a:blip r:embed="rId2"/>
+          <a:stretch>
+            <a:fillRect/>
+          </a:stretch>
+        </p:blipFill>
+        <p:spPr>
+          <a:xfrm>
+            <a:off x="733461" y="351061"/>
+            <a:ext cx="7453468" cy="4581223"/>
+          </a:xfrm>
+          <a:prstGeom prst="rect">
+            <a:avLst/>
+          </a:prstGeom>
+        </p:spPr>
+      </p:pic>
+    </p:spTree>
+    <p:extLst>
+      <p:ext uri="{BB962C8B-B14F-4D97-AF65-F5344CB8AC3E}">
+        <p14:creationId xmlns:p14="http://schemas.microsoft.com/office/powerpoint/2010/main" val="1706446056"/>
+      </p:ext>
+    </p:extLst>
+  </p:cSld>
+  <p:clrMapOvr>
+    <a:masterClrMapping/>
+  </p:clrMapOvr>
+</p:sld>
+</file>
+
 <file path=ppt/slides/slide14.xml><?xml version="1.0" encoding="utf-8"?>
+<p:sld xmlns:a="http://schemas.openxmlformats.org/drawingml/2006/main" xmlns:r="http://schemas.openxmlformats.org/officeDocument/2006/relationships" xmlns:p="http://schemas.openxmlformats.org/presentationml/2006/main">
+  <p:cSld>
+    <p:spTree>
+      <p:nvGrpSpPr>
+        <p:cNvPr id="1" name="Shape 97"/>
+        <p:cNvGrpSpPr/>
+        <p:nvPr/>
+      </p:nvGrpSpPr>
+      <p:grpSpPr>
+        <a:xfrm>
+          <a:off x="0" y="0"/>
+          <a:ext cx="0" cy="0"/>
+          <a:chOff x="0" y="0"/>
+          <a:chExt cx="0" cy="0"/>
+        </a:xfrm>
+      </p:grpSpPr>
+      <p:sp>
+        <p:nvSpPr>
+          <p:cNvPr id="98" name="Google Shape;98;p20"/>
+          <p:cNvSpPr txBox="1">
+            <a:spLocks noGrp="1"/>
+          </p:cNvSpPr>
+          <p:nvPr>
+            <p:ph type="title"/>
+          </p:nvPr>
+        </p:nvSpPr>
+        <p:spPr>
+          <a:xfrm>
+            <a:off x="3132446" y="316727"/>
+            <a:ext cx="2877856" cy="782746"/>
+          </a:xfrm>
+          <a:prstGeom prst="rect">
+            <a:avLst/>
+          </a:prstGeom>
+        </p:spPr>
+        <p:txBody>
+          <a:bodyPr spcFirstLastPara="1" vert="horz" lIns="91440" tIns="45720" rIns="91440" bIns="45720" rtlCol="0" anchor="b" anchorCtr="0">
+            <a:normAutofit/>
+          </a:bodyPr>
+          <a:lstStyle/>
+          <a:p>
+            <a:pPr lvl="0" indent="0" defTabSz="914400">
+              <a:spcBef>
+                <a:spcPct val="0"/>
+              </a:spcBef>
+              <a:spcAft>
+                <a:spcPts val="0"/>
+              </a:spcAft>
+              <a:buSzPts val="990"/>
+            </a:pPr>
+            <a:r>
+              <a:rPr lang="en-US" sz="4800" spc="-50">
+                <a:solidFill>
+                  <a:schemeClr val="tx1"/>
+                </a:solidFill>
+              </a:rPr>
+              <a:t>APPROACH</a:t>
+            </a:r>
+          </a:p>
+        </p:txBody>
+      </p:sp>
+      <p:graphicFrame>
+        <p:nvGraphicFramePr>
+          <p:cNvPr id="101" name="Google Shape;99;p20">
+            <a:extLst>
+              <a:ext uri="{FF2B5EF4-FFF2-40B4-BE49-F238E27FC236}">
+                <a16:creationId xmlns:a16="http://schemas.microsoft.com/office/drawing/2014/main" id="{2FB155F6-3D78-4AE2-3FFA-8B5A9A385C1C}"/>
+              </a:ext>
+            </a:extLst>
+          </p:cNvPr>
+          <p:cNvGraphicFramePr/>
+          <p:nvPr>
+            <p:extLst>
+              <p:ext uri="{D42A27DB-BD31-4B8C-83A1-F6EECF244321}">
+                <p14:modId xmlns:p14="http://schemas.microsoft.com/office/powerpoint/2010/main" val="2624243762"/>
+              </p:ext>
+            </p:extLst>
+          </p:nvPr>
+        </p:nvGraphicFramePr>
+        <p:xfrm>
+          <a:off x="822722" y="1573886"/>
+          <a:ext cx="7543800" cy="2839560"/>
+        </p:xfrm>
+        <a:graphic>
+          <a:graphicData uri="http://schemas.openxmlformats.org/drawingml/2006/diagram">
+            <dgm:relIds xmlns:dgm="http://schemas.openxmlformats.org/drawingml/2006/diagram" xmlns:r="http://schemas.openxmlformats.org/officeDocument/2006/relationships" r:dm="rId3" r:lo="rId4" r:qs="rId5" r:cs="rId6"/>
+          </a:graphicData>
+        </a:graphic>
+      </p:graphicFrame>
+    </p:spTree>
+    <p:extLst>
+      <p:ext uri="{BB962C8B-B14F-4D97-AF65-F5344CB8AC3E}">
+        <p14:creationId xmlns:p14="http://schemas.microsoft.com/office/powerpoint/2010/main" val="283785427"/>
+      </p:ext>
+    </p:extLst>
+  </p:cSld>
+  <p:clrMapOvr>
+    <a:masterClrMapping/>
+  </p:clrMapOvr>
+</p:sld>
+</file>
+
+<file path=ppt/slides/slide15.xml><?xml version="1.0" encoding="utf-8"?>
 <p:sld xmlns:a="http://schemas.openxmlformats.org/drawingml/2006/main" xmlns:r="http://schemas.openxmlformats.org/officeDocument/2006/relationships" xmlns:p="http://schemas.openxmlformats.org/presentationml/2006/main">
   <p:cSld>
     <p:bg>
@@ -27580,53 +30309,6 @@
           <a:chExt cx="0" cy="0"/>
         </a:xfrm>
       </p:grpSpPr>
-      <p:sp>
-        <p:nvSpPr>
-          <p:cNvPr id="123" name="Google Shape;123;p24"/>
-          <p:cNvSpPr txBox="1">
-            <a:spLocks noGrp="1"/>
-          </p:cNvSpPr>
-          <p:nvPr>
-            <p:ph type="title"/>
-          </p:nvPr>
-        </p:nvSpPr>
-        <p:spPr>
-          <a:xfrm>
-            <a:off x="3528830" y="347374"/>
-            <a:ext cx="2091026" cy="793242"/>
-          </a:xfrm>
-          <a:prstGeom prst="rect">
-            <a:avLst/>
-          </a:prstGeom>
-        </p:spPr>
-        <p:txBody>
-          <a:bodyPr spcFirstLastPara="1" vert="horz" lIns="91440" tIns="45720" rIns="91440" bIns="45720" rtlCol="0" anchor="b" anchorCtr="0">
-            <a:normAutofit/>
-          </a:bodyPr>
-          <a:lstStyle/>
-          <a:p>
-            <a:pPr lvl="0" indent="0" defTabSz="914400">
-              <a:spcBef>
-                <a:spcPct val="0"/>
-              </a:spcBef>
-              <a:spcAft>
-                <a:spcPts val="0"/>
-              </a:spcAft>
-            </a:pPr>
-            <a:r>
-              <a:rPr lang="en-US" sz="4500" spc="-50">
-                <a:solidFill>
-                  <a:schemeClr val="tx1">
-                    <a:lumMod val="85000"/>
-                    <a:lumOff val="15000"/>
-                  </a:schemeClr>
-                </a:solidFill>
-              </a:rPr>
-              <a:t>OUTPUT</a:t>
-            </a:r>
-          </a:p>
-        </p:txBody>
-      </p:sp>
       <p:pic>
         <p:nvPicPr>
           <p:cNvPr id="3" name="Picture 2" descr="A screenshot of a computer&#10;&#10;Description automatically generated with medium confidence">
@@ -27649,14 +30331,178 @@
         </p:blipFill>
         <p:spPr>
           <a:xfrm>
-            <a:off x="693285" y="1364353"/>
-            <a:ext cx="7753815" cy="3667290"/>
+            <a:off x="407371" y="711123"/>
+            <a:ext cx="8329258" cy="3939455"/>
           </a:xfrm>
           <a:prstGeom prst="rect">
             <a:avLst/>
           </a:prstGeom>
         </p:spPr>
       </p:pic>
+      <p:sp>
+        <p:nvSpPr>
+          <p:cNvPr id="2" name="Google Shape;104;p21">
+            <a:extLst>
+              <a:ext uri="{FF2B5EF4-FFF2-40B4-BE49-F238E27FC236}">
+                <a16:creationId xmlns:a16="http://schemas.microsoft.com/office/drawing/2014/main" id="{CF764AD6-CFAF-5673-2127-E1DE37F3EF92}"/>
+              </a:ext>
+            </a:extLst>
+          </p:cNvPr>
+          <p:cNvSpPr txBox="1">
+            <a:spLocks/>
+          </p:cNvSpPr>
+          <p:nvPr/>
+        </p:nvSpPr>
+        <p:spPr>
+          <a:xfrm>
+            <a:off x="2594517" y="193288"/>
+            <a:ext cx="4254139" cy="517835"/>
+          </a:xfrm>
+          <a:prstGeom prst="rect">
+            <a:avLst/>
+          </a:prstGeom>
+        </p:spPr>
+        <p:txBody>
+          <a:bodyPr spcFirstLastPara="1" vert="horz" wrap="square" lIns="91440" tIns="45720" rIns="91440" bIns="45720" rtlCol="0" anchor="b" anchorCtr="0">
+            <a:noAutofit/>
+          </a:bodyPr>
+          <a:lstStyle>
+            <a:lvl1pPr lvl="0" algn="l" defTabSz="685800" rtl="0" eaLnBrk="1" latinLnBrk="0" hangingPunct="1">
+              <a:lnSpc>
+                <a:spcPct val="85000"/>
+              </a:lnSpc>
+              <a:spcBef>
+                <a:spcPts val="0"/>
+              </a:spcBef>
+              <a:spcAft>
+                <a:spcPts val="0"/>
+              </a:spcAft>
+              <a:buSzPts val="2800"/>
+              <a:buNone/>
+              <a:defRPr sz="3600" kern="1200" spc="-38" baseline="0">
+                <a:solidFill>
+                  <a:schemeClr val="tx1">
+                    <a:lumMod val="75000"/>
+                    <a:lumOff val="25000"/>
+                  </a:schemeClr>
+                </a:solidFill>
+                <a:latin typeface="+mj-lt"/>
+                <a:ea typeface="+mj-ea"/>
+                <a:cs typeface="+mj-cs"/>
+              </a:defRPr>
+            </a:lvl1pPr>
+            <a:lvl2pPr lvl="1">
+              <a:spcBef>
+                <a:spcPts val="0"/>
+              </a:spcBef>
+              <a:spcAft>
+                <a:spcPts val="0"/>
+              </a:spcAft>
+              <a:buSzPts val="2800"/>
+              <a:buNone/>
+              <a:defRPr/>
+            </a:lvl2pPr>
+            <a:lvl3pPr lvl="2">
+              <a:spcBef>
+                <a:spcPts val="0"/>
+              </a:spcBef>
+              <a:spcAft>
+                <a:spcPts val="0"/>
+              </a:spcAft>
+              <a:buSzPts val="2800"/>
+              <a:buNone/>
+              <a:defRPr/>
+            </a:lvl3pPr>
+            <a:lvl4pPr lvl="3">
+              <a:spcBef>
+                <a:spcPts val="0"/>
+              </a:spcBef>
+              <a:spcAft>
+                <a:spcPts val="0"/>
+              </a:spcAft>
+              <a:buSzPts val="2800"/>
+              <a:buNone/>
+              <a:defRPr/>
+            </a:lvl4pPr>
+            <a:lvl5pPr lvl="4">
+              <a:spcBef>
+                <a:spcPts val="0"/>
+              </a:spcBef>
+              <a:spcAft>
+                <a:spcPts val="0"/>
+              </a:spcAft>
+              <a:buSzPts val="2800"/>
+              <a:buNone/>
+              <a:defRPr/>
+            </a:lvl5pPr>
+            <a:lvl6pPr lvl="5">
+              <a:spcBef>
+                <a:spcPts val="0"/>
+              </a:spcBef>
+              <a:spcAft>
+                <a:spcPts val="0"/>
+              </a:spcAft>
+              <a:buSzPts val="2800"/>
+              <a:buNone/>
+              <a:defRPr/>
+            </a:lvl6pPr>
+            <a:lvl7pPr lvl="6">
+              <a:spcBef>
+                <a:spcPts val="0"/>
+              </a:spcBef>
+              <a:spcAft>
+                <a:spcPts val="0"/>
+              </a:spcAft>
+              <a:buSzPts val="2800"/>
+              <a:buNone/>
+              <a:defRPr/>
+            </a:lvl7pPr>
+            <a:lvl8pPr lvl="7">
+              <a:spcBef>
+                <a:spcPts val="0"/>
+              </a:spcBef>
+              <a:spcAft>
+                <a:spcPts val="0"/>
+              </a:spcAft>
+              <a:buSzPts val="2800"/>
+              <a:buNone/>
+              <a:defRPr/>
+            </a:lvl8pPr>
+            <a:lvl9pPr lvl="8">
+              <a:spcBef>
+                <a:spcPts val="0"/>
+              </a:spcBef>
+              <a:spcAft>
+                <a:spcPts val="0"/>
+              </a:spcAft>
+              <a:buSzPts val="2800"/>
+              <a:buNone/>
+              <a:defRPr/>
+            </a:lvl9pPr>
+          </a:lstStyle>
+          <a:p>
+            <a:pPr defTabSz="914400">
+              <a:spcBef>
+                <a:spcPct val="0"/>
+              </a:spcBef>
+            </a:pPr>
+            <a:r>
+              <a:rPr lang="en-US" spc="-50" dirty="0">
+                <a:solidFill>
+                  <a:schemeClr val="tx1"/>
+                </a:solidFill>
+              </a:rPr>
+              <a:t>UNIT TEST COVERAGE</a:t>
+            </a:r>
+            <a:endParaRPr lang="en-US" spc="-50" dirty="0">
+              <a:solidFill>
+                <a:schemeClr val="tx1"/>
+              </a:solidFill>
+              <a:cs typeface="Calibri Light"/>
+            </a:endParaRPr>
+          </a:p>
+        </p:txBody>
+      </p:sp>
     </p:spTree>
   </p:cSld>
   <p:clrMapOvr>
@@ -27665,7 +30511,7 @@
 </p:sld>
 </file>
 
-<file path=ppt/slides/slide15.xml><?xml version="1.0" encoding="utf-8"?>
+<file path=ppt/slides/slide16.xml><?xml version="1.0" encoding="utf-8"?>
 <p:sld xmlns:a="http://schemas.openxmlformats.org/drawingml/2006/main" xmlns:r="http://schemas.openxmlformats.org/officeDocument/2006/relationships" xmlns:p="http://schemas.openxmlformats.org/presentationml/2006/main">
   <p:cSld>
     <p:bg>
@@ -27760,7 +30606,7 @@
               <a:buFont typeface="Wingdings" panose="05000000000000000000" pitchFamily="2" charset="2"/>
               <a:buChar char="Ø"/>
             </a:pPr>
-            <a:endParaRPr lang="en-US" sz="1300"/>
+            <a:endParaRPr lang="en-US" sz="1300" dirty="0"/>
           </a:p>
           <a:p>
             <a:pPr marL="285750" indent="-285750" defTabSz="914400">
@@ -27768,34 +30614,14 @@
               <a:buChar char="Ø"/>
             </a:pPr>
             <a:r>
-              <a:rPr lang="en-US" sz="1600">
+              <a:rPr lang="en-US" sz="1600" dirty="0">
                 <a:solidFill>
                   <a:srgbClr val="292929"/>
                 </a:solidFill>
                 <a:latin typeface="Calibri"/>
                 <a:cs typeface="Calibri"/>
               </a:rPr>
-              <a:t>Serialization implemented for the </a:t>
-            </a:r>
-            <a:r>
-              <a:rPr lang="en-US" sz="1600" err="1">
-                <a:solidFill>
-                  <a:srgbClr val="292929"/>
-                </a:solidFill>
-                <a:latin typeface="Calibri"/>
-                <a:cs typeface="Calibri"/>
-              </a:rPr>
-              <a:t>HtmClassifier</a:t>
-            </a:r>
-            <a:r>
-              <a:rPr lang="en-US" sz="1600">
-                <a:solidFill>
-                  <a:srgbClr val="292929"/>
-                </a:solidFill>
-                <a:latin typeface="Calibri"/>
-                <a:cs typeface="Calibri"/>
-              </a:rPr>
-              <a:t> class.</a:t>
+              <a:t>Serialization implemented for the HtmClassifier class.</a:t>
             </a:r>
           </a:p>
           <a:p>
@@ -27810,7 +30636,7 @@
               <a:buChar char="Ø"/>
             </a:pPr>
             <a:r>
-              <a:rPr lang="en-US" sz="1600" b="0" i="0">
+              <a:rPr lang="en-US" sz="1600" b="0" i="0" dirty="0">
                 <a:solidFill>
                   <a:srgbClr val="292929"/>
                 </a:solidFill>
@@ -27821,7 +30647,7 @@
               <a:t>This could </a:t>
             </a:r>
             <a:r>
-              <a:rPr lang="en-US" sz="1600">
+              <a:rPr lang="en-US" sz="1600" dirty="0">
                 <a:solidFill>
                   <a:srgbClr val="292929"/>
                 </a:solidFill>
@@ -27831,7 +30657,7 @@
               <a:t>help in keeping the </a:t>
             </a:r>
             <a:r>
-              <a:rPr lang="en-US" sz="1600" b="0" i="0">
+              <a:rPr lang="en-US" sz="1600" b="0" i="0" dirty="0">
                 <a:solidFill>
                   <a:srgbClr val="292929"/>
                 </a:solidFill>
@@ -27842,17 +30668,17 @@
               <a:t>state of </a:t>
             </a:r>
             <a:r>
-              <a:rPr lang="en-US" sz="1600" err="1">
+              <a:rPr lang="en-US" sz="1600" dirty="0">
                 <a:solidFill>
                   <a:srgbClr val="292929"/>
                 </a:solidFill>
                 <a:latin typeface="Calibri"/>
                 <a:cs typeface="Calibri"/>
               </a:rPr>
-              <a:t>HTMClassifier</a:t>
+              <a:t>HTM Classifier</a:t>
             </a:r>
             <a:r>
-              <a:rPr lang="en-US" sz="1600" b="0" i="0">
+              <a:rPr lang="en-US" sz="1600" b="0" i="0" dirty="0">
                 <a:solidFill>
                   <a:srgbClr val="292929"/>
                 </a:solidFill>
@@ -27863,7 +30689,7 @@
               <a:t> object in a </a:t>
             </a:r>
             <a:r>
-              <a:rPr lang="en-US" sz="1600">
+              <a:rPr lang="en-US" sz="1600" dirty="0">
                 <a:solidFill>
                   <a:srgbClr val="292929"/>
                 </a:solidFill>
@@ -27873,7 +30699,7 @@
               <a:t>file or </a:t>
             </a:r>
             <a:r>
-              <a:rPr lang="en-US" sz="1600" b="0" i="0">
+              <a:rPr lang="en-US" sz="1600" b="0" i="0" dirty="0">
                 <a:solidFill>
                   <a:srgbClr val="292929"/>
                 </a:solidFill>
@@ -27884,7 +30710,7 @@
               <a:t>transmit it across the network for using it in the future.</a:t>
             </a:r>
             <a:r>
-              <a:rPr lang="en-US" sz="1600">
+              <a:rPr lang="en-US" sz="1600" dirty="0">
                 <a:solidFill>
                   <a:srgbClr val="292929"/>
                 </a:solidFill>
@@ -27893,7 +30719,7 @@
               </a:rPr>
               <a:t> </a:t>
             </a:r>
-            <a:endParaRPr lang="en-US" sz="1600" b="0" i="0">
+            <a:endParaRPr lang="en-US" sz="1600" b="0" i="0" dirty="0">
               <a:solidFill>
                 <a:srgbClr val="292929"/>
               </a:solidFill>
@@ -27914,7 +30740,7 @@
               <a:buChar char="Ø"/>
             </a:pPr>
             <a:r>
-              <a:rPr lang="en-US" sz="1600" b="0" i="0">
+              <a:rPr lang="en-US" sz="1600" b="0" i="0" dirty="0">
                 <a:solidFill>
                   <a:srgbClr val="292929"/>
                 </a:solidFill>
@@ -27925,7 +30751,7 @@
               <a:t>This helps us to reuse the object in different programs or even in different environments.</a:t>
             </a:r>
             <a:r>
-              <a:rPr lang="en-US" sz="1600">
+              <a:rPr lang="en-US" sz="1600" dirty="0">
                 <a:solidFill>
                   <a:srgbClr val="292929"/>
                 </a:solidFill>
@@ -27934,7 +30760,7 @@
               </a:rPr>
               <a:t> </a:t>
             </a:r>
-            <a:endParaRPr lang="en-US" sz="1600" b="0" i="0">
+            <a:endParaRPr lang="en-US" sz="1600" b="0" i="0" dirty="0">
               <a:solidFill>
                 <a:srgbClr val="292929"/>
               </a:solidFill>
@@ -27992,7 +30818,7 @@
 </p:sld>
 </file>
 
-<file path=ppt/slides/slide16.xml><?xml version="1.0" encoding="utf-8"?>
+<file path=ppt/slides/slide17.xml><?xml version="1.0" encoding="utf-8"?>
 <p:sld xmlns:a="http://schemas.openxmlformats.org/drawingml/2006/main" xmlns:r="http://schemas.openxmlformats.org/officeDocument/2006/relationships" xmlns:p="http://schemas.openxmlformats.org/presentationml/2006/main">
   <p:cSld>
     <p:bg>
@@ -28214,7 +31040,7 @@
 </p:sld>
 </file>
 
-<file path=ppt/slides/slide17.xml><?xml version="1.0" encoding="utf-8"?>
+<file path=ppt/slides/slide18.xml><?xml version="1.0" encoding="utf-8"?>
 <p:sld xmlns:a="http://schemas.openxmlformats.org/drawingml/2006/main" xmlns:r="http://schemas.openxmlformats.org/officeDocument/2006/relationships" xmlns:p="http://schemas.openxmlformats.org/presentationml/2006/main">
   <p:cSld>
     <p:spTree>
@@ -28830,6 +31656,122 @@
 </p:sld>
 </file>
 
+<file path=ppt/slides/slide19.xml><?xml version="1.0" encoding="utf-8"?>
+<p:sld xmlns:a="http://schemas.openxmlformats.org/drawingml/2006/main" xmlns:r="http://schemas.openxmlformats.org/officeDocument/2006/relationships" xmlns:p="http://schemas.openxmlformats.org/presentationml/2006/main">
+  <p:cSld>
+    <p:spTree>
+      <p:nvGrpSpPr>
+        <p:cNvPr id="1" name=""/>
+        <p:cNvGrpSpPr/>
+        <p:nvPr/>
+      </p:nvGrpSpPr>
+      <p:grpSpPr>
+        <a:xfrm>
+          <a:off x="0" y="0"/>
+          <a:ext cx="0" cy="0"/>
+          <a:chOff x="0" y="0"/>
+          <a:chExt cx="0" cy="0"/>
+        </a:xfrm>
+      </p:grpSpPr>
+      <p:sp>
+        <p:nvSpPr>
+          <p:cNvPr id="2" name="Title 1">
+            <a:extLst>
+              <a:ext uri="{FF2B5EF4-FFF2-40B4-BE49-F238E27FC236}">
+                <a16:creationId xmlns:a16="http://schemas.microsoft.com/office/drawing/2014/main" id="{314CE82C-93C5-17C6-59D5-F48F501736A8}"/>
+              </a:ext>
+            </a:extLst>
+          </p:cNvPr>
+          <p:cNvSpPr>
+            <a:spLocks noGrp="1"/>
+          </p:cNvSpPr>
+          <p:nvPr>
+            <p:ph type="title"/>
+          </p:nvPr>
+        </p:nvSpPr>
+        <p:spPr/>
+        <p:txBody>
+          <a:bodyPr>
+            <a:normAutofit fontScale="90000"/>
+          </a:bodyPr>
+          <a:lstStyle/>
+          <a:p>
+            <a:endParaRPr lang="de-DE" dirty="0"/>
+          </a:p>
+        </p:txBody>
+      </p:sp>
+      <p:sp>
+        <p:nvSpPr>
+          <p:cNvPr id="4" name="Rectangle 3">
+            <a:extLst>
+              <a:ext uri="{FF2B5EF4-FFF2-40B4-BE49-F238E27FC236}">
+                <a16:creationId xmlns:a16="http://schemas.microsoft.com/office/drawing/2014/main" id="{2272054C-031A-EAA0-94A2-20BC57C0A151}"/>
+              </a:ext>
+            </a:extLst>
+          </p:cNvPr>
+          <p:cNvSpPr/>
+          <p:nvPr/>
+        </p:nvSpPr>
+        <p:spPr>
+          <a:xfrm>
+            <a:off x="2875573" y="2110085"/>
+            <a:ext cx="3392853" cy="923330"/>
+          </a:xfrm>
+          <a:prstGeom prst="rect">
+            <a:avLst/>
+          </a:prstGeom>
+          <a:noFill/>
+        </p:spPr>
+        <p:txBody>
+          <a:bodyPr wrap="none" lIns="91440" tIns="45720" rIns="91440" bIns="45720">
+            <a:spAutoFit/>
+          </a:bodyPr>
+          <a:lstStyle/>
+          <a:p>
+            <a:pPr algn="ctr"/>
+            <a:r>
+              <a:rPr lang="en-GB" sz="5400" b="1" cap="none" spc="0" dirty="0">
+                <a:ln w="12700">
+                  <a:solidFill>
+                    <a:schemeClr val="accent1"/>
+                  </a:solidFill>
+                  <a:prstDash val="solid"/>
+                </a:ln>
+                <a:pattFill prst="pct50">
+                  <a:fgClr>
+                    <a:schemeClr val="accent1"/>
+                  </a:fgClr>
+                  <a:bgClr>
+                    <a:schemeClr val="accent1">
+                      <a:lumMod val="20000"/>
+                      <a:lumOff val="80000"/>
+                    </a:schemeClr>
+                  </a:bgClr>
+                </a:pattFill>
+                <a:effectLst>
+                  <a:outerShdw dist="38100" dir="2640000" algn="bl" rotWithShape="0">
+                    <a:schemeClr val="accent1"/>
+                  </a:outerShdw>
+                </a:effectLst>
+              </a:rPr>
+              <a:t>Thankyou !</a:t>
+            </a:r>
+          </a:p>
+        </p:txBody>
+      </p:sp>
+    </p:spTree>
+    <p:extLst>
+      <p:ext uri="{BB962C8B-B14F-4D97-AF65-F5344CB8AC3E}">
+        <p14:creationId xmlns:p14="http://schemas.microsoft.com/office/powerpoint/2010/main" val="3177368635"/>
+      </p:ext>
+    </p:extLst>
+  </p:cSld>
+  <p:clrMapOvr>
+    <a:masterClrMapping/>
+  </p:clrMapOvr>
+</p:sld>
+</file>
+
 <file path=ppt/slides/slide2.xml><?xml version="1.0" encoding="utf-8"?>
 <p:sld xmlns:a="http://schemas.openxmlformats.org/drawingml/2006/main" xmlns:r="http://schemas.openxmlformats.org/officeDocument/2006/relationships" xmlns:p="http://schemas.openxmlformats.org/presentationml/2006/main">
   <p:cSld>
@@ -29183,7 +32125,7 @@
           <p:nvPr>
             <p:extLst>
               <p:ext uri="{D42A27DB-BD31-4B8C-83A1-F6EECF244321}">
-                <p14:modId xmlns:p14="http://schemas.microsoft.com/office/powerpoint/2010/main" val="3983292287"/>
+                <p14:modId xmlns:p14="http://schemas.microsoft.com/office/powerpoint/2010/main" val="2297001469"/>
               </p:ext>
             </p:extLst>
           </p:nvPr>
@@ -29403,7 +32345,7 @@
         </p:nvSpPr>
         <p:spPr>
           <a:xfrm>
-            <a:off x="541658" y="1373411"/>
+            <a:off x="542320" y="1157821"/>
             <a:ext cx="8056317" cy="3341558"/>
           </a:xfrm>
           <a:prstGeom prst="rect">
@@ -29428,7 +32370,7 @@
               <a:buChar char="❏"/>
             </a:pPr>
             <a:r>
-              <a:rPr lang="en-US" sz="1400">
+              <a:rPr lang="en-US" sz="1400" dirty="0">
                 <a:solidFill>
                   <a:schemeClr val="tx1"/>
                 </a:solidFill>
@@ -29437,13 +32379,13 @@
               <a:t>Serialization</a:t>
             </a:r>
             <a:br>
-              <a:rPr lang="en-US" sz="1400">
+              <a:rPr lang="en-US" sz="1400" dirty="0">
                 <a:solidFill>
                   <a:schemeClr val="tx1"/>
                 </a:solidFill>
               </a:rPr>
             </a:br>
-            <a:endParaRPr lang="en-US" sz="1400">
+            <a:endParaRPr lang="en-US" sz="1400" dirty="0">
               <a:solidFill>
                 <a:schemeClr val="tx1"/>
               </a:solidFill>
@@ -29456,7 +32398,7 @@
               <a:buNone/>
             </a:pPr>
             <a:r>
-              <a:rPr lang="en-US" sz="1400">
+              <a:rPr lang="en-US" sz="1400" dirty="0">
                 <a:solidFill>
                   <a:schemeClr val="tx1"/>
                 </a:solidFill>
@@ -29464,7 +32406,7 @@
               <a:t>       </a:t>
             </a:r>
             <a:r>
-              <a:rPr lang="en-US" sz="1400">
+              <a:rPr lang="en-US" sz="1400" dirty="0">
                 <a:solidFill>
                   <a:schemeClr val="tx1"/>
                 </a:solidFill>
@@ -29474,7 +32416,7 @@
               <a:t>- </a:t>
             </a:r>
             <a:r>
-              <a:rPr lang="en-US" sz="1400">
+              <a:rPr lang="en-US" sz="1400" dirty="0">
                 <a:solidFill>
                   <a:schemeClr val="tx1"/>
                 </a:solidFill>
@@ -29482,7 +32424,7 @@
               <a:t>Converts and saves the current state/values of various parameters of </a:t>
             </a:r>
             <a:r>
-              <a:rPr lang="en-US" sz="1400" err="1">
+              <a:rPr lang="en-US" sz="1400" dirty="0" err="1">
                 <a:solidFill>
                   <a:schemeClr val="tx1"/>
                 </a:solidFill>
@@ -29490,14 +32432,14 @@
               <a:t>HtmClassifer</a:t>
             </a:r>
             <a:r>
-              <a:rPr lang="en-US" sz="1400">
+              <a:rPr lang="en-US" sz="1400" dirty="0">
                 <a:solidFill>
                   <a:schemeClr val="tx1"/>
                 </a:solidFill>
               </a:rPr>
               <a:t> to a file.</a:t>
             </a:r>
-            <a:endParaRPr lang="en-US" sz="1400">
+            <a:endParaRPr lang="en-US" sz="1400" dirty="0">
               <a:solidFill>
                 <a:schemeClr val="tx1"/>
               </a:solidFill>
@@ -29510,14 +32452,14 @@
               <a:buNone/>
             </a:pPr>
             <a:r>
-              <a:rPr lang="en-US" sz="1400">
+              <a:rPr lang="en-US" sz="1400" dirty="0">
                 <a:solidFill>
                   <a:schemeClr val="tx1"/>
                 </a:solidFill>
               </a:rPr>
               <a:t>       - When required the application can save values to a file with the help of Serialize() method.</a:t>
             </a:r>
-            <a:endParaRPr lang="en-US" sz="1400">
+            <a:endParaRPr lang="en-US" sz="1400" dirty="0">
               <a:solidFill>
                 <a:schemeClr val="tx1"/>
               </a:solidFill>
@@ -29529,7 +32471,7 @@
               <a:buNone/>
             </a:pPr>
             <a:r>
-              <a:rPr lang="en-US" sz="1400">
+              <a:rPr lang="en-US" sz="1400" dirty="0">
                 <a:solidFill>
                   <a:schemeClr val="tx1"/>
                 </a:solidFill>
@@ -29538,7 +32480,7 @@
               <a:t>       - Two parameters exists for now in </a:t>
             </a:r>
             <a:r>
-              <a:rPr lang="en-US" sz="1400" err="1">
+              <a:rPr lang="en-US" sz="1400" dirty="0" err="1">
                 <a:solidFill>
                   <a:schemeClr val="tx1"/>
                 </a:solidFill>
@@ -29547,11 +32489,11 @@
               <a:t>HTMClassifier</a:t>
             </a:r>
             <a:r>
-              <a:rPr lang="en-US" sz="1400">
+              <a:rPr lang="en-US" sz="1400" dirty="0">
                 <a:solidFill>
                   <a:schemeClr val="tx1"/>
                 </a:solidFill>
-                <a:cs typeface="Calibri"/>
+                <a:cs typeface="Calibri" panose="020F0502020204030204"/>
               </a:rPr>
               <a:t> for serialization.</a:t>
             </a:r>
@@ -29561,11 +32503,11 @@
               <a:buSzPct val="100000"/>
               <a:buNone/>
             </a:pPr>
-            <a:endParaRPr lang="en-US" sz="1400">
+            <a:endParaRPr lang="en-US" sz="1400" dirty="0">
               <a:solidFill>
                 <a:schemeClr val="tx1"/>
               </a:solidFill>
-              <a:cs typeface="Calibri"/>
+              <a:cs typeface="Calibri" panose="020F0502020204030204"/>
             </a:endParaRPr>
           </a:p>
           <a:p>
@@ -29581,14 +32523,14 @@
               <a:buChar char="❏"/>
             </a:pPr>
             <a:r>
-              <a:rPr lang="en-US" sz="1400">
+              <a:rPr lang="en-US" sz="1400" dirty="0">
                 <a:solidFill>
                   <a:schemeClr val="tx1"/>
                 </a:solidFill>
               </a:rPr>
               <a:t>Deserialization</a:t>
             </a:r>
-            <a:endParaRPr lang="en-US" sz="1400">
+            <a:endParaRPr lang="en-US" sz="1400" dirty="0">
               <a:solidFill>
                 <a:schemeClr val="tx1"/>
               </a:solidFill>
@@ -29607,7 +32549,7 @@
               <a:buFont typeface="Calibri" panose="020F0502020204030204" pitchFamily="34" charset="0"/>
               <a:buNone/>
             </a:pPr>
-            <a:endParaRPr lang="en-US" sz="1400">
+            <a:endParaRPr lang="en-US" sz="1400" dirty="0">
               <a:solidFill>
                 <a:schemeClr val="tx1"/>
               </a:solidFill>
@@ -29620,14 +32562,14 @@
               <a:buNone/>
             </a:pPr>
             <a:r>
-              <a:rPr lang="en-US" sz="1400">
+              <a:rPr lang="en-US" sz="1400" dirty="0">
                 <a:solidFill>
                   <a:schemeClr val="tx1"/>
                 </a:solidFill>
               </a:rPr>
               <a:t>       - When required we can read the Saved values from a file and set to the</a:t>
             </a:r>
-            <a:endParaRPr lang="en-US" sz="1400">
+            <a:endParaRPr lang="en-US" sz="1400" dirty="0">
               <a:solidFill>
                 <a:schemeClr val="tx1"/>
               </a:solidFill>
@@ -29639,30 +32581,14 @@
               <a:buNone/>
             </a:pPr>
             <a:r>
-              <a:rPr lang="en-US" sz="1400">
+              <a:rPr lang="en-US" sz="1400" dirty="0">
                 <a:solidFill>
                   <a:schemeClr val="tx1"/>
                 </a:solidFill>
               </a:rPr>
-              <a:t>          </a:t>
+              <a:t>          HtmClassifier parameters with the help of Deserialize() method. </a:t>
             </a:r>
-            <a:r>
-              <a:rPr lang="en-US" sz="1400" err="1">
-                <a:solidFill>
-                  <a:schemeClr val="tx1"/>
-                </a:solidFill>
-              </a:rPr>
-              <a:t>HtmClassifier</a:t>
-            </a:r>
-            <a:r>
-              <a:rPr lang="en-US" sz="1400">
-                <a:solidFill>
-                  <a:schemeClr val="tx1"/>
-                </a:solidFill>
-              </a:rPr>
-              <a:t> parameters with the help of Deserialize() method. </a:t>
-            </a:r>
-            <a:endParaRPr lang="en-US" sz="1400">
+            <a:endParaRPr lang="en-US" sz="1400" dirty="0">
               <a:solidFill>
                 <a:schemeClr val="tx1"/>
               </a:solidFill>
@@ -29678,14 +32604,14 @@
               <a:buChar char="❏"/>
             </a:pPr>
             <a:r>
-              <a:rPr lang="en-US" sz="1400">
+              <a:rPr lang="en-US" sz="1400" dirty="0">
                 <a:solidFill>
                   <a:schemeClr val="tx1"/>
                 </a:solidFill>
               </a:rPr>
               <a:t>Parameters identified are:</a:t>
             </a:r>
-            <a:endParaRPr lang="en-US" sz="1400">
+            <a:endParaRPr lang="en-US" sz="1400" dirty="0">
               <a:solidFill>
                 <a:schemeClr val="tx1"/>
               </a:solidFill>
@@ -29701,7 +32627,7 @@
               <a:buChar char="❏"/>
             </a:pPr>
             <a:r>
-              <a:rPr lang="en-US" sz="1400" b="1" err="1">
+              <a:rPr lang="en-US" sz="1400" b="1" dirty="0" err="1">
                 <a:solidFill>
                   <a:schemeClr val="tx1"/>
                 </a:solidFill>
@@ -29709,7 +32635,7 @@
               <a:t>m_AllInputs</a:t>
             </a:r>
             <a:r>
-              <a:rPr lang="en-US" sz="1400" b="1">
+              <a:rPr lang="en-US" sz="1400" b="1" dirty="0">
                 <a:solidFill>
                   <a:schemeClr val="tx1"/>
                 </a:solidFill>
@@ -29717,7 +32643,7 @@
               <a:t> </a:t>
             </a:r>
             <a:r>
-              <a:rPr lang="en-US" sz="1400">
+              <a:rPr lang="en-US" sz="1400" dirty="0">
                 <a:solidFill>
                   <a:schemeClr val="tx1"/>
                 </a:solidFill>
@@ -29725,7 +32651,7 @@
               <a:t>:- Dictionary </a:t>
             </a:r>
             <a:r>
-              <a:rPr lang="en-US" sz="1400" err="1">
+              <a:rPr lang="en-US" sz="1400" dirty="0" err="1">
                 <a:solidFill>
                   <a:schemeClr val="tx1"/>
                 </a:solidFill>
@@ -29733,14 +32659,14 @@
               <a:t>keyValue</a:t>
             </a:r>
             <a:r>
-              <a:rPr lang="en-US" sz="1400">
+              <a:rPr lang="en-US" sz="1400" dirty="0">
                 <a:solidFill>
                   <a:schemeClr val="tx1"/>
                 </a:solidFill>
               </a:rPr>
               <a:t> param contains a List&lt;int[]&gt; as values and any String Key. There are basically the SDR of the input calculated as int array.</a:t>
             </a:r>
-            <a:endParaRPr lang="en-US" sz="1400">
+            <a:endParaRPr lang="en-US" sz="1400" dirty="0">
               <a:solidFill>
                 <a:schemeClr val="tx1"/>
               </a:solidFill>
@@ -29756,7 +32682,7 @@
               <a:buChar char="❏"/>
             </a:pPr>
             <a:r>
-              <a:rPr lang="de-DE" sz="1400" b="1" err="1">
+              <a:rPr lang="de-DE" sz="1400" b="1" dirty="0" err="1">
                 <a:solidFill>
                   <a:schemeClr val="tx1"/>
                 </a:solidFill>
@@ -29764,7 +32690,7 @@
               <a:t>maxRecordedElements</a:t>
             </a:r>
             <a:r>
-              <a:rPr lang="de-DE" sz="1400" b="1">
+              <a:rPr lang="de-DE" sz="1400" b="1" dirty="0">
                 <a:solidFill>
                   <a:schemeClr val="tx1"/>
                 </a:solidFill>
@@ -29772,7 +32698,7 @@
               <a:t> :-  </a:t>
             </a:r>
             <a:r>
-              <a:rPr lang="de-DE" sz="1400" err="1">
+              <a:rPr lang="de-DE" sz="1400" dirty="0" err="1">
                 <a:solidFill>
                   <a:schemeClr val="tx1"/>
                 </a:solidFill>
@@ -29780,7 +32706,7 @@
               <a:t>Is</a:t>
             </a:r>
             <a:r>
-              <a:rPr lang="de-DE" sz="1400">
+              <a:rPr lang="de-DE" sz="1400" dirty="0">
                 <a:solidFill>
                   <a:schemeClr val="tx1"/>
                 </a:solidFill>
@@ -29788,7 +32714,7 @@
               <a:t> </a:t>
             </a:r>
             <a:r>
-              <a:rPr lang="de-DE" sz="1400" err="1">
+              <a:rPr lang="de-DE" sz="1400" dirty="0" err="1">
                 <a:solidFill>
                   <a:schemeClr val="tx1"/>
                 </a:solidFill>
@@ -29796,7 +32722,7 @@
               <a:t>used</a:t>
             </a:r>
             <a:r>
-              <a:rPr lang="de-DE" sz="1400">
+              <a:rPr lang="de-DE" sz="1400" dirty="0">
                 <a:solidFill>
                   <a:schemeClr val="tx1"/>
                 </a:solidFill>
@@ -29804,7 +32730,7 @@
               <a:t> </a:t>
             </a:r>
             <a:r>
-              <a:rPr lang="de-DE" sz="1400" err="1">
+              <a:rPr lang="de-DE" sz="1400" dirty="0" err="1">
                 <a:solidFill>
                   <a:schemeClr val="tx1"/>
                 </a:solidFill>
@@ -29812,7 +32738,7 @@
               <a:t>to</a:t>
             </a:r>
             <a:r>
-              <a:rPr lang="de-DE" sz="1400">
+              <a:rPr lang="de-DE" sz="1400" dirty="0">
                 <a:solidFill>
                   <a:schemeClr val="tx1"/>
                 </a:solidFill>
@@ -29820,7 +32746,7 @@
               <a:t> </a:t>
             </a:r>
             <a:r>
-              <a:rPr lang="de-DE" sz="1400" err="1">
+              <a:rPr lang="de-DE" sz="1400" dirty="0" err="1">
                 <a:solidFill>
                   <a:schemeClr val="tx1"/>
                 </a:solidFill>
@@ -29828,7 +32754,7 @@
               <a:t>limit</a:t>
             </a:r>
             <a:r>
-              <a:rPr lang="de-DE" sz="1400">
+              <a:rPr lang="de-DE" sz="1400" dirty="0">
                 <a:solidFill>
                   <a:schemeClr val="tx1"/>
                 </a:solidFill>
@@ -29836,7 +32762,7 @@
               <a:t> </a:t>
             </a:r>
             <a:r>
-              <a:rPr lang="de-DE" sz="1400" err="1">
+              <a:rPr lang="de-DE" sz="1400" dirty="0" err="1">
                 <a:solidFill>
                   <a:schemeClr val="tx1"/>
                 </a:solidFill>
@@ -29844,7 +32770,7 @@
               <a:t>the</a:t>
             </a:r>
             <a:r>
-              <a:rPr lang="de-DE" sz="1400">
+              <a:rPr lang="de-DE" sz="1400" dirty="0">
                 <a:solidFill>
                   <a:schemeClr val="tx1"/>
                 </a:solidFill>
@@ -29852,7 +32778,7 @@
               <a:t> </a:t>
             </a:r>
             <a:r>
-              <a:rPr lang="de-DE" sz="1400" err="1">
+              <a:rPr lang="de-DE" sz="1400" dirty="0" err="1">
                 <a:solidFill>
                   <a:schemeClr val="tx1"/>
                 </a:solidFill>
@@ -29860,7 +32786,7 @@
               <a:t>number</a:t>
             </a:r>
             <a:r>
-              <a:rPr lang="de-DE" sz="1400">
+              <a:rPr lang="de-DE" sz="1400" dirty="0">
                 <a:solidFill>
                   <a:schemeClr val="tx1"/>
                 </a:solidFill>
@@ -29868,7 +32794,7 @@
               <a:t> </a:t>
             </a:r>
             <a:r>
-              <a:rPr lang="de-DE" sz="1400" err="1">
+              <a:rPr lang="de-DE" sz="1400" dirty="0" err="1">
                 <a:solidFill>
                   <a:schemeClr val="tx1"/>
                 </a:solidFill>
@@ -29876,7 +32802,7 @@
               <a:t>of</a:t>
             </a:r>
             <a:r>
-              <a:rPr lang="de-DE" sz="1400">
+              <a:rPr lang="de-DE" sz="1400" dirty="0">
                 <a:solidFill>
                   <a:schemeClr val="tx1"/>
                 </a:solidFill>
@@ -29884,7 +32810,7 @@
               <a:t> </a:t>
             </a:r>
             <a:r>
-              <a:rPr lang="de-DE" sz="1400" err="1">
+              <a:rPr lang="de-DE" sz="1400" dirty="0" err="1">
                 <a:solidFill>
                   <a:schemeClr val="tx1"/>
                 </a:solidFill>
@@ -29892,7 +32818,7 @@
               <a:t>latest</a:t>
             </a:r>
             <a:r>
-              <a:rPr lang="de-DE" sz="1400">
+              <a:rPr lang="de-DE" sz="1400" dirty="0">
                 <a:solidFill>
                   <a:schemeClr val="tx1"/>
                 </a:solidFill>
@@ -29900,7 +32826,7 @@
               <a:t> SDR </a:t>
             </a:r>
             <a:r>
-              <a:rPr lang="de-DE" sz="1400" err="1">
+              <a:rPr lang="de-DE" sz="1400" dirty="0" err="1">
                 <a:solidFill>
                   <a:schemeClr val="tx1"/>
                 </a:solidFill>
@@ -29908,7 +32834,7 @@
               <a:t>which</a:t>
             </a:r>
             <a:r>
-              <a:rPr lang="de-DE" sz="1400">
+              <a:rPr lang="de-DE" sz="1400" dirty="0">
                 <a:solidFill>
                   <a:schemeClr val="tx1"/>
                 </a:solidFill>
@@ -29916,7 +32842,7 @@
               <a:t> will </a:t>
             </a:r>
             <a:r>
-              <a:rPr lang="de-DE" sz="1400" err="1">
+              <a:rPr lang="de-DE" sz="1400" dirty="0" err="1">
                 <a:solidFill>
                   <a:schemeClr val="tx1"/>
                 </a:solidFill>
@@ -29924,7 +32850,7 @@
               <a:t>be</a:t>
             </a:r>
             <a:r>
-              <a:rPr lang="de-DE" sz="1400">
+              <a:rPr lang="de-DE" sz="1400" dirty="0">
                 <a:solidFill>
                   <a:schemeClr val="tx1"/>
                 </a:solidFill>
@@ -29932,7 +32858,7 @@
               <a:t> </a:t>
             </a:r>
             <a:r>
-              <a:rPr lang="de-DE" sz="1400" err="1">
+              <a:rPr lang="de-DE" sz="1400" dirty="0" err="1">
                 <a:solidFill>
                   <a:schemeClr val="tx1"/>
                 </a:solidFill>
@@ -29940,14 +32866,14 @@
               <a:t>recorded</a:t>
             </a:r>
             <a:r>
-              <a:rPr lang="de-DE" sz="1400">
+              <a:rPr lang="de-DE" sz="1400" dirty="0">
                 <a:solidFill>
                   <a:schemeClr val="tx1"/>
                 </a:solidFill>
               </a:rPr>
               <a:t>.</a:t>
             </a:r>
-            <a:endParaRPr lang="en-US" sz="1400">
+            <a:endParaRPr lang="en-US" sz="1400" dirty="0">
               <a:solidFill>
                 <a:schemeClr val="tx1"/>
               </a:solidFill>
@@ -30047,7 +32973,7 @@
           <p:nvPr>
             <p:extLst>
               <p:ext uri="{D42A27DB-BD31-4B8C-83A1-F6EECF244321}">
-                <p14:modId xmlns:p14="http://schemas.microsoft.com/office/powerpoint/2010/main" val="1491599971"/>
+                <p14:modId xmlns:p14="http://schemas.microsoft.com/office/powerpoint/2010/main" val="2249442488"/>
               </p:ext>
             </p:extLst>
           </p:nvPr>
@@ -30071,226 +32997,6 @@
 </file>
 
 <file path=ppt/slides/slide7.xml><?xml version="1.0" encoding="utf-8"?>
-<p:sld xmlns:a="http://schemas.openxmlformats.org/drawingml/2006/main" xmlns:r="http://schemas.openxmlformats.org/officeDocument/2006/relationships" xmlns:p="http://schemas.openxmlformats.org/presentationml/2006/main">
-  <p:cSld>
-    <p:bg>
-      <p:bgPr>
-        <a:solidFill>
-          <a:schemeClr val="bg1"/>
-        </a:solidFill>
-        <a:effectLst/>
-      </p:bgPr>
-    </p:bg>
-    <p:spTree>
-      <p:nvGrpSpPr>
-        <p:cNvPr id="1" name="Shape 97"/>
-        <p:cNvGrpSpPr/>
-        <p:nvPr/>
-      </p:nvGrpSpPr>
-      <p:grpSpPr>
-        <a:xfrm>
-          <a:off x="0" y="0"/>
-          <a:ext cx="0" cy="0"/>
-          <a:chOff x="0" y="0"/>
-          <a:chExt cx="0" cy="0"/>
-        </a:xfrm>
-      </p:grpSpPr>
-      <p:sp>
-        <p:nvSpPr>
-          <p:cNvPr id="98" name="Google Shape;98;p20"/>
-          <p:cNvSpPr txBox="1">
-            <a:spLocks noGrp="1"/>
-          </p:cNvSpPr>
-          <p:nvPr>
-            <p:ph type="title"/>
-          </p:nvPr>
-        </p:nvSpPr>
-        <p:spPr>
-          <a:xfrm>
-            <a:off x="3132446" y="293239"/>
-            <a:ext cx="2870028" cy="837549"/>
-          </a:xfrm>
-          <a:prstGeom prst="rect">
-            <a:avLst/>
-          </a:prstGeom>
-        </p:spPr>
-        <p:txBody>
-          <a:bodyPr spcFirstLastPara="1" vert="horz" lIns="91440" tIns="45720" rIns="91440" bIns="45720" rtlCol="0" anchor="b" anchorCtr="0">
-            <a:normAutofit/>
-          </a:bodyPr>
-          <a:lstStyle/>
-          <a:p>
-            <a:pPr lvl="0" indent="0" defTabSz="914400">
-              <a:spcBef>
-                <a:spcPct val="0"/>
-              </a:spcBef>
-              <a:spcAft>
-                <a:spcPts val="0"/>
-              </a:spcAft>
-              <a:buSzPts val="990"/>
-            </a:pPr>
-            <a:r>
-              <a:rPr lang="en-US" sz="4800" spc="-50">
-                <a:solidFill>
-                  <a:schemeClr val="tx1"/>
-                </a:solidFill>
-              </a:rPr>
-              <a:t>APPROACH</a:t>
-            </a:r>
-            <a:endParaRPr lang="en-US" sz="4800" spc="-50">
-              <a:solidFill>
-                <a:schemeClr val="tx1"/>
-              </a:solidFill>
-              <a:cs typeface="Calibri Light"/>
-            </a:endParaRPr>
-          </a:p>
-        </p:txBody>
-      </p:sp>
-      <p:graphicFrame>
-        <p:nvGraphicFramePr>
-          <p:cNvPr id="101" name="Google Shape;99;p20">
-            <a:extLst>
-              <a:ext uri="{FF2B5EF4-FFF2-40B4-BE49-F238E27FC236}">
-                <a16:creationId xmlns:a16="http://schemas.microsoft.com/office/drawing/2014/main" id="{2FB155F6-3D78-4AE2-3FFA-8B5A9A385C1C}"/>
-              </a:ext>
-            </a:extLst>
-          </p:cNvPr>
-          <p:cNvGraphicFramePr/>
-          <p:nvPr>
-            <p:extLst>
-              <p:ext uri="{D42A27DB-BD31-4B8C-83A1-F6EECF244321}">
-                <p14:modId xmlns:p14="http://schemas.microsoft.com/office/powerpoint/2010/main" val="3968105013"/>
-              </p:ext>
-            </p:extLst>
-          </p:nvPr>
-        </p:nvGraphicFramePr>
-        <p:xfrm>
-          <a:off x="822722" y="1573886"/>
-          <a:ext cx="7927268" cy="2839560"/>
-        </p:xfrm>
-        <a:graphic>
-          <a:graphicData uri="http://schemas.openxmlformats.org/drawingml/2006/diagram">
-            <dgm:relIds xmlns:dgm="http://schemas.openxmlformats.org/drawingml/2006/diagram" xmlns:r="http://schemas.openxmlformats.org/officeDocument/2006/relationships" r:dm="rId3" r:lo="rId4" r:qs="rId5" r:cs="rId6"/>
-          </a:graphicData>
-        </a:graphic>
-      </p:graphicFrame>
-    </p:spTree>
-    <p:extLst>
-      <p:ext uri="{BB962C8B-B14F-4D97-AF65-F5344CB8AC3E}">
-        <p14:creationId xmlns:p14="http://schemas.microsoft.com/office/powerpoint/2010/main" val="3436301625"/>
-      </p:ext>
-    </p:extLst>
-  </p:cSld>
-  <p:clrMapOvr>
-    <a:masterClrMapping/>
-  </p:clrMapOvr>
-</p:sld>
-</file>
-
-<file path=ppt/slides/slide8.xml><?xml version="1.0" encoding="utf-8"?>
-<p:sld xmlns:a="http://schemas.openxmlformats.org/drawingml/2006/main" xmlns:r="http://schemas.openxmlformats.org/officeDocument/2006/relationships" xmlns:p="http://schemas.openxmlformats.org/presentationml/2006/main">
-  <p:cSld>
-    <p:spTree>
-      <p:nvGrpSpPr>
-        <p:cNvPr id="1" name="Shape 97"/>
-        <p:cNvGrpSpPr/>
-        <p:nvPr/>
-      </p:nvGrpSpPr>
-      <p:grpSpPr>
-        <a:xfrm>
-          <a:off x="0" y="0"/>
-          <a:ext cx="0" cy="0"/>
-          <a:chOff x="0" y="0"/>
-          <a:chExt cx="0" cy="0"/>
-        </a:xfrm>
-      </p:grpSpPr>
-      <p:sp>
-        <p:nvSpPr>
-          <p:cNvPr id="98" name="Google Shape;98;p20"/>
-          <p:cNvSpPr txBox="1">
-            <a:spLocks noGrp="1"/>
-          </p:cNvSpPr>
-          <p:nvPr>
-            <p:ph type="title"/>
-          </p:nvPr>
-        </p:nvSpPr>
-        <p:spPr>
-          <a:xfrm>
-            <a:off x="3132446" y="316727"/>
-            <a:ext cx="2877856" cy="782746"/>
-          </a:xfrm>
-          <a:prstGeom prst="rect">
-            <a:avLst/>
-          </a:prstGeom>
-        </p:spPr>
-        <p:txBody>
-          <a:bodyPr spcFirstLastPara="1" vert="horz" lIns="91440" tIns="45720" rIns="91440" bIns="45720" rtlCol="0" anchor="b" anchorCtr="0">
-            <a:normAutofit/>
-          </a:bodyPr>
-          <a:lstStyle/>
-          <a:p>
-            <a:pPr lvl="0" indent="0" defTabSz="914400">
-              <a:spcBef>
-                <a:spcPct val="0"/>
-              </a:spcBef>
-              <a:spcAft>
-                <a:spcPts val="0"/>
-              </a:spcAft>
-              <a:buSzPts val="990"/>
-            </a:pPr>
-            <a:r>
-              <a:rPr lang="en-US" sz="4800" spc="-50">
-                <a:solidFill>
-                  <a:schemeClr val="tx1"/>
-                </a:solidFill>
-              </a:rPr>
-              <a:t>APPROACH</a:t>
-            </a:r>
-          </a:p>
-        </p:txBody>
-      </p:sp>
-      <p:graphicFrame>
-        <p:nvGraphicFramePr>
-          <p:cNvPr id="101" name="Google Shape;99;p20">
-            <a:extLst>
-              <a:ext uri="{FF2B5EF4-FFF2-40B4-BE49-F238E27FC236}">
-                <a16:creationId xmlns:a16="http://schemas.microsoft.com/office/drawing/2014/main" id="{2FB155F6-3D78-4AE2-3FFA-8B5A9A385C1C}"/>
-              </a:ext>
-            </a:extLst>
-          </p:cNvPr>
-          <p:cNvGraphicFramePr/>
-          <p:nvPr>
-            <p:extLst>
-              <p:ext uri="{D42A27DB-BD31-4B8C-83A1-F6EECF244321}">
-                <p14:modId xmlns:p14="http://schemas.microsoft.com/office/powerpoint/2010/main" val="4227219702"/>
-              </p:ext>
-            </p:extLst>
-          </p:nvPr>
-        </p:nvGraphicFramePr>
-        <p:xfrm>
-          <a:off x="822722" y="1573886"/>
-          <a:ext cx="7543800" cy="2839560"/>
-        </p:xfrm>
-        <a:graphic>
-          <a:graphicData uri="http://schemas.openxmlformats.org/drawingml/2006/diagram">
-            <dgm:relIds xmlns:dgm="http://schemas.openxmlformats.org/drawingml/2006/diagram" xmlns:r="http://schemas.openxmlformats.org/officeDocument/2006/relationships" r:dm="rId3" r:lo="rId4" r:qs="rId5" r:cs="rId6"/>
-          </a:graphicData>
-        </a:graphic>
-      </p:graphicFrame>
-    </p:spTree>
-    <p:extLst>
-      <p:ext uri="{BB962C8B-B14F-4D97-AF65-F5344CB8AC3E}">
-        <p14:creationId xmlns:p14="http://schemas.microsoft.com/office/powerpoint/2010/main" val="283785427"/>
-      </p:ext>
-    </p:extLst>
-  </p:cSld>
-  <p:clrMapOvr>
-    <a:masterClrMapping/>
-  </p:clrMapOvr>
-</p:sld>
-</file>
-
-<file path=ppt/slides/slide9.xml><?xml version="1.0" encoding="utf-8"?>
 <p:sld xmlns:a="http://schemas.openxmlformats.org/drawingml/2006/main" xmlns:r="http://schemas.openxmlformats.org/officeDocument/2006/relationships" xmlns:p="http://schemas.openxmlformats.org/presentationml/2006/main">
   <p:cSld>
     <p:bg>
@@ -30540,56 +33246,6 @@
           </a:p>
         </p:txBody>
       </p:sp>
-      <p:sp>
-        <p:nvSpPr>
-          <p:cNvPr id="104" name="Google Shape;104;p21"/>
-          <p:cNvSpPr txBox="1">
-            <a:spLocks noGrp="1"/>
-          </p:cNvSpPr>
-          <p:nvPr>
-            <p:ph type="title"/>
-          </p:nvPr>
-        </p:nvSpPr>
-        <p:spPr>
-          <a:xfrm>
-            <a:off x="1853363" y="390767"/>
-            <a:ext cx="5433907" cy="793242"/>
-          </a:xfrm>
-          <a:prstGeom prst="rect">
-            <a:avLst/>
-          </a:prstGeom>
-        </p:spPr>
-        <p:txBody>
-          <a:bodyPr spcFirstLastPara="1" vert="horz" lIns="91440" tIns="45720" rIns="91440" bIns="45720" rtlCol="0" anchor="b" anchorCtr="0">
-            <a:noAutofit/>
-          </a:bodyPr>
-          <a:lstStyle/>
-          <a:p>
-            <a:pPr lvl="0" indent="0" defTabSz="914400">
-              <a:spcBef>
-                <a:spcPct val="0"/>
-              </a:spcBef>
-              <a:spcAft>
-                <a:spcPts val="0"/>
-              </a:spcAft>
-            </a:pPr>
-            <a:r>
-              <a:rPr lang="en-US" sz="4800" spc="-50">
-                <a:solidFill>
-                  <a:schemeClr val="tx1"/>
-                </a:solidFill>
-              </a:rPr>
-              <a:t>UNIT TEST COVERAGE</a:t>
-            </a:r>
-            <a:endParaRPr lang="en-US" sz="4800" spc="-50">
-              <a:solidFill>
-                <a:schemeClr val="tx1"/>
-              </a:solidFill>
-              <a:cs typeface="Calibri Light"/>
-            </a:endParaRPr>
-          </a:p>
-        </p:txBody>
-      </p:sp>
       <p:pic>
         <p:nvPicPr>
           <p:cNvPr id="7" name="Picture 6" descr="Graphical user interface, text&#10;&#10;Description automatically generated">
@@ -30783,10 +33439,214 @@
           </a:fontRef>
         </p:style>
       </p:sp>
+      <p:sp>
+        <p:nvSpPr>
+          <p:cNvPr id="3" name="Title 2">
+            <a:extLst>
+              <a:ext uri="{FF2B5EF4-FFF2-40B4-BE49-F238E27FC236}">
+                <a16:creationId xmlns:a16="http://schemas.microsoft.com/office/drawing/2014/main" id="{94ED2850-2238-57C4-3BDA-E2F45F2A3D74}"/>
+              </a:ext>
+            </a:extLst>
+          </p:cNvPr>
+          <p:cNvSpPr>
+            <a:spLocks noGrp="1"/>
+          </p:cNvSpPr>
+          <p:nvPr>
+            <p:ph type="title"/>
+          </p:nvPr>
+        </p:nvSpPr>
+        <p:spPr/>
+        <p:txBody>
+          <a:bodyPr>
+            <a:normAutofit fontScale="90000"/>
+          </a:bodyPr>
+          <a:lstStyle/>
+          <a:p>
+            <a:endParaRPr lang="de-DE"/>
+          </a:p>
+        </p:txBody>
+      </p:sp>
     </p:spTree>
     <p:extLst>
       <p:ext uri="{BB962C8B-B14F-4D97-AF65-F5344CB8AC3E}">
         <p14:creationId xmlns:p14="http://schemas.microsoft.com/office/powerpoint/2010/main" val="2652613490"/>
+      </p:ext>
+    </p:extLst>
+  </p:cSld>
+  <p:clrMapOvr>
+    <a:masterClrMapping/>
+  </p:clrMapOvr>
+</p:sld>
+</file>
+
+<file path=ppt/slides/slide8.xml><?xml version="1.0" encoding="utf-8"?>
+<p:sld xmlns:a="http://schemas.openxmlformats.org/drawingml/2006/main" xmlns:r="http://schemas.openxmlformats.org/officeDocument/2006/relationships" xmlns:p="http://schemas.openxmlformats.org/presentationml/2006/main">
+  <p:cSld>
+    <p:spTree>
+      <p:nvGrpSpPr>
+        <p:cNvPr id="1" name=""/>
+        <p:cNvGrpSpPr/>
+        <p:nvPr/>
+      </p:nvGrpSpPr>
+      <p:grpSpPr>
+        <a:xfrm>
+          <a:off x="0" y="0"/>
+          <a:ext cx="0" cy="0"/>
+          <a:chOff x="0" y="0"/>
+          <a:chExt cx="0" cy="0"/>
+        </a:xfrm>
+      </p:grpSpPr>
+      <p:pic>
+        <p:nvPicPr>
+          <p:cNvPr id="9" name="Picture 8" descr="Text, application&#10;&#10;Description automatically generated">
+            <a:extLst>
+              <a:ext uri="{FF2B5EF4-FFF2-40B4-BE49-F238E27FC236}">
+                <a16:creationId xmlns:a16="http://schemas.microsoft.com/office/drawing/2014/main" id="{EF44F405-15F8-0FA0-F1FB-61C13F32355A}"/>
+              </a:ext>
+            </a:extLst>
+          </p:cNvPr>
+          <p:cNvPicPr>
+            <a:picLocks noChangeAspect="1"/>
+          </p:cNvPicPr>
+          <p:nvPr/>
+        </p:nvPicPr>
+        <p:blipFill>
+          <a:blip r:embed="rId2"/>
+          <a:stretch>
+            <a:fillRect/>
+          </a:stretch>
+        </p:blipFill>
+        <p:spPr>
+          <a:xfrm>
+            <a:off x="826449" y="854374"/>
+            <a:ext cx="7562270" cy="3471977"/>
+          </a:xfrm>
+          <a:prstGeom prst="rect">
+            <a:avLst/>
+          </a:prstGeom>
+        </p:spPr>
+      </p:pic>
+    </p:spTree>
+    <p:extLst>
+      <p:ext uri="{BB962C8B-B14F-4D97-AF65-F5344CB8AC3E}">
+        <p14:creationId xmlns:p14="http://schemas.microsoft.com/office/powerpoint/2010/main" val="973852197"/>
+      </p:ext>
+    </p:extLst>
+  </p:cSld>
+  <p:clrMapOvr>
+    <a:masterClrMapping/>
+  </p:clrMapOvr>
+</p:sld>
+</file>
+
+<file path=ppt/slides/slide9.xml><?xml version="1.0" encoding="utf-8"?>
+<p:sld xmlns:a="http://schemas.openxmlformats.org/drawingml/2006/main" xmlns:r="http://schemas.openxmlformats.org/officeDocument/2006/relationships" xmlns:p="http://schemas.openxmlformats.org/presentationml/2006/main">
+  <p:cSld>
+    <p:bg>
+      <p:bgPr>
+        <a:solidFill>
+          <a:schemeClr val="bg1"/>
+        </a:solidFill>
+        <a:effectLst/>
+      </p:bgPr>
+    </p:bg>
+    <p:spTree>
+      <p:nvGrpSpPr>
+        <p:cNvPr id="1" name="Shape 97"/>
+        <p:cNvGrpSpPr/>
+        <p:nvPr/>
+      </p:nvGrpSpPr>
+      <p:grpSpPr>
+        <a:xfrm>
+          <a:off x="0" y="0"/>
+          <a:ext cx="0" cy="0"/>
+          <a:chOff x="0" y="0"/>
+          <a:chExt cx="0" cy="0"/>
+        </a:xfrm>
+      </p:grpSpPr>
+      <p:sp>
+        <p:nvSpPr>
+          <p:cNvPr id="98" name="Google Shape;98;p20"/>
+          <p:cNvSpPr txBox="1">
+            <a:spLocks noGrp="1"/>
+          </p:cNvSpPr>
+          <p:nvPr>
+            <p:ph type="title"/>
+          </p:nvPr>
+        </p:nvSpPr>
+        <p:spPr>
+          <a:xfrm>
+            <a:off x="3132446" y="293239"/>
+            <a:ext cx="2870028" cy="837549"/>
+          </a:xfrm>
+          <a:prstGeom prst="rect">
+            <a:avLst/>
+          </a:prstGeom>
+        </p:spPr>
+        <p:txBody>
+          <a:bodyPr spcFirstLastPara="1" vert="horz" lIns="91440" tIns="45720" rIns="91440" bIns="45720" rtlCol="0" anchor="b" anchorCtr="0">
+            <a:normAutofit/>
+          </a:bodyPr>
+          <a:lstStyle/>
+          <a:p>
+            <a:pPr lvl="0" indent="0" defTabSz="914400">
+              <a:spcBef>
+                <a:spcPct val="0"/>
+              </a:spcBef>
+              <a:spcAft>
+                <a:spcPts val="0"/>
+              </a:spcAft>
+              <a:buSzPts val="990"/>
+            </a:pPr>
+            <a:r>
+              <a:rPr lang="en-US" sz="4800" spc="-50">
+                <a:solidFill>
+                  <a:schemeClr val="tx1"/>
+                </a:solidFill>
+              </a:rPr>
+              <a:t>APPROACH</a:t>
+            </a:r>
+            <a:endParaRPr lang="en-US" sz="4800" spc="-50">
+              <a:solidFill>
+                <a:schemeClr val="tx1"/>
+              </a:solidFill>
+              <a:cs typeface="Calibri Light"/>
+            </a:endParaRPr>
+          </a:p>
+        </p:txBody>
+      </p:sp>
+      <p:graphicFrame>
+        <p:nvGraphicFramePr>
+          <p:cNvPr id="101" name="Google Shape;99;p20">
+            <a:extLst>
+              <a:ext uri="{FF2B5EF4-FFF2-40B4-BE49-F238E27FC236}">
+                <a16:creationId xmlns:a16="http://schemas.microsoft.com/office/drawing/2014/main" id="{2FB155F6-3D78-4AE2-3FFA-8B5A9A385C1C}"/>
+              </a:ext>
+            </a:extLst>
+          </p:cNvPr>
+          <p:cNvGraphicFramePr/>
+          <p:nvPr>
+            <p:extLst>
+              <p:ext uri="{D42A27DB-BD31-4B8C-83A1-F6EECF244321}">
+                <p14:modId xmlns:p14="http://schemas.microsoft.com/office/powerpoint/2010/main" val="2833952133"/>
+              </p:ext>
+            </p:extLst>
+          </p:nvPr>
+        </p:nvGraphicFramePr>
+        <p:xfrm>
+          <a:off x="822722" y="1573886"/>
+          <a:ext cx="7927268" cy="2839560"/>
+        </p:xfrm>
+        <a:graphic>
+          <a:graphicData uri="http://schemas.openxmlformats.org/drawingml/2006/diagram">
+            <dgm:relIds xmlns:dgm="http://schemas.openxmlformats.org/drawingml/2006/diagram" xmlns:r="http://schemas.openxmlformats.org/officeDocument/2006/relationships" r:dm="rId3" r:lo="rId4" r:qs="rId5" r:cs="rId6"/>
+          </a:graphicData>
+        </a:graphic>
+      </p:graphicFrame>
+    </p:spTree>
+    <p:extLst>
+      <p:ext uri="{BB962C8B-B14F-4D97-AF65-F5344CB8AC3E}">
+        <p14:creationId xmlns:p14="http://schemas.microsoft.com/office/powerpoint/2010/main" val="3436301625"/>
       </p:ext>
     </p:extLst>
   </p:cSld>

--- a/Documentation/Presentation-HTMClassifier Serialization.pptx
+++ b/Documentation/Presentation-HTMClassifier Serialization.pptx
@@ -156,216 +156,31 @@
 <file path=ppt/changesInfos/changesInfo1.xml><?xml version="1.0" encoding="utf-8"?>
 <pc:chgInfo xmlns:a="http://schemas.openxmlformats.org/drawingml/2006/main" xmlns:r="http://schemas.openxmlformats.org/officeDocument/2006/relationships" xmlns:ac="http://schemas.microsoft.com/office/drawing/2013/main/command" xmlns:pc="http://schemas.microsoft.com/office/powerpoint/2013/main/command">
   <pc:docChgLst>
-    <pc:chgData name="Rohit Suresh" userId="S::rohit.suresh@stud.fra-uas.de::36199f66-74b1-452b-a60e-7d97ea0bc7b5" providerId="AD" clId="Web-{F5CA1B4E-56D1-FB4A-4450-D281C11AB59E}"/>
-    <pc:docChg chg="modSld">
-      <pc:chgData name="Rohit Suresh" userId="S::rohit.suresh@stud.fra-uas.de::36199f66-74b1-452b-a60e-7d97ea0bc7b5" providerId="AD" clId="Web-{F5CA1B4E-56D1-FB4A-4450-D281C11AB59E}" dt="2023-03-28T20:20:55.857" v="164" actId="20577"/>
+    <pc:chgData name="Aneeta Antony" userId="S::aneeta.antony@stud.fra-uas.de::acab6e3f-b893-4f32-b13c-4a02e1113944" providerId="AD" clId="Web-{98EE2D34-70EB-2D8C-39CD-898893C0E5C9}"/>
+    <pc:docChg chg="delSld modSld">
+      <pc:chgData name="Aneeta Antony" userId="S::aneeta.antony@stud.fra-uas.de::acab6e3f-b893-4f32-b13c-4a02e1113944" providerId="AD" clId="Web-{98EE2D34-70EB-2D8C-39CD-898893C0E5C9}" dt="2023-03-22T16:23:05.159" v="122" actId="20577"/>
       <pc:docMkLst>
         <pc:docMk/>
       </pc:docMkLst>
-      <pc:sldChg chg="modSp">
-        <pc:chgData name="Rohit Suresh" userId="S::rohit.suresh@stud.fra-uas.de::36199f66-74b1-452b-a60e-7d97ea0bc7b5" providerId="AD" clId="Web-{F5CA1B4E-56D1-FB4A-4450-D281C11AB59E}" dt="2023-03-28T14:41:14.030" v="1" actId="20577"/>
+      <pc:sldChg chg="del">
+        <pc:chgData name="Aneeta Antony" userId="S::aneeta.antony@stud.fra-uas.de::acab6e3f-b893-4f32-b13c-4a02e1113944" providerId="AD" clId="Web-{98EE2D34-70EB-2D8C-39CD-898893C0E5C9}" dt="2023-03-22T16:16:22.972" v="0"/>
         <pc:sldMkLst>
           <pc:docMk/>
-          <pc:sldMk cId="0" sldId="256"/>
+          <pc:sldMk cId="0" sldId="260"/>
+        </pc:sldMkLst>
+      </pc:sldChg>
+      <pc:sldChg chg="modSp">
+        <pc:chgData name="Aneeta Antony" userId="S::aneeta.antony@stud.fra-uas.de::acab6e3f-b893-4f32-b13c-4a02e1113944" providerId="AD" clId="Web-{98EE2D34-70EB-2D8C-39CD-898893C0E5C9}" dt="2023-03-22T16:23:05.159" v="122" actId="20577"/>
+        <pc:sldMkLst>
+          <pc:docMk/>
+          <pc:sldMk cId="0" sldId="261"/>
         </pc:sldMkLst>
         <pc:spChg chg="mod">
-          <ac:chgData name="Rohit Suresh" userId="S::rohit.suresh@stud.fra-uas.de::36199f66-74b1-452b-a60e-7d97ea0bc7b5" providerId="AD" clId="Web-{F5CA1B4E-56D1-FB4A-4450-D281C11AB59E}" dt="2023-03-28T14:41:14.030" v="1" actId="20577"/>
+          <ac:chgData name="Aneeta Antony" userId="S::aneeta.antony@stud.fra-uas.de::acab6e3f-b893-4f32-b13c-4a02e1113944" providerId="AD" clId="Web-{98EE2D34-70EB-2D8C-39CD-898893C0E5C9}" dt="2023-03-22T16:23:05.159" v="122" actId="20577"/>
           <ac:spMkLst>
             <pc:docMk/>
-            <pc:sldMk cId="0" sldId="256"/>
-            <ac:spMk id="54" creationId="{00000000-0000-0000-0000-000000000000}"/>
-          </ac:spMkLst>
-        </pc:spChg>
-      </pc:sldChg>
-      <pc:sldChg chg="modSp">
-        <pc:chgData name="Rohit Suresh" userId="S::rohit.suresh@stud.fra-uas.de::36199f66-74b1-452b-a60e-7d97ea0bc7b5" providerId="AD" clId="Web-{F5CA1B4E-56D1-FB4A-4450-D281C11AB59E}" dt="2023-03-28T15:02:45.032" v="140" actId="14100"/>
-        <pc:sldMkLst>
-          <pc:docMk/>
-          <pc:sldMk cId="0" sldId="258"/>
-        </pc:sldMkLst>
-        <pc:spChg chg="mod">
-          <ac:chgData name="Rohit Suresh" userId="S::rohit.suresh@stud.fra-uas.de::36199f66-74b1-452b-a60e-7d97ea0bc7b5" providerId="AD" clId="Web-{F5CA1B4E-56D1-FB4A-4450-D281C11AB59E}" dt="2023-03-28T14:45:35.865" v="5" actId="1076"/>
-          <ac:spMkLst>
-            <pc:docMk/>
-            <pc:sldMk cId="0" sldId="258"/>
-            <ac:spMk id="67" creationId="{00000000-0000-0000-0000-000000000000}"/>
-          </ac:spMkLst>
-        </pc:spChg>
-        <pc:graphicFrameChg chg="mod">
-          <ac:chgData name="Rohit Suresh" userId="S::rohit.suresh@stud.fra-uas.de::36199f66-74b1-452b-a60e-7d97ea0bc7b5" providerId="AD" clId="Web-{F5CA1B4E-56D1-FB4A-4450-D281C11AB59E}" dt="2023-03-28T15:02:45.032" v="140" actId="14100"/>
-          <ac:graphicFrameMkLst>
-            <pc:docMk/>
-            <pc:sldMk cId="0" sldId="258"/>
-            <ac:graphicFrameMk id="96" creationId="{BADC7FD1-1CED-950E-4570-06FB7E3AC135}"/>
-          </ac:graphicFrameMkLst>
-        </pc:graphicFrameChg>
-      </pc:sldChg>
-      <pc:sldChg chg="modSp">
-        <pc:chgData name="Rohit Suresh" userId="S::rohit.suresh@stud.fra-uas.de::36199f66-74b1-452b-a60e-7d97ea0bc7b5" providerId="AD" clId="Web-{F5CA1B4E-56D1-FB4A-4450-D281C11AB59E}" dt="2023-03-28T15:02:33.875" v="139" actId="1076"/>
-        <pc:sldMkLst>
-          <pc:docMk/>
-          <pc:sldMk cId="0" sldId="259"/>
-        </pc:sldMkLst>
-        <pc:graphicFrameChg chg="mod">
-          <ac:chgData name="Rohit Suresh" userId="S::rohit.suresh@stud.fra-uas.de::36199f66-74b1-452b-a60e-7d97ea0bc7b5" providerId="AD" clId="Web-{F5CA1B4E-56D1-FB4A-4450-D281C11AB59E}" dt="2023-03-28T15:02:33.875" v="139" actId="1076"/>
-          <ac:graphicFrameMkLst>
-            <pc:docMk/>
-            <pc:sldMk cId="0" sldId="259"/>
-            <ac:graphicFrameMk id="93" creationId="{7FC3E4C5-D4CF-70D5-761C-655F055FFA75}"/>
-          </ac:graphicFrameMkLst>
-        </pc:graphicFrameChg>
-      </pc:sldChg>
-      <pc:sldChg chg="modSp">
-        <pc:chgData name="Rohit Suresh" userId="S::rohit.suresh@stud.fra-uas.de::36199f66-74b1-452b-a60e-7d97ea0bc7b5" providerId="AD" clId="Web-{F5CA1B4E-56D1-FB4A-4450-D281C11AB59E}" dt="2023-03-28T14:50:57.545" v="29" actId="20577"/>
-        <pc:sldMkLst>
-          <pc:docMk/>
-          <pc:sldMk cId="0" sldId="263"/>
-        </pc:sldMkLst>
-        <pc:graphicFrameChg chg="modGraphic">
-          <ac:chgData name="Rohit Suresh" userId="S::rohit.suresh@stud.fra-uas.de::36199f66-74b1-452b-a60e-7d97ea0bc7b5" providerId="AD" clId="Web-{F5CA1B4E-56D1-FB4A-4450-D281C11AB59E}" dt="2023-03-28T14:50:57.545" v="29" actId="20577"/>
-          <ac:graphicFrameMkLst>
-            <pc:docMk/>
-            <pc:sldMk cId="0" sldId="263"/>
-            <ac:graphicFrameMk id="101" creationId="{2FB155F6-3D78-4AE2-3FFA-8B5A9A385C1C}"/>
-          </ac:graphicFrameMkLst>
-        </pc:graphicFrameChg>
-      </pc:sldChg>
-      <pc:sldChg chg="modSp">
-        <pc:chgData name="Rohit Suresh" userId="S::rohit.suresh@stud.fra-uas.de::36199f66-74b1-452b-a60e-7d97ea0bc7b5" providerId="AD" clId="Web-{F5CA1B4E-56D1-FB4A-4450-D281C11AB59E}" dt="2023-03-28T15:00:27.653" v="138" actId="20577"/>
-        <pc:sldMkLst>
-          <pc:docMk/>
-          <pc:sldMk cId="0" sldId="266"/>
-        </pc:sldMkLst>
-        <pc:spChg chg="mod">
-          <ac:chgData name="Rohit Suresh" userId="S::rohit.suresh@stud.fra-uas.de::36199f66-74b1-452b-a60e-7d97ea0bc7b5" providerId="AD" clId="Web-{F5CA1B4E-56D1-FB4A-4450-D281C11AB59E}" dt="2023-03-28T15:00:27.653" v="138" actId="20577"/>
-          <ac:spMkLst>
-            <pc:docMk/>
-            <pc:sldMk cId="0" sldId="266"/>
-            <ac:spMk id="118" creationId="{00000000-0000-0000-0000-000000000000}"/>
-          </ac:spMkLst>
-        </pc:spChg>
-      </pc:sldChg>
-      <pc:sldChg chg="modSp">
-        <pc:chgData name="Rohit Suresh" userId="S::rohit.suresh@stud.fra-uas.de::36199f66-74b1-452b-a60e-7d97ea0bc7b5" providerId="AD" clId="Web-{F5CA1B4E-56D1-FB4A-4450-D281C11AB59E}" dt="2023-03-28T20:18:02.774" v="142" actId="1076"/>
-        <pc:sldMkLst>
-          <pc:docMk/>
-          <pc:sldMk cId="0" sldId="267"/>
-        </pc:sldMkLst>
-        <pc:picChg chg="mod">
-          <ac:chgData name="Rohit Suresh" userId="S::rohit.suresh@stud.fra-uas.de::36199f66-74b1-452b-a60e-7d97ea0bc7b5" providerId="AD" clId="Web-{F5CA1B4E-56D1-FB4A-4450-D281C11AB59E}" dt="2023-03-28T20:18:02.774" v="142" actId="1076"/>
-          <ac:picMkLst>
-            <pc:docMk/>
-            <pc:sldMk cId="0" sldId="267"/>
-            <ac:picMk id="3" creationId="{3B3C4656-B589-A586-173F-EBA65DD9F868}"/>
-          </ac:picMkLst>
-        </pc:picChg>
-      </pc:sldChg>
-      <pc:sldChg chg="addSp delSp modSp">
-        <pc:chgData name="Rohit Suresh" userId="S::rohit.suresh@stud.fra-uas.de::36199f66-74b1-452b-a60e-7d97ea0bc7b5" providerId="AD" clId="Web-{F5CA1B4E-56D1-FB4A-4450-D281C11AB59E}" dt="2023-03-28T20:20:55.857" v="164" actId="20577"/>
-        <pc:sldMkLst>
-          <pc:docMk/>
-          <pc:sldMk cId="0" sldId="268"/>
-        </pc:sldMkLst>
-        <pc:spChg chg="add del mod">
-          <ac:chgData name="Rohit Suresh" userId="S::rohit.suresh@stud.fra-uas.de::36199f66-74b1-452b-a60e-7d97ea0bc7b5" providerId="AD" clId="Web-{F5CA1B4E-56D1-FB4A-4450-D281C11AB59E}" dt="2023-03-28T14:52:31.938" v="39"/>
-          <ac:spMkLst>
-            <pc:docMk/>
-            <pc:sldMk cId="0" sldId="268"/>
-            <ac:spMk id="4" creationId="{DEE7DAA5-7DBF-B5D1-1280-F8E0144FD31C}"/>
-          </ac:spMkLst>
-        </pc:spChg>
-        <pc:spChg chg="add del mod">
-          <ac:chgData name="Rohit Suresh" userId="S::rohit.suresh@stud.fra-uas.de::36199f66-74b1-452b-a60e-7d97ea0bc7b5" providerId="AD" clId="Web-{F5CA1B4E-56D1-FB4A-4450-D281C11AB59E}" dt="2023-03-28T14:53:11.689" v="54"/>
-          <ac:spMkLst>
-            <pc:docMk/>
-            <pc:sldMk cId="0" sldId="268"/>
-            <ac:spMk id="7" creationId="{254201E2-250B-B0D0-86A7-7E10E8435762}"/>
-          </ac:spMkLst>
-        </pc:spChg>
-        <pc:spChg chg="mod">
-          <ac:chgData name="Rohit Suresh" userId="S::rohit.suresh@stud.fra-uas.de::36199f66-74b1-452b-a60e-7d97ea0bc7b5" providerId="AD" clId="Web-{F5CA1B4E-56D1-FB4A-4450-D281C11AB59E}" dt="2023-03-28T20:20:55.857" v="164" actId="20577"/>
-          <ac:spMkLst>
-            <pc:docMk/>
-            <pc:sldMk cId="0" sldId="268"/>
-            <ac:spMk id="131" creationId="{00000000-0000-0000-0000-000000000000}"/>
-          </ac:spMkLst>
-        </pc:spChg>
-        <pc:graphicFrameChg chg="add del mod">
-          <ac:chgData name="Rohit Suresh" userId="S::rohit.suresh@stud.fra-uas.de::36199f66-74b1-452b-a60e-7d97ea0bc7b5" providerId="AD" clId="Web-{F5CA1B4E-56D1-FB4A-4450-D281C11AB59E}" dt="2023-03-28T14:52:31.938" v="40"/>
-          <ac:graphicFrameMkLst>
-            <pc:docMk/>
-            <pc:sldMk cId="0" sldId="268"/>
-            <ac:graphicFrameMk id="3" creationId="{DD6573A4-57CA-77F1-2C0E-A41C53F42ACF}"/>
-          </ac:graphicFrameMkLst>
-        </pc:graphicFrameChg>
-        <pc:graphicFrameChg chg="add del mod modGraphic">
-          <ac:chgData name="Rohit Suresh" userId="S::rohit.suresh@stud.fra-uas.de::36199f66-74b1-452b-a60e-7d97ea0bc7b5" providerId="AD" clId="Web-{F5CA1B4E-56D1-FB4A-4450-D281C11AB59E}" dt="2023-03-28T14:55:46.099" v="76"/>
-          <ac:graphicFrameMkLst>
-            <pc:docMk/>
-            <pc:sldMk cId="0" sldId="268"/>
-            <ac:graphicFrameMk id="6" creationId="{6BFCF33E-5F25-2824-D49A-AD247991BB88}"/>
-          </ac:graphicFrameMkLst>
-        </pc:graphicFrameChg>
-        <pc:graphicFrameChg chg="add del mod">
-          <ac:chgData name="Rohit Suresh" userId="S::rohit.suresh@stud.fra-uas.de::36199f66-74b1-452b-a60e-7d97ea0bc7b5" providerId="AD" clId="Web-{F5CA1B4E-56D1-FB4A-4450-D281C11AB59E}" dt="2023-03-28T14:54:42.801" v="68"/>
-          <ac:graphicFrameMkLst>
-            <pc:docMk/>
-            <pc:sldMk cId="0" sldId="268"/>
-            <ac:graphicFrameMk id="9" creationId="{A6FED3CE-12AB-600E-3A9B-B958C8AB56CE}"/>
-          </ac:graphicFrameMkLst>
-        </pc:graphicFrameChg>
-      </pc:sldChg>
-    </pc:docChg>
-  </pc:docChgLst>
-  <pc:docChgLst>
-    <pc:chgData name="Rohit Suresh" userId="S::rohit.suresh@stud.fra-uas.de::36199f66-74b1-452b-a60e-7d97ea0bc7b5" providerId="AD" clId="Web-{7B525185-F96D-9729-FF26-50B5ECAE0989}"/>
-    <pc:docChg chg="modSld">
-      <pc:chgData name="Rohit Suresh" userId="S::rohit.suresh@stud.fra-uas.de::36199f66-74b1-452b-a60e-7d97ea0bc7b5" providerId="AD" clId="Web-{7B525185-F96D-9729-FF26-50B5ECAE0989}" dt="2023-03-22T12:43:32.444" v="190" actId="20577"/>
-      <pc:docMkLst>
-        <pc:docMk/>
-      </pc:docMkLst>
-      <pc:sldChg chg="modSp">
-        <pc:chgData name="Rohit Suresh" userId="S::rohit.suresh@stud.fra-uas.de::36199f66-74b1-452b-a60e-7d97ea0bc7b5" providerId="AD" clId="Web-{7B525185-F96D-9729-FF26-50B5ECAE0989}" dt="2023-03-22T10:11:13.962" v="3" actId="20577"/>
-        <pc:sldMkLst>
-          <pc:docMk/>
-          <pc:sldMk cId="0" sldId="256"/>
-        </pc:sldMkLst>
-        <pc:spChg chg="mod">
-          <ac:chgData name="Rohit Suresh" userId="S::rohit.suresh@stud.fra-uas.de::36199f66-74b1-452b-a60e-7d97ea0bc7b5" providerId="AD" clId="Web-{7B525185-F96D-9729-FF26-50B5ECAE0989}" dt="2023-03-22T10:11:13.962" v="3" actId="20577"/>
-          <ac:spMkLst>
-            <pc:docMk/>
-            <pc:sldMk cId="0" sldId="256"/>
-            <ac:spMk id="55" creationId="{00000000-0000-0000-0000-000000000000}"/>
-          </ac:spMkLst>
-        </pc:spChg>
-      </pc:sldChg>
-      <pc:sldChg chg="modSp">
-        <pc:chgData name="Rohit Suresh" userId="S::rohit.suresh@stud.fra-uas.de::36199f66-74b1-452b-a60e-7d97ea0bc7b5" providerId="AD" clId="Web-{7B525185-F96D-9729-FF26-50B5ECAE0989}" dt="2023-03-22T12:43:32.444" v="190" actId="20577"/>
-        <pc:sldMkLst>
-          <pc:docMk/>
-          <pc:sldMk cId="0" sldId="258"/>
-        </pc:sldMkLst>
-        <pc:graphicFrameChg chg="modGraphic">
-          <ac:chgData name="Rohit Suresh" userId="S::rohit.suresh@stud.fra-uas.de::36199f66-74b1-452b-a60e-7d97ea0bc7b5" providerId="AD" clId="Web-{7B525185-F96D-9729-FF26-50B5ECAE0989}" dt="2023-03-22T12:43:32.444" v="190" actId="20577"/>
-          <ac:graphicFrameMkLst>
-            <pc:docMk/>
-            <pc:sldMk cId="0" sldId="258"/>
-            <ac:graphicFrameMk id="96" creationId="{BADC7FD1-1CED-950E-4570-06FB7E3AC135}"/>
-          </ac:graphicFrameMkLst>
-        </pc:graphicFrameChg>
-      </pc:sldChg>
-      <pc:sldChg chg="modSp">
-        <pc:chgData name="Rohit Suresh" userId="S::rohit.suresh@stud.fra-uas.de::36199f66-74b1-452b-a60e-7d97ea0bc7b5" providerId="AD" clId="Web-{7B525185-F96D-9729-FF26-50B5ECAE0989}" dt="2023-03-22T11:06:48.860" v="112" actId="20577"/>
-        <pc:sldMkLst>
-          <pc:docMk/>
-          <pc:sldMk cId="0" sldId="268"/>
-        </pc:sldMkLst>
-        <pc:spChg chg="mod">
-          <ac:chgData name="Rohit Suresh" userId="S::rohit.suresh@stud.fra-uas.de::36199f66-74b1-452b-a60e-7d97ea0bc7b5" providerId="AD" clId="Web-{7B525185-F96D-9729-FF26-50B5ECAE0989}" dt="2023-03-22T11:06:48.860" v="112" actId="20577"/>
-          <ac:spMkLst>
-            <pc:docMk/>
-            <pc:sldMk cId="0" sldId="268"/>
-            <ac:spMk id="131" creationId="{00000000-0000-0000-0000-000000000000}"/>
+            <pc:sldMk cId="0" sldId="261"/>
+            <ac:spMk id="86" creationId="{00000000-0000-0000-0000-000000000000}"/>
           </ac:spMkLst>
         </pc:spChg>
       </pc:sldChg>
@@ -780,30 +595,6 @@
     </pc:docChg>
   </pc:docChgLst>
   <pc:docChgLst>
-    <pc:chgData name="Rohit Suresh" userId="S::rohit.suresh@stud.fra-uas.de::36199f66-74b1-452b-a60e-7d97ea0bc7b5" providerId="AD" clId="Web-{EA93B261-6567-4C95-9DE7-0262C215B7B8}"/>
-    <pc:docChg chg="modSld">
-      <pc:chgData name="Rohit Suresh" userId="S::rohit.suresh@stud.fra-uas.de::36199f66-74b1-452b-a60e-7d97ea0bc7b5" providerId="AD" clId="Web-{EA93B261-6567-4C95-9DE7-0262C215B7B8}" dt="2023-03-19T11:51:19.835" v="15" actId="20577"/>
-      <pc:docMkLst>
-        <pc:docMk/>
-      </pc:docMkLst>
-      <pc:sldChg chg="modSp">
-        <pc:chgData name="Rohit Suresh" userId="S::rohit.suresh@stud.fra-uas.de::36199f66-74b1-452b-a60e-7d97ea0bc7b5" providerId="AD" clId="Web-{EA93B261-6567-4C95-9DE7-0262C215B7B8}" dt="2023-03-19T11:51:19.835" v="15" actId="20577"/>
-        <pc:sldMkLst>
-          <pc:docMk/>
-          <pc:sldMk cId="0" sldId="256"/>
-        </pc:sldMkLst>
-        <pc:spChg chg="mod">
-          <ac:chgData name="Rohit Suresh" userId="S::rohit.suresh@stud.fra-uas.de::36199f66-74b1-452b-a60e-7d97ea0bc7b5" providerId="AD" clId="Web-{EA93B261-6567-4C95-9DE7-0262C215B7B8}" dt="2023-03-19T11:51:19.835" v="15" actId="20577"/>
-          <ac:spMkLst>
-            <pc:docMk/>
-            <pc:sldMk cId="0" sldId="256"/>
-            <ac:spMk id="54" creationId="{00000000-0000-0000-0000-000000000000}"/>
-          </ac:spMkLst>
-        </pc:spChg>
-      </pc:sldChg>
-    </pc:docChg>
-  </pc:docChgLst>
-  <pc:docChgLst>
     <pc:chgData name="Aneeta Antony" userId="S::aneeta.antony@stud.fra-uas.de::acab6e3f-b893-4f32-b13c-4a02e1113944" providerId="AD" clId="Web-{4105A9AB-A60E-04FD-AAA4-8BF9EBF06554}"/>
     <pc:docChg chg="modSld">
       <pc:chgData name="Aneeta Antony" userId="S::aneeta.antony@stud.fra-uas.de::acab6e3f-b893-4f32-b13c-4a02e1113944" providerId="AD" clId="Web-{4105A9AB-A60E-04FD-AAA4-8BF9EBF06554}" dt="2023-03-22T16:15:34.995" v="246" actId="20577"/>
@@ -828,31 +619,24 @@
     </pc:docChg>
   </pc:docChgLst>
   <pc:docChgLst>
-    <pc:chgData name="Aneeta Antony" userId="S::aneeta.antony@stud.fra-uas.de::acab6e3f-b893-4f32-b13c-4a02e1113944" providerId="AD" clId="Web-{98EE2D34-70EB-2D8C-39CD-898893C0E5C9}"/>
-    <pc:docChg chg="delSld modSld">
-      <pc:chgData name="Aneeta Antony" userId="S::aneeta.antony@stud.fra-uas.de::acab6e3f-b893-4f32-b13c-4a02e1113944" providerId="AD" clId="Web-{98EE2D34-70EB-2D8C-39CD-898893C0E5C9}" dt="2023-03-22T16:23:05.159" v="122" actId="20577"/>
+    <pc:chgData name="Rohit Suresh" userId="S::rohit.suresh@stud.fra-uas.de::36199f66-74b1-452b-a60e-7d97ea0bc7b5" providerId="AD" clId="Web-{EA93B261-6567-4C95-9DE7-0262C215B7B8}"/>
+    <pc:docChg chg="modSld">
+      <pc:chgData name="Rohit Suresh" userId="S::rohit.suresh@stud.fra-uas.de::36199f66-74b1-452b-a60e-7d97ea0bc7b5" providerId="AD" clId="Web-{EA93B261-6567-4C95-9DE7-0262C215B7B8}" dt="2023-03-19T11:51:19.835" v="15" actId="20577"/>
       <pc:docMkLst>
         <pc:docMk/>
       </pc:docMkLst>
-      <pc:sldChg chg="del">
-        <pc:chgData name="Aneeta Antony" userId="S::aneeta.antony@stud.fra-uas.de::acab6e3f-b893-4f32-b13c-4a02e1113944" providerId="AD" clId="Web-{98EE2D34-70EB-2D8C-39CD-898893C0E5C9}" dt="2023-03-22T16:16:22.972" v="0"/>
+      <pc:sldChg chg="modSp">
+        <pc:chgData name="Rohit Suresh" userId="S::rohit.suresh@stud.fra-uas.de::36199f66-74b1-452b-a60e-7d97ea0bc7b5" providerId="AD" clId="Web-{EA93B261-6567-4C95-9DE7-0262C215B7B8}" dt="2023-03-19T11:51:19.835" v="15" actId="20577"/>
         <pc:sldMkLst>
           <pc:docMk/>
-          <pc:sldMk cId="0" sldId="260"/>
-        </pc:sldMkLst>
-      </pc:sldChg>
-      <pc:sldChg chg="modSp">
-        <pc:chgData name="Aneeta Antony" userId="S::aneeta.antony@stud.fra-uas.de::acab6e3f-b893-4f32-b13c-4a02e1113944" providerId="AD" clId="Web-{98EE2D34-70EB-2D8C-39CD-898893C0E5C9}" dt="2023-03-22T16:23:05.159" v="122" actId="20577"/>
-        <pc:sldMkLst>
-          <pc:docMk/>
-          <pc:sldMk cId="0" sldId="261"/>
+          <pc:sldMk cId="0" sldId="256"/>
         </pc:sldMkLst>
         <pc:spChg chg="mod">
-          <ac:chgData name="Aneeta Antony" userId="S::aneeta.antony@stud.fra-uas.de::acab6e3f-b893-4f32-b13c-4a02e1113944" providerId="AD" clId="Web-{98EE2D34-70EB-2D8C-39CD-898893C0E5C9}" dt="2023-03-22T16:23:05.159" v="122" actId="20577"/>
+          <ac:chgData name="Rohit Suresh" userId="S::rohit.suresh@stud.fra-uas.de::36199f66-74b1-452b-a60e-7d97ea0bc7b5" providerId="AD" clId="Web-{EA93B261-6567-4C95-9DE7-0262C215B7B8}" dt="2023-03-19T11:51:19.835" v="15" actId="20577"/>
           <ac:spMkLst>
             <pc:docMk/>
-            <pc:sldMk cId="0" sldId="261"/>
-            <ac:spMk id="86" creationId="{00000000-0000-0000-0000-000000000000}"/>
+            <pc:sldMk cId="0" sldId="256"/>
+            <ac:spMk id="54" creationId="{00000000-0000-0000-0000-000000000000}"/>
           </ac:spMkLst>
         </pc:spChg>
       </pc:sldChg>
@@ -2548,6 +2332,222 @@
       </pc:sldChg>
     </pc:docChg>
   </pc:docChgLst>
+  <pc:docChgLst>
+    <pc:chgData name="Rohit Suresh" userId="S::rohit.suresh@stud.fra-uas.de::36199f66-74b1-452b-a60e-7d97ea0bc7b5" providerId="AD" clId="Web-{F5CA1B4E-56D1-FB4A-4450-D281C11AB59E}"/>
+    <pc:docChg chg="modSld">
+      <pc:chgData name="Rohit Suresh" userId="S::rohit.suresh@stud.fra-uas.de::36199f66-74b1-452b-a60e-7d97ea0bc7b5" providerId="AD" clId="Web-{F5CA1B4E-56D1-FB4A-4450-D281C11AB59E}" dt="2023-03-28T20:20:55.857" v="164" actId="20577"/>
+      <pc:docMkLst>
+        <pc:docMk/>
+      </pc:docMkLst>
+      <pc:sldChg chg="modSp">
+        <pc:chgData name="Rohit Suresh" userId="S::rohit.suresh@stud.fra-uas.de::36199f66-74b1-452b-a60e-7d97ea0bc7b5" providerId="AD" clId="Web-{F5CA1B4E-56D1-FB4A-4450-D281C11AB59E}" dt="2023-03-28T14:41:14.030" v="1" actId="20577"/>
+        <pc:sldMkLst>
+          <pc:docMk/>
+          <pc:sldMk cId="0" sldId="256"/>
+        </pc:sldMkLst>
+        <pc:spChg chg="mod">
+          <ac:chgData name="Rohit Suresh" userId="S::rohit.suresh@stud.fra-uas.de::36199f66-74b1-452b-a60e-7d97ea0bc7b5" providerId="AD" clId="Web-{F5CA1B4E-56D1-FB4A-4450-D281C11AB59E}" dt="2023-03-28T14:41:14.030" v="1" actId="20577"/>
+          <ac:spMkLst>
+            <pc:docMk/>
+            <pc:sldMk cId="0" sldId="256"/>
+            <ac:spMk id="54" creationId="{00000000-0000-0000-0000-000000000000}"/>
+          </ac:spMkLst>
+        </pc:spChg>
+      </pc:sldChg>
+      <pc:sldChg chg="modSp">
+        <pc:chgData name="Rohit Suresh" userId="S::rohit.suresh@stud.fra-uas.de::36199f66-74b1-452b-a60e-7d97ea0bc7b5" providerId="AD" clId="Web-{F5CA1B4E-56D1-FB4A-4450-D281C11AB59E}" dt="2023-03-28T15:02:45.032" v="140" actId="14100"/>
+        <pc:sldMkLst>
+          <pc:docMk/>
+          <pc:sldMk cId="0" sldId="258"/>
+        </pc:sldMkLst>
+        <pc:spChg chg="mod">
+          <ac:chgData name="Rohit Suresh" userId="S::rohit.suresh@stud.fra-uas.de::36199f66-74b1-452b-a60e-7d97ea0bc7b5" providerId="AD" clId="Web-{F5CA1B4E-56D1-FB4A-4450-D281C11AB59E}" dt="2023-03-28T14:45:35.865" v="5" actId="1076"/>
+          <ac:spMkLst>
+            <pc:docMk/>
+            <pc:sldMk cId="0" sldId="258"/>
+            <ac:spMk id="67" creationId="{00000000-0000-0000-0000-000000000000}"/>
+          </ac:spMkLst>
+        </pc:spChg>
+        <pc:graphicFrameChg chg="mod">
+          <ac:chgData name="Rohit Suresh" userId="S::rohit.suresh@stud.fra-uas.de::36199f66-74b1-452b-a60e-7d97ea0bc7b5" providerId="AD" clId="Web-{F5CA1B4E-56D1-FB4A-4450-D281C11AB59E}" dt="2023-03-28T15:02:45.032" v="140" actId="14100"/>
+          <ac:graphicFrameMkLst>
+            <pc:docMk/>
+            <pc:sldMk cId="0" sldId="258"/>
+            <ac:graphicFrameMk id="96" creationId="{BADC7FD1-1CED-950E-4570-06FB7E3AC135}"/>
+          </ac:graphicFrameMkLst>
+        </pc:graphicFrameChg>
+      </pc:sldChg>
+      <pc:sldChg chg="modSp">
+        <pc:chgData name="Rohit Suresh" userId="S::rohit.suresh@stud.fra-uas.de::36199f66-74b1-452b-a60e-7d97ea0bc7b5" providerId="AD" clId="Web-{F5CA1B4E-56D1-FB4A-4450-D281C11AB59E}" dt="2023-03-28T15:02:33.875" v="139" actId="1076"/>
+        <pc:sldMkLst>
+          <pc:docMk/>
+          <pc:sldMk cId="0" sldId="259"/>
+        </pc:sldMkLst>
+        <pc:graphicFrameChg chg="mod">
+          <ac:chgData name="Rohit Suresh" userId="S::rohit.suresh@stud.fra-uas.de::36199f66-74b1-452b-a60e-7d97ea0bc7b5" providerId="AD" clId="Web-{F5CA1B4E-56D1-FB4A-4450-D281C11AB59E}" dt="2023-03-28T15:02:33.875" v="139" actId="1076"/>
+          <ac:graphicFrameMkLst>
+            <pc:docMk/>
+            <pc:sldMk cId="0" sldId="259"/>
+            <ac:graphicFrameMk id="93" creationId="{7FC3E4C5-D4CF-70D5-761C-655F055FFA75}"/>
+          </ac:graphicFrameMkLst>
+        </pc:graphicFrameChg>
+      </pc:sldChg>
+      <pc:sldChg chg="modSp">
+        <pc:chgData name="Rohit Suresh" userId="S::rohit.suresh@stud.fra-uas.de::36199f66-74b1-452b-a60e-7d97ea0bc7b5" providerId="AD" clId="Web-{F5CA1B4E-56D1-FB4A-4450-D281C11AB59E}" dt="2023-03-28T14:50:57.545" v="29" actId="20577"/>
+        <pc:sldMkLst>
+          <pc:docMk/>
+          <pc:sldMk cId="0" sldId="263"/>
+        </pc:sldMkLst>
+        <pc:graphicFrameChg chg="modGraphic">
+          <ac:chgData name="Rohit Suresh" userId="S::rohit.suresh@stud.fra-uas.de::36199f66-74b1-452b-a60e-7d97ea0bc7b5" providerId="AD" clId="Web-{F5CA1B4E-56D1-FB4A-4450-D281C11AB59E}" dt="2023-03-28T14:50:57.545" v="29" actId="20577"/>
+          <ac:graphicFrameMkLst>
+            <pc:docMk/>
+            <pc:sldMk cId="0" sldId="263"/>
+            <ac:graphicFrameMk id="101" creationId="{2FB155F6-3D78-4AE2-3FFA-8B5A9A385C1C}"/>
+          </ac:graphicFrameMkLst>
+        </pc:graphicFrameChg>
+      </pc:sldChg>
+      <pc:sldChg chg="modSp">
+        <pc:chgData name="Rohit Suresh" userId="S::rohit.suresh@stud.fra-uas.de::36199f66-74b1-452b-a60e-7d97ea0bc7b5" providerId="AD" clId="Web-{F5CA1B4E-56D1-FB4A-4450-D281C11AB59E}" dt="2023-03-28T15:00:27.653" v="138" actId="20577"/>
+        <pc:sldMkLst>
+          <pc:docMk/>
+          <pc:sldMk cId="0" sldId="266"/>
+        </pc:sldMkLst>
+        <pc:spChg chg="mod">
+          <ac:chgData name="Rohit Suresh" userId="S::rohit.suresh@stud.fra-uas.de::36199f66-74b1-452b-a60e-7d97ea0bc7b5" providerId="AD" clId="Web-{F5CA1B4E-56D1-FB4A-4450-D281C11AB59E}" dt="2023-03-28T15:00:27.653" v="138" actId="20577"/>
+          <ac:spMkLst>
+            <pc:docMk/>
+            <pc:sldMk cId="0" sldId="266"/>
+            <ac:spMk id="118" creationId="{00000000-0000-0000-0000-000000000000}"/>
+          </ac:spMkLst>
+        </pc:spChg>
+      </pc:sldChg>
+      <pc:sldChg chg="modSp">
+        <pc:chgData name="Rohit Suresh" userId="S::rohit.suresh@stud.fra-uas.de::36199f66-74b1-452b-a60e-7d97ea0bc7b5" providerId="AD" clId="Web-{F5CA1B4E-56D1-FB4A-4450-D281C11AB59E}" dt="2023-03-28T20:18:02.774" v="142" actId="1076"/>
+        <pc:sldMkLst>
+          <pc:docMk/>
+          <pc:sldMk cId="0" sldId="267"/>
+        </pc:sldMkLst>
+        <pc:picChg chg="mod">
+          <ac:chgData name="Rohit Suresh" userId="S::rohit.suresh@stud.fra-uas.de::36199f66-74b1-452b-a60e-7d97ea0bc7b5" providerId="AD" clId="Web-{F5CA1B4E-56D1-FB4A-4450-D281C11AB59E}" dt="2023-03-28T20:18:02.774" v="142" actId="1076"/>
+          <ac:picMkLst>
+            <pc:docMk/>
+            <pc:sldMk cId="0" sldId="267"/>
+            <ac:picMk id="3" creationId="{3B3C4656-B589-A586-173F-EBA65DD9F868}"/>
+          </ac:picMkLst>
+        </pc:picChg>
+      </pc:sldChg>
+      <pc:sldChg chg="addSp delSp modSp">
+        <pc:chgData name="Rohit Suresh" userId="S::rohit.suresh@stud.fra-uas.de::36199f66-74b1-452b-a60e-7d97ea0bc7b5" providerId="AD" clId="Web-{F5CA1B4E-56D1-FB4A-4450-D281C11AB59E}" dt="2023-03-28T20:20:55.857" v="164" actId="20577"/>
+        <pc:sldMkLst>
+          <pc:docMk/>
+          <pc:sldMk cId="0" sldId="268"/>
+        </pc:sldMkLst>
+        <pc:spChg chg="add del mod">
+          <ac:chgData name="Rohit Suresh" userId="S::rohit.suresh@stud.fra-uas.de::36199f66-74b1-452b-a60e-7d97ea0bc7b5" providerId="AD" clId="Web-{F5CA1B4E-56D1-FB4A-4450-D281C11AB59E}" dt="2023-03-28T14:52:31.938" v="39"/>
+          <ac:spMkLst>
+            <pc:docMk/>
+            <pc:sldMk cId="0" sldId="268"/>
+            <ac:spMk id="4" creationId="{DEE7DAA5-7DBF-B5D1-1280-F8E0144FD31C}"/>
+          </ac:spMkLst>
+        </pc:spChg>
+        <pc:spChg chg="add del mod">
+          <ac:chgData name="Rohit Suresh" userId="S::rohit.suresh@stud.fra-uas.de::36199f66-74b1-452b-a60e-7d97ea0bc7b5" providerId="AD" clId="Web-{F5CA1B4E-56D1-FB4A-4450-D281C11AB59E}" dt="2023-03-28T14:53:11.689" v="54"/>
+          <ac:spMkLst>
+            <pc:docMk/>
+            <pc:sldMk cId="0" sldId="268"/>
+            <ac:spMk id="7" creationId="{254201E2-250B-B0D0-86A7-7E10E8435762}"/>
+          </ac:spMkLst>
+        </pc:spChg>
+        <pc:spChg chg="mod">
+          <ac:chgData name="Rohit Suresh" userId="S::rohit.suresh@stud.fra-uas.de::36199f66-74b1-452b-a60e-7d97ea0bc7b5" providerId="AD" clId="Web-{F5CA1B4E-56D1-FB4A-4450-D281C11AB59E}" dt="2023-03-28T20:20:55.857" v="164" actId="20577"/>
+          <ac:spMkLst>
+            <pc:docMk/>
+            <pc:sldMk cId="0" sldId="268"/>
+            <ac:spMk id="131" creationId="{00000000-0000-0000-0000-000000000000}"/>
+          </ac:spMkLst>
+        </pc:spChg>
+        <pc:graphicFrameChg chg="add del mod">
+          <ac:chgData name="Rohit Suresh" userId="S::rohit.suresh@stud.fra-uas.de::36199f66-74b1-452b-a60e-7d97ea0bc7b5" providerId="AD" clId="Web-{F5CA1B4E-56D1-FB4A-4450-D281C11AB59E}" dt="2023-03-28T14:52:31.938" v="40"/>
+          <ac:graphicFrameMkLst>
+            <pc:docMk/>
+            <pc:sldMk cId="0" sldId="268"/>
+            <ac:graphicFrameMk id="3" creationId="{DD6573A4-57CA-77F1-2C0E-A41C53F42ACF}"/>
+          </ac:graphicFrameMkLst>
+        </pc:graphicFrameChg>
+        <pc:graphicFrameChg chg="add del mod modGraphic">
+          <ac:chgData name="Rohit Suresh" userId="S::rohit.suresh@stud.fra-uas.de::36199f66-74b1-452b-a60e-7d97ea0bc7b5" providerId="AD" clId="Web-{F5CA1B4E-56D1-FB4A-4450-D281C11AB59E}" dt="2023-03-28T14:55:46.099" v="76"/>
+          <ac:graphicFrameMkLst>
+            <pc:docMk/>
+            <pc:sldMk cId="0" sldId="268"/>
+            <ac:graphicFrameMk id="6" creationId="{6BFCF33E-5F25-2824-D49A-AD247991BB88}"/>
+          </ac:graphicFrameMkLst>
+        </pc:graphicFrameChg>
+        <pc:graphicFrameChg chg="add del mod">
+          <ac:chgData name="Rohit Suresh" userId="S::rohit.suresh@stud.fra-uas.de::36199f66-74b1-452b-a60e-7d97ea0bc7b5" providerId="AD" clId="Web-{F5CA1B4E-56D1-FB4A-4450-D281C11AB59E}" dt="2023-03-28T14:54:42.801" v="68"/>
+          <ac:graphicFrameMkLst>
+            <pc:docMk/>
+            <pc:sldMk cId="0" sldId="268"/>
+            <ac:graphicFrameMk id="9" creationId="{A6FED3CE-12AB-600E-3A9B-B958C8AB56CE}"/>
+          </ac:graphicFrameMkLst>
+        </pc:graphicFrameChg>
+      </pc:sldChg>
+    </pc:docChg>
+  </pc:docChgLst>
+  <pc:docChgLst>
+    <pc:chgData name="Rohit Suresh" userId="S::rohit.suresh@stud.fra-uas.de::36199f66-74b1-452b-a60e-7d97ea0bc7b5" providerId="AD" clId="Web-{7B525185-F96D-9729-FF26-50B5ECAE0989}"/>
+    <pc:docChg chg="modSld">
+      <pc:chgData name="Rohit Suresh" userId="S::rohit.suresh@stud.fra-uas.de::36199f66-74b1-452b-a60e-7d97ea0bc7b5" providerId="AD" clId="Web-{7B525185-F96D-9729-FF26-50B5ECAE0989}" dt="2023-03-22T12:43:32.444" v="190" actId="20577"/>
+      <pc:docMkLst>
+        <pc:docMk/>
+      </pc:docMkLst>
+      <pc:sldChg chg="modSp">
+        <pc:chgData name="Rohit Suresh" userId="S::rohit.suresh@stud.fra-uas.de::36199f66-74b1-452b-a60e-7d97ea0bc7b5" providerId="AD" clId="Web-{7B525185-F96D-9729-FF26-50B5ECAE0989}" dt="2023-03-22T10:11:13.962" v="3" actId="20577"/>
+        <pc:sldMkLst>
+          <pc:docMk/>
+          <pc:sldMk cId="0" sldId="256"/>
+        </pc:sldMkLst>
+        <pc:spChg chg="mod">
+          <ac:chgData name="Rohit Suresh" userId="S::rohit.suresh@stud.fra-uas.de::36199f66-74b1-452b-a60e-7d97ea0bc7b5" providerId="AD" clId="Web-{7B525185-F96D-9729-FF26-50B5ECAE0989}" dt="2023-03-22T10:11:13.962" v="3" actId="20577"/>
+          <ac:spMkLst>
+            <pc:docMk/>
+            <pc:sldMk cId="0" sldId="256"/>
+            <ac:spMk id="55" creationId="{00000000-0000-0000-0000-000000000000}"/>
+          </ac:spMkLst>
+        </pc:spChg>
+      </pc:sldChg>
+      <pc:sldChg chg="modSp">
+        <pc:chgData name="Rohit Suresh" userId="S::rohit.suresh@stud.fra-uas.de::36199f66-74b1-452b-a60e-7d97ea0bc7b5" providerId="AD" clId="Web-{7B525185-F96D-9729-FF26-50B5ECAE0989}" dt="2023-03-22T12:43:32.444" v="190" actId="20577"/>
+        <pc:sldMkLst>
+          <pc:docMk/>
+          <pc:sldMk cId="0" sldId="258"/>
+        </pc:sldMkLst>
+        <pc:graphicFrameChg chg="modGraphic">
+          <ac:chgData name="Rohit Suresh" userId="S::rohit.suresh@stud.fra-uas.de::36199f66-74b1-452b-a60e-7d97ea0bc7b5" providerId="AD" clId="Web-{7B525185-F96D-9729-FF26-50B5ECAE0989}" dt="2023-03-22T12:43:32.444" v="190" actId="20577"/>
+          <ac:graphicFrameMkLst>
+            <pc:docMk/>
+            <pc:sldMk cId="0" sldId="258"/>
+            <ac:graphicFrameMk id="96" creationId="{BADC7FD1-1CED-950E-4570-06FB7E3AC135}"/>
+          </ac:graphicFrameMkLst>
+        </pc:graphicFrameChg>
+      </pc:sldChg>
+      <pc:sldChg chg="modSp">
+        <pc:chgData name="Rohit Suresh" userId="S::rohit.suresh@stud.fra-uas.de::36199f66-74b1-452b-a60e-7d97ea0bc7b5" providerId="AD" clId="Web-{7B525185-F96D-9729-FF26-50B5ECAE0989}" dt="2023-03-22T11:06:48.860" v="112" actId="20577"/>
+        <pc:sldMkLst>
+          <pc:docMk/>
+          <pc:sldMk cId="0" sldId="268"/>
+        </pc:sldMkLst>
+        <pc:spChg chg="mod">
+          <ac:chgData name="Rohit Suresh" userId="S::rohit.suresh@stud.fra-uas.de::36199f66-74b1-452b-a60e-7d97ea0bc7b5" providerId="AD" clId="Web-{7B525185-F96D-9729-FF26-50B5ECAE0989}" dt="2023-03-22T11:06:48.860" v="112" actId="20577"/>
+          <ac:spMkLst>
+            <pc:docMk/>
+            <pc:sldMk cId="0" sldId="268"/>
+            <ac:spMk id="131" creationId="{00000000-0000-0000-0000-000000000000}"/>
+          </ac:spMkLst>
+        </pc:spChg>
+      </pc:sldChg>
+    </pc:docChg>
+  </pc:docChgLst>
 </pc:chgInfo>
 </file>
 
@@ -9283,7 +9283,7 @@
             </a:lnSpc>
           </a:pPr>
           <a:r>
-            <a:rPr lang="en-US" b="0">
+            <a:rPr lang="en-US" b="0" dirty="0">
               <a:latin typeface="+mj-lt"/>
             </a:rPr>
             <a:t>Serialization is the process of converting an object into a stream of bytes to store the object or transmit it to memory, a database, or a file. Its main purpose is to save the state of an object in order to be able to recreate it when needed. A classifier, in machine learning, is an algorithm that automatically assigns data points to a range of categories or classes. </a:t>
@@ -9986,32 +9986,11 @@
         <a:p>
           <a:pPr rtl="0"/>
           <a:r>
-            <a:rPr lang="en-US" b="1">
-              <a:latin typeface="Calibri Light" panose="020F0302020204030204"/>
+            <a:rPr lang="en-US" b="1" dirty="0">
+              <a:latin typeface="+mn-lt"/>
             </a:rPr>
-            <a:t>Step 1</a:t>
+            <a:t>Step 1: Serialization() created</a:t>
           </a:r>
-          <a:r>
-            <a:rPr lang="en-US" b="1"/>
-            <a:t>: </a:t>
-          </a:r>
-          <a:r>
-            <a:rPr lang="en-US" b="1">
-              <a:latin typeface="Calibri Light" panose="020F0302020204030204"/>
-            </a:rPr>
-            <a:t>Serialization()</a:t>
-          </a:r>
-          <a:r>
-            <a:rPr lang="en-US" b="1"/>
-            <a:t> </a:t>
-          </a:r>
-          <a:r>
-            <a:rPr lang="en-US" b="1">
-              <a:latin typeface="Calibri Light" panose="020F0302020204030204"/>
-            </a:rPr>
-            <a:t>created</a:t>
-          </a:r>
-          <a:endParaRPr lang="en-US" b="1"/>
         </a:p>
       </dgm:t>
     </dgm:pt>
@@ -10119,7 +10098,7 @@
       </dgm:t>
     </dgm:pt>
     <dgm:pt modelId="{CF36ED1D-403D-498B-9106-D2820A3CEF48}">
-      <dgm:prSet/>
+      <dgm:prSet custT="1"/>
       <dgm:spPr/>
       <dgm:t>
         <a:bodyPr/>
@@ -10127,44 +10106,14 @@
         <a:p>
           <a:pPr rtl="0"/>
           <a:r>
-            <a:rPr lang="en-US" b="1" dirty="0">
-              <a:latin typeface="Calibri Light" panose="020F0302020204030204"/>
+            <a:rPr lang="en-US" sz="2000" b="1" dirty="0">
+              <a:latin typeface="+mn-lt"/>
             </a:rPr>
-            <a:t>Step 2</a:t>
+            <a:t>Step 2 : HtmClassifier parameters Serialized and verified</a:t>
           </a:r>
-          <a:r>
-            <a:rPr lang="en-US" b="1" dirty="0"/>
-            <a:t> </a:t>
-          </a:r>
-          <a:r>
-            <a:rPr lang="en-US" b="1" dirty="0">
-              <a:latin typeface="Calibri Light" panose="020F0302020204030204"/>
-            </a:rPr>
-            <a:t>: HtmClassifier </a:t>
-          </a:r>
-          <a:r>
-            <a:rPr lang="en-US" b="0" dirty="0">
-              <a:latin typeface="Calibri Light" panose="020F0302020204030204"/>
-            </a:rPr>
-            <a:t>parameters</a:t>
-          </a:r>
-          <a:r>
-            <a:rPr lang="en-US" b="1" dirty="0">
-              <a:latin typeface="Calibri Light" panose="020F0302020204030204"/>
-            </a:rPr>
-            <a:t> Serialized and</a:t>
-          </a:r>
-          <a:r>
-            <a:rPr lang="en-US" b="1" dirty="0"/>
-            <a:t> </a:t>
-          </a:r>
-          <a:r>
-            <a:rPr lang="en-US" b="1" dirty="0">
-              <a:latin typeface="Calibri Light" panose="020F0302020204030204"/>
-            </a:rPr>
-            <a:t>verified</a:t>
-          </a:r>
-          <a:endParaRPr lang="en-US" dirty="0"/>
+          <a:endParaRPr lang="en-US" sz="2000" dirty="0">
+            <a:latin typeface="+mn-lt"/>
+          </a:endParaRPr>
         </a:p>
       </dgm:t>
     </dgm:pt>
@@ -10391,7 +10340,7 @@
           </a:r>
           <a:r>
             <a:rPr lang="en-US" dirty="0">
-              <a:latin typeface="Calibri Light" panose="020F0302020204030204"/>
+              <a:latin typeface="+mn-lt"/>
             </a:rPr>
             <a:t>HtmClassifier</a:t>
           </a:r>
@@ -10401,7 +10350,8 @@
           </a:r>
           <a:r>
             <a:rPr lang="en-US" dirty="0">
-              <a:latin typeface="Calibri Light" panose="020F0302020204030204"/>
+              <a:latin typeface="Calibri" panose="020F0502020204030204" pitchFamily="34" charset="0"/>
+              <a:cs typeface="Calibri" panose="020F0502020204030204" pitchFamily="34" charset="0"/>
             </a:rPr>
             <a:t>parameters</a:t>
           </a:r>
@@ -10484,13 +10434,13 @@
           </a:r>
           <a:r>
             <a:rPr lang="en-US" dirty="0">
-              <a:latin typeface="Calibri Light" panose="020F0302020204030204"/>
+              <a:latin typeface="+mn-lt"/>
             </a:rPr>
-            <a:t>HtmClassifier</a:t>
+            <a:t>HtmClassifier </a:t>
           </a:r>
           <a:r>
             <a:rPr lang="en-US" dirty="0"/>
-            <a:t> instance.</a:t>
+            <a:t>instance.</a:t>
           </a:r>
         </a:p>
       </dgm:t>
@@ -10525,17 +10475,18 @@
         <a:lstStyle/>
         <a:p>
           <a:r>
-            <a:rPr lang="en-US"/>
+            <a:rPr lang="en-US" dirty="0"/>
             <a:t>Verify if the </a:t>
           </a:r>
           <a:r>
-            <a:rPr lang="en-US">
-              <a:latin typeface="Calibri Light" panose="020F0302020204030204"/>
+            <a:rPr lang="en-US" dirty="0">
+              <a:latin typeface="Calibri" panose="020F0502020204030204" pitchFamily="34" charset="0"/>
+              <a:cs typeface="Calibri" panose="020F0502020204030204" pitchFamily="34" charset="0"/>
             </a:rPr>
             <a:t>values</a:t>
           </a:r>
           <a:r>
-            <a:rPr lang="en-US"/>
+            <a:rPr lang="en-US" dirty="0"/>
             <a:t> are populated in proper order as expected.</a:t>
           </a:r>
         </a:p>
@@ -11969,7 +11920,7 @@
             <a:buNone/>
           </a:pPr>
           <a:r>
-            <a:rPr lang="en-US" sz="1400" b="0" kern="1200">
+            <a:rPr lang="en-US" sz="1400" b="0" kern="1200" dirty="0">
               <a:latin typeface="+mj-lt"/>
             </a:rPr>
             <a:t>Serialization is the process of converting an object into a stream of bytes to store the object or transmit it to memory, a database, or a file. Its main purpose is to save the state of an object in order to be able to recreate it when needed. A classifier, in machine learning, is an algorithm that automatically assigns data points to a range of categories or classes. </a:t>
@@ -13176,12 +13127,12 @@
         </a:fontRef>
       </dsp:style>
       <dsp:txBody>
-        <a:bodyPr spcFirstLastPara="0" vert="horz" wrap="square" lIns="80010" tIns="40005" rIns="80010" bIns="40005" numCol="1" spcCol="1270" anchor="ctr" anchorCtr="0">
+        <a:bodyPr spcFirstLastPara="0" vert="horz" wrap="square" lIns="102870" tIns="51435" rIns="102870" bIns="51435" numCol="1" spcCol="1270" anchor="ctr" anchorCtr="0">
           <a:noAutofit/>
         </a:bodyPr>
         <a:lstStyle/>
         <a:p>
-          <a:pPr marL="0" lvl="0" indent="0" algn="ctr" defTabSz="933450" rtl="0">
+          <a:pPr marL="0" lvl="0" indent="0" algn="ctr" defTabSz="1200150" rtl="0">
             <a:lnSpc>
               <a:spcPct val="90000"/>
             </a:lnSpc>
@@ -13194,32 +13145,11 @@
             <a:buNone/>
           </a:pPr>
           <a:r>
-            <a:rPr lang="en-US" sz="2100" b="1" kern="1200">
-              <a:latin typeface="Calibri Light" panose="020F0302020204030204"/>
+            <a:rPr lang="en-US" sz="2700" b="1" kern="1200" dirty="0">
+              <a:latin typeface="+mn-lt"/>
             </a:rPr>
-            <a:t>Step 1</a:t>
+            <a:t>Step 1: Serialization() created</a:t>
           </a:r>
-          <a:r>
-            <a:rPr lang="en-US" sz="2100" b="1" kern="1200"/>
-            <a:t>: </a:t>
-          </a:r>
-          <a:r>
-            <a:rPr lang="en-US" sz="2100" b="1" kern="1200">
-              <a:latin typeface="Calibri Light" panose="020F0302020204030204"/>
-            </a:rPr>
-            <a:t>Serialization()</a:t>
-          </a:r>
-          <a:r>
-            <a:rPr lang="en-US" sz="2100" b="1" kern="1200"/>
-            <a:t> </a:t>
-          </a:r>
-          <a:r>
-            <a:rPr lang="en-US" sz="2100" b="1" kern="1200">
-              <a:latin typeface="Calibri Light" panose="020F0302020204030204"/>
-            </a:rPr>
-            <a:t>created</a:t>
-          </a:r>
-          <a:endParaRPr lang="en-US" sz="2100" b="1" kern="1200"/>
         </a:p>
       </dsp:txBody>
       <dsp:txXfrm>
@@ -13367,12 +13297,12 @@
         </a:fontRef>
       </dsp:style>
       <dsp:txBody>
-        <a:bodyPr spcFirstLastPara="0" vert="horz" wrap="square" lIns="80010" tIns="40005" rIns="80010" bIns="40005" numCol="1" spcCol="1270" anchor="ctr" anchorCtr="0">
+        <a:bodyPr spcFirstLastPara="0" vert="horz" wrap="square" lIns="76200" tIns="38100" rIns="76200" bIns="38100" numCol="1" spcCol="1270" anchor="ctr" anchorCtr="0">
           <a:noAutofit/>
         </a:bodyPr>
         <a:lstStyle/>
         <a:p>
-          <a:pPr marL="0" lvl="0" indent="0" algn="ctr" defTabSz="933450" rtl="0">
+          <a:pPr marL="0" lvl="0" indent="0" algn="ctr" defTabSz="889000" rtl="0">
             <a:lnSpc>
               <a:spcPct val="90000"/>
             </a:lnSpc>
@@ -13385,44 +13315,14 @@
             <a:buNone/>
           </a:pPr>
           <a:r>
-            <a:rPr lang="en-US" sz="2100" b="1" kern="1200" dirty="0">
-              <a:latin typeface="Calibri Light" panose="020F0302020204030204"/>
+            <a:rPr lang="en-US" sz="2000" b="1" kern="1200" dirty="0">
+              <a:latin typeface="+mn-lt"/>
             </a:rPr>
-            <a:t>Step 2</a:t>
+            <a:t>Step 2 : HtmClassifier parameters Serialized and verified</a:t>
           </a:r>
-          <a:r>
-            <a:rPr lang="en-US" sz="2100" b="1" kern="1200" dirty="0"/>
-            <a:t> </a:t>
-          </a:r>
-          <a:r>
-            <a:rPr lang="en-US" sz="2100" b="1" kern="1200" dirty="0">
-              <a:latin typeface="Calibri Light" panose="020F0302020204030204"/>
-            </a:rPr>
-            <a:t>: HtmClassifier </a:t>
-          </a:r>
-          <a:r>
-            <a:rPr lang="en-US" sz="2100" b="0" kern="1200" dirty="0">
-              <a:latin typeface="Calibri Light" panose="020F0302020204030204"/>
-            </a:rPr>
-            <a:t>parameters</a:t>
-          </a:r>
-          <a:r>
-            <a:rPr lang="en-US" sz="2100" b="1" kern="1200" dirty="0">
-              <a:latin typeface="Calibri Light" panose="020F0302020204030204"/>
-            </a:rPr>
-            <a:t> Serialized and</a:t>
-          </a:r>
-          <a:r>
-            <a:rPr lang="en-US" sz="2100" b="1" kern="1200" dirty="0"/>
-            <a:t> </a:t>
-          </a:r>
-          <a:r>
-            <a:rPr lang="en-US" sz="2100" b="1" kern="1200" dirty="0">
-              <a:latin typeface="Calibri Light" panose="020F0302020204030204"/>
-            </a:rPr>
-            <a:t>verified</a:t>
-          </a:r>
-          <a:endParaRPr lang="en-US" sz="2100" kern="1200" dirty="0"/>
+          <a:endParaRPr lang="en-US" sz="2000" kern="1200" dirty="0">
+            <a:latin typeface="+mn-lt"/>
+          </a:endParaRPr>
         </a:p>
       </dsp:txBody>
       <dsp:txXfrm>
@@ -13516,7 +13416,7 @@
           </a:r>
           <a:r>
             <a:rPr lang="en-US" sz="1300" kern="1200" dirty="0">
-              <a:latin typeface="Calibri Light" panose="020F0302020204030204"/>
+              <a:latin typeface="+mn-lt"/>
             </a:rPr>
             <a:t>HtmClassifier</a:t>
           </a:r>
@@ -13526,7 +13426,8 @@
           </a:r>
           <a:r>
             <a:rPr lang="en-US" sz="1300" kern="1200" dirty="0">
-              <a:latin typeface="Calibri Light" panose="020F0302020204030204"/>
+              <a:latin typeface="Calibri" panose="020F0502020204030204" pitchFamily="34" charset="0"/>
+              <a:cs typeface="Calibri" panose="020F0502020204030204" pitchFamily="34" charset="0"/>
             </a:rPr>
             <a:t>parameters</a:t>
           </a:r>
@@ -13719,13 +13620,13 @@
           </a:r>
           <a:r>
             <a:rPr lang="en-US" sz="1300" kern="1200" dirty="0">
-              <a:latin typeface="Calibri Light" panose="020F0302020204030204"/>
+              <a:latin typeface="+mn-lt"/>
             </a:rPr>
-            <a:t>HtmClassifier</a:t>
+            <a:t>HtmClassifier </a:t>
           </a:r>
           <a:r>
             <a:rPr lang="en-US" sz="1300" kern="1200" dirty="0"/>
-            <a:t> instance.</a:t>
+            <a:t>instance.</a:t>
           </a:r>
         </a:p>
         <a:p>
@@ -13742,17 +13643,18 @@
             <a:buChar char="•"/>
           </a:pPr>
           <a:r>
-            <a:rPr lang="en-US" sz="1300" kern="1200"/>
+            <a:rPr lang="en-US" sz="1300" kern="1200" dirty="0"/>
             <a:t>Verify if the </a:t>
           </a:r>
           <a:r>
-            <a:rPr lang="en-US" sz="1300" kern="1200">
-              <a:latin typeface="Calibri Light" panose="020F0302020204030204"/>
+            <a:rPr lang="en-US" sz="1300" kern="1200" dirty="0">
+              <a:latin typeface="Calibri" panose="020F0502020204030204" pitchFamily="34" charset="0"/>
+              <a:cs typeface="Calibri" panose="020F0502020204030204" pitchFamily="34" charset="0"/>
             </a:rPr>
             <a:t>values</a:t>
           </a:r>
           <a:r>
-            <a:rPr lang="en-US" sz="1300" kern="1200"/>
+            <a:rPr lang="en-US" sz="1300" kern="1200" dirty="0"/>
             <a:t> are populated in proper order as expected.</a:t>
           </a:r>
         </a:p>
@@ -31675,33 +31577,6 @@
       </p:grpSpPr>
       <p:sp>
         <p:nvSpPr>
-          <p:cNvPr id="2" name="Title 1">
-            <a:extLst>
-              <a:ext uri="{FF2B5EF4-FFF2-40B4-BE49-F238E27FC236}">
-                <a16:creationId xmlns:a16="http://schemas.microsoft.com/office/drawing/2014/main" id="{314CE82C-93C5-17C6-59D5-F48F501736A8}"/>
-              </a:ext>
-            </a:extLst>
-          </p:cNvPr>
-          <p:cNvSpPr>
-            <a:spLocks noGrp="1"/>
-          </p:cNvSpPr>
-          <p:nvPr>
-            <p:ph type="title"/>
-          </p:nvPr>
-        </p:nvSpPr>
-        <p:spPr/>
-        <p:txBody>
-          <a:bodyPr>
-            <a:normAutofit fontScale="90000"/>
-          </a:bodyPr>
-          <a:lstStyle/>
-          <a:p>
-            <a:endParaRPr lang="de-DE" dirty="0"/>
-          </a:p>
-        </p:txBody>
-      </p:sp>
-      <p:sp>
-        <p:nvSpPr>
           <p:cNvPr id="4" name="Rectangle 3">
             <a:extLst>
               <a:ext uri="{FF2B5EF4-FFF2-40B4-BE49-F238E27FC236}">
@@ -32973,7 +32848,7 @@
           <p:nvPr>
             <p:extLst>
               <p:ext uri="{D42A27DB-BD31-4B8C-83A1-F6EECF244321}">
-                <p14:modId xmlns:p14="http://schemas.microsoft.com/office/powerpoint/2010/main" val="2249442488"/>
+                <p14:modId xmlns:p14="http://schemas.microsoft.com/office/powerpoint/2010/main" val="3873783141"/>
               </p:ext>
             </p:extLst>
           </p:nvPr>
@@ -33439,33 +33314,6 @@
           </a:fontRef>
         </p:style>
       </p:sp>
-      <p:sp>
-        <p:nvSpPr>
-          <p:cNvPr id="3" name="Title 2">
-            <a:extLst>
-              <a:ext uri="{FF2B5EF4-FFF2-40B4-BE49-F238E27FC236}">
-                <a16:creationId xmlns:a16="http://schemas.microsoft.com/office/drawing/2014/main" id="{94ED2850-2238-57C4-3BDA-E2F45F2A3D74}"/>
-              </a:ext>
-            </a:extLst>
-          </p:cNvPr>
-          <p:cNvSpPr>
-            <a:spLocks noGrp="1"/>
-          </p:cNvSpPr>
-          <p:nvPr>
-            <p:ph type="title"/>
-          </p:nvPr>
-        </p:nvSpPr>
-        <p:spPr/>
-        <p:txBody>
-          <a:bodyPr>
-            <a:normAutofit fontScale="90000"/>
-          </a:bodyPr>
-          <a:lstStyle/>
-          <a:p>
-            <a:endParaRPr lang="de-DE"/>
-          </a:p>
-        </p:txBody>
-      </p:sp>
     </p:spTree>
     <p:extLst>
       <p:ext uri="{BB962C8B-B14F-4D97-AF65-F5344CB8AC3E}">
@@ -33628,7 +33476,7 @@
           <p:nvPr>
             <p:extLst>
               <p:ext uri="{D42A27DB-BD31-4B8C-83A1-F6EECF244321}">
-                <p14:modId xmlns:p14="http://schemas.microsoft.com/office/powerpoint/2010/main" val="2833952133"/>
+                <p14:modId xmlns:p14="http://schemas.microsoft.com/office/powerpoint/2010/main" val="449646890"/>
               </p:ext>
             </p:extLst>
           </p:nvPr>
